--- a/powerpoints/shiny.pptx
+++ b/powerpoints/shiny.pptx
@@ -1,6 +1,6 @@
 
 <file path=ppt/presentation.xml><?xml version="1.0" encoding="utf-8"?>
-<p:presentation xmlns:a="http://schemas.openxmlformats.org/drawingml/2006/main" xmlns:r="http://schemas.openxmlformats.org/officeDocument/2006/relationships" xmlns:p="http://schemas.openxmlformats.org/presentationml/2006/main">
+<p:presentation xmlns:a="http://schemas.openxmlformats.org/drawingml/2006/main" xmlns:r="http://schemas.openxmlformats.org/officeDocument/2006/relationships" xmlns:p="http://schemas.openxmlformats.org/presentationml/2006/main" xmlns:m="http://schemas.openxmlformats.org/officeDocument/2006/math" xmlns:a14="http://schemas.microsoft.com/office/drawing/2010/main">
   <p:sldMasterIdLst>
     <p:sldMasterId id="2147483648" r:id="rId5"/>
   </p:sldMasterIdLst>
@@ -315,11 +315,11 @@
 </file>
 
 <file path=ppt/commentAuthors.xml><?xml version="1.0" encoding="utf-8"?>
-<p:cmAuthorLst xmlns:a="http://schemas.openxmlformats.org/drawingml/2006/main" xmlns:r="http://schemas.openxmlformats.org/officeDocument/2006/relationships" xmlns:p="http://schemas.openxmlformats.org/presentationml/2006/main"/>
+<p:cmAuthorLst xmlns:a="http://schemas.openxmlformats.org/drawingml/2006/main" xmlns:r="http://schemas.openxmlformats.org/officeDocument/2006/relationships" xmlns:p="http://schemas.openxmlformats.org/presentationml/2006/main" xmlns:m="http://schemas.openxmlformats.org/officeDocument/2006/math" xmlns:a14="http://schemas.microsoft.com/office/drawing/2010/main"/>
 </file>
 
 <file path=ppt/notesMasters/notesMaster1.xml><?xml version="1.0" encoding="utf-8"?>
-<p:notesMaster xmlns:a="http://schemas.openxmlformats.org/drawingml/2006/main" xmlns:r="http://schemas.openxmlformats.org/officeDocument/2006/relationships" xmlns:p="http://schemas.openxmlformats.org/presentationml/2006/main">
+<p:notesMaster xmlns:a="http://schemas.openxmlformats.org/drawingml/2006/main" xmlns:r="http://schemas.openxmlformats.org/officeDocument/2006/relationships" xmlns:p="http://schemas.openxmlformats.org/presentationml/2006/main" xmlns:m="http://schemas.openxmlformats.org/officeDocument/2006/math" xmlns:a14="http://schemas.microsoft.com/office/drawing/2010/main">
   <p:cSld>
     <p:spTree>
       <p:nvGrpSpPr>
@@ -493,7 +493,7 @@
 </file>
 
 <file path=ppt/slideLayouts/slideLayout1.xml><?xml version="1.0" encoding="utf-8"?>
-<p:sldLayout xmlns:a="http://schemas.openxmlformats.org/drawingml/2006/main" xmlns:r="http://schemas.openxmlformats.org/officeDocument/2006/relationships" xmlns:p="http://schemas.openxmlformats.org/presentationml/2006/main" type="title" showMasterSp="1" showMasterPhAnim="1">
+<p:sldLayout xmlns:a="http://schemas.openxmlformats.org/drawingml/2006/main" xmlns:r="http://schemas.openxmlformats.org/officeDocument/2006/relationships" xmlns:p="http://schemas.openxmlformats.org/presentationml/2006/main" xmlns:m="http://schemas.openxmlformats.org/officeDocument/2006/math" xmlns:a14="http://schemas.microsoft.com/office/drawing/2010/main" type="title" showMasterSp="1" showMasterPhAnim="1">
   <p:cSld name="Title &amp; Subtitle">
     <p:spTree>
       <p:nvGrpSpPr>
@@ -667,7 +667,7 @@
 </file>
 
 <file path=ppt/slideLayouts/slideLayout10.xml><?xml version="1.0" encoding="utf-8"?>
-<p:sldLayout xmlns:a="http://schemas.openxmlformats.org/drawingml/2006/main" xmlns:r="http://schemas.openxmlformats.org/officeDocument/2006/relationships" xmlns:p="http://schemas.openxmlformats.org/presentationml/2006/main" type="tx" showMasterSp="1" showMasterPhAnim="1">
+<p:sldLayout xmlns:a="http://schemas.openxmlformats.org/drawingml/2006/main" xmlns:r="http://schemas.openxmlformats.org/officeDocument/2006/relationships" xmlns:p="http://schemas.openxmlformats.org/presentationml/2006/main" xmlns:m="http://schemas.openxmlformats.org/officeDocument/2006/math" xmlns:a14="http://schemas.microsoft.com/office/drawing/2010/main" type="tx" showMasterSp="1" showMasterPhAnim="1">
   <p:cSld name="Quote">
     <p:spTree>
       <p:nvGrpSpPr>
@@ -789,7 +789,7 @@
 </file>
 
 <file path=ppt/slideLayouts/slideLayout11.xml><?xml version="1.0" encoding="utf-8"?>
-<p:sldLayout xmlns:a="http://schemas.openxmlformats.org/drawingml/2006/main" xmlns:r="http://schemas.openxmlformats.org/officeDocument/2006/relationships" xmlns:p="http://schemas.openxmlformats.org/presentationml/2006/main" type="tx" showMasterSp="1" showMasterPhAnim="1">
+<p:sldLayout xmlns:a="http://schemas.openxmlformats.org/drawingml/2006/main" xmlns:r="http://schemas.openxmlformats.org/officeDocument/2006/relationships" xmlns:p="http://schemas.openxmlformats.org/presentationml/2006/main" xmlns:m="http://schemas.openxmlformats.org/officeDocument/2006/math" xmlns:a14="http://schemas.microsoft.com/office/drawing/2010/main" type="tx" showMasterSp="1" showMasterPhAnim="1">
   <p:cSld name="Photo">
     <p:spTree>
       <p:nvGrpSpPr>
@@ -864,7 +864,7 @@
 </file>
 
 <file path=ppt/slideLayouts/slideLayout12.xml><?xml version="1.0" encoding="utf-8"?>
-<p:sldLayout xmlns:a="http://schemas.openxmlformats.org/drawingml/2006/main" xmlns:r="http://schemas.openxmlformats.org/officeDocument/2006/relationships" xmlns:p="http://schemas.openxmlformats.org/presentationml/2006/main" type="tx" showMasterSp="1" showMasterPhAnim="1">
+<p:sldLayout xmlns:a="http://schemas.openxmlformats.org/drawingml/2006/main" xmlns:r="http://schemas.openxmlformats.org/officeDocument/2006/relationships" xmlns:p="http://schemas.openxmlformats.org/presentationml/2006/main" xmlns:m="http://schemas.openxmlformats.org/officeDocument/2006/math" xmlns:a14="http://schemas.microsoft.com/office/drawing/2010/main" type="tx" showMasterSp="1" showMasterPhAnim="1">
   <p:cSld name="Blank">
     <p:spTree>
       <p:nvGrpSpPr>
@@ -912,7 +912,7 @@
 </file>
 
 <file path=ppt/slideLayouts/slideLayout2.xml><?xml version="1.0" encoding="utf-8"?>
-<p:sldLayout xmlns:a="http://schemas.openxmlformats.org/drawingml/2006/main" xmlns:r="http://schemas.openxmlformats.org/officeDocument/2006/relationships" xmlns:p="http://schemas.openxmlformats.org/presentationml/2006/main" type="tx" showMasterSp="1" showMasterPhAnim="1">
+<p:sldLayout xmlns:a="http://schemas.openxmlformats.org/drawingml/2006/main" xmlns:r="http://schemas.openxmlformats.org/officeDocument/2006/relationships" xmlns:p="http://schemas.openxmlformats.org/presentationml/2006/main" xmlns:m="http://schemas.openxmlformats.org/officeDocument/2006/math" xmlns:a14="http://schemas.microsoft.com/office/drawing/2010/main" type="tx" showMasterSp="1" showMasterPhAnim="1">
   <p:cSld name="Photo - Horizontal">
     <p:spTree>
       <p:nvGrpSpPr>
@@ -1117,7 +1117,7 @@
 </file>
 
 <file path=ppt/slideLayouts/slideLayout3.xml><?xml version="1.0" encoding="utf-8"?>
-<p:sldLayout xmlns:a="http://schemas.openxmlformats.org/drawingml/2006/main" xmlns:r="http://schemas.openxmlformats.org/officeDocument/2006/relationships" xmlns:p="http://schemas.openxmlformats.org/presentationml/2006/main" type="tx" showMasterSp="1" showMasterPhAnim="1">
+<p:sldLayout xmlns:a="http://schemas.openxmlformats.org/drawingml/2006/main" xmlns:r="http://schemas.openxmlformats.org/officeDocument/2006/relationships" xmlns:p="http://schemas.openxmlformats.org/presentationml/2006/main" xmlns:m="http://schemas.openxmlformats.org/officeDocument/2006/math" xmlns:a14="http://schemas.microsoft.com/office/drawing/2010/main" type="tx" showMasterSp="1" showMasterPhAnim="1">
   <p:cSld name="Title - Center">
     <p:spTree>
       <p:nvGrpSpPr>
@@ -1193,7 +1193,7 @@
 </file>
 
 <file path=ppt/slideLayouts/slideLayout4.xml><?xml version="1.0" encoding="utf-8"?>
-<p:sldLayout xmlns:a="http://schemas.openxmlformats.org/drawingml/2006/main" xmlns:r="http://schemas.openxmlformats.org/officeDocument/2006/relationships" xmlns:p="http://schemas.openxmlformats.org/presentationml/2006/main" type="tx" showMasterSp="1" showMasterPhAnim="1">
+<p:sldLayout xmlns:a="http://schemas.openxmlformats.org/drawingml/2006/main" xmlns:r="http://schemas.openxmlformats.org/officeDocument/2006/relationships" xmlns:p="http://schemas.openxmlformats.org/presentationml/2006/main" xmlns:m="http://schemas.openxmlformats.org/officeDocument/2006/math" xmlns:a14="http://schemas.microsoft.com/office/drawing/2010/main" type="tx" showMasterSp="1" showMasterPhAnim="1">
   <p:cSld name="Photo - Vertical">
     <p:spTree>
       <p:nvGrpSpPr>
@@ -1403,7 +1403,7 @@
 </file>
 
 <file path=ppt/slideLayouts/slideLayout5.xml><?xml version="1.0" encoding="utf-8"?>
-<p:sldLayout xmlns:a="http://schemas.openxmlformats.org/drawingml/2006/main" xmlns:r="http://schemas.openxmlformats.org/officeDocument/2006/relationships" xmlns:p="http://schemas.openxmlformats.org/presentationml/2006/main" type="tx" showMasterSp="1" showMasterPhAnim="1">
+<p:sldLayout xmlns:a="http://schemas.openxmlformats.org/drawingml/2006/main" xmlns:r="http://schemas.openxmlformats.org/officeDocument/2006/relationships" xmlns:p="http://schemas.openxmlformats.org/presentationml/2006/main" xmlns:m="http://schemas.openxmlformats.org/officeDocument/2006/math" xmlns:a14="http://schemas.microsoft.com/office/drawing/2010/main" type="tx" showMasterSp="1" showMasterPhAnim="1">
   <p:cSld name="Title - Top">
     <p:spTree>
       <p:nvGrpSpPr>
@@ -1475,7 +1475,7 @@
 </file>
 
 <file path=ppt/slideLayouts/slideLayout6.xml><?xml version="1.0" encoding="utf-8"?>
-<p:sldLayout xmlns:a="http://schemas.openxmlformats.org/drawingml/2006/main" xmlns:r="http://schemas.openxmlformats.org/officeDocument/2006/relationships" xmlns:p="http://schemas.openxmlformats.org/presentationml/2006/main" type="tx" showMasterSp="1" showMasterPhAnim="1">
+<p:sldLayout xmlns:a="http://schemas.openxmlformats.org/drawingml/2006/main" xmlns:r="http://schemas.openxmlformats.org/officeDocument/2006/relationships" xmlns:p="http://schemas.openxmlformats.org/presentationml/2006/main" xmlns:m="http://schemas.openxmlformats.org/officeDocument/2006/math" xmlns:a14="http://schemas.microsoft.com/office/drawing/2010/main" type="tx" showMasterSp="1" showMasterPhAnim="1">
   <p:cSld name="Title &amp; Bullets">
     <p:spTree>
       <p:nvGrpSpPr>
@@ -1595,7 +1595,7 @@
 </file>
 
 <file path=ppt/slideLayouts/slideLayout7.xml><?xml version="1.0" encoding="utf-8"?>
-<p:sldLayout xmlns:a="http://schemas.openxmlformats.org/drawingml/2006/main" xmlns:r="http://schemas.openxmlformats.org/officeDocument/2006/relationships" xmlns:p="http://schemas.openxmlformats.org/presentationml/2006/main" type="tx" showMasterSp="1" showMasterPhAnim="1">
+<p:sldLayout xmlns:a="http://schemas.openxmlformats.org/drawingml/2006/main" xmlns:r="http://schemas.openxmlformats.org/officeDocument/2006/relationships" xmlns:p="http://schemas.openxmlformats.org/presentationml/2006/main" xmlns:m="http://schemas.openxmlformats.org/officeDocument/2006/math" xmlns:a14="http://schemas.microsoft.com/office/drawing/2010/main" type="tx" showMasterSp="1" showMasterPhAnim="1">
   <p:cSld name="Title, Bullets &amp; Photo">
     <p:spTree>
       <p:nvGrpSpPr>
@@ -1762,7 +1762,7 @@
 </file>
 
 <file path=ppt/slideLayouts/slideLayout8.xml><?xml version="1.0" encoding="utf-8"?>
-<p:sldLayout xmlns:a="http://schemas.openxmlformats.org/drawingml/2006/main" xmlns:r="http://schemas.openxmlformats.org/officeDocument/2006/relationships" xmlns:p="http://schemas.openxmlformats.org/presentationml/2006/main" type="tx" showMasterSp="1" showMasterPhAnim="1">
+<p:sldLayout xmlns:a="http://schemas.openxmlformats.org/drawingml/2006/main" xmlns:r="http://schemas.openxmlformats.org/officeDocument/2006/relationships" xmlns:p="http://schemas.openxmlformats.org/presentationml/2006/main" xmlns:m="http://schemas.openxmlformats.org/officeDocument/2006/math" xmlns:a14="http://schemas.microsoft.com/office/drawing/2010/main" type="tx" showMasterSp="1" showMasterPhAnim="1">
   <p:cSld name="Bullets">
     <p:spTree>
       <p:nvGrpSpPr>
@@ -1862,7 +1862,7 @@
 </file>
 
 <file path=ppt/slideLayouts/slideLayout9.xml><?xml version="1.0" encoding="utf-8"?>
-<p:sldLayout xmlns:a="http://schemas.openxmlformats.org/drawingml/2006/main" xmlns:r="http://schemas.openxmlformats.org/officeDocument/2006/relationships" xmlns:p="http://schemas.openxmlformats.org/presentationml/2006/main" type="tx" showMasterSp="1" showMasterPhAnim="1">
+<p:sldLayout xmlns:a="http://schemas.openxmlformats.org/drawingml/2006/main" xmlns:r="http://schemas.openxmlformats.org/officeDocument/2006/relationships" xmlns:p="http://schemas.openxmlformats.org/presentationml/2006/main" xmlns:m="http://schemas.openxmlformats.org/officeDocument/2006/math" xmlns:a14="http://schemas.microsoft.com/office/drawing/2010/main" type="tx" showMasterSp="1" showMasterPhAnim="1">
   <p:cSld name="Photo - 3 Up">
     <p:spTree>
       <p:nvGrpSpPr>
@@ -1991,7 +1991,7 @@
 </file>
 
 <file path=ppt/slideMasters/slideMaster1.xml><?xml version="1.0" encoding="utf-8"?>
-<p:sldMaster xmlns:a="http://schemas.openxmlformats.org/drawingml/2006/main" xmlns:r="http://schemas.openxmlformats.org/officeDocument/2006/relationships" xmlns:p="http://schemas.openxmlformats.org/presentationml/2006/main">
+<p:sldMaster xmlns:a="http://schemas.openxmlformats.org/drawingml/2006/main" xmlns:r="http://schemas.openxmlformats.org/officeDocument/2006/relationships" xmlns:p="http://schemas.openxmlformats.org/presentationml/2006/main" xmlns:m="http://schemas.openxmlformats.org/officeDocument/2006/math" xmlns:a14="http://schemas.microsoft.com/office/drawing/2010/main">
   <p:cSld>
     <p:bg>
       <p:bgPr>
@@ -2973,7 +2973,7 @@
 </file>
 
 <file path=ppt/slides/slide1.xml><?xml version="1.0" encoding="utf-8"?>
-<p:sld xmlns:a="http://schemas.openxmlformats.org/drawingml/2006/main" xmlns:r="http://schemas.openxmlformats.org/officeDocument/2006/relationships" xmlns:p="http://schemas.openxmlformats.org/presentationml/2006/main" showMasterSp="1" showMasterPhAnim="1">
+<p:sld xmlns:a="http://schemas.openxmlformats.org/drawingml/2006/main" xmlns:r="http://schemas.openxmlformats.org/officeDocument/2006/relationships" xmlns:p="http://schemas.openxmlformats.org/presentationml/2006/main" xmlns:m="http://schemas.openxmlformats.org/officeDocument/2006/math" xmlns:a14="http://schemas.microsoft.com/office/drawing/2010/main" showMasterSp="1" showMasterPhAnim="1">
   <p:cSld>
     <p:spTree>
       <p:nvGrpSpPr>
@@ -2989,38 +2989,844 @@
           <a:chExt cx="0" cy="0"/>
         </a:xfrm>
       </p:grpSpPr>
-      <p:pic>
-        <p:nvPicPr>
-          <p:cNvPr id="119" name="Image" descr="Image"/>
-          <p:cNvPicPr>
-            <a:picLocks noChangeAspect="1"/>
-          </p:cNvPicPr>
+      <p:grpSp>
+        <p:nvGrpSpPr>
+          <p:cNvPr id="136" name="Group"/>
+          <p:cNvGrpSpPr/>
           <p:nvPr/>
-        </p:nvPicPr>
-        <p:blipFill>
-          <a:blip r:embed="rId2">
-            <a:extLst/>
-          </a:blip>
-          <a:stretch>
-            <a:fillRect/>
-          </a:stretch>
-        </p:blipFill>
+        </p:nvGrpSpPr>
+        <p:grpSpPr>
+          <a:xfrm>
+            <a:off x="8383487" y="-1013161"/>
+            <a:ext cx="6157893" cy="3553962"/>
+            <a:chOff x="0" y="51032"/>
+            <a:chExt cx="6157891" cy="3553961"/>
+          </a:xfrm>
+        </p:grpSpPr>
+        <p:grpSp>
+          <p:nvGrpSpPr>
+            <p:cNvPr id="134" name="Group"/>
+            <p:cNvGrpSpPr/>
+            <p:nvPr/>
+          </p:nvGrpSpPr>
+          <p:grpSpPr>
+            <a:xfrm>
+              <a:off x="23293" y="51032"/>
+              <a:ext cx="6134599" cy="2980091"/>
+              <a:chOff x="0" y="51032"/>
+              <a:chExt cx="6134598" cy="2980090"/>
+            </a:xfrm>
+          </p:grpSpPr>
+          <p:sp>
+            <p:nvSpPr>
+              <p:cNvPr id="119" name="Triangle"/>
+              <p:cNvSpPr/>
+              <p:nvPr/>
+            </p:nvSpPr>
+            <p:spPr>
+              <a:xfrm rot="1800000">
+                <a:off x="1177377" y="304285"/>
+                <a:ext cx="1319509" cy="1143860"/>
+              </a:xfrm>
+              <a:prstGeom prst="triangle">
+                <a:avLst/>
+              </a:prstGeom>
+              <a:solidFill>
+                <a:srgbClr val="4380C5"/>
+              </a:solidFill>
+              <a:ln w="3175" cap="flat">
+                <a:solidFill>
+                  <a:srgbClr val="437FC5"/>
+                </a:solidFill>
+                <a:prstDash val="solid"/>
+                <a:miter lim="400000"/>
+              </a:ln>
+              <a:effectLst/>
+            </p:spPr>
+            <p:txBody>
+              <a:bodyPr wrap="square" lIns="54570" tIns="54570" rIns="54570" bIns="54570" numCol="1" anchor="ctr">
+                <a:noAutofit/>
+              </a:bodyPr>
+              <a:lstStyle/>
+              <a:p>
+                <a:pPr>
+                  <a:lnSpc>
+                    <a:spcPct val="80000"/>
+                  </a:lnSpc>
+                  <a:spcBef>
+                    <a:spcPts val="0"/>
+                  </a:spcBef>
+                  <a:defRPr b="0">
+                    <a:solidFill>
+                      <a:srgbClr val="000000"/>
+                    </a:solidFill>
+                  </a:defRPr>
+                </a:pPr>
+              </a:p>
+            </p:txBody>
+          </p:sp>
+          <p:sp>
+            <p:nvSpPr>
+              <p:cNvPr id="120" name="Circle"/>
+              <p:cNvSpPr/>
+              <p:nvPr/>
+            </p:nvSpPr>
+            <p:spPr>
+              <a:xfrm flipH="1">
+                <a:off x="1550782" y="838357"/>
+                <a:ext cx="422090" cy="422090"/>
+              </a:xfrm>
+              <a:prstGeom prst="ellipse">
+                <a:avLst/>
+              </a:prstGeom>
+              <a:solidFill>
+                <a:srgbClr val="74B4EB"/>
+              </a:solidFill>
+              <a:ln w="12700" cap="flat">
+                <a:noFill/>
+                <a:miter lim="400000"/>
+              </a:ln>
+              <a:effectLst/>
+            </p:spPr>
+            <p:txBody>
+              <a:bodyPr wrap="square" lIns="54570" tIns="54570" rIns="54570" bIns="54570" numCol="1" anchor="ctr">
+                <a:noAutofit/>
+              </a:bodyPr>
+              <a:lstStyle/>
+              <a:p>
+                <a:pPr>
+                  <a:lnSpc>
+                    <a:spcPct val="80000"/>
+                  </a:lnSpc>
+                  <a:spcBef>
+                    <a:spcPts val="0"/>
+                  </a:spcBef>
+                  <a:defRPr b="0">
+                    <a:solidFill>
+                      <a:srgbClr val="000000"/>
+                    </a:solidFill>
+                  </a:defRPr>
+                </a:pPr>
+              </a:p>
+            </p:txBody>
+          </p:sp>
+          <p:sp>
+            <p:nvSpPr>
+              <p:cNvPr id="121" name="Circle"/>
+              <p:cNvSpPr/>
+              <p:nvPr/>
+            </p:nvSpPr>
+            <p:spPr>
+              <a:xfrm flipH="1">
+                <a:off x="0" y="819778"/>
+                <a:ext cx="422089" cy="422090"/>
+              </a:xfrm>
+              <a:prstGeom prst="ellipse">
+                <a:avLst/>
+              </a:prstGeom>
+              <a:solidFill>
+                <a:srgbClr val="4380C5">
+                  <a:alpha val="50458"/>
+                </a:srgbClr>
+              </a:solidFill>
+              <a:ln w="12700" cap="flat">
+                <a:noFill/>
+                <a:miter lim="400000"/>
+              </a:ln>
+              <a:effectLst/>
+            </p:spPr>
+            <p:txBody>
+              <a:bodyPr wrap="square" lIns="54570" tIns="54570" rIns="54570" bIns="54570" numCol="1" anchor="ctr">
+                <a:noAutofit/>
+              </a:bodyPr>
+              <a:lstStyle/>
+              <a:p>
+                <a:pPr>
+                  <a:lnSpc>
+                    <a:spcPct val="80000"/>
+                  </a:lnSpc>
+                  <a:spcBef>
+                    <a:spcPts val="0"/>
+                  </a:spcBef>
+                  <a:defRPr b="0">
+                    <a:solidFill>
+                      <a:srgbClr val="000000"/>
+                    </a:solidFill>
+                  </a:defRPr>
+                </a:pPr>
+              </a:p>
+            </p:txBody>
+          </p:sp>
+          <p:sp>
+            <p:nvSpPr>
+              <p:cNvPr id="122" name="Triangle"/>
+              <p:cNvSpPr/>
+              <p:nvPr/>
+            </p:nvSpPr>
+            <p:spPr>
+              <a:xfrm rot="19800000">
+                <a:off x="2896973" y="973389"/>
+                <a:ext cx="1319509" cy="1143860"/>
+              </a:xfrm>
+              <a:prstGeom prst="triangle">
+                <a:avLst/>
+              </a:prstGeom>
+              <a:solidFill>
+                <a:srgbClr val="74B4EB"/>
+              </a:solidFill>
+              <a:ln w="6350" cap="flat">
+                <a:solidFill>
+                  <a:srgbClr val="82B3E6"/>
+                </a:solidFill>
+                <a:prstDash val="solid"/>
+                <a:miter lim="400000"/>
+              </a:ln>
+              <a:effectLst/>
+            </p:spPr>
+            <p:txBody>
+              <a:bodyPr wrap="square" lIns="54570" tIns="54570" rIns="54570" bIns="54570" numCol="1" anchor="ctr">
+                <a:noAutofit/>
+              </a:bodyPr>
+              <a:lstStyle/>
+              <a:p>
+                <a:pPr>
+                  <a:lnSpc>
+                    <a:spcPct val="80000"/>
+                  </a:lnSpc>
+                  <a:spcBef>
+                    <a:spcPts val="0"/>
+                  </a:spcBef>
+                  <a:defRPr b="0">
+                    <a:solidFill>
+                      <a:srgbClr val="000000"/>
+                    </a:solidFill>
+                  </a:defRPr>
+                </a:pPr>
+              </a:p>
+            </p:txBody>
+          </p:sp>
+          <p:sp>
+            <p:nvSpPr>
+              <p:cNvPr id="123" name="Triangle"/>
+              <p:cNvSpPr/>
+              <p:nvPr/>
+            </p:nvSpPr>
+            <p:spPr>
+              <a:xfrm rot="1800000">
+                <a:off x="3470359" y="1634009"/>
+                <a:ext cx="1319509" cy="1143861"/>
+              </a:xfrm>
+              <a:prstGeom prst="triangle">
+                <a:avLst/>
+              </a:prstGeom>
+              <a:solidFill>
+                <a:srgbClr val="4380C5"/>
+              </a:solidFill>
+              <a:ln w="6350" cap="flat">
+                <a:solidFill>
+                  <a:srgbClr val="437FC5"/>
+                </a:solidFill>
+                <a:prstDash val="solid"/>
+                <a:miter lim="400000"/>
+              </a:ln>
+              <a:effectLst/>
+            </p:spPr>
+            <p:txBody>
+              <a:bodyPr wrap="square" lIns="54570" tIns="54570" rIns="54570" bIns="54570" numCol="1" anchor="ctr">
+                <a:noAutofit/>
+              </a:bodyPr>
+              <a:lstStyle/>
+              <a:p>
+                <a:pPr>
+                  <a:lnSpc>
+                    <a:spcPct val="80000"/>
+                  </a:lnSpc>
+                  <a:spcBef>
+                    <a:spcPts val="0"/>
+                  </a:spcBef>
+                  <a:defRPr b="0">
+                    <a:solidFill>
+                      <a:srgbClr val="000000"/>
+                    </a:solidFill>
+                  </a:defRPr>
+                </a:pPr>
+              </a:p>
+            </p:txBody>
+          </p:sp>
+          <p:sp>
+            <p:nvSpPr>
+              <p:cNvPr id="124" name="Circle"/>
+              <p:cNvSpPr/>
+              <p:nvPr/>
+            </p:nvSpPr>
+            <p:spPr>
+              <a:xfrm flipH="1">
+                <a:off x="3461021" y="1507461"/>
+                <a:ext cx="422090" cy="422090"/>
+              </a:xfrm>
+              <a:prstGeom prst="ellipse">
+                <a:avLst/>
+              </a:prstGeom>
+              <a:solidFill>
+                <a:srgbClr val="4380C5"/>
+              </a:solidFill>
+              <a:ln w="12700" cap="flat">
+                <a:noFill/>
+                <a:miter lim="400000"/>
+              </a:ln>
+              <a:effectLst/>
+            </p:spPr>
+            <p:txBody>
+              <a:bodyPr wrap="square" lIns="54570" tIns="54570" rIns="54570" bIns="54570" numCol="1" anchor="ctr">
+                <a:noAutofit/>
+              </a:bodyPr>
+              <a:lstStyle/>
+              <a:p>
+                <a:pPr>
+                  <a:lnSpc>
+                    <a:spcPct val="80000"/>
+                  </a:lnSpc>
+                  <a:spcBef>
+                    <a:spcPts val="0"/>
+                  </a:spcBef>
+                  <a:defRPr b="0">
+                    <a:solidFill>
+                      <a:srgbClr val="000000"/>
+                    </a:solidFill>
+                  </a:defRPr>
+                </a:pPr>
+              </a:p>
+            </p:txBody>
+          </p:sp>
+          <p:sp>
+            <p:nvSpPr>
+              <p:cNvPr id="125" name="Circle"/>
+              <p:cNvSpPr/>
+              <p:nvPr/>
+            </p:nvSpPr>
+            <p:spPr>
+              <a:xfrm flipH="1">
+                <a:off x="3843763" y="2168082"/>
+                <a:ext cx="422090" cy="422090"/>
+              </a:xfrm>
+              <a:prstGeom prst="ellipse">
+                <a:avLst/>
+              </a:prstGeom>
+              <a:solidFill>
+                <a:srgbClr val="74B4EB"/>
+              </a:solidFill>
+              <a:ln w="12700" cap="flat">
+                <a:noFill/>
+                <a:miter lim="400000"/>
+              </a:ln>
+              <a:effectLst/>
+            </p:spPr>
+            <p:txBody>
+              <a:bodyPr wrap="square" lIns="54570" tIns="54570" rIns="54570" bIns="54570" numCol="1" anchor="ctr">
+                <a:noAutofit/>
+              </a:bodyPr>
+              <a:lstStyle/>
+              <a:p>
+                <a:pPr>
+                  <a:lnSpc>
+                    <a:spcPct val="80000"/>
+                  </a:lnSpc>
+                  <a:spcBef>
+                    <a:spcPts val="0"/>
+                  </a:spcBef>
+                  <a:defRPr b="0">
+                    <a:solidFill>
+                      <a:srgbClr val="000000"/>
+                    </a:solidFill>
+                  </a:defRPr>
+                </a:pPr>
+              </a:p>
+            </p:txBody>
+          </p:sp>
+          <p:sp>
+            <p:nvSpPr>
+              <p:cNvPr id="126" name="Triangle"/>
+              <p:cNvSpPr/>
+              <p:nvPr/>
+            </p:nvSpPr>
+            <p:spPr>
+              <a:xfrm rot="1800000">
+                <a:off x="3470359" y="312963"/>
+                <a:ext cx="1319509" cy="1143861"/>
+              </a:xfrm>
+              <a:prstGeom prst="triangle">
+                <a:avLst/>
+              </a:prstGeom>
+              <a:solidFill>
+                <a:srgbClr val="4380C5"/>
+              </a:solidFill>
+              <a:ln w="6350" cap="flat">
+                <a:solidFill>
+                  <a:srgbClr val="437FC5"/>
+                </a:solidFill>
+                <a:prstDash val="solid"/>
+                <a:miter lim="400000"/>
+              </a:ln>
+              <a:effectLst/>
+            </p:spPr>
+            <p:txBody>
+              <a:bodyPr wrap="square" lIns="54570" tIns="54570" rIns="54570" bIns="54570" numCol="1" anchor="ctr">
+                <a:noAutofit/>
+              </a:bodyPr>
+              <a:lstStyle/>
+              <a:p>
+                <a:pPr>
+                  <a:lnSpc>
+                    <a:spcPct val="80000"/>
+                  </a:lnSpc>
+                  <a:spcBef>
+                    <a:spcPts val="0"/>
+                  </a:spcBef>
+                  <a:defRPr b="0">
+                    <a:solidFill>
+                      <a:srgbClr val="000000"/>
+                    </a:solidFill>
+                  </a:defRPr>
+                </a:pPr>
+              </a:p>
+            </p:txBody>
+          </p:sp>
+          <p:sp>
+            <p:nvSpPr>
+              <p:cNvPr id="127" name="Circle"/>
+              <p:cNvSpPr/>
+              <p:nvPr/>
+            </p:nvSpPr>
+            <p:spPr>
+              <a:xfrm flipH="1">
+                <a:off x="3843763" y="847036"/>
+                <a:ext cx="422090" cy="422090"/>
+              </a:xfrm>
+              <a:prstGeom prst="ellipse">
+                <a:avLst/>
+              </a:prstGeom>
+              <a:solidFill>
+                <a:srgbClr val="74B4EB"/>
+              </a:solidFill>
+              <a:ln w="12700" cap="flat">
+                <a:noFill/>
+                <a:miter lim="400000"/>
+              </a:ln>
+              <a:effectLst/>
+            </p:spPr>
+            <p:txBody>
+              <a:bodyPr wrap="square" lIns="54570" tIns="54570" rIns="54570" bIns="54570" numCol="1" anchor="ctr">
+                <a:noAutofit/>
+              </a:bodyPr>
+              <a:lstStyle/>
+              <a:p>
+                <a:pPr>
+                  <a:lnSpc>
+                    <a:spcPct val="80000"/>
+                  </a:lnSpc>
+                  <a:spcBef>
+                    <a:spcPts val="0"/>
+                  </a:spcBef>
+                  <a:defRPr b="0">
+                    <a:solidFill>
+                      <a:srgbClr val="000000"/>
+                    </a:solidFill>
+                  </a:defRPr>
+                </a:pPr>
+              </a:p>
+            </p:txBody>
+          </p:sp>
+          <p:sp>
+            <p:nvSpPr>
+              <p:cNvPr id="128" name="Triangle"/>
+              <p:cNvSpPr/>
+              <p:nvPr/>
+            </p:nvSpPr>
+            <p:spPr>
+              <a:xfrm rot="19800000">
+                <a:off x="4044130" y="318647"/>
+                <a:ext cx="1319509" cy="1143861"/>
+              </a:xfrm>
+              <a:prstGeom prst="triangle">
+                <a:avLst/>
+              </a:prstGeom>
+              <a:solidFill>
+                <a:srgbClr val="74B4EB"/>
+              </a:solidFill>
+              <a:ln w="6350" cap="flat">
+                <a:solidFill>
+                  <a:srgbClr val="82B3E6"/>
+                </a:solidFill>
+                <a:prstDash val="solid"/>
+                <a:miter lim="400000"/>
+              </a:ln>
+              <a:effectLst/>
+            </p:spPr>
+            <p:txBody>
+              <a:bodyPr wrap="square" lIns="54570" tIns="54570" rIns="54570" bIns="54570" numCol="1" anchor="ctr">
+                <a:noAutofit/>
+              </a:bodyPr>
+              <a:lstStyle/>
+              <a:p>
+                <a:pPr>
+                  <a:lnSpc>
+                    <a:spcPct val="80000"/>
+                  </a:lnSpc>
+                  <a:spcBef>
+                    <a:spcPts val="0"/>
+                  </a:spcBef>
+                  <a:defRPr b="0">
+                    <a:solidFill>
+                      <a:srgbClr val="000000"/>
+                    </a:solidFill>
+                  </a:defRPr>
+                </a:pPr>
+              </a:p>
+            </p:txBody>
+          </p:sp>
+          <p:sp>
+            <p:nvSpPr>
+              <p:cNvPr id="129" name="Circle"/>
+              <p:cNvSpPr/>
+              <p:nvPr/>
+            </p:nvSpPr>
+            <p:spPr>
+              <a:xfrm flipH="1">
+                <a:off x="4608178" y="852720"/>
+                <a:ext cx="422090" cy="422090"/>
+              </a:xfrm>
+              <a:prstGeom prst="ellipse">
+                <a:avLst/>
+              </a:prstGeom>
+              <a:solidFill>
+                <a:srgbClr val="4380C5"/>
+              </a:solidFill>
+              <a:ln w="12700" cap="flat">
+                <a:noFill/>
+                <a:miter lim="400000"/>
+              </a:ln>
+              <a:effectLst/>
+            </p:spPr>
+            <p:txBody>
+              <a:bodyPr wrap="square" lIns="54570" tIns="54570" rIns="54570" bIns="54570" numCol="1" anchor="ctr">
+                <a:noAutofit/>
+              </a:bodyPr>
+              <a:lstStyle/>
+              <a:p>
+                <a:pPr>
+                  <a:lnSpc>
+                    <a:spcPct val="80000"/>
+                  </a:lnSpc>
+                  <a:spcBef>
+                    <a:spcPts val="0"/>
+                  </a:spcBef>
+                  <a:defRPr b="0">
+                    <a:solidFill>
+                      <a:srgbClr val="000000"/>
+                    </a:solidFill>
+                  </a:defRPr>
+                </a:pPr>
+              </a:p>
+            </p:txBody>
+          </p:sp>
+          <p:sp>
+            <p:nvSpPr>
+              <p:cNvPr id="130" name="Triangle"/>
+              <p:cNvSpPr/>
+              <p:nvPr/>
+            </p:nvSpPr>
+            <p:spPr>
+              <a:xfrm rot="1800000">
+                <a:off x="4617515" y="979268"/>
+                <a:ext cx="1319509" cy="1143861"/>
+              </a:xfrm>
+              <a:prstGeom prst="triangle">
+                <a:avLst/>
+              </a:prstGeom>
+              <a:solidFill>
+                <a:srgbClr val="4380C5"/>
+              </a:solidFill>
+              <a:ln w="6350" cap="flat">
+                <a:solidFill>
+                  <a:srgbClr val="437FC5"/>
+                </a:solidFill>
+                <a:prstDash val="solid"/>
+                <a:miter lim="400000"/>
+              </a:ln>
+              <a:effectLst/>
+            </p:spPr>
+            <p:txBody>
+              <a:bodyPr wrap="square" lIns="54570" tIns="54570" rIns="54570" bIns="54570" numCol="1" anchor="ctr">
+                <a:noAutofit/>
+              </a:bodyPr>
+              <a:lstStyle/>
+              <a:p>
+                <a:pPr>
+                  <a:lnSpc>
+                    <a:spcPct val="80000"/>
+                  </a:lnSpc>
+                  <a:spcBef>
+                    <a:spcPts val="0"/>
+                  </a:spcBef>
+                  <a:defRPr b="0">
+                    <a:solidFill>
+                      <a:srgbClr val="000000"/>
+                    </a:solidFill>
+                  </a:defRPr>
+                </a:pPr>
+              </a:p>
+            </p:txBody>
+          </p:sp>
+          <p:sp>
+            <p:nvSpPr>
+              <p:cNvPr id="131" name="Circle"/>
+              <p:cNvSpPr/>
+              <p:nvPr/>
+            </p:nvSpPr>
+            <p:spPr>
+              <a:xfrm flipH="1">
+                <a:off x="4990920" y="1513341"/>
+                <a:ext cx="422090" cy="422090"/>
+              </a:xfrm>
+              <a:prstGeom prst="ellipse">
+                <a:avLst/>
+              </a:prstGeom>
+              <a:solidFill>
+                <a:srgbClr val="74B4EB"/>
+              </a:solidFill>
+              <a:ln w="12700" cap="flat">
+                <a:noFill/>
+                <a:miter lim="400000"/>
+              </a:ln>
+              <a:effectLst/>
+            </p:spPr>
+            <p:txBody>
+              <a:bodyPr wrap="square" lIns="54570" tIns="54570" rIns="54570" bIns="54570" numCol="1" anchor="ctr">
+                <a:noAutofit/>
+              </a:bodyPr>
+              <a:lstStyle/>
+              <a:p>
+                <a:pPr>
+                  <a:lnSpc>
+                    <a:spcPct val="80000"/>
+                  </a:lnSpc>
+                  <a:spcBef>
+                    <a:spcPts val="0"/>
+                  </a:spcBef>
+                  <a:defRPr b="0">
+                    <a:solidFill>
+                      <a:srgbClr val="000000"/>
+                    </a:solidFill>
+                  </a:defRPr>
+                </a:pPr>
+              </a:p>
+            </p:txBody>
+          </p:sp>
+          <p:sp>
+            <p:nvSpPr>
+              <p:cNvPr id="132" name="Triangle"/>
+              <p:cNvSpPr/>
+              <p:nvPr/>
+            </p:nvSpPr>
+            <p:spPr>
+              <a:xfrm rot="19800000">
+                <a:off x="1751148" y="309969"/>
+                <a:ext cx="1319510" cy="1143860"/>
+              </a:xfrm>
+              <a:prstGeom prst="triangle">
+                <a:avLst/>
+              </a:prstGeom>
+              <a:solidFill>
+                <a:srgbClr val="74B4EB"/>
+              </a:solidFill>
+              <a:ln w="6350" cap="flat">
+                <a:solidFill>
+                  <a:srgbClr val="82B3E6"/>
+                </a:solidFill>
+                <a:prstDash val="solid"/>
+                <a:miter lim="400000"/>
+              </a:ln>
+              <a:effectLst/>
+            </p:spPr>
+            <p:txBody>
+              <a:bodyPr wrap="square" lIns="54570" tIns="54570" rIns="54570" bIns="54570" numCol="1" anchor="ctr">
+                <a:noAutofit/>
+              </a:bodyPr>
+              <a:lstStyle/>
+              <a:p>
+                <a:pPr>
+                  <a:lnSpc>
+                    <a:spcPct val="80000"/>
+                  </a:lnSpc>
+                  <a:spcBef>
+                    <a:spcPts val="0"/>
+                  </a:spcBef>
+                  <a:defRPr b="0">
+                    <a:solidFill>
+                      <a:srgbClr val="000000"/>
+                    </a:solidFill>
+                  </a:defRPr>
+                </a:pPr>
+              </a:p>
+            </p:txBody>
+          </p:sp>
+          <p:sp>
+            <p:nvSpPr>
+              <p:cNvPr id="133" name="Circle"/>
+              <p:cNvSpPr/>
+              <p:nvPr/>
+            </p:nvSpPr>
+            <p:spPr>
+              <a:xfrm flipH="1">
+                <a:off x="2315196" y="844041"/>
+                <a:ext cx="422090" cy="422090"/>
+              </a:xfrm>
+              <a:prstGeom prst="ellipse">
+                <a:avLst/>
+              </a:prstGeom>
+              <a:solidFill>
+                <a:srgbClr val="4380C5"/>
+              </a:solidFill>
+              <a:ln w="12700" cap="flat">
+                <a:noFill/>
+                <a:miter lim="400000"/>
+              </a:ln>
+              <a:effectLst/>
+            </p:spPr>
+            <p:txBody>
+              <a:bodyPr wrap="square" lIns="54570" tIns="54570" rIns="54570" bIns="54570" numCol="1" anchor="ctr">
+                <a:noAutofit/>
+              </a:bodyPr>
+              <a:lstStyle/>
+              <a:p>
+                <a:pPr>
+                  <a:lnSpc>
+                    <a:spcPct val="80000"/>
+                  </a:lnSpc>
+                  <a:spcBef>
+                    <a:spcPts val="0"/>
+                  </a:spcBef>
+                  <a:defRPr b="0">
+                    <a:solidFill>
+                      <a:srgbClr val="000000"/>
+                    </a:solidFill>
+                  </a:defRPr>
+                </a:pPr>
+              </a:p>
+            </p:txBody>
+          </p:sp>
+        </p:grpSp>
+        <p:sp>
+          <p:nvSpPr>
+            <p:cNvPr id="135" name="Rectangle"/>
+            <p:cNvSpPr/>
+            <p:nvPr/>
+          </p:nvSpPr>
+          <p:spPr>
+            <a:xfrm>
+              <a:off x="0" y="1038072"/>
+              <a:ext cx="5593304" cy="2566922"/>
+            </a:xfrm>
+            <a:prstGeom prst="rect">
+              <a:avLst/>
+            </a:prstGeom>
+            <a:gradFill flip="none" rotWithShape="1">
+              <a:gsLst>
+                <a:gs pos="0">
+                  <a:srgbClr val="FFFFFF">
+                    <a:alpha val="0"/>
+                  </a:srgbClr>
+                </a:gs>
+                <a:gs pos="20382">
+                  <a:srgbClr val="FFFFFF">
+                    <a:alpha val="45796"/>
+                  </a:srgbClr>
+                </a:gs>
+                <a:gs pos="35803">
+                  <a:srgbClr val="FFFFFF">
+                    <a:alpha val="72898"/>
+                  </a:srgbClr>
+                </a:gs>
+                <a:gs pos="55434">
+                  <a:srgbClr val="FFFFFF"/>
+                </a:gs>
+              </a:gsLst>
+              <a:path path="shape">
+                <a:fillToRect l="54529" t="-7398" r="45470" b="107398"/>
+              </a:path>
+            </a:gradFill>
+            <a:ln w="12700" cap="flat">
+              <a:noFill/>
+              <a:miter lim="400000"/>
+            </a:ln>
+            <a:effectLst/>
+          </p:spPr>
+          <p:txBody>
+            <a:bodyPr wrap="square" lIns="54570" tIns="54570" rIns="54570" bIns="54570" numCol="1" anchor="ctr">
+              <a:noAutofit/>
+            </a:bodyPr>
+            <a:lstStyle/>
+            <a:p>
+              <a:pPr>
+                <a:lnSpc>
+                  <a:spcPct val="80000"/>
+                </a:lnSpc>
+                <a:spcBef>
+                  <a:spcPts val="0"/>
+                </a:spcBef>
+                <a:defRPr b="0">
+                  <a:solidFill>
+                    <a:srgbClr val="000000"/>
+                  </a:solidFill>
+                </a:defRPr>
+              </a:pPr>
+            </a:p>
+          </p:txBody>
+        </p:sp>
+      </p:grpSp>
+      <p:sp>
+        <p:nvSpPr>
+          <p:cNvPr id="137" name="Shiny : : CHEAT SHEET"/>
+          <p:cNvSpPr txBox="1"/>
+          <p:nvPr>
+            <p:ph type="title"/>
+          </p:nvPr>
+        </p:nvSpPr>
         <p:spPr>
           <a:xfrm>
-            <a:off x="8369105" y="-684523"/>
-            <a:ext cx="5603817" cy="2992964"/>
+            <a:off x="275721" y="361177"/>
+            <a:ext cx="10898129" cy="803346"/>
           </a:xfrm>
           <a:prstGeom prst="rect">
             <a:avLst/>
           </a:prstGeom>
-          <a:ln w="12700">
-            <a:miter lim="400000"/>
-          </a:ln>
         </p:spPr>
-      </p:pic>
+        <p:txBody>
+          <a:bodyPr lIns="0" tIns="0" rIns="0" bIns="0" anchor="t"/>
+          <a:lstStyle/>
+          <a:p>
+            <a:pPr/>
+            <a:r>
+              <a:t>Shiny : : </a:t>
+            </a:r>
+            <a:r>
+              <a:rPr sz="3300">
+                <a:latin typeface="Source Sans Pro Semibold"/>
+                <a:ea typeface="Source Sans Pro Semibold"/>
+                <a:cs typeface="Source Sans Pro Semibold"/>
+                <a:sym typeface="Source Sans Pro Semibold"/>
+              </a:rPr>
+              <a:t>CHEAT SHEET</a:t>
+            </a:r>
+            <a:r>
+              <a:t> </a:t>
+            </a:r>
+          </a:p>
+        </p:txBody>
+      </p:sp>
       <p:sp>
         <p:nvSpPr>
-          <p:cNvPr id="120" name="Rectangle"/>
+          <p:cNvPr id="138" name="Rectangle"/>
           <p:cNvSpPr/>
           <p:nvPr/>
         </p:nvSpPr>
@@ -3063,7 +3869,7 @@
       </p:sp>
       <p:sp>
         <p:nvSpPr>
-          <p:cNvPr id="121" name="Complete the template by adding arguments to fluidPage() and a body to the server function."/>
+          <p:cNvPr id="139" name="Complete the template by adding arguments to fluidPage() and a body to the server function."/>
           <p:cNvSpPr txBox="1"/>
           <p:nvPr/>
         </p:nvSpPr>
@@ -3099,7 +3905,7 @@
               </a:spcBef>
               <a:defRPr b="0" sz="2500">
                 <a:solidFill>
-                  <a:srgbClr val="628DB5"/>
+                  <a:srgbClr val="5589C5"/>
                 </a:solidFill>
               </a:defRPr>
             </a:pPr>
@@ -3112,7 +3918,7 @@
       </p:sp>
       <p:grpSp>
         <p:nvGrpSpPr>
-          <p:cNvPr id="171" name="Group"/>
+          <p:cNvPr id="189" name="Group"/>
           <p:cNvGrpSpPr/>
           <p:nvPr/>
         </p:nvGrpSpPr>
@@ -3126,7 +3932,7 @@
         </p:grpSpPr>
         <p:grpSp>
           <p:nvGrpSpPr>
-            <p:cNvPr id="139" name="Group"/>
+            <p:cNvPr id="157" name="Group"/>
             <p:cNvGrpSpPr/>
             <p:nvPr/>
           </p:nvGrpSpPr>
@@ -3140,7 +3946,7 @@
           </p:grpSpPr>
           <p:sp>
             <p:nvSpPr>
-              <p:cNvPr id="122" name="Rounded Rectangle"/>
+              <p:cNvPr id="140" name="Rounded Rectangle"/>
               <p:cNvSpPr/>
               <p:nvPr/>
             </p:nvSpPr>
@@ -3190,7 +3996,7 @@
           </p:sp>
           <p:sp>
             <p:nvSpPr>
-              <p:cNvPr id="123" name="Rectangle"/>
+              <p:cNvPr id="141" name="Rectangle"/>
               <p:cNvSpPr/>
               <p:nvPr/>
             </p:nvSpPr>
@@ -3235,7 +4041,7 @@
           </p:sp>
           <p:sp>
             <p:nvSpPr>
-              <p:cNvPr id="124" name="app-name"/>
+              <p:cNvPr id="142" name="app-name"/>
               <p:cNvSpPr txBox="1"/>
               <p:nvPr/>
             </p:nvSpPr>
@@ -3289,7 +4095,7 @@
           </p:sp>
           <p:sp>
             <p:nvSpPr>
-              <p:cNvPr id="125" name="Circle"/>
+              <p:cNvPr id="143" name="Circle"/>
               <p:cNvSpPr/>
               <p:nvPr/>
             </p:nvSpPr>
@@ -3334,7 +4140,7 @@
           </p:sp>
           <p:sp>
             <p:nvSpPr>
-              <p:cNvPr id="126" name="Circle"/>
+              <p:cNvPr id="144" name="Circle"/>
               <p:cNvSpPr/>
               <p:nvPr/>
             </p:nvSpPr>
@@ -3379,7 +4185,7 @@
           </p:sp>
           <p:sp>
             <p:nvSpPr>
-              <p:cNvPr id="127" name="Circle"/>
+              <p:cNvPr id="145" name="Circle"/>
               <p:cNvSpPr/>
               <p:nvPr/>
             </p:nvSpPr>
@@ -3424,7 +4230,7 @@
           </p:sp>
           <p:sp>
             <p:nvSpPr>
-              <p:cNvPr id="128" name="Rounded Rectangle"/>
+              <p:cNvPr id="146" name="Rounded Rectangle"/>
               <p:cNvSpPr/>
               <p:nvPr/>
             </p:nvSpPr>
@@ -3471,7 +4277,7 @@
           </p:sp>
           <p:sp>
             <p:nvSpPr>
-              <p:cNvPr id="129" name="app.R"/>
+              <p:cNvPr id="147" name="app.R"/>
               <p:cNvSpPr txBox="1"/>
               <p:nvPr/>
             </p:nvSpPr>
@@ -3525,7 +4331,7 @@
           </p:sp>
           <p:grpSp>
             <p:nvGrpSpPr>
-              <p:cNvPr id="138" name="Group"/>
+              <p:cNvPr id="156" name="Group"/>
               <p:cNvGrpSpPr/>
               <p:nvPr/>
             </p:nvGrpSpPr>
@@ -3539,7 +4345,7 @@
             </p:grpSpPr>
             <p:sp>
               <p:nvSpPr>
-                <p:cNvPr id="130" name=""/>
+                <p:cNvPr id="148" name=""/>
                 <p:cNvSpPr txBox="1"/>
                 <p:nvPr/>
               </p:nvSpPr>
@@ -3596,7 +4402,7 @@
             </p:sp>
             <p:sp>
               <p:nvSpPr>
-                <p:cNvPr id="131" name="DESCRIPTION"/>
+                <p:cNvPr id="149" name="DESCRIPTION"/>
                 <p:cNvSpPr txBox="1"/>
                 <p:nvPr/>
               </p:nvSpPr>
@@ -3653,7 +4459,7 @@
             </p:sp>
             <p:sp>
               <p:nvSpPr>
-                <p:cNvPr id="132" name="README"/>
+                <p:cNvPr id="150" name="README"/>
                 <p:cNvSpPr txBox="1"/>
                 <p:nvPr/>
               </p:nvSpPr>
@@ -3710,7 +4516,7 @@
             </p:sp>
             <p:sp>
               <p:nvSpPr>
-                <p:cNvPr id="133" name="&lt;other files&gt;"/>
+                <p:cNvPr id="151" name="&lt;other files&gt;"/>
                 <p:cNvSpPr txBox="1"/>
                 <p:nvPr/>
               </p:nvSpPr>
@@ -3767,7 +4573,7 @@
             </p:sp>
             <p:sp>
               <p:nvSpPr>
-                <p:cNvPr id="134" name="www"/>
+                <p:cNvPr id="152" name="www"/>
                 <p:cNvSpPr txBox="1"/>
                 <p:nvPr/>
               </p:nvSpPr>
@@ -3824,7 +4630,7 @@
             </p:sp>
             <p:sp>
               <p:nvSpPr>
-                <p:cNvPr id="135" name=""/>
+                <p:cNvPr id="153" name=""/>
                 <p:cNvSpPr txBox="1"/>
                 <p:nvPr/>
               </p:nvSpPr>
@@ -3881,7 +4687,7 @@
             </p:sp>
             <p:sp>
               <p:nvSpPr>
-                <p:cNvPr id="136" name=""/>
+                <p:cNvPr id="154" name=""/>
                 <p:cNvSpPr txBox="1"/>
                 <p:nvPr/>
               </p:nvSpPr>
@@ -3938,7 +4744,7 @@
             </p:sp>
             <p:sp>
               <p:nvSpPr>
-                <p:cNvPr id="137" name=""/>
+                <p:cNvPr id="155" name=""/>
                 <p:cNvSpPr txBox="1"/>
                 <p:nvPr/>
               </p:nvSpPr>
@@ -3997,7 +4803,7 @@
         </p:grpSp>
         <p:sp>
           <p:nvSpPr>
-            <p:cNvPr id="140" name=""/>
+            <p:cNvPr id="158" name=""/>
             <p:cNvSpPr txBox="1"/>
             <p:nvPr/>
           </p:nvSpPr>
@@ -4051,7 +4857,7 @@
         </p:sp>
         <p:sp>
           <p:nvSpPr>
-            <p:cNvPr id="141" name=".r"/>
+            <p:cNvPr id="159" name=".r"/>
             <p:cNvSpPr txBox="1"/>
             <p:nvPr/>
           </p:nvSpPr>
@@ -4105,7 +4911,7 @@
         </p:sp>
         <p:sp>
           <p:nvSpPr>
-            <p:cNvPr id="142" name="Line"/>
+            <p:cNvPr id="160" name="Line"/>
             <p:cNvSpPr/>
             <p:nvPr/>
           </p:nvSpPr>
@@ -4154,7 +4960,7 @@
         </p:sp>
         <p:grpSp>
           <p:nvGrpSpPr>
-            <p:cNvPr id="146" name="Group"/>
+            <p:cNvPr id="164" name="Group"/>
             <p:cNvGrpSpPr/>
             <p:nvPr/>
           </p:nvGrpSpPr>
@@ -4168,7 +4974,7 @@
           </p:grpSpPr>
           <p:sp>
             <p:nvSpPr>
-              <p:cNvPr id="143" name="library(shiny)…"/>
+              <p:cNvPr id="161" name="library(shiny)…"/>
               <p:cNvSpPr/>
               <p:nvPr/>
             </p:nvSpPr>
@@ -4630,14 +5436,14 @@
           </p:sp>
           <p:pic>
             <p:nvPicPr>
-              <p:cNvPr id="144" name="Screen Shot 2015-06-08 at 11.50.27 AM.png" descr="Screen Shot 2015-06-08 at 11.50.27 AM.png"/>
+              <p:cNvPr id="162" name="Screen Shot 2015-06-08 at 11.50.27 AM.png" descr="Screen Shot 2015-06-08 at 11.50.27 AM.png"/>
               <p:cNvPicPr>
                 <a:picLocks noChangeAspect="1"/>
               </p:cNvPicPr>
               <p:nvPr/>
             </p:nvPicPr>
             <p:blipFill>
-              <a:blip r:embed="rId3">
+              <a:blip r:embed="rId2">
                 <a:extLst/>
               </a:blip>
               <a:stretch>
@@ -4664,7 +5470,7 @@
           </p:pic>
           <p:sp>
             <p:nvSpPr>
-              <p:cNvPr id="145" name="Arrow"/>
+              <p:cNvPr id="163" name="Arrow"/>
               <p:cNvSpPr/>
               <p:nvPr/>
             </p:nvSpPr>
@@ -4717,7 +5523,7 @@
         </p:grpSp>
         <p:sp>
           <p:nvSpPr>
-            <p:cNvPr id="147" name="Add inputs to the UI with *Input() functions…"/>
+            <p:cNvPr id="165" name="Add inputs to the UI with *Input() functions…"/>
             <p:cNvSpPr txBox="1"/>
             <p:nvPr/>
           </p:nvSpPr>
@@ -4937,7 +5743,7 @@
         </p:sp>
         <p:sp>
           <p:nvSpPr>
-            <p:cNvPr id="148" name="Line"/>
+            <p:cNvPr id="166" name="Line"/>
             <p:cNvSpPr/>
             <p:nvPr/>
           </p:nvSpPr>
@@ -5019,7 +5825,7 @@
         </p:sp>
         <p:sp>
           <p:nvSpPr>
-            <p:cNvPr id="149" name="Line"/>
+            <p:cNvPr id="167" name="Line"/>
             <p:cNvSpPr/>
             <p:nvPr/>
           </p:nvSpPr>
@@ -5101,7 +5907,7 @@
         </p:sp>
         <p:sp>
           <p:nvSpPr>
-            <p:cNvPr id="150" name="Line"/>
+            <p:cNvPr id="168" name="Line"/>
             <p:cNvSpPr/>
             <p:nvPr/>
           </p:nvSpPr>
@@ -5183,7 +5989,7 @@
         </p:sp>
         <p:sp>
           <p:nvSpPr>
-            <p:cNvPr id="151" name="Line"/>
+            <p:cNvPr id="169" name="Line"/>
             <p:cNvSpPr/>
             <p:nvPr/>
           </p:nvSpPr>
@@ -5265,7 +6071,7 @@
         </p:sp>
         <p:sp>
           <p:nvSpPr>
-            <p:cNvPr id="152" name="Line"/>
+            <p:cNvPr id="170" name="Line"/>
             <p:cNvSpPr/>
             <p:nvPr/>
           </p:nvSpPr>
@@ -5352,7 +6158,7 @@
         </p:sp>
         <p:sp>
           <p:nvSpPr>
-            <p:cNvPr id="153" name="Save your template as app.R. Alternatively, split your template into two files named ui.R and server.R."/>
+            <p:cNvPr id="171" name="Save your template as app.R. Alternatively, split your template into two files named ui.R and server.R."/>
             <p:cNvSpPr txBox="1"/>
             <p:nvPr/>
           </p:nvSpPr>
@@ -5428,7 +6234,7 @@
         </p:sp>
         <p:sp>
           <p:nvSpPr>
-            <p:cNvPr id="154" name="library(shiny)…"/>
+            <p:cNvPr id="172" name="library(shiny)…"/>
             <p:cNvSpPr/>
             <p:nvPr/>
           </p:nvSpPr>
@@ -5959,7 +6765,7 @@
         </p:sp>
         <p:sp>
           <p:nvSpPr>
-            <p:cNvPr id="155" name="# ui.R…"/>
+            <p:cNvPr id="173" name="# ui.R…"/>
             <p:cNvSpPr/>
             <p:nvPr/>
           </p:nvSpPr>
@@ -6162,7 +6968,7 @@
         </p:sp>
         <p:sp>
           <p:nvSpPr>
-            <p:cNvPr id="156" name="# server.R…"/>
+            <p:cNvPr id="174" name="# server.R…"/>
             <p:cNvSpPr/>
             <p:nvPr/>
           </p:nvSpPr>
@@ -6388,7 +7194,7 @@
         </p:sp>
         <p:sp>
           <p:nvSpPr>
-            <p:cNvPr id="157" name="ui.R contains everything…"/>
+            <p:cNvPr id="175" name="ui.R contains everything…"/>
             <p:cNvSpPr txBox="1"/>
             <p:nvPr/>
           </p:nvSpPr>
@@ -6676,7 +7482,7 @@
         </p:sp>
         <p:sp>
           <p:nvSpPr>
-            <p:cNvPr id="158" name="Arrow"/>
+            <p:cNvPr id="176" name="Arrow"/>
             <p:cNvSpPr/>
             <p:nvPr/>
           </p:nvSpPr>
@@ -6728,7 +7534,7 @@
         </p:sp>
         <p:sp>
           <p:nvSpPr>
-            <p:cNvPr id="159" name="Arrow"/>
+            <p:cNvPr id="177" name="Arrow"/>
             <p:cNvSpPr/>
             <p:nvPr/>
           </p:nvSpPr>
@@ -6780,7 +7586,7 @@
         </p:sp>
         <p:sp>
           <p:nvSpPr>
-            <p:cNvPr id="160" name="Save each app as a directory that holds an app.R file (or a server.R file and a ui.R file) plus optional extra files."/>
+            <p:cNvPr id="178" name="Save each app as a directory that holds an app.R file (or a server.R file and a ui.R file) plus optional extra files."/>
             <p:cNvSpPr txBox="1"/>
             <p:nvPr/>
           </p:nvSpPr>
@@ -6856,7 +7662,7 @@
         </p:sp>
         <p:sp>
           <p:nvSpPr>
-            <p:cNvPr id="161" name="The directory name is the name of the app…"/>
+            <p:cNvPr id="179" name="The directory name is the name of the app…"/>
             <p:cNvSpPr txBox="1"/>
             <p:nvPr/>
           </p:nvSpPr>
@@ -7092,7 +7898,7 @@
         </p:sp>
         <p:sp>
           <p:nvSpPr>
-            <p:cNvPr id="162" name="Line"/>
+            <p:cNvPr id="180" name="Line"/>
             <p:cNvSpPr/>
             <p:nvPr/>
           </p:nvSpPr>
@@ -7174,7 +7980,7 @@
         </p:sp>
         <p:sp>
           <p:nvSpPr>
-            <p:cNvPr id="163" name="Line"/>
+            <p:cNvPr id="181" name="Line"/>
             <p:cNvSpPr/>
             <p:nvPr/>
           </p:nvSpPr>
@@ -7256,7 +8062,7 @@
         </p:sp>
         <p:sp>
           <p:nvSpPr>
-            <p:cNvPr id="164" name="Line"/>
+            <p:cNvPr id="182" name="Line"/>
             <p:cNvSpPr/>
             <p:nvPr/>
           </p:nvSpPr>
@@ -7338,7 +8144,7 @@
         </p:sp>
         <p:sp>
           <p:nvSpPr>
-            <p:cNvPr id="165" name="Line"/>
+            <p:cNvPr id="183" name="Line"/>
             <p:cNvSpPr/>
             <p:nvPr/>
           </p:nvSpPr>
@@ -7420,7 +8226,7 @@
         </p:sp>
         <p:sp>
           <p:nvSpPr>
-            <p:cNvPr id="166" name="Line"/>
+            <p:cNvPr id="184" name="Line"/>
             <p:cNvSpPr/>
             <p:nvPr/>
           </p:nvSpPr>
@@ -7502,7 +8308,7 @@
         </p:sp>
         <p:sp>
           <p:nvSpPr>
-            <p:cNvPr id="167" name="Launch apps with runApp(&lt;path to directory&gt;)"/>
+            <p:cNvPr id="185" name="Launch apps with runApp(&lt;path to directory&gt;)"/>
             <p:cNvSpPr txBox="1"/>
             <p:nvPr/>
           </p:nvSpPr>
@@ -7575,7 +8381,7 @@
         </p:sp>
         <p:sp>
           <p:nvSpPr>
-            <p:cNvPr id="168" name="global.R"/>
+            <p:cNvPr id="186" name="global.R"/>
             <p:cNvSpPr txBox="1"/>
             <p:nvPr/>
           </p:nvSpPr>
@@ -7632,7 +8438,7 @@
         </p:sp>
         <p:sp>
           <p:nvSpPr>
-            <p:cNvPr id="169" name=""/>
+            <p:cNvPr id="187" name=""/>
             <p:cNvSpPr txBox="1"/>
             <p:nvPr/>
           </p:nvSpPr>
@@ -7689,7 +8495,7 @@
         </p:sp>
         <p:sp>
           <p:nvSpPr>
-            <p:cNvPr id="170" name="Line"/>
+            <p:cNvPr id="188" name="Line"/>
             <p:cNvSpPr/>
             <p:nvPr/>
           </p:nvSpPr>
@@ -7770,56 +8576,16 @@
           </p:txBody>
         </p:sp>
       </p:grpSp>
-      <p:sp>
-        <p:nvSpPr>
-          <p:cNvPr id="172" name="Shiny : : CHEAT SHEET"/>
-          <p:cNvSpPr txBox="1"/>
-          <p:nvPr>
-            <p:ph type="title"/>
-          </p:nvPr>
-        </p:nvSpPr>
-        <p:spPr>
-          <a:xfrm>
-            <a:off x="275721" y="361177"/>
-            <a:ext cx="10898129" cy="803346"/>
-          </a:xfrm>
-          <a:prstGeom prst="rect">
-            <a:avLst/>
-          </a:prstGeom>
-        </p:spPr>
-        <p:txBody>
-          <a:bodyPr lIns="0" tIns="0" rIns="0" bIns="0" anchor="t"/>
-          <a:lstStyle/>
-          <a:p>
-            <a:pPr/>
-            <a:r>
-              <a:t>Shiny : : </a:t>
-            </a:r>
-            <a:r>
-              <a:rPr sz="3300">
-                <a:latin typeface="Source Sans Pro Semibold"/>
-                <a:ea typeface="Source Sans Pro Semibold"/>
-                <a:cs typeface="Source Sans Pro Semibold"/>
-                <a:sym typeface="Source Sans Pro Semibold"/>
-              </a:rPr>
-              <a:t>CHEAT SHEET</a:t>
-            </a:r>
-            <a:r>
-              <a:t> </a:t>
-            </a:r>
-          </a:p>
-        </p:txBody>
-      </p:sp>
       <p:pic>
         <p:nvPicPr>
-          <p:cNvPr id="173" name="shiny.png" descr="shiny.png"/>
+          <p:cNvPr id="190" name="shiny.png" descr="shiny.png"/>
           <p:cNvPicPr>
             <a:picLocks noChangeAspect="1"/>
           </p:cNvPicPr>
           <p:nvPr/>
         </p:nvPicPr>
         <p:blipFill>
-          <a:blip r:embed="rId4">
+          <a:blip r:embed="rId3">
             <a:extLst/>
           </a:blip>
           <a:stretch>
@@ -7841,7 +8607,7 @@
       </p:pic>
       <p:sp>
         <p:nvSpPr>
-          <p:cNvPr id="174" name="Line"/>
+          <p:cNvPr id="191" name="Line"/>
           <p:cNvSpPr/>
           <p:nvPr/>
         </p:nvSpPr>
@@ -7882,7 +8648,7 @@
       </p:sp>
       <p:sp>
         <p:nvSpPr>
-          <p:cNvPr id="175" name="Line"/>
+          <p:cNvPr id="192" name="Line"/>
           <p:cNvSpPr/>
           <p:nvPr/>
         </p:nvSpPr>
@@ -7923,14 +8689,14 @@
       </p:sp>
       <p:pic>
         <p:nvPicPr>
-          <p:cNvPr id="176" name="Image" descr="Image"/>
+          <p:cNvPr id="193" name="Image" descr="Image"/>
           <p:cNvPicPr>
             <a:picLocks noChangeAspect="1"/>
           </p:cNvPicPr>
           <p:nvPr/>
         </p:nvPicPr>
         <p:blipFill>
-          <a:blip r:embed="rId5">
+          <a:blip r:embed="rId4">
             <a:extLst/>
           </a:blip>
           <a:stretch>
@@ -7952,7 +8718,7 @@
       </p:pic>
       <p:sp>
         <p:nvSpPr>
-          <p:cNvPr id="177" name="Basics"/>
+          <p:cNvPr id="194" name="Basics"/>
           <p:cNvSpPr txBox="1"/>
           <p:nvPr/>
         </p:nvSpPr>
@@ -7988,7 +8754,7 @@
               </a:spcBef>
               <a:defRPr b="0" sz="2500">
                 <a:solidFill>
-                  <a:srgbClr val="628DB5"/>
+                  <a:srgbClr val="5589C5"/>
                 </a:solidFill>
               </a:defRPr>
             </a:pPr>
@@ -8000,7 +8766,7 @@
       </p:sp>
       <p:sp>
         <p:nvSpPr>
-          <p:cNvPr id="178" name="Building an App"/>
+          <p:cNvPr id="195" name="Building an App"/>
           <p:cNvSpPr txBox="1"/>
           <p:nvPr/>
         </p:nvSpPr>
@@ -8036,7 +8802,7 @@
               </a:spcBef>
               <a:defRPr b="0" sz="2500">
                 <a:solidFill>
-                  <a:srgbClr val="628DB5"/>
+                  <a:srgbClr val="5589C5"/>
                 </a:solidFill>
               </a:defRPr>
             </a:pPr>
@@ -8048,7 +8814,7 @@
       </p:sp>
       <p:sp>
         <p:nvSpPr>
-          <p:cNvPr id="179" name="Outputs - render*()  and *Output() functions work together to add R output to the UI"/>
+          <p:cNvPr id="196" name="Outputs - render*()  and *Output() functions work together to add R output to the UI"/>
           <p:cNvSpPr txBox="1"/>
           <p:nvPr/>
         </p:nvSpPr>
@@ -8084,7 +8850,7 @@
               </a:spcBef>
               <a:defRPr b="0" sz="2500">
                 <a:solidFill>
-                  <a:srgbClr val="628DB5"/>
+                  <a:srgbClr val="5589C5"/>
                 </a:solidFill>
               </a:defRPr>
             </a:pPr>
@@ -8100,7 +8866,7 @@
       </p:sp>
       <p:sp>
         <p:nvSpPr>
-          <p:cNvPr id="180" name="Line"/>
+          <p:cNvPr id="197" name="Line"/>
           <p:cNvSpPr/>
           <p:nvPr/>
         </p:nvSpPr>
@@ -8141,7 +8907,7 @@
       </p:sp>
       <p:sp>
         <p:nvSpPr>
-          <p:cNvPr id="181" name="Line"/>
+          <p:cNvPr id="198" name="Line"/>
           <p:cNvSpPr/>
           <p:nvPr/>
         </p:nvSpPr>
@@ -8182,7 +8948,7 @@
       </p:sp>
       <p:sp>
         <p:nvSpPr>
-          <p:cNvPr id="182" name="Inputs"/>
+          <p:cNvPr id="199" name="Inputs"/>
           <p:cNvSpPr txBox="1"/>
           <p:nvPr/>
         </p:nvSpPr>
@@ -8218,7 +8984,7 @@
               </a:spcBef>
               <a:defRPr b="0" sz="2500">
                 <a:solidFill>
-                  <a:srgbClr val="628DB5"/>
+                  <a:srgbClr val="5589C5"/>
                 </a:solidFill>
               </a:defRPr>
             </a:pPr>
@@ -8230,7 +8996,7 @@
       </p:sp>
       <p:sp>
         <p:nvSpPr>
-          <p:cNvPr id="183" name="Line"/>
+          <p:cNvPr id="200" name="Line"/>
           <p:cNvSpPr/>
           <p:nvPr/>
         </p:nvSpPr>
@@ -8271,7 +9037,7 @@
       </p:sp>
       <p:sp>
         <p:nvSpPr>
-          <p:cNvPr id="184" name="RStudio® is a trademark of RStudio, Inc.  •  CC BY SA RStudio •  info@rstudio.com  •  844-448-1212 • rstudio.com •  Learn more at shiny.rstudio.com  •  shiny  0.12.0  •  Updated: 2016-01"/>
+          <p:cNvPr id="201" name="RStudio® is a trademark of RStudio, Inc.  •  CC BY SA RStudio •  info@rstudio.com  •  844-448-1212 • rstudio.com •  Learn more at shiny.rstudio.com  •  shiny  0.12.0  •  Updated: 2016-01"/>
           <p:cNvSpPr txBox="1"/>
           <p:nvPr/>
         </p:nvSpPr>
@@ -8316,25 +9082,25 @@
             </a:r>
             <a:r>
               <a:rPr>
+                <a:hlinkClick r:id="rId5" invalidUrl="" action="" tgtFrame="" tooltip="" history="1" highlightClick="0" endSnd="0"/>
+              </a:rPr>
+              <a:t>CC BY SA</a:t>
+            </a:r>
+            <a:r>
+              <a:t> RStudio •  </a:t>
+            </a:r>
+            <a:r>
+              <a:rPr>
                 <a:hlinkClick r:id="rId6" invalidUrl="" action="" tgtFrame="" tooltip="" history="1" highlightClick="0" endSnd="0"/>
               </a:rPr>
-              <a:t>CC BY SA</a:t>
-            </a:r>
-            <a:r>
-              <a:t> RStudio •  </a:t>
+              <a:t>info@rstudio.com</a:t>
+            </a:r>
+            <a:r>
+              <a:t>  •  844-448-1212 • </a:t>
             </a:r>
             <a:r>
               <a:rPr>
                 <a:hlinkClick r:id="rId7" invalidUrl="" action="" tgtFrame="" tooltip="" history="1" highlightClick="0" endSnd="0"/>
-              </a:rPr>
-              <a:t>info@rstudio.com</a:t>
-            </a:r>
-            <a:r>
-              <a:t>  •  844-448-1212 • </a:t>
-            </a:r>
-            <a:r>
-              <a:rPr>
-                <a:hlinkClick r:id="rId8" invalidUrl="" action="" tgtFrame="" tooltip="" history="1" highlightClick="0" endSnd="0"/>
               </a:rPr>
               <a:t>rstudio.com</a:t>
             </a:r>
@@ -8353,7 +9119,7 @@
       </p:sp>
       <p:sp>
         <p:nvSpPr>
-          <p:cNvPr id="185" name="Build or purchase your own Shiny Server…"/>
+          <p:cNvPr id="202" name="Build or purchase your own Shiny Server…"/>
           <p:cNvSpPr txBox="1"/>
           <p:nvPr/>
         </p:nvSpPr>
@@ -8450,7 +9216,7 @@
             </a:r>
             <a:r>
               <a:rPr u="sng">
-                <a:hlinkClick r:id="rId9" invalidUrl="" action="" tgtFrame="" tooltip="" history="1" highlightClick="0" endSnd="0"/>
+                <a:hlinkClick r:id="rId8" invalidUrl="" action="" tgtFrame="" tooltip="" history="1" highlightClick="0" endSnd="0"/>
               </a:rPr>
               <a:t>www.rstudio.com/products/shiny-server/</a:t>
             </a:r>
@@ -8459,7 +9225,7 @@
       </p:sp>
       <p:grpSp>
         <p:nvGrpSpPr>
-          <p:cNvPr id="189" name="Group"/>
+          <p:cNvPr id="206" name="Group"/>
           <p:cNvGrpSpPr/>
           <p:nvPr/>
         </p:nvGrpSpPr>
@@ -8473,14 +9239,14 @@
         </p:grpSpPr>
         <p:pic>
           <p:nvPicPr>
-            <p:cNvPr id="186" name="Screen Shot 2015-05-18 at 6.40.05 PM.png" descr="Screen Shot 2015-05-18 at 6.40.05 PM.png"/>
+            <p:cNvPr id="203" name="Screen Shot 2015-05-18 at 6.40.05 PM.png" descr="Screen Shot 2015-05-18 at 6.40.05 PM.png"/>
             <p:cNvPicPr>
               <a:picLocks noChangeAspect="1"/>
             </p:cNvPicPr>
             <p:nvPr/>
           </p:nvPicPr>
           <p:blipFill>
-            <a:blip r:embed="rId10">
+            <a:blip r:embed="rId9">
               <a:extLst/>
             </a:blip>
             <a:stretch>
@@ -8504,14 +9270,14 @@
         </p:pic>
         <p:pic>
           <p:nvPicPr>
-            <p:cNvPr id="187" name="Shiny-cheatsheet-2.pdf" descr="Shiny-cheatsheet-2.pdf"/>
+            <p:cNvPr id="204" name="Shiny-cheatsheet-2.pdf" descr="Shiny-cheatsheet-2.pdf"/>
             <p:cNvPicPr>
               <a:picLocks noChangeAspect="1"/>
             </p:cNvPicPr>
             <p:nvPr/>
           </p:nvPicPr>
           <p:blipFill>
-            <a:blip r:embed="rId11">
+            <a:blip r:embed="rId10">
               <a:extLst/>
             </a:blip>
             <a:srcRect l="0" t="58276" r="0" b="0"/>
@@ -8536,7 +9302,7 @@
         </p:pic>
         <p:sp>
           <p:nvSpPr>
-            <p:cNvPr id="188" name="Double Arrow"/>
+            <p:cNvPr id="205" name="Double Arrow"/>
             <p:cNvSpPr/>
             <p:nvPr/>
           </p:nvSpPr>
@@ -8589,7 +9355,7 @@
       </p:grpSp>
       <p:sp>
         <p:nvSpPr>
-          <p:cNvPr id="190" name="A Shiny app is a web page (UI) connected to a computer running a live R session (Server)"/>
+          <p:cNvPr id="207" name="A Shiny app is a web page (UI) connected to a computer running a live R session (Server)"/>
           <p:cNvSpPr txBox="1"/>
           <p:nvPr/>
         </p:nvSpPr>
@@ -8665,7 +9431,7 @@
       </p:sp>
       <p:sp>
         <p:nvSpPr>
-          <p:cNvPr id="191" name="Users can manipulate the UI, which will cause the server to update the UI’s displays (by running R code)."/>
+          <p:cNvPr id="208" name="Users can manipulate the UI, which will cause the server to update the UI’s displays (by running R code)."/>
           <p:cNvSpPr txBox="1"/>
           <p:nvPr/>
         </p:nvSpPr>
@@ -8722,7 +9488,7 @@
       </p:sp>
       <p:sp>
         <p:nvSpPr>
-          <p:cNvPr id="192" name="library(shiny)…"/>
+          <p:cNvPr id="209" name="library(shiny)…"/>
           <p:cNvSpPr/>
           <p:nvPr/>
         </p:nvSpPr>
@@ -8905,7 +9671,7 @@
       </p:sp>
       <p:sp>
         <p:nvSpPr>
-          <p:cNvPr id="193" name="Begin writing a new app with this template. Preview the app by running the code at the R command line."/>
+          <p:cNvPr id="210" name="Begin writing a new app with this template. Preview the app by running the code at the R command line."/>
           <p:cNvSpPr txBox="1"/>
           <p:nvPr/>
         </p:nvSpPr>
@@ -8962,7 +9728,7 @@
       </p:sp>
       <p:sp>
         <p:nvSpPr>
-          <p:cNvPr id="194" name="The easiest way to share your app is to host it on shinyapps.io, a cloud based service from RStudio"/>
+          <p:cNvPr id="211" name="The easiest way to share your app is to host it on shinyapps.io, a cloud based service from RStudio"/>
           <p:cNvSpPr txBox="1"/>
           <p:nvPr/>
         </p:nvSpPr>
@@ -9019,7 +9785,7 @@
       </p:sp>
       <p:sp>
         <p:nvSpPr>
-          <p:cNvPr id="195" name="1. Create a free or professional account at…"/>
+          <p:cNvPr id="212" name="1. Create a free or professional account at…"/>
           <p:cNvSpPr txBox="1"/>
           <p:nvPr/>
         </p:nvSpPr>
@@ -9105,7 +9871,7 @@
                 <a:ea typeface="+mn-ea"/>
                 <a:cs typeface="+mn-cs"/>
                 <a:sym typeface="Source Sans Pro"/>
-                <a:hlinkClick r:id="rId12" invalidUrl="" action="" tgtFrame="" tooltip="" history="1" highlightClick="0" endSnd="0"/>
+                <a:hlinkClick r:id="rId11" invalidUrl="" action="" tgtFrame="" tooltip="" history="1" highlightClick="0" endSnd="0"/>
               </a:rPr>
               <a:t>http://shinyapps.io</a:t>
             </a:r>
@@ -9212,14 +9978,14 @@
       </p:sp>
       <p:pic>
         <p:nvPicPr>
-          <p:cNvPr id="196" name="Shiny-cheatsheet-2.pdf" descr="Shiny-cheatsheet-2.pdf"/>
+          <p:cNvPr id="213" name="Shiny-cheatsheet-2.pdf" descr="Shiny-cheatsheet-2.pdf"/>
           <p:cNvPicPr>
             <a:picLocks noChangeAspect="1"/>
           </p:cNvPicPr>
           <p:nvPr/>
         </p:nvPicPr>
         <p:blipFill>
-          <a:blip r:embed="rId11">
+          <a:blip r:embed="rId10">
             <a:extLst/>
           </a:blip>
           <a:srcRect l="0" t="58642" r="0" b="0"/>
@@ -9242,14 +10008,14 @@
       </p:pic>
       <p:pic>
         <p:nvPicPr>
-          <p:cNvPr id="197" name="Group" descr="Group"/>
+          <p:cNvPr id="214" name="Group" descr="Group"/>
           <p:cNvPicPr>
             <a:picLocks noChangeAspect="1"/>
           </p:cNvPicPr>
           <p:nvPr/>
         </p:nvPicPr>
         <p:blipFill>
-          <a:blip r:embed="rId13">
+          <a:blip r:embed="rId12">
             <a:extLst/>
           </a:blip>
           <a:stretch>
@@ -9271,7 +10037,7 @@
       </p:pic>
       <p:sp>
         <p:nvSpPr>
-          <p:cNvPr id="198" name="ui - nested R functions that assemble an HTML user interface for your app…"/>
+          <p:cNvPr id="215" name="ui - nested R functions that assemble an HTML user interface for your app…"/>
           <p:cNvSpPr txBox="1"/>
           <p:nvPr/>
         </p:nvSpPr>
@@ -9496,14 +10262,14 @@
       </p:sp>
       <p:pic>
         <p:nvPicPr>
-          <p:cNvPr id="199" name="Shiny-cheatsheet-2.pdf" descr="Shiny-cheatsheet-2.pdf"/>
+          <p:cNvPr id="216" name="Shiny-cheatsheet-2.pdf" descr="Shiny-cheatsheet-2.pdf"/>
           <p:cNvPicPr>
             <a:picLocks noChangeAspect="1"/>
           </p:cNvPicPr>
           <p:nvPr/>
         </p:nvPicPr>
         <p:blipFill>
-          <a:blip r:embed="rId11">
+          <a:blip r:embed="rId10">
             <a:extLst/>
           </a:blip>
           <a:srcRect l="0" t="58276" r="0" b="0"/>
@@ -9526,14 +10292,14 @@
       </p:pic>
       <p:pic>
         <p:nvPicPr>
-          <p:cNvPr id="200" name="shinyapps.pdf" descr="shinyapps.pdf"/>
+          <p:cNvPr id="217" name="shinyapps.pdf" descr="shinyapps.pdf"/>
           <p:cNvPicPr>
             <a:picLocks noChangeAspect="1"/>
           </p:cNvPicPr>
           <p:nvPr/>
         </p:nvPicPr>
         <p:blipFill>
-          <a:blip r:embed="rId14">
+          <a:blip r:embed="rId13">
             <a:extLst/>
           </a:blip>
           <a:srcRect l="17885" t="5894" r="14963" b="24080"/>
@@ -9556,7 +10322,7 @@
       </p:pic>
       <p:sp>
         <p:nvSpPr>
-          <p:cNvPr id="201" name="APP TEMPLATE"/>
+          <p:cNvPr id="218" name="APP TEMPLATE"/>
           <p:cNvSpPr txBox="1"/>
           <p:nvPr/>
         </p:nvSpPr>
@@ -9592,7 +10358,7 @@
       </p:sp>
       <p:sp>
         <p:nvSpPr>
-          <p:cNvPr id="202" name="Line"/>
+          <p:cNvPr id="219" name="Line"/>
           <p:cNvSpPr/>
           <p:nvPr/>
         </p:nvSpPr>
@@ -9635,7 +10401,7 @@
       </p:sp>
       <p:sp>
         <p:nvSpPr>
-          <p:cNvPr id="203" name="SHARE YOUR APP"/>
+          <p:cNvPr id="220" name="SHARE YOUR APP"/>
           <p:cNvSpPr txBox="1"/>
           <p:nvPr/>
         </p:nvSpPr>
@@ -9671,7 +10437,7 @@
       </p:sp>
       <p:sp>
         <p:nvSpPr>
-          <p:cNvPr id="204" name="Line"/>
+          <p:cNvPr id="221" name="Line"/>
           <p:cNvSpPr/>
           <p:nvPr/>
         </p:nvSpPr>
@@ -9714,7 +10480,7 @@
       </p:sp>
       <p:sp>
         <p:nvSpPr>
-          <p:cNvPr id="205" name="DT::renderDataTable(expr, options,   callback,  escape, env, quoted)…"/>
+          <p:cNvPr id="222" name="DT::renderDataTable(expr, options,   callback,  escape, env, quoted)…"/>
           <p:cNvSpPr txBox="1"/>
           <p:nvPr/>
         </p:nvSpPr>
@@ -10099,7 +10865,7 @@
       </p:sp>
       <p:sp>
         <p:nvSpPr>
-          <p:cNvPr id="206" name="dataTableOutput(outputId, icon, …)…"/>
+          <p:cNvPr id="223" name="dataTableOutput(outputId, icon, …)…"/>
           <p:cNvSpPr txBox="1"/>
           <p:nvPr/>
         </p:nvSpPr>
@@ -10429,7 +11195,7 @@
       </p:sp>
       <p:sp>
         <p:nvSpPr>
-          <p:cNvPr id="207" name="Double Arrow"/>
+          <p:cNvPr id="224" name="Double Arrow"/>
           <p:cNvSpPr/>
           <p:nvPr/>
         </p:nvSpPr>
@@ -10474,7 +11240,7 @@
       </p:sp>
       <p:sp>
         <p:nvSpPr>
-          <p:cNvPr id="208" name="&amp;"/>
+          <p:cNvPr id="225" name="&amp;"/>
           <p:cNvSpPr txBox="1"/>
           <p:nvPr/>
         </p:nvSpPr>
@@ -10525,7 +11291,7 @@
       </p:sp>
       <p:sp>
         <p:nvSpPr>
-          <p:cNvPr id="209" name="works…"/>
+          <p:cNvPr id="226" name="works…"/>
           <p:cNvSpPr txBox="1"/>
           <p:nvPr/>
         </p:nvSpPr>
@@ -10599,14 +11365,14 @@
       </p:sp>
       <p:pic>
         <p:nvPicPr>
-          <p:cNvPr id="210" name="Screen Shot 2015-06-08 at 7.34.57 PM.png" descr="Screen Shot 2015-06-08 at 7.34.57 PM.png"/>
+          <p:cNvPr id="227" name="Screen Shot 2015-06-08 at 7.34.57 PM.png" descr="Screen Shot 2015-06-08 at 7.34.57 PM.png"/>
           <p:cNvPicPr>
             <a:picLocks noChangeAspect="1"/>
           </p:cNvPicPr>
           <p:nvPr/>
         </p:nvPicPr>
         <p:blipFill>
-          <a:blip r:embed="rId15">
+          <a:blip r:embed="rId14">
             <a:extLst/>
           </a:blip>
           <a:stretch>
@@ -10631,14 +11397,14 @@
       </p:pic>
       <p:pic>
         <p:nvPicPr>
-          <p:cNvPr id="211" name="RStudio-Logo-Black-Letters.png" descr="RStudio-Logo-Black-Letters.png"/>
+          <p:cNvPr id="228" name="RStudio-Logo-Black-Letters.png" descr="RStudio-Logo-Black-Letters.png"/>
           <p:cNvPicPr>
             <a:picLocks noChangeAspect="1"/>
           </p:cNvPicPr>
           <p:nvPr/>
         </p:nvPicPr>
         <p:blipFill>
-          <a:blip r:embed="rId16">
+          <a:blip r:embed="rId15">
             <a:extLst/>
           </a:blip>
           <a:srcRect l="0" t="0" r="63329" b="0"/>
@@ -10661,14 +11427,14 @@
       </p:pic>
       <p:pic>
         <p:nvPicPr>
-          <p:cNvPr id="212" name="Screen Shot 2015-06-08 at 7.30.35 PM.png" descr="Screen Shot 2015-06-08 at 7.30.35 PM.png"/>
+          <p:cNvPr id="229" name="Screen Shot 2015-06-08 at 7.30.35 PM.png" descr="Screen Shot 2015-06-08 at 7.30.35 PM.png"/>
           <p:cNvPicPr>
             <a:picLocks noChangeAspect="1"/>
           </p:cNvPicPr>
           <p:nvPr/>
         </p:nvPicPr>
         <p:blipFill>
-          <a:blip r:embed="rId17">
+          <a:blip r:embed="rId16">
             <a:extLst/>
           </a:blip>
           <a:stretch>
@@ -10693,14 +11459,14 @@
       </p:pic>
       <p:pic>
         <p:nvPicPr>
-          <p:cNvPr id="213" name="Screen Shot 2015-06-08 at 7.31.04 PM.png" descr="Screen Shot 2015-06-08 at 7.31.04 PM.png"/>
+          <p:cNvPr id="230" name="Screen Shot 2015-06-08 at 7.31.04 PM.png" descr="Screen Shot 2015-06-08 at 7.31.04 PM.png"/>
           <p:cNvPicPr>
             <a:picLocks noChangeAspect="1"/>
           </p:cNvPicPr>
           <p:nvPr/>
         </p:nvPicPr>
         <p:blipFill>
-          <a:blip r:embed="rId18">
+          <a:blip r:embed="rId17">
             <a:extLst/>
           </a:blip>
           <a:stretch>
@@ -10722,14 +11488,14 @@
       </p:pic>
       <p:pic>
         <p:nvPicPr>
-          <p:cNvPr id="214" name="Screen Shot 2015-06-08 at 7.31.32 PM.png" descr="Screen Shot 2015-06-08 at 7.31.32 PM.png"/>
+          <p:cNvPr id="231" name="Screen Shot 2015-06-08 at 7.31.32 PM.png" descr="Screen Shot 2015-06-08 at 7.31.32 PM.png"/>
           <p:cNvPicPr>
             <a:picLocks noChangeAspect="1"/>
           </p:cNvPicPr>
           <p:nvPr/>
         </p:nvPicPr>
         <p:blipFill>
-          <a:blip r:embed="rId19">
+          <a:blip r:embed="rId18">
             <a:extLst/>
           </a:blip>
           <a:stretch>
@@ -10751,14 +11517,14 @@
       </p:pic>
       <p:pic>
         <p:nvPicPr>
-          <p:cNvPr id="215" name="Screen Shot 2015-06-02 at 3.22.54 PM.png" descr="Screen Shot 2015-06-02 at 3.22.54 PM.png"/>
+          <p:cNvPr id="232" name="Screen Shot 2015-06-02 at 3.22.54 PM.png" descr="Screen Shot 2015-06-02 at 3.22.54 PM.png"/>
           <p:cNvPicPr>
             <a:picLocks noChangeAspect="1"/>
           </p:cNvPicPr>
           <p:nvPr/>
         </p:nvPicPr>
         <p:blipFill>
-          <a:blip r:embed="rId20">
+          <a:blip r:embed="rId19">
             <a:extLst/>
           </a:blip>
           <a:srcRect l="11544" t="9515" r="11544" b="62886"/>
@@ -10781,14 +11547,14 @@
       </p:pic>
       <p:pic>
         <p:nvPicPr>
-          <p:cNvPr id="216" name="Screen Shot 2015-06-08 at 7.35.38 PM.png" descr="Screen Shot 2015-06-08 at 7.35.38 PM.png"/>
+          <p:cNvPr id="233" name="Screen Shot 2015-06-08 at 7.35.38 PM.png" descr="Screen Shot 2015-06-08 at 7.35.38 PM.png"/>
           <p:cNvPicPr>
             <a:picLocks noChangeAspect="1"/>
           </p:cNvPicPr>
           <p:nvPr/>
         </p:nvPicPr>
         <p:blipFill>
-          <a:blip r:embed="rId21">
+          <a:blip r:embed="rId20">
             <a:extLst/>
           </a:blip>
           <a:srcRect l="0" t="0" r="0" b="36091"/>
@@ -10814,7 +11580,7 @@
       </p:pic>
       <p:sp>
         <p:nvSpPr>
-          <p:cNvPr id="217" name="collect values from the user"/>
+          <p:cNvPr id="234" name="collect values from the user"/>
           <p:cNvSpPr txBox="1"/>
           <p:nvPr/>
         </p:nvSpPr>
@@ -10850,7 +11616,7 @@
               </a:spcBef>
               <a:defRPr b="0" sz="2500">
                 <a:solidFill>
-                  <a:srgbClr val="628DB5"/>
+                  <a:srgbClr val="5589C5"/>
                 </a:solidFill>
               </a:defRPr>
             </a:pPr>
@@ -10863,7 +11629,7 @@
       </p:sp>
       <p:sp>
         <p:nvSpPr>
-          <p:cNvPr id="218" name="actionButton(inputId, label, icon, …)…"/>
+          <p:cNvPr id="235" name="actionButton(inputId, label, icon, …)…"/>
           <p:cNvSpPr txBox="1"/>
           <p:nvPr/>
         </p:nvSpPr>
@@ -11395,7 +12161,7 @@
       </p:sp>
       <p:sp>
         <p:nvSpPr>
-          <p:cNvPr id="219" name="Access the current value of an input object with input$&lt;inputId&gt;. Input values are reactive."/>
+          <p:cNvPr id="236" name="Access the current value of an input object with input$&lt;inputId&gt;. Input values are reactive."/>
           <p:cNvSpPr txBox="1"/>
           <p:nvPr/>
         </p:nvSpPr>
@@ -11493,14 +12259,14 @@
       </p:sp>
       <p:pic>
         <p:nvPicPr>
-          <p:cNvPr id="220" name="Screen Shot 2015-06-08 at 6.15.38 PM.png" descr="Screen Shot 2015-06-08 at 6.15.38 PM.png"/>
+          <p:cNvPr id="237" name="Screen Shot 2015-06-08 at 6.15.38 PM.png" descr="Screen Shot 2015-06-08 at 6.15.38 PM.png"/>
           <p:cNvPicPr>
             <a:picLocks noChangeAspect="1"/>
           </p:cNvPicPr>
           <p:nvPr/>
         </p:nvPicPr>
         <p:blipFill>
-          <a:blip r:embed="rId22">
+          <a:blip r:embed="rId21">
             <a:extLst/>
           </a:blip>
           <a:stretch>
@@ -11522,14 +12288,14 @@
       </p:pic>
       <p:pic>
         <p:nvPicPr>
-          <p:cNvPr id="221" name="Screen Shot 2015-06-08 at 6.15.50 PM.png" descr="Screen Shot 2015-06-08 at 6.15.50 PM.png"/>
+          <p:cNvPr id="238" name="Screen Shot 2015-06-08 at 6.15.50 PM.png" descr="Screen Shot 2015-06-08 at 6.15.50 PM.png"/>
           <p:cNvPicPr>
             <a:picLocks noChangeAspect="1"/>
           </p:cNvPicPr>
           <p:nvPr/>
         </p:nvPicPr>
         <p:blipFill>
-          <a:blip r:embed="rId23">
+          <a:blip r:embed="rId22">
             <a:extLst/>
           </a:blip>
           <a:stretch>
@@ -11551,43 +12317,14 @@
       </p:pic>
       <p:pic>
         <p:nvPicPr>
-          <p:cNvPr id="222" name="Screen Shot 2015-06-08 at 6.38.58 PM.png" descr="Screen Shot 2015-06-08 at 6.38.58 PM.png"/>
+          <p:cNvPr id="239" name="Screen Shot 2015-06-08 at 6.37.47 PM.png" descr="Screen Shot 2015-06-08 at 6.37.47 PM.png"/>
           <p:cNvPicPr>
             <a:picLocks noChangeAspect="1"/>
           </p:cNvPicPr>
           <p:nvPr/>
         </p:nvPicPr>
         <p:blipFill>
-          <a:blip r:embed="rId24">
-            <a:extLst/>
-          </a:blip>
-          <a:stretch>
-            <a:fillRect/>
-          </a:stretch>
-        </p:blipFill>
-        <p:spPr>
-          <a:xfrm>
-            <a:off x="10437862" y="8719670"/>
-            <a:ext cx="759924" cy="429217"/>
-          </a:xfrm>
-          <a:prstGeom prst="rect">
-            <a:avLst/>
-          </a:prstGeom>
-          <a:ln w="12700">
-            <a:miter lim="400000"/>
-          </a:ln>
-        </p:spPr>
-      </p:pic>
-      <p:pic>
-        <p:nvPicPr>
-          <p:cNvPr id="223" name="Screen Shot 2015-06-08 at 6.37.47 PM.png" descr="Screen Shot 2015-06-08 at 6.37.47 PM.png"/>
-          <p:cNvPicPr>
-            <a:picLocks noChangeAspect="1"/>
-          </p:cNvPicPr>
-          <p:nvPr/>
-        </p:nvPicPr>
-        <p:blipFill>
-          <a:blip r:embed="rId25">
+          <a:blip r:embed="rId23">
             <a:extLst/>
           </a:blip>
           <a:stretch>
@@ -11609,14 +12346,14 @@
       </p:pic>
       <p:pic>
         <p:nvPicPr>
-          <p:cNvPr id="224" name="Screen Shot 2015-06-08 at 6.38.04 PM.png" descr="Screen Shot 2015-06-08 at 6.38.04 PM.png"/>
+          <p:cNvPr id="240" name="Screen Shot 2015-06-08 at 6.38.04 PM.png" descr="Screen Shot 2015-06-08 at 6.38.04 PM.png"/>
           <p:cNvPicPr>
             <a:picLocks noChangeAspect="1"/>
           </p:cNvPicPr>
           <p:nvPr/>
         </p:nvPicPr>
         <p:blipFill>
-          <a:blip r:embed="rId26">
+          <a:blip r:embed="rId24">
             <a:extLst/>
           </a:blip>
           <a:stretch>
@@ -11638,14 +12375,14 @@
       </p:pic>
       <p:pic>
         <p:nvPicPr>
-          <p:cNvPr id="225" name="Screen Shot 2015-06-08 at 6.38.19 PM.png" descr="Screen Shot 2015-06-08 at 6.38.19 PM.png"/>
+          <p:cNvPr id="241" name="Screen Shot 2015-06-08 at 6.38.19 PM.png" descr="Screen Shot 2015-06-08 at 6.38.19 PM.png"/>
           <p:cNvPicPr>
             <a:picLocks noChangeAspect="1"/>
           </p:cNvPicPr>
           <p:nvPr/>
         </p:nvPicPr>
         <p:blipFill>
-          <a:blip r:embed="rId27">
+          <a:blip r:embed="rId25">
             <a:extLst/>
           </a:blip>
           <a:stretch>
@@ -11667,14 +12404,14 @@
       </p:pic>
       <p:pic>
         <p:nvPicPr>
-          <p:cNvPr id="226" name="Screen Shot 2015-06-08 at 6.38.31 PM.png" descr="Screen Shot 2015-06-08 at 6.38.31 PM.png"/>
+          <p:cNvPr id="242" name="Screen Shot 2015-06-08 at 6.38.31 PM.png" descr="Screen Shot 2015-06-08 at 6.38.31 PM.png"/>
           <p:cNvPicPr>
             <a:picLocks noChangeAspect="1"/>
           </p:cNvPicPr>
           <p:nvPr/>
         </p:nvPicPr>
         <p:blipFill>
-          <a:blip r:embed="rId28">
+          <a:blip r:embed="rId26">
             <a:extLst/>
           </a:blip>
           <a:stretch>
@@ -11696,14 +12433,14 @@
       </p:pic>
       <p:pic>
         <p:nvPicPr>
-          <p:cNvPr id="227" name="Screen Shot 2015-06-08 at 6.38.39 PM.png" descr="Screen Shot 2015-06-08 at 6.38.39 PM.png"/>
+          <p:cNvPr id="243" name="Screen Shot 2015-06-08 at 6.38.39 PM.png" descr="Screen Shot 2015-06-08 at 6.38.39 PM.png"/>
           <p:cNvPicPr>
             <a:picLocks noChangeAspect="1"/>
           </p:cNvPicPr>
           <p:nvPr/>
         </p:nvPicPr>
         <p:blipFill>
-          <a:blip r:embed="rId29">
+          <a:blip r:embed="rId27">
             <a:extLst/>
           </a:blip>
           <a:stretch>
@@ -11725,14 +12462,14 @@
       </p:pic>
       <p:pic>
         <p:nvPicPr>
-          <p:cNvPr id="228" name="Screen Shot 2015-06-08 at 6.47.00 PM.png" descr="Screen Shot 2015-06-08 at 6.47.00 PM.png"/>
+          <p:cNvPr id="244" name="Screen Shot 2015-06-08 at 6.47.00 PM.png" descr="Screen Shot 2015-06-08 at 6.47.00 PM.png"/>
           <p:cNvPicPr>
             <a:picLocks noChangeAspect="1"/>
           </p:cNvPicPr>
           <p:nvPr/>
         </p:nvPicPr>
         <p:blipFill>
-          <a:blip r:embed="rId30">
+          <a:blip r:embed="rId28">
             <a:extLst/>
           </a:blip>
           <a:stretch>
@@ -11754,14 +12491,14 @@
       </p:pic>
       <p:pic>
         <p:nvPicPr>
-          <p:cNvPr id="229" name="Screen Shot 2015-06-08 at 6.49.56 PM.png" descr="Screen Shot 2015-06-08 at 6.49.56 PM.png"/>
+          <p:cNvPr id="245" name="Screen Shot 2015-06-08 at 6.49.56 PM.png" descr="Screen Shot 2015-06-08 at 6.49.56 PM.png"/>
           <p:cNvPicPr>
             <a:picLocks noChangeAspect="1"/>
           </p:cNvPicPr>
           <p:nvPr/>
         </p:nvPicPr>
         <p:blipFill>
-          <a:blip r:embed="rId31">
+          <a:blip r:embed="rId29">
             <a:extLst/>
           </a:blip>
           <a:srcRect l="0" t="12405" r="0" b="0"/>
@@ -11784,14 +12521,14 @@
       </p:pic>
       <p:pic>
         <p:nvPicPr>
-          <p:cNvPr id="230" name="Screen Shot 2015-06-08 at 6.52.55 PM.png" descr="Screen Shot 2015-06-08 at 6.52.55 PM.png"/>
+          <p:cNvPr id="246" name="Screen Shot 2015-06-08 at 6.52.55 PM.png" descr="Screen Shot 2015-06-08 at 6.52.55 PM.png"/>
           <p:cNvPicPr>
             <a:picLocks noChangeAspect="1"/>
           </p:cNvPicPr>
           <p:nvPr/>
         </p:nvPicPr>
         <p:blipFill>
-          <a:blip r:embed="rId32">
+          <a:blip r:embed="rId30">
             <a:extLst/>
           </a:blip>
           <a:stretch>
@@ -11813,14 +12550,14 @@
       </p:pic>
       <p:pic>
         <p:nvPicPr>
-          <p:cNvPr id="231" name="Screen Shot 2015-06-08 at 6.53.35 PM.png" descr="Screen Shot 2015-06-08 at 6.53.35 PM.png"/>
+          <p:cNvPr id="247" name="Screen Shot 2015-06-08 at 6.53.35 PM.png" descr="Screen Shot 2015-06-08 at 6.53.35 PM.png"/>
           <p:cNvPicPr>
             <a:picLocks noChangeAspect="1"/>
           </p:cNvPicPr>
           <p:nvPr/>
         </p:nvPicPr>
         <p:blipFill>
-          <a:blip r:embed="rId33">
+          <a:blip r:embed="rId31">
             <a:extLst/>
           </a:blip>
           <a:stretch>
@@ -11842,14 +12579,14 @@
       </p:pic>
       <p:pic>
         <p:nvPicPr>
-          <p:cNvPr id="232" name="Screen Shot 2015-06-08 at 6.16.03 PM.png" descr="Screen Shot 2015-06-08 at 6.16.03 PM.png"/>
+          <p:cNvPr id="248" name="Screen Shot 2015-06-08 at 6.16.03 PM.png" descr="Screen Shot 2015-06-08 at 6.16.03 PM.png"/>
           <p:cNvPicPr>
             <a:picLocks noChangeAspect="1"/>
           </p:cNvPicPr>
           <p:nvPr/>
         </p:nvPicPr>
         <p:blipFill>
-          <a:blip r:embed="rId34">
+          <a:blip r:embed="rId32">
             <a:extLst/>
           </a:blip>
           <a:stretch>
@@ -11871,7 +12608,65 @@
       </p:pic>
       <p:pic>
         <p:nvPicPr>
-          <p:cNvPr id="233" name="Screen Shot 2015-06-08 at 6.21.32 PM.png" descr="Screen Shot 2015-06-08 at 6.21.32 PM.png"/>
+          <p:cNvPr id="249" name="Screen Shot 2015-06-08 at 6.21.32 PM.png" descr="Screen Shot 2015-06-08 at 6.21.32 PM.png"/>
+          <p:cNvPicPr>
+            <a:picLocks noChangeAspect="1"/>
+          </p:cNvPicPr>
+          <p:nvPr/>
+        </p:nvPicPr>
+        <p:blipFill>
+          <a:blip r:embed="rId33">
+            <a:extLst/>
+          </a:blip>
+          <a:stretch>
+            <a:fillRect/>
+          </a:stretch>
+        </p:blipFill>
+        <p:spPr>
+          <a:xfrm>
+            <a:off x="10424861" y="9550847"/>
+            <a:ext cx="762001" cy="232173"/>
+          </a:xfrm>
+          <a:prstGeom prst="rect">
+            <a:avLst/>
+          </a:prstGeom>
+          <a:ln w="12700">
+            <a:miter lim="400000"/>
+          </a:ln>
+        </p:spPr>
+      </p:pic>
+      <p:pic>
+        <p:nvPicPr>
+          <p:cNvPr id="250" name="Screen Shot 2018-07-29 at 10.42.23 AM.png" descr="Screen Shot 2018-07-29 at 10.42.23 AM.png"/>
+          <p:cNvPicPr>
+            <a:picLocks noChangeAspect="1"/>
+          </p:cNvPicPr>
+          <p:nvPr/>
+        </p:nvPicPr>
+        <p:blipFill>
+          <a:blip r:embed="rId34">
+            <a:extLst/>
+          </a:blip>
+          <a:stretch>
+            <a:fillRect/>
+          </a:stretch>
+        </p:blipFill>
+        <p:spPr>
+          <a:xfrm>
+            <a:off x="10442737" y="8755960"/>
+            <a:ext cx="718282" cy="269357"/>
+          </a:xfrm>
+          <a:prstGeom prst="rect">
+            <a:avLst/>
+          </a:prstGeom>
+          <a:ln w="12700">
+            <a:miter lim="400000"/>
+          </a:ln>
+        </p:spPr>
+      </p:pic>
+      <p:pic>
+        <p:nvPicPr>
+          <p:cNvPr id="251" name="Screen Shot 2018-07-29 at 10.42.10 AM.png" descr="Screen Shot 2018-07-29 at 10.42.10 AM.png"/>
           <p:cNvPicPr>
             <a:picLocks noChangeAspect="1"/>
           </p:cNvPicPr>
@@ -11887,8 +12682,8 @@
         </p:blipFill>
         <p:spPr>
           <a:xfrm>
-            <a:off x="10424861" y="9550847"/>
-            <a:ext cx="762001" cy="232173"/>
+            <a:off x="10442737" y="9001994"/>
+            <a:ext cx="700849" cy="273409"/>
           </a:xfrm>
           <a:prstGeom prst="rect">
             <a:avLst/>
@@ -11940,7 +12735,7 @@
                                       <p:cBhvr>
                                         <p:cTn id="6" fill="hold"/>
                                         <p:tgtEl>
-                                          <p:spTgt spid="215"/>
+                                          <p:spTgt spid="232"/>
                                         </p:tgtEl>
                                         <p:attrNameLst>
                                           <p:attrName>style.visibility</p:attrName>
@@ -11981,14 +12776,14 @@
       </p:par>
     </p:tnLst>
     <p:bldLst>
-      <p:bldP build="whole" bldLvl="1" animBg="1" rev="0" advAuto="0" spid="215" grpId="1"/>
+      <p:bldP build="whole" bldLvl="1" animBg="1" rev="0" advAuto="0" spid="232" grpId="1"/>
     </p:bldLst>
   </p:timing>
 </p:sld>
 </file>
 
 <file path=ppt/slides/slide2.xml><?xml version="1.0" encoding="utf-8"?>
-<p:sld xmlns:a="http://schemas.openxmlformats.org/drawingml/2006/main" xmlns:r="http://schemas.openxmlformats.org/officeDocument/2006/relationships" xmlns:p="http://schemas.openxmlformats.org/presentationml/2006/main" showMasterSp="1" showMasterPhAnim="1">
+<p:sld xmlns:a="http://schemas.openxmlformats.org/drawingml/2006/main" xmlns:r="http://schemas.openxmlformats.org/officeDocument/2006/relationships" xmlns:p="http://schemas.openxmlformats.org/presentationml/2006/main" xmlns:m="http://schemas.openxmlformats.org/officeDocument/2006/math" xmlns:a14="http://schemas.microsoft.com/office/drawing/2010/main" showMasterSp="1" showMasterPhAnim="1">
   <p:cSld>
     <p:spTree>
       <p:nvGrpSpPr>
@@ -12004,38 +12799,804 @@
           <a:chExt cx="0" cy="0"/>
         </a:xfrm>
       </p:grpSpPr>
-      <p:pic>
-        <p:nvPicPr>
-          <p:cNvPr id="235" name="Image" descr="Image"/>
-          <p:cNvPicPr>
-            <a:picLocks noChangeAspect="1"/>
-          </p:cNvPicPr>
+      <p:grpSp>
+        <p:nvGrpSpPr>
+          <p:cNvPr id="270" name="Group"/>
+          <p:cNvGrpSpPr/>
           <p:nvPr/>
-        </p:nvPicPr>
-        <p:blipFill>
-          <a:blip r:embed="rId2">
-            <a:extLst/>
-          </a:blip>
-          <a:stretch>
-            <a:fillRect/>
-          </a:stretch>
-        </p:blipFill>
-        <p:spPr>
+        </p:nvGrpSpPr>
+        <p:grpSpPr>
           <a:xfrm>
-            <a:off x="8369105" y="-684523"/>
-            <a:ext cx="5603817" cy="2992964"/>
+            <a:off x="8383487" y="-1013161"/>
+            <a:ext cx="6157893" cy="3553962"/>
+            <a:chOff x="0" y="51032"/>
+            <a:chExt cx="6157891" cy="3553961"/>
           </a:xfrm>
-          <a:prstGeom prst="rect">
-            <a:avLst/>
-          </a:prstGeom>
-          <a:ln w="12700">
-            <a:miter lim="400000"/>
-          </a:ln>
-        </p:spPr>
-      </p:pic>
+        </p:grpSpPr>
+        <p:grpSp>
+          <p:nvGrpSpPr>
+            <p:cNvPr id="268" name="Group"/>
+            <p:cNvGrpSpPr/>
+            <p:nvPr/>
+          </p:nvGrpSpPr>
+          <p:grpSpPr>
+            <a:xfrm>
+              <a:off x="23293" y="51032"/>
+              <a:ext cx="6134599" cy="2980091"/>
+              <a:chOff x="0" y="51032"/>
+              <a:chExt cx="6134598" cy="2980090"/>
+            </a:xfrm>
+          </p:grpSpPr>
+          <p:sp>
+            <p:nvSpPr>
+              <p:cNvPr id="253" name="Triangle"/>
+              <p:cNvSpPr/>
+              <p:nvPr/>
+            </p:nvSpPr>
+            <p:spPr>
+              <a:xfrm rot="1800000">
+                <a:off x="1177377" y="304285"/>
+                <a:ext cx="1319509" cy="1143860"/>
+              </a:xfrm>
+              <a:prstGeom prst="triangle">
+                <a:avLst/>
+              </a:prstGeom>
+              <a:solidFill>
+                <a:srgbClr val="4380C5"/>
+              </a:solidFill>
+              <a:ln w="3175" cap="flat">
+                <a:solidFill>
+                  <a:srgbClr val="437FC5"/>
+                </a:solidFill>
+                <a:prstDash val="solid"/>
+                <a:miter lim="400000"/>
+              </a:ln>
+              <a:effectLst/>
+            </p:spPr>
+            <p:txBody>
+              <a:bodyPr wrap="square" lIns="54570" tIns="54570" rIns="54570" bIns="54570" numCol="1" anchor="ctr">
+                <a:noAutofit/>
+              </a:bodyPr>
+              <a:lstStyle/>
+              <a:p>
+                <a:pPr>
+                  <a:lnSpc>
+                    <a:spcPct val="80000"/>
+                  </a:lnSpc>
+                  <a:spcBef>
+                    <a:spcPts val="0"/>
+                  </a:spcBef>
+                  <a:defRPr b="0">
+                    <a:solidFill>
+                      <a:srgbClr val="000000"/>
+                    </a:solidFill>
+                  </a:defRPr>
+                </a:pPr>
+              </a:p>
+            </p:txBody>
+          </p:sp>
+          <p:sp>
+            <p:nvSpPr>
+              <p:cNvPr id="254" name="Circle"/>
+              <p:cNvSpPr/>
+              <p:nvPr/>
+            </p:nvSpPr>
+            <p:spPr>
+              <a:xfrm flipH="1">
+                <a:off x="1550782" y="838357"/>
+                <a:ext cx="422090" cy="422090"/>
+              </a:xfrm>
+              <a:prstGeom prst="ellipse">
+                <a:avLst/>
+              </a:prstGeom>
+              <a:solidFill>
+                <a:srgbClr val="74B4EB"/>
+              </a:solidFill>
+              <a:ln w="12700" cap="flat">
+                <a:noFill/>
+                <a:miter lim="400000"/>
+              </a:ln>
+              <a:effectLst/>
+            </p:spPr>
+            <p:txBody>
+              <a:bodyPr wrap="square" lIns="54570" tIns="54570" rIns="54570" bIns="54570" numCol="1" anchor="ctr">
+                <a:noAutofit/>
+              </a:bodyPr>
+              <a:lstStyle/>
+              <a:p>
+                <a:pPr>
+                  <a:lnSpc>
+                    <a:spcPct val="80000"/>
+                  </a:lnSpc>
+                  <a:spcBef>
+                    <a:spcPts val="0"/>
+                  </a:spcBef>
+                  <a:defRPr b="0">
+                    <a:solidFill>
+                      <a:srgbClr val="000000"/>
+                    </a:solidFill>
+                  </a:defRPr>
+                </a:pPr>
+              </a:p>
+            </p:txBody>
+          </p:sp>
+          <p:sp>
+            <p:nvSpPr>
+              <p:cNvPr id="255" name="Circle"/>
+              <p:cNvSpPr/>
+              <p:nvPr/>
+            </p:nvSpPr>
+            <p:spPr>
+              <a:xfrm flipH="1">
+                <a:off x="0" y="819778"/>
+                <a:ext cx="422089" cy="422090"/>
+              </a:xfrm>
+              <a:prstGeom prst="ellipse">
+                <a:avLst/>
+              </a:prstGeom>
+              <a:solidFill>
+                <a:srgbClr val="4380C5">
+                  <a:alpha val="50458"/>
+                </a:srgbClr>
+              </a:solidFill>
+              <a:ln w="12700" cap="flat">
+                <a:noFill/>
+                <a:miter lim="400000"/>
+              </a:ln>
+              <a:effectLst/>
+            </p:spPr>
+            <p:txBody>
+              <a:bodyPr wrap="square" lIns="54570" tIns="54570" rIns="54570" bIns="54570" numCol="1" anchor="ctr">
+                <a:noAutofit/>
+              </a:bodyPr>
+              <a:lstStyle/>
+              <a:p>
+                <a:pPr>
+                  <a:lnSpc>
+                    <a:spcPct val="80000"/>
+                  </a:lnSpc>
+                  <a:spcBef>
+                    <a:spcPts val="0"/>
+                  </a:spcBef>
+                  <a:defRPr b="0">
+                    <a:solidFill>
+                      <a:srgbClr val="000000"/>
+                    </a:solidFill>
+                  </a:defRPr>
+                </a:pPr>
+              </a:p>
+            </p:txBody>
+          </p:sp>
+          <p:sp>
+            <p:nvSpPr>
+              <p:cNvPr id="256" name="Triangle"/>
+              <p:cNvSpPr/>
+              <p:nvPr/>
+            </p:nvSpPr>
+            <p:spPr>
+              <a:xfrm rot="19800000">
+                <a:off x="2896973" y="973389"/>
+                <a:ext cx="1319509" cy="1143860"/>
+              </a:xfrm>
+              <a:prstGeom prst="triangle">
+                <a:avLst/>
+              </a:prstGeom>
+              <a:solidFill>
+                <a:srgbClr val="74B4EB"/>
+              </a:solidFill>
+              <a:ln w="6350" cap="flat">
+                <a:solidFill>
+                  <a:srgbClr val="82B3E6"/>
+                </a:solidFill>
+                <a:prstDash val="solid"/>
+                <a:miter lim="400000"/>
+              </a:ln>
+              <a:effectLst/>
+            </p:spPr>
+            <p:txBody>
+              <a:bodyPr wrap="square" lIns="54570" tIns="54570" rIns="54570" bIns="54570" numCol="1" anchor="ctr">
+                <a:noAutofit/>
+              </a:bodyPr>
+              <a:lstStyle/>
+              <a:p>
+                <a:pPr>
+                  <a:lnSpc>
+                    <a:spcPct val="80000"/>
+                  </a:lnSpc>
+                  <a:spcBef>
+                    <a:spcPts val="0"/>
+                  </a:spcBef>
+                  <a:defRPr b="0">
+                    <a:solidFill>
+                      <a:srgbClr val="000000"/>
+                    </a:solidFill>
+                  </a:defRPr>
+                </a:pPr>
+              </a:p>
+            </p:txBody>
+          </p:sp>
+          <p:sp>
+            <p:nvSpPr>
+              <p:cNvPr id="257" name="Triangle"/>
+              <p:cNvSpPr/>
+              <p:nvPr/>
+            </p:nvSpPr>
+            <p:spPr>
+              <a:xfrm rot="1800000">
+                <a:off x="3470359" y="1634009"/>
+                <a:ext cx="1319509" cy="1143861"/>
+              </a:xfrm>
+              <a:prstGeom prst="triangle">
+                <a:avLst/>
+              </a:prstGeom>
+              <a:solidFill>
+                <a:srgbClr val="4380C5"/>
+              </a:solidFill>
+              <a:ln w="6350" cap="flat">
+                <a:solidFill>
+                  <a:srgbClr val="437FC5"/>
+                </a:solidFill>
+                <a:prstDash val="solid"/>
+                <a:miter lim="400000"/>
+              </a:ln>
+              <a:effectLst/>
+            </p:spPr>
+            <p:txBody>
+              <a:bodyPr wrap="square" lIns="54570" tIns="54570" rIns="54570" bIns="54570" numCol="1" anchor="ctr">
+                <a:noAutofit/>
+              </a:bodyPr>
+              <a:lstStyle/>
+              <a:p>
+                <a:pPr>
+                  <a:lnSpc>
+                    <a:spcPct val="80000"/>
+                  </a:lnSpc>
+                  <a:spcBef>
+                    <a:spcPts val="0"/>
+                  </a:spcBef>
+                  <a:defRPr b="0">
+                    <a:solidFill>
+                      <a:srgbClr val="000000"/>
+                    </a:solidFill>
+                  </a:defRPr>
+                </a:pPr>
+              </a:p>
+            </p:txBody>
+          </p:sp>
+          <p:sp>
+            <p:nvSpPr>
+              <p:cNvPr id="258" name="Circle"/>
+              <p:cNvSpPr/>
+              <p:nvPr/>
+            </p:nvSpPr>
+            <p:spPr>
+              <a:xfrm flipH="1">
+                <a:off x="3461021" y="1507461"/>
+                <a:ext cx="422090" cy="422090"/>
+              </a:xfrm>
+              <a:prstGeom prst="ellipse">
+                <a:avLst/>
+              </a:prstGeom>
+              <a:solidFill>
+                <a:srgbClr val="4380C5"/>
+              </a:solidFill>
+              <a:ln w="12700" cap="flat">
+                <a:noFill/>
+                <a:miter lim="400000"/>
+              </a:ln>
+              <a:effectLst/>
+            </p:spPr>
+            <p:txBody>
+              <a:bodyPr wrap="square" lIns="54570" tIns="54570" rIns="54570" bIns="54570" numCol="1" anchor="ctr">
+                <a:noAutofit/>
+              </a:bodyPr>
+              <a:lstStyle/>
+              <a:p>
+                <a:pPr>
+                  <a:lnSpc>
+                    <a:spcPct val="80000"/>
+                  </a:lnSpc>
+                  <a:spcBef>
+                    <a:spcPts val="0"/>
+                  </a:spcBef>
+                  <a:defRPr b="0">
+                    <a:solidFill>
+                      <a:srgbClr val="000000"/>
+                    </a:solidFill>
+                  </a:defRPr>
+                </a:pPr>
+              </a:p>
+            </p:txBody>
+          </p:sp>
+          <p:sp>
+            <p:nvSpPr>
+              <p:cNvPr id="259" name="Circle"/>
+              <p:cNvSpPr/>
+              <p:nvPr/>
+            </p:nvSpPr>
+            <p:spPr>
+              <a:xfrm flipH="1">
+                <a:off x="3843763" y="2168082"/>
+                <a:ext cx="422090" cy="422090"/>
+              </a:xfrm>
+              <a:prstGeom prst="ellipse">
+                <a:avLst/>
+              </a:prstGeom>
+              <a:solidFill>
+                <a:srgbClr val="74B4EB"/>
+              </a:solidFill>
+              <a:ln w="12700" cap="flat">
+                <a:noFill/>
+                <a:miter lim="400000"/>
+              </a:ln>
+              <a:effectLst/>
+            </p:spPr>
+            <p:txBody>
+              <a:bodyPr wrap="square" lIns="54570" tIns="54570" rIns="54570" bIns="54570" numCol="1" anchor="ctr">
+                <a:noAutofit/>
+              </a:bodyPr>
+              <a:lstStyle/>
+              <a:p>
+                <a:pPr>
+                  <a:lnSpc>
+                    <a:spcPct val="80000"/>
+                  </a:lnSpc>
+                  <a:spcBef>
+                    <a:spcPts val="0"/>
+                  </a:spcBef>
+                  <a:defRPr b="0">
+                    <a:solidFill>
+                      <a:srgbClr val="000000"/>
+                    </a:solidFill>
+                  </a:defRPr>
+                </a:pPr>
+              </a:p>
+            </p:txBody>
+          </p:sp>
+          <p:sp>
+            <p:nvSpPr>
+              <p:cNvPr id="260" name="Triangle"/>
+              <p:cNvSpPr/>
+              <p:nvPr/>
+            </p:nvSpPr>
+            <p:spPr>
+              <a:xfrm rot="1800000">
+                <a:off x="3470359" y="312963"/>
+                <a:ext cx="1319509" cy="1143861"/>
+              </a:xfrm>
+              <a:prstGeom prst="triangle">
+                <a:avLst/>
+              </a:prstGeom>
+              <a:solidFill>
+                <a:srgbClr val="4380C5"/>
+              </a:solidFill>
+              <a:ln w="6350" cap="flat">
+                <a:solidFill>
+                  <a:srgbClr val="437FC5"/>
+                </a:solidFill>
+                <a:prstDash val="solid"/>
+                <a:miter lim="400000"/>
+              </a:ln>
+              <a:effectLst/>
+            </p:spPr>
+            <p:txBody>
+              <a:bodyPr wrap="square" lIns="54570" tIns="54570" rIns="54570" bIns="54570" numCol="1" anchor="ctr">
+                <a:noAutofit/>
+              </a:bodyPr>
+              <a:lstStyle/>
+              <a:p>
+                <a:pPr>
+                  <a:lnSpc>
+                    <a:spcPct val="80000"/>
+                  </a:lnSpc>
+                  <a:spcBef>
+                    <a:spcPts val="0"/>
+                  </a:spcBef>
+                  <a:defRPr b="0">
+                    <a:solidFill>
+                      <a:srgbClr val="000000"/>
+                    </a:solidFill>
+                  </a:defRPr>
+                </a:pPr>
+              </a:p>
+            </p:txBody>
+          </p:sp>
+          <p:sp>
+            <p:nvSpPr>
+              <p:cNvPr id="261" name="Circle"/>
+              <p:cNvSpPr/>
+              <p:nvPr/>
+            </p:nvSpPr>
+            <p:spPr>
+              <a:xfrm flipH="1">
+                <a:off x="3843763" y="847036"/>
+                <a:ext cx="422090" cy="422090"/>
+              </a:xfrm>
+              <a:prstGeom prst="ellipse">
+                <a:avLst/>
+              </a:prstGeom>
+              <a:solidFill>
+                <a:srgbClr val="74B4EB"/>
+              </a:solidFill>
+              <a:ln w="12700" cap="flat">
+                <a:noFill/>
+                <a:miter lim="400000"/>
+              </a:ln>
+              <a:effectLst/>
+            </p:spPr>
+            <p:txBody>
+              <a:bodyPr wrap="square" lIns="54570" tIns="54570" rIns="54570" bIns="54570" numCol="1" anchor="ctr">
+                <a:noAutofit/>
+              </a:bodyPr>
+              <a:lstStyle/>
+              <a:p>
+                <a:pPr>
+                  <a:lnSpc>
+                    <a:spcPct val="80000"/>
+                  </a:lnSpc>
+                  <a:spcBef>
+                    <a:spcPts val="0"/>
+                  </a:spcBef>
+                  <a:defRPr b="0">
+                    <a:solidFill>
+                      <a:srgbClr val="000000"/>
+                    </a:solidFill>
+                  </a:defRPr>
+                </a:pPr>
+              </a:p>
+            </p:txBody>
+          </p:sp>
+          <p:sp>
+            <p:nvSpPr>
+              <p:cNvPr id="262" name="Triangle"/>
+              <p:cNvSpPr/>
+              <p:nvPr/>
+            </p:nvSpPr>
+            <p:spPr>
+              <a:xfrm rot="19800000">
+                <a:off x="4044130" y="318647"/>
+                <a:ext cx="1319509" cy="1143861"/>
+              </a:xfrm>
+              <a:prstGeom prst="triangle">
+                <a:avLst/>
+              </a:prstGeom>
+              <a:solidFill>
+                <a:srgbClr val="74B4EB"/>
+              </a:solidFill>
+              <a:ln w="6350" cap="flat">
+                <a:solidFill>
+                  <a:srgbClr val="82B3E6"/>
+                </a:solidFill>
+                <a:prstDash val="solid"/>
+                <a:miter lim="400000"/>
+              </a:ln>
+              <a:effectLst/>
+            </p:spPr>
+            <p:txBody>
+              <a:bodyPr wrap="square" lIns="54570" tIns="54570" rIns="54570" bIns="54570" numCol="1" anchor="ctr">
+                <a:noAutofit/>
+              </a:bodyPr>
+              <a:lstStyle/>
+              <a:p>
+                <a:pPr>
+                  <a:lnSpc>
+                    <a:spcPct val="80000"/>
+                  </a:lnSpc>
+                  <a:spcBef>
+                    <a:spcPts val="0"/>
+                  </a:spcBef>
+                  <a:defRPr b="0">
+                    <a:solidFill>
+                      <a:srgbClr val="000000"/>
+                    </a:solidFill>
+                  </a:defRPr>
+                </a:pPr>
+              </a:p>
+            </p:txBody>
+          </p:sp>
+          <p:sp>
+            <p:nvSpPr>
+              <p:cNvPr id="263" name="Circle"/>
+              <p:cNvSpPr/>
+              <p:nvPr/>
+            </p:nvSpPr>
+            <p:spPr>
+              <a:xfrm flipH="1">
+                <a:off x="4608178" y="852720"/>
+                <a:ext cx="422090" cy="422090"/>
+              </a:xfrm>
+              <a:prstGeom prst="ellipse">
+                <a:avLst/>
+              </a:prstGeom>
+              <a:solidFill>
+                <a:srgbClr val="4380C5"/>
+              </a:solidFill>
+              <a:ln w="12700" cap="flat">
+                <a:noFill/>
+                <a:miter lim="400000"/>
+              </a:ln>
+              <a:effectLst/>
+            </p:spPr>
+            <p:txBody>
+              <a:bodyPr wrap="square" lIns="54570" tIns="54570" rIns="54570" bIns="54570" numCol="1" anchor="ctr">
+                <a:noAutofit/>
+              </a:bodyPr>
+              <a:lstStyle/>
+              <a:p>
+                <a:pPr>
+                  <a:lnSpc>
+                    <a:spcPct val="80000"/>
+                  </a:lnSpc>
+                  <a:spcBef>
+                    <a:spcPts val="0"/>
+                  </a:spcBef>
+                  <a:defRPr b="0">
+                    <a:solidFill>
+                      <a:srgbClr val="000000"/>
+                    </a:solidFill>
+                  </a:defRPr>
+                </a:pPr>
+              </a:p>
+            </p:txBody>
+          </p:sp>
+          <p:sp>
+            <p:nvSpPr>
+              <p:cNvPr id="264" name="Triangle"/>
+              <p:cNvSpPr/>
+              <p:nvPr/>
+            </p:nvSpPr>
+            <p:spPr>
+              <a:xfrm rot="1800000">
+                <a:off x="4617515" y="979268"/>
+                <a:ext cx="1319509" cy="1143861"/>
+              </a:xfrm>
+              <a:prstGeom prst="triangle">
+                <a:avLst/>
+              </a:prstGeom>
+              <a:solidFill>
+                <a:srgbClr val="4380C5"/>
+              </a:solidFill>
+              <a:ln w="6350" cap="flat">
+                <a:solidFill>
+                  <a:srgbClr val="437FC5"/>
+                </a:solidFill>
+                <a:prstDash val="solid"/>
+                <a:miter lim="400000"/>
+              </a:ln>
+              <a:effectLst/>
+            </p:spPr>
+            <p:txBody>
+              <a:bodyPr wrap="square" lIns="54570" tIns="54570" rIns="54570" bIns="54570" numCol="1" anchor="ctr">
+                <a:noAutofit/>
+              </a:bodyPr>
+              <a:lstStyle/>
+              <a:p>
+                <a:pPr>
+                  <a:lnSpc>
+                    <a:spcPct val="80000"/>
+                  </a:lnSpc>
+                  <a:spcBef>
+                    <a:spcPts val="0"/>
+                  </a:spcBef>
+                  <a:defRPr b="0">
+                    <a:solidFill>
+                      <a:srgbClr val="000000"/>
+                    </a:solidFill>
+                  </a:defRPr>
+                </a:pPr>
+              </a:p>
+            </p:txBody>
+          </p:sp>
+          <p:sp>
+            <p:nvSpPr>
+              <p:cNvPr id="265" name="Circle"/>
+              <p:cNvSpPr/>
+              <p:nvPr/>
+            </p:nvSpPr>
+            <p:spPr>
+              <a:xfrm flipH="1">
+                <a:off x="4990920" y="1513341"/>
+                <a:ext cx="422090" cy="422090"/>
+              </a:xfrm>
+              <a:prstGeom prst="ellipse">
+                <a:avLst/>
+              </a:prstGeom>
+              <a:solidFill>
+                <a:srgbClr val="74B4EB"/>
+              </a:solidFill>
+              <a:ln w="12700" cap="flat">
+                <a:noFill/>
+                <a:miter lim="400000"/>
+              </a:ln>
+              <a:effectLst/>
+            </p:spPr>
+            <p:txBody>
+              <a:bodyPr wrap="square" lIns="54570" tIns="54570" rIns="54570" bIns="54570" numCol="1" anchor="ctr">
+                <a:noAutofit/>
+              </a:bodyPr>
+              <a:lstStyle/>
+              <a:p>
+                <a:pPr>
+                  <a:lnSpc>
+                    <a:spcPct val="80000"/>
+                  </a:lnSpc>
+                  <a:spcBef>
+                    <a:spcPts val="0"/>
+                  </a:spcBef>
+                  <a:defRPr b="0">
+                    <a:solidFill>
+                      <a:srgbClr val="000000"/>
+                    </a:solidFill>
+                  </a:defRPr>
+                </a:pPr>
+              </a:p>
+            </p:txBody>
+          </p:sp>
+          <p:sp>
+            <p:nvSpPr>
+              <p:cNvPr id="266" name="Triangle"/>
+              <p:cNvSpPr/>
+              <p:nvPr/>
+            </p:nvSpPr>
+            <p:spPr>
+              <a:xfrm rot="19800000">
+                <a:off x="1751148" y="309969"/>
+                <a:ext cx="1319510" cy="1143860"/>
+              </a:xfrm>
+              <a:prstGeom prst="triangle">
+                <a:avLst/>
+              </a:prstGeom>
+              <a:solidFill>
+                <a:srgbClr val="74B4EB"/>
+              </a:solidFill>
+              <a:ln w="6350" cap="flat">
+                <a:solidFill>
+                  <a:srgbClr val="82B3E6"/>
+                </a:solidFill>
+                <a:prstDash val="solid"/>
+                <a:miter lim="400000"/>
+              </a:ln>
+              <a:effectLst/>
+            </p:spPr>
+            <p:txBody>
+              <a:bodyPr wrap="square" lIns="54570" tIns="54570" rIns="54570" bIns="54570" numCol="1" anchor="ctr">
+                <a:noAutofit/>
+              </a:bodyPr>
+              <a:lstStyle/>
+              <a:p>
+                <a:pPr>
+                  <a:lnSpc>
+                    <a:spcPct val="80000"/>
+                  </a:lnSpc>
+                  <a:spcBef>
+                    <a:spcPts val="0"/>
+                  </a:spcBef>
+                  <a:defRPr b="0">
+                    <a:solidFill>
+                      <a:srgbClr val="000000"/>
+                    </a:solidFill>
+                  </a:defRPr>
+                </a:pPr>
+              </a:p>
+            </p:txBody>
+          </p:sp>
+          <p:sp>
+            <p:nvSpPr>
+              <p:cNvPr id="267" name="Circle"/>
+              <p:cNvSpPr/>
+              <p:nvPr/>
+            </p:nvSpPr>
+            <p:spPr>
+              <a:xfrm flipH="1">
+                <a:off x="2315196" y="844041"/>
+                <a:ext cx="422090" cy="422090"/>
+              </a:xfrm>
+              <a:prstGeom prst="ellipse">
+                <a:avLst/>
+              </a:prstGeom>
+              <a:solidFill>
+                <a:srgbClr val="4380C5"/>
+              </a:solidFill>
+              <a:ln w="12700" cap="flat">
+                <a:noFill/>
+                <a:miter lim="400000"/>
+              </a:ln>
+              <a:effectLst/>
+            </p:spPr>
+            <p:txBody>
+              <a:bodyPr wrap="square" lIns="54570" tIns="54570" rIns="54570" bIns="54570" numCol="1" anchor="ctr">
+                <a:noAutofit/>
+              </a:bodyPr>
+              <a:lstStyle/>
+              <a:p>
+                <a:pPr>
+                  <a:lnSpc>
+                    <a:spcPct val="80000"/>
+                  </a:lnSpc>
+                  <a:spcBef>
+                    <a:spcPts val="0"/>
+                  </a:spcBef>
+                  <a:defRPr b="0">
+                    <a:solidFill>
+                      <a:srgbClr val="000000"/>
+                    </a:solidFill>
+                  </a:defRPr>
+                </a:pPr>
+              </a:p>
+            </p:txBody>
+          </p:sp>
+        </p:grpSp>
+        <p:sp>
+          <p:nvSpPr>
+            <p:cNvPr id="269" name="Rectangle"/>
+            <p:cNvSpPr/>
+            <p:nvPr/>
+          </p:nvSpPr>
+          <p:spPr>
+            <a:xfrm>
+              <a:off x="0" y="1038072"/>
+              <a:ext cx="5593304" cy="2566922"/>
+            </a:xfrm>
+            <a:prstGeom prst="rect">
+              <a:avLst/>
+            </a:prstGeom>
+            <a:gradFill flip="none" rotWithShape="1">
+              <a:gsLst>
+                <a:gs pos="0">
+                  <a:srgbClr val="FFFFFF">
+                    <a:alpha val="0"/>
+                  </a:srgbClr>
+                </a:gs>
+                <a:gs pos="20382">
+                  <a:srgbClr val="FFFFFF">
+                    <a:alpha val="45796"/>
+                  </a:srgbClr>
+                </a:gs>
+                <a:gs pos="35803">
+                  <a:srgbClr val="FFFFFF">
+                    <a:alpha val="72898"/>
+                  </a:srgbClr>
+                </a:gs>
+                <a:gs pos="55434">
+                  <a:srgbClr val="FFFFFF"/>
+                </a:gs>
+              </a:gsLst>
+              <a:path path="shape">
+                <a:fillToRect l="54529" t="-7398" r="45470" b="107398"/>
+              </a:path>
+            </a:gradFill>
+            <a:ln w="12700" cap="flat">
+              <a:noFill/>
+              <a:miter lim="400000"/>
+            </a:ln>
+            <a:effectLst/>
+          </p:spPr>
+          <p:txBody>
+            <a:bodyPr wrap="square" lIns="54570" tIns="54570" rIns="54570" bIns="54570" numCol="1" anchor="ctr">
+              <a:noAutofit/>
+            </a:bodyPr>
+            <a:lstStyle/>
+            <a:p>
+              <a:pPr>
+                <a:lnSpc>
+                  <a:spcPct val="80000"/>
+                </a:lnSpc>
+                <a:spcBef>
+                  <a:spcPts val="0"/>
+                </a:spcBef>
+                <a:defRPr b="0">
+                  <a:solidFill>
+                    <a:srgbClr val="000000"/>
+                  </a:solidFill>
+                </a:defRPr>
+              </a:pPr>
+            </a:p>
+          </p:txBody>
+        </p:sp>
+      </p:grpSp>
       <p:sp>
         <p:nvSpPr>
-          <p:cNvPr id="236" name="wellPanel(dateInput(&quot;a&quot;, &quot;&quot;),…"/>
+          <p:cNvPr id="271" name="wellPanel(dateInput(&quot;a&quot;, &quot;&quot;),…"/>
           <p:cNvSpPr/>
           <p:nvPr/>
         </p:nvSpPr>
@@ -12138,7 +13699,7 @@
       </p:sp>
       <p:sp>
         <p:nvSpPr>
-          <p:cNvPr id="237" name="Reactivity"/>
+          <p:cNvPr id="272" name="Reactivity"/>
           <p:cNvSpPr txBox="1"/>
           <p:nvPr/>
         </p:nvSpPr>
@@ -12186,7 +13747,7 @@
       </p:sp>
       <p:sp>
         <p:nvSpPr>
-          <p:cNvPr id="238" name="Line"/>
+          <p:cNvPr id="273" name="Line"/>
           <p:cNvSpPr/>
           <p:nvPr/>
         </p:nvSpPr>
@@ -12227,7 +13788,7 @@
       </p:sp>
       <p:sp>
         <p:nvSpPr>
-          <p:cNvPr id="239" name="Line"/>
+          <p:cNvPr id="274" name="Line"/>
           <p:cNvSpPr/>
           <p:nvPr/>
         </p:nvSpPr>
@@ -12268,7 +13829,7 @@
       </p:sp>
       <p:sp>
         <p:nvSpPr>
-          <p:cNvPr id="240" name="Line"/>
+          <p:cNvPr id="275" name="Line"/>
           <p:cNvSpPr/>
           <p:nvPr/>
         </p:nvSpPr>
@@ -12309,14 +13870,14 @@
       </p:sp>
       <p:pic>
         <p:nvPicPr>
-          <p:cNvPr id="241" name="Image" descr="Image"/>
+          <p:cNvPr id="276" name="Image" descr="Image"/>
           <p:cNvPicPr>
             <a:picLocks noChangeAspect="1"/>
           </p:cNvPicPr>
           <p:nvPr/>
         </p:nvPicPr>
         <p:blipFill>
-          <a:blip r:embed="rId3">
+          <a:blip r:embed="rId2">
             <a:extLst/>
           </a:blip>
           <a:stretch>
@@ -12338,7 +13899,7 @@
       </p:pic>
       <p:sp>
         <p:nvSpPr>
-          <p:cNvPr id="242" name="RStudio® is a trademark of RStudio, Inc.  •  CC BY SA RStudio •  info@rstudio.com  •  844-448-1212 • rstudio.com •  Learn more at shiny.rstudio.com  •  shiny  0.12.0  •  Updated: 2016-01"/>
+          <p:cNvPr id="277" name="RStudio® is a trademark of RStudio, Inc.  •  CC BY SA RStudio •  info@rstudio.com  •  844-448-1212 • rstudio.com •  Learn more at shiny.rstudio.com  •  shiny  0.12.0  •  Updated: 2016-01"/>
           <p:cNvSpPr txBox="1"/>
           <p:nvPr/>
         </p:nvSpPr>
@@ -12383,25 +13944,25 @@
             </a:r>
             <a:r>
               <a:rPr>
+                <a:hlinkClick r:id="rId3" invalidUrl="" action="" tgtFrame="" tooltip="" history="1" highlightClick="0" endSnd="0"/>
+              </a:rPr>
+              <a:t>CC BY SA</a:t>
+            </a:r>
+            <a:r>
+              <a:t> RStudio •  </a:t>
+            </a:r>
+            <a:r>
+              <a:rPr>
                 <a:hlinkClick r:id="rId4" invalidUrl="" action="" tgtFrame="" tooltip="" history="1" highlightClick="0" endSnd="0"/>
               </a:rPr>
-              <a:t>CC BY SA</a:t>
-            </a:r>
-            <a:r>
-              <a:t> RStudio •  </a:t>
+              <a:t>info@rstudio.com</a:t>
+            </a:r>
+            <a:r>
+              <a:t>  •  844-448-1212 • </a:t>
             </a:r>
             <a:r>
               <a:rPr>
                 <a:hlinkClick r:id="rId5" invalidUrl="" action="" tgtFrame="" tooltip="" history="1" highlightClick="0" endSnd="0"/>
-              </a:rPr>
-              <a:t>info@rstudio.com</a:t>
-            </a:r>
-            <a:r>
-              <a:t>  •  844-448-1212 • </a:t>
-            </a:r>
-            <a:r>
-              <a:rPr>
-                <a:hlinkClick r:id="rId6" invalidUrl="" action="" tgtFrame="" tooltip="" history="1" highlightClick="0" endSnd="0"/>
               </a:rPr>
               <a:t>rstudio.com</a:t>
             </a:r>
@@ -12420,7 +13981,7 @@
       </p:sp>
       <p:sp>
         <p:nvSpPr>
-          <p:cNvPr id="243" name="Reactive values work together with reactive functions. Call a reactive value from within the arguments of one of these functions to avoid the error Operation not allowed without an active reactive context."/>
+          <p:cNvPr id="278" name="Reactive values work together with reactive functions. Call a reactive value from within the arguments of one of these functions to avoid the error Operation not allowed without an active reactive context."/>
           <p:cNvSpPr txBox="1"/>
           <p:nvPr/>
         </p:nvSpPr>
@@ -12503,7 +14064,7 @@
       </p:sp>
       <p:sp>
         <p:nvSpPr>
-          <p:cNvPr id="244" name="# example snippets…"/>
+          <p:cNvPr id="279" name="# example snippets…"/>
           <p:cNvSpPr/>
           <p:nvPr/>
         </p:nvSpPr>
@@ -12831,7 +14392,7 @@
       </p:sp>
       <p:sp>
         <p:nvSpPr>
-          <p:cNvPr id="245" name="library(shiny)…"/>
+          <p:cNvPr id="280" name="library(shiny)…"/>
           <p:cNvSpPr/>
           <p:nvPr/>
         </p:nvSpPr>
@@ -13191,7 +14752,7 @@
       </p:sp>
       <p:sp>
         <p:nvSpPr>
-          <p:cNvPr id="246" name="library(shiny)…"/>
+          <p:cNvPr id="281" name="library(shiny)…"/>
           <p:cNvSpPr/>
           <p:nvPr/>
         </p:nvSpPr>
@@ -13567,7 +15128,7 @@
       </p:sp>
       <p:sp>
         <p:nvSpPr>
-          <p:cNvPr id="247" name="library(shiny)…"/>
+          <p:cNvPr id="282" name="library(shiny)…"/>
           <p:cNvSpPr/>
           <p:nvPr/>
         </p:nvSpPr>
@@ -13932,7 +15493,7 @@
       </p:sp>
       <p:sp>
         <p:nvSpPr>
-          <p:cNvPr id="248" name="library(shiny)…"/>
+          <p:cNvPr id="283" name="library(shiny)…"/>
           <p:cNvSpPr/>
           <p:nvPr/>
         </p:nvSpPr>
@@ -14378,7 +15939,7 @@
       </p:sp>
       <p:sp>
         <p:nvSpPr>
-          <p:cNvPr id="249" name="ui &lt;- fluidPage(…"/>
+          <p:cNvPr id="284" name="ui &lt;- fluidPage(…"/>
           <p:cNvSpPr/>
           <p:nvPr/>
         </p:nvSpPr>
@@ -14740,7 +16301,7 @@
       </p:sp>
       <p:sp>
         <p:nvSpPr>
-          <p:cNvPr id="250" name="render*() functions…"/>
+          <p:cNvPr id="285" name="render*() functions…"/>
           <p:cNvSpPr txBox="1"/>
           <p:nvPr/>
         </p:nvSpPr>
@@ -14812,7 +16373,7 @@
       </p:sp>
       <p:sp>
         <p:nvSpPr>
-          <p:cNvPr id="251" name="observeEvent(eventExpr, handlerExpr, event.env, event.quoted, handler.env, handler.quoted, labe, suspended, priority, domain, autoDestroy, ignoreNULL)"/>
+          <p:cNvPr id="286" name="observeEvent(eventExpr, handlerExpr, event.env, event.quoted, handler.env, handler.quoted, labe, suspended, priority, domain, autoDestroy, ignoreNULL)"/>
           <p:cNvSpPr txBox="1"/>
           <p:nvPr/>
         </p:nvSpPr>
@@ -14941,7 +16502,7 @@
       </p:sp>
       <p:sp>
         <p:nvSpPr>
-          <p:cNvPr id="252" name="eventReactive(eventExpr, valueExpr, event.env, event.quoted, value.env, value.quoted, label, domain, ignoreNULL)"/>
+          <p:cNvPr id="287" name="eventReactive(eventExpr, valueExpr, event.env, event.quoted, value.env, value.quoted, label, domain, ignoreNULL)"/>
           <p:cNvSpPr txBox="1"/>
           <p:nvPr/>
         </p:nvSpPr>
@@ -15044,7 +16605,7 @@
       </p:sp>
       <p:sp>
         <p:nvSpPr>
-          <p:cNvPr id="253" name="*Input() functions…"/>
+          <p:cNvPr id="288" name="*Input() functions…"/>
           <p:cNvSpPr txBox="1"/>
           <p:nvPr/>
         </p:nvSpPr>
@@ -15161,7 +16722,7 @@
       </p:sp>
       <p:sp>
         <p:nvSpPr>
-          <p:cNvPr id="254" name="isolate(expr)"/>
+          <p:cNvPr id="289" name="isolate(expr)"/>
           <p:cNvSpPr txBox="1"/>
           <p:nvPr/>
         </p:nvSpPr>
@@ -15227,7 +16788,7 @@
       </p:sp>
       <p:sp>
         <p:nvSpPr>
-          <p:cNvPr id="255" name="reactive(x, env, quoted, label, domain)"/>
+          <p:cNvPr id="290" name="reactive(x, env, quoted, label, domain)"/>
           <p:cNvSpPr txBox="1"/>
           <p:nvPr/>
         </p:nvSpPr>
@@ -15326,7 +16887,7 @@
       </p:sp>
       <p:sp>
         <p:nvSpPr>
-          <p:cNvPr id="256" name="Each input function creates a reactive value stored as input$&lt;inputId&gt;…"/>
+          <p:cNvPr id="291" name="Each input function creates a reactive value stored as input$&lt;inputId&gt;…"/>
           <p:cNvSpPr txBox="1"/>
           <p:nvPr/>
         </p:nvSpPr>
@@ -15414,7 +16975,7 @@
       </p:sp>
       <p:sp>
         <p:nvSpPr>
-          <p:cNvPr id="257" name="Builds an object to display. Will rerun code in body to rebuild the object whenever a reactive value in the code changes.…"/>
+          <p:cNvPr id="292" name="Builds an object to display. Will rerun code in body to rebuild the object whenever a reactive value in the code changes.…"/>
           <p:cNvSpPr txBox="1"/>
           <p:nvPr/>
         </p:nvSpPr>
@@ -15519,7 +17080,7 @@
       </p:sp>
       <p:sp>
         <p:nvSpPr>
-          <p:cNvPr id="258" name="Runs a code block. Returns a non-reactive copy  of the results."/>
+          <p:cNvPr id="293" name="Runs a code block. Returns a non-reactive copy  of the results."/>
           <p:cNvSpPr txBox="1"/>
           <p:nvPr/>
         </p:nvSpPr>
@@ -15581,7 +17142,7 @@
       </p:sp>
       <p:sp>
         <p:nvSpPr>
-          <p:cNvPr id="259" name="Runs code in 2nd argument when reactive values in 1st argument change. See observe() for alternative."/>
+          <p:cNvPr id="294" name="Runs code in 2nd argument when reactive values in 1st argument change. See observe() for alternative."/>
           <p:cNvSpPr txBox="1"/>
           <p:nvPr/>
         </p:nvSpPr>
@@ -15643,7 +17204,7 @@
       </p:sp>
       <p:sp>
         <p:nvSpPr>
-          <p:cNvPr id="260" name="Creates a reactive expression that…"/>
+          <p:cNvPr id="295" name="Creates a reactive expression that…"/>
           <p:cNvSpPr txBox="1"/>
           <p:nvPr/>
         </p:nvSpPr>
@@ -15803,7 +17364,7 @@
       </p:sp>
       <p:sp>
         <p:nvSpPr>
-          <p:cNvPr id="261" name="Creates reactive expression with code in 2nd argument that only invalidates when reactive values in 1st argument change."/>
+          <p:cNvPr id="296" name="Creates reactive expression with code in 2nd argument that only invalidates when reactive values in 1st argument change."/>
           <p:cNvSpPr txBox="1"/>
           <p:nvPr/>
         </p:nvSpPr>
@@ -15860,14 +17421,14 @@
       </p:sp>
       <p:pic>
         <p:nvPicPr>
-          <p:cNvPr id="262" name="shiny-flow.png" descr="shiny-flow.png"/>
+          <p:cNvPr id="297" name="shiny-flow.png" descr="shiny-flow.png"/>
           <p:cNvPicPr>
             <a:picLocks noChangeAspect="1"/>
           </p:cNvPicPr>
           <p:nvPr/>
         </p:nvPicPr>
         <p:blipFill>
-          <a:blip r:embed="rId7">
+          <a:blip r:embed="rId6">
             <a:extLst/>
           </a:blip>
           <a:stretch>
@@ -15889,7 +17450,7 @@
       </p:pic>
       <p:sp>
         <p:nvSpPr>
-          <p:cNvPr id="263" name="CREATE YOUR OWN REACTIVE VALUES"/>
+          <p:cNvPr id="298" name="CREATE YOUR OWN REACTIVE VALUES"/>
           <p:cNvSpPr txBox="1"/>
           <p:nvPr/>
         </p:nvSpPr>
@@ -15925,7 +17486,7 @@
       </p:sp>
       <p:sp>
         <p:nvSpPr>
-          <p:cNvPr id="264" name="PREVENT REACTIONS"/>
+          <p:cNvPr id="299" name="PREVENT REACTIONS"/>
           <p:cNvSpPr txBox="1"/>
           <p:nvPr/>
         </p:nvSpPr>
@@ -15961,7 +17522,7 @@
       </p:sp>
       <p:sp>
         <p:nvSpPr>
-          <p:cNvPr id="265" name="MODULARIZE REACTIONS"/>
+          <p:cNvPr id="300" name="MODULARIZE REACTIONS"/>
           <p:cNvSpPr txBox="1"/>
           <p:nvPr/>
         </p:nvSpPr>
@@ -15997,7 +17558,7 @@
       </p:sp>
       <p:sp>
         <p:nvSpPr>
-          <p:cNvPr id="266" name="RENDER REACTIVE OUTPUT"/>
+          <p:cNvPr id="301" name="RENDER REACTIVE OUTPUT"/>
           <p:cNvSpPr txBox="1"/>
           <p:nvPr/>
         </p:nvSpPr>
@@ -16033,7 +17594,7 @@
       </p:sp>
       <p:sp>
         <p:nvSpPr>
-          <p:cNvPr id="267" name="TRIGGER ARBITRARY CODE"/>
+          <p:cNvPr id="302" name="TRIGGER ARBITRARY CODE"/>
           <p:cNvSpPr txBox="1"/>
           <p:nvPr/>
         </p:nvSpPr>
@@ -16069,7 +17630,7 @@
       </p:sp>
       <p:sp>
         <p:nvSpPr>
-          <p:cNvPr id="268" name="DELAY REACTIONS"/>
+          <p:cNvPr id="303" name="DELAY REACTIONS"/>
           <p:cNvSpPr txBox="1"/>
           <p:nvPr/>
         </p:nvSpPr>
@@ -16105,7 +17666,7 @@
       </p:sp>
       <p:sp>
         <p:nvSpPr>
-          <p:cNvPr id="269" name="UI - An app’s UI is an HTML document."/>
+          <p:cNvPr id="304" name="UI - An app’s UI is an HTML document."/>
           <p:cNvSpPr txBox="1"/>
           <p:nvPr/>
         </p:nvSpPr>
@@ -16157,7 +17718,7 @@
       </p:sp>
       <p:sp>
         <p:nvSpPr>
-          <p:cNvPr id="270" name="Layouts"/>
+          <p:cNvPr id="305" name="Layouts"/>
           <p:cNvSpPr txBox="1"/>
           <p:nvPr/>
         </p:nvSpPr>
@@ -16205,7 +17766,7 @@
       </p:sp>
       <p:sp>
         <p:nvSpPr>
-          <p:cNvPr id="271" name="Line"/>
+          <p:cNvPr id="306" name="Line"/>
           <p:cNvSpPr/>
           <p:nvPr/>
         </p:nvSpPr>
@@ -16246,7 +17807,7 @@
       </p:sp>
       <p:sp>
         <p:nvSpPr>
-          <p:cNvPr id="272" name="Add static HTML elements with tags, a list of functions that parallel common HTML tags, e.g. tags$a(). Unnamed arguments will be passed into the tag; named arguments will become tag attributes."/>
+          <p:cNvPr id="307" name="Add static HTML elements with tags, a list of functions that parallel common HTML tags, e.g. tags$a(). Unnamed arguments will be passed into the tag; named arguments will become tag attributes."/>
           <p:cNvSpPr txBox="1"/>
           <p:nvPr/>
         </p:nvSpPr>
@@ -16339,7 +17900,7 @@
       </p:sp>
       <p:sp>
         <p:nvSpPr>
-          <p:cNvPr id="273" name="Use Shiny’s functions to assemble this HTML with R."/>
+          <p:cNvPr id="308" name="Use Shiny’s functions to assemble this HTML with R."/>
           <p:cNvSpPr txBox="1"/>
           <p:nvPr/>
         </p:nvSpPr>
@@ -16396,7 +17957,7 @@
       </p:sp>
       <p:grpSp>
         <p:nvGrpSpPr>
-          <p:cNvPr id="279" name="Group"/>
+          <p:cNvPr id="314" name="Group"/>
           <p:cNvGrpSpPr/>
           <p:nvPr/>
         </p:nvGrpSpPr>
@@ -16410,7 +17971,7 @@
         </p:grpSpPr>
         <p:sp>
           <p:nvSpPr>
-            <p:cNvPr id="274" name="tags$a…"/>
+            <p:cNvPr id="309" name="tags$a…"/>
             <p:cNvSpPr txBox="1"/>
             <p:nvPr/>
           </p:nvSpPr>
@@ -17248,7 +18809,7 @@
         </p:sp>
         <p:sp>
           <p:nvSpPr>
-            <p:cNvPr id="275" name="tags$data…"/>
+            <p:cNvPr id="310" name="tags$data…"/>
             <p:cNvSpPr txBox="1"/>
             <p:nvPr/>
           </p:nvSpPr>
@@ -18083,7 +19644,7 @@
         </p:sp>
         <p:sp>
           <p:nvSpPr>
-            <p:cNvPr id="276" name="tags$h6…"/>
+            <p:cNvPr id="311" name="tags$h6…"/>
             <p:cNvSpPr txBox="1"/>
             <p:nvPr/>
           </p:nvSpPr>
@@ -18915,7 +20476,7 @@
         </p:sp>
         <p:sp>
           <p:nvSpPr>
-            <p:cNvPr id="277" name="tags$nav…"/>
+            <p:cNvPr id="312" name="tags$nav…"/>
             <p:cNvSpPr txBox="1"/>
             <p:nvPr/>
           </p:nvSpPr>
@@ -19775,7 +21336,7 @@
         </p:sp>
         <p:sp>
           <p:nvSpPr>
-            <p:cNvPr id="278" name="tags$span…"/>
+            <p:cNvPr id="313" name="tags$span…"/>
             <p:cNvSpPr txBox="1"/>
             <p:nvPr/>
           </p:nvSpPr>
@@ -20608,7 +22169,7 @@
       </p:grpSp>
       <p:sp>
         <p:nvSpPr>
-          <p:cNvPr id="280" name="fluidPage(…"/>
+          <p:cNvPr id="315" name="fluidPage(…"/>
           <p:cNvSpPr/>
           <p:nvPr/>
         </p:nvSpPr>
@@ -20839,7 +22400,7 @@
       </p:sp>
       <p:sp>
         <p:nvSpPr>
-          <p:cNvPr id="281" name="Line"/>
+          <p:cNvPr id="316" name="Line"/>
           <p:cNvSpPr/>
           <p:nvPr/>
         </p:nvSpPr>
@@ -20921,7 +22482,7 @@
       </p:sp>
       <p:sp>
         <p:nvSpPr>
-          <p:cNvPr id="282" name="Returns…"/>
+          <p:cNvPr id="317" name="Returns…"/>
           <p:cNvSpPr txBox="1"/>
           <p:nvPr/>
         </p:nvSpPr>
@@ -20995,14 +22556,14 @@
       </p:sp>
       <p:pic>
         <p:nvPicPr>
-          <p:cNvPr id="283" name="Image" descr="Image"/>
+          <p:cNvPr id="318" name="Image" descr="Image"/>
           <p:cNvPicPr>
             <a:picLocks noChangeAspect="1"/>
           </p:cNvPicPr>
           <p:nvPr/>
         </p:nvPicPr>
         <p:blipFill>
-          <a:blip r:embed="rId8">
+          <a:blip r:embed="rId7">
             <a:extLst/>
           </a:blip>
           <a:srcRect l="0" t="0" r="54302" b="0"/>
@@ -21025,14 +22586,14 @@
       </p:pic>
       <p:pic>
         <p:nvPicPr>
-          <p:cNvPr id="284" name="Image" descr="Image"/>
+          <p:cNvPr id="319" name="Image" descr="Image"/>
           <p:cNvPicPr>
             <a:picLocks noChangeAspect="1"/>
           </p:cNvPicPr>
           <p:nvPr/>
         </p:nvPicPr>
         <p:blipFill>
-          <a:blip r:embed="rId8">
+          <a:blip r:embed="rId7">
             <a:extLst/>
           </a:blip>
           <a:srcRect l="53401" t="0" r="0" b="0"/>
@@ -21055,14 +22616,14 @@
       </p:pic>
       <p:pic>
         <p:nvPicPr>
-          <p:cNvPr id="285" name="Image" descr="Image"/>
+          <p:cNvPr id="320" name="Image" descr="Image"/>
           <p:cNvPicPr>
             <a:picLocks noChangeAspect="1"/>
           </p:cNvPicPr>
           <p:nvPr/>
         </p:nvPicPr>
         <p:blipFill>
-          <a:blip r:embed="rId9">
+          <a:blip r:embed="rId8">
             <a:extLst/>
           </a:blip>
           <a:srcRect l="33707" t="0" r="33707" b="24546"/>
@@ -21085,7 +22646,7 @@
       </p:pic>
       <p:sp>
         <p:nvSpPr>
-          <p:cNvPr id="286" name="The most common tags have wrapper functions. You do not need to prefix their names with tags$"/>
+          <p:cNvPr id="321" name="The most common tags have wrapper functions. You do not need to prefix their names with tags$"/>
           <p:cNvSpPr txBox="1"/>
           <p:nvPr/>
         </p:nvSpPr>
@@ -21144,7 +22705,7 @@
       </p:sp>
       <p:grpSp>
         <p:nvGrpSpPr>
-          <p:cNvPr id="289" name="Group"/>
+          <p:cNvPr id="324" name="Group"/>
           <p:cNvGrpSpPr/>
           <p:nvPr/>
         </p:nvGrpSpPr>
@@ -21158,14 +22719,14 @@
         </p:grpSpPr>
         <p:pic>
           <p:nvPicPr>
-            <p:cNvPr id="287" name="RStudio-Logo-Black-Letters.png" descr="RStudio-Logo-Black-Letters.png"/>
+            <p:cNvPr id="322" name="RStudio-Logo-Black-Letters.png" descr="RStudio-Logo-Black-Letters.png"/>
             <p:cNvPicPr>
               <a:picLocks noChangeAspect="1"/>
             </p:cNvPicPr>
             <p:nvPr/>
           </p:nvPicPr>
           <p:blipFill>
-            <a:blip r:embed="rId10">
+            <a:blip r:embed="rId9">
               <a:extLst/>
             </a:blip>
             <a:srcRect l="0" t="0" r="63329" b="0"/>
@@ -21190,7 +22751,7 @@
         </p:pic>
         <p:sp>
           <p:nvSpPr>
-            <p:cNvPr id="288" name="IMAGES"/>
+            <p:cNvPr id="323" name="IMAGES"/>
             <p:cNvSpPr txBox="1"/>
             <p:nvPr/>
           </p:nvSpPr>
@@ -21245,7 +22806,7 @@
       </p:grpSp>
       <p:sp>
         <p:nvSpPr>
-          <p:cNvPr id="290" name="To include a CSS file, use includeCSS(), or…"/>
+          <p:cNvPr id="325" name="To include a CSS file, use includeCSS(), or…"/>
           <p:cNvSpPr txBox="1"/>
           <p:nvPr/>
         </p:nvSpPr>
@@ -21354,7 +22915,7 @@
       </p:sp>
       <p:sp>
         <p:nvSpPr>
-          <p:cNvPr id="291" name="To include JavaScript, use includeScript() or…"/>
+          <p:cNvPr id="326" name="To include JavaScript, use includeScript() or…"/>
           <p:cNvSpPr txBox="1"/>
           <p:nvPr/>
         </p:nvSpPr>
@@ -21463,7 +23024,7 @@
       </p:sp>
       <p:grpSp>
         <p:nvGrpSpPr>
-          <p:cNvPr id="295" name="Group"/>
+          <p:cNvPr id="330" name="Group"/>
           <p:cNvGrpSpPr/>
           <p:nvPr/>
         </p:nvGrpSpPr>
@@ -21477,7 +23038,7 @@
         </p:grpSpPr>
         <p:sp>
           <p:nvSpPr>
-            <p:cNvPr id="292" name="ui &lt;- fluidPage(…"/>
+            <p:cNvPr id="327" name="ui &lt;- fluidPage(…"/>
             <p:cNvSpPr/>
             <p:nvPr/>
           </p:nvSpPr>
@@ -21846,14 +23407,14 @@
         </p:sp>
         <p:pic>
           <p:nvPicPr>
-            <p:cNvPr id="293" name="Screen Shot 2015-06-10 at 9.31.46 AM.png" descr="Screen Shot 2015-06-10 at 9.31.46 AM.png"/>
+            <p:cNvPr id="328" name="Screen Shot 2015-06-10 at 9.31.46 AM.png" descr="Screen Shot 2015-06-10 at 9.31.46 AM.png"/>
             <p:cNvPicPr>
               <a:picLocks noChangeAspect="1"/>
             </p:cNvPicPr>
             <p:nvPr/>
           </p:nvPicPr>
           <p:blipFill>
-            <a:blip r:embed="rId11">
+            <a:blip r:embed="rId10">
               <a:extLst/>
             </a:blip>
             <a:stretch>
@@ -21880,7 +23441,7 @@
         </p:pic>
         <p:sp>
           <p:nvSpPr>
-            <p:cNvPr id="294" name="Arrow"/>
+            <p:cNvPr id="329" name="Arrow"/>
             <p:cNvSpPr/>
             <p:nvPr/>
           </p:nvSpPr>
@@ -21933,7 +23494,7 @@
       </p:grpSp>
       <p:sp>
         <p:nvSpPr>
-          <p:cNvPr id="296" name="tags$head(tags$link(rel = &quot;stylesheet&quot;,…"/>
+          <p:cNvPr id="331" name="tags$head(tags$link(rel = &quot;stylesheet&quot;,…"/>
           <p:cNvSpPr txBox="1"/>
           <p:nvPr/>
         </p:nvSpPr>
@@ -22033,7 +23594,7 @@
       </p:sp>
       <p:sp>
         <p:nvSpPr>
-          <p:cNvPr id="297" name="tags$head(tags$script(src = &quot;&lt;file name&gt;&quot;))"/>
+          <p:cNvPr id="332" name="tags$head(tags$script(src = &quot;&lt;file name&gt;&quot;))"/>
           <p:cNvSpPr txBox="1"/>
           <p:nvPr/>
         </p:nvSpPr>
@@ -22094,7 +23655,7 @@
       </p:sp>
       <p:sp>
         <p:nvSpPr>
-          <p:cNvPr id="298" name="To include an image…"/>
+          <p:cNvPr id="333" name="To include an image…"/>
           <p:cNvSpPr txBox="1"/>
           <p:nvPr/>
         </p:nvSpPr>
@@ -22205,7 +23766,7 @@
       </p:sp>
       <p:sp>
         <p:nvSpPr>
-          <p:cNvPr id="299" name="Combine multiple elements into a &quot;single element&quot; that has its own properties with a panel function, e.g."/>
+          <p:cNvPr id="334" name="Combine multiple elements into a &quot;single element&quot; that has its own properties with a panel function, e.g."/>
           <p:cNvSpPr txBox="1"/>
           <p:nvPr/>
         </p:nvSpPr>
@@ -22262,7 +23823,7 @@
       </p:sp>
       <p:grpSp>
         <p:nvGrpSpPr>
-          <p:cNvPr id="308" name="Group"/>
+          <p:cNvPr id="343" name="Group"/>
           <p:cNvGrpSpPr/>
           <p:nvPr/>
         </p:nvGrpSpPr>
@@ -22276,7 +23837,7 @@
         </p:grpSpPr>
         <p:sp>
           <p:nvSpPr>
-            <p:cNvPr id="300" name="fluidRow()"/>
+            <p:cNvPr id="335" name="fluidRow()"/>
             <p:cNvSpPr txBox="1"/>
             <p:nvPr/>
           </p:nvSpPr>
@@ -22330,7 +23891,7 @@
         </p:sp>
         <p:grpSp>
           <p:nvGrpSpPr>
-            <p:cNvPr id="307" name="Group"/>
+            <p:cNvPr id="342" name="Group"/>
             <p:cNvGrpSpPr/>
             <p:nvPr/>
           </p:nvGrpSpPr>
@@ -22344,7 +23905,7 @@
           </p:grpSpPr>
           <p:sp>
             <p:nvSpPr>
-              <p:cNvPr id="301" name="Rounded Rectangle"/>
+              <p:cNvPr id="336" name="Rounded Rectangle"/>
               <p:cNvSpPr/>
               <p:nvPr/>
             </p:nvSpPr>
@@ -22394,7 +23955,7 @@
           </p:sp>
           <p:sp>
             <p:nvSpPr>
-              <p:cNvPr id="302" name="Rounded Rectangle"/>
+              <p:cNvPr id="337" name="Rounded Rectangle"/>
               <p:cNvSpPr/>
               <p:nvPr/>
             </p:nvSpPr>
@@ -22441,7 +24002,7 @@
           </p:sp>
           <p:sp>
             <p:nvSpPr>
-              <p:cNvPr id="303" name="row"/>
+              <p:cNvPr id="338" name="row"/>
               <p:cNvSpPr/>
               <p:nvPr/>
             </p:nvSpPr>
@@ -22498,7 +24059,7 @@
           </p:sp>
           <p:sp>
             <p:nvSpPr>
-              <p:cNvPr id="304" name="column"/>
+              <p:cNvPr id="339" name="column"/>
               <p:cNvSpPr/>
               <p:nvPr/>
             </p:nvSpPr>
@@ -22555,7 +24116,7 @@
           </p:sp>
           <p:sp>
             <p:nvSpPr>
-              <p:cNvPr id="305" name="column"/>
+              <p:cNvPr id="340" name="column"/>
               <p:cNvSpPr/>
               <p:nvPr/>
             </p:nvSpPr>
@@ -22612,7 +24173,7 @@
           </p:sp>
           <p:sp>
             <p:nvSpPr>
-              <p:cNvPr id="306" name="col"/>
+              <p:cNvPr id="341" name="col"/>
               <p:cNvSpPr/>
               <p:nvPr/>
             </p:nvSpPr>
@@ -22671,7 +24232,7 @@
       </p:grpSp>
       <p:grpSp>
         <p:nvGrpSpPr>
-          <p:cNvPr id="318" name="Group"/>
+          <p:cNvPr id="353" name="Group"/>
           <p:cNvGrpSpPr/>
           <p:nvPr/>
         </p:nvGrpSpPr>
@@ -22685,7 +24246,7 @@
         </p:grpSpPr>
         <p:sp>
           <p:nvSpPr>
-            <p:cNvPr id="309" name="flowLayout()"/>
+            <p:cNvPr id="344" name="flowLayout()"/>
             <p:cNvSpPr txBox="1"/>
             <p:nvPr/>
           </p:nvSpPr>
@@ -22739,7 +24300,7 @@
         </p:sp>
         <p:grpSp>
           <p:nvGrpSpPr>
-            <p:cNvPr id="317" name="Group"/>
+            <p:cNvPr id="352" name="Group"/>
             <p:cNvGrpSpPr/>
             <p:nvPr/>
           </p:nvGrpSpPr>
@@ -22753,7 +24314,7 @@
           </p:grpSpPr>
           <p:sp>
             <p:nvSpPr>
-              <p:cNvPr id="310" name="Rounded Rectangle"/>
+              <p:cNvPr id="345" name="Rounded Rectangle"/>
               <p:cNvSpPr/>
               <p:nvPr/>
             </p:nvSpPr>
@@ -22805,7 +24366,7 @@
           </p:sp>
           <p:sp>
             <p:nvSpPr>
-              <p:cNvPr id="311" name="Rounded Rectangle"/>
+              <p:cNvPr id="346" name="Rounded Rectangle"/>
               <p:cNvSpPr/>
               <p:nvPr/>
             </p:nvSpPr>
@@ -22855,7 +24416,7 @@
           </p:sp>
           <p:sp>
             <p:nvSpPr>
-              <p:cNvPr id="312" name="object 1"/>
+              <p:cNvPr id="347" name="object 1"/>
               <p:cNvSpPr/>
               <p:nvPr/>
             </p:nvSpPr>
@@ -22912,7 +24473,7 @@
           </p:sp>
           <p:sp>
             <p:nvSpPr>
-              <p:cNvPr id="313" name="object 2"/>
+              <p:cNvPr id="348" name="object 2"/>
               <p:cNvSpPr/>
               <p:nvPr/>
             </p:nvSpPr>
@@ -22969,7 +24530,7 @@
           </p:sp>
           <p:sp>
             <p:nvSpPr>
-              <p:cNvPr id="314" name="object 3"/>
+              <p:cNvPr id="349" name="object 3"/>
               <p:cNvSpPr/>
               <p:nvPr/>
             </p:nvSpPr>
@@ -23031,7 +24592,7 @@
           </p:sp>
           <p:sp>
             <p:nvSpPr>
-              <p:cNvPr id="315" name="object 3"/>
+              <p:cNvPr id="350" name="object 3"/>
               <p:cNvSpPr/>
               <p:nvPr/>
             </p:nvSpPr>
@@ -23088,10 +24649,10 @@
           </p:sp>
           <p:cxnSp>
             <p:nvCxnSpPr>
-              <p:cNvPr id="316" name="Connection Line"/>
+              <p:cNvPr id="351" name="Connection Line"/>
               <p:cNvCxnSpPr>
-                <a:stCxn id="315" idx="0"/>
-                <a:endCxn id="314" idx="0"/>
+                <a:stCxn id="350" idx="0"/>
+                <a:endCxn id="349" idx="0"/>
               </p:cNvCxnSpPr>
               <p:nvPr/>
             </p:nvCxnSpPr>
@@ -23119,7 +24680,7 @@
       </p:grpSp>
       <p:grpSp>
         <p:nvGrpSpPr>
-          <p:cNvPr id="324" name="Group"/>
+          <p:cNvPr id="359" name="Group"/>
           <p:cNvGrpSpPr/>
           <p:nvPr/>
         </p:nvGrpSpPr>
@@ -23133,7 +24694,7 @@
         </p:grpSpPr>
         <p:sp>
           <p:nvSpPr>
-            <p:cNvPr id="319" name="splitLayout()"/>
+            <p:cNvPr id="354" name="splitLayout()"/>
             <p:cNvSpPr txBox="1"/>
             <p:nvPr/>
           </p:nvSpPr>
@@ -23187,7 +24748,7 @@
         </p:sp>
         <p:grpSp>
           <p:nvGrpSpPr>
-            <p:cNvPr id="323" name="Group"/>
+            <p:cNvPr id="358" name="Group"/>
             <p:cNvGrpSpPr/>
             <p:nvPr/>
           </p:nvGrpSpPr>
@@ -23201,7 +24762,7 @@
           </p:grpSpPr>
           <p:sp>
             <p:nvSpPr>
-              <p:cNvPr id="320" name="Rounded Rectangle"/>
+              <p:cNvPr id="355" name="Rounded Rectangle"/>
               <p:cNvSpPr/>
               <p:nvPr/>
             </p:nvSpPr>
@@ -23251,7 +24812,7 @@
           </p:sp>
           <p:sp>
             <p:nvSpPr>
-              <p:cNvPr id="321" name="object 1"/>
+              <p:cNvPr id="356" name="object 1"/>
               <p:cNvSpPr/>
               <p:nvPr/>
             </p:nvSpPr>
@@ -23308,7 +24869,7 @@
           </p:sp>
           <p:sp>
             <p:nvSpPr>
-              <p:cNvPr id="322" name="object 2"/>
+              <p:cNvPr id="357" name="object 2"/>
               <p:cNvSpPr/>
               <p:nvPr/>
             </p:nvSpPr>
@@ -23367,7 +24928,7 @@
       </p:grpSp>
       <p:sp>
         <p:nvSpPr>
-          <p:cNvPr id="325" name="Organize panels and elements into a layout with a layout function. Add elements as arguments of the…"/>
+          <p:cNvPr id="360" name="Organize panels and elements into a layout with a layout function. Add elements as arguments of the…"/>
           <p:cNvSpPr txBox="1"/>
           <p:nvPr/>
         </p:nvSpPr>
@@ -23451,7 +25012,7 @@
       </p:sp>
       <p:sp>
         <p:nvSpPr>
-          <p:cNvPr id="326" name="Layer tabPanels on top of each other, and navigate between them, with:"/>
+          <p:cNvPr id="361" name="Layer tabPanels on top of each other, and navigate between them, with:"/>
           <p:cNvSpPr txBox="1"/>
           <p:nvPr/>
         </p:nvSpPr>
@@ -23508,14 +25069,14 @@
       </p:sp>
       <p:pic>
         <p:nvPicPr>
-          <p:cNvPr id="327" name="Screen Shot 2015-06-10 at 4.17.52 PM.png" descr="Screen Shot 2015-06-10 at 4.17.52 PM.png"/>
+          <p:cNvPr id="362" name="Screen Shot 2015-06-10 at 4.17.52 PM.png" descr="Screen Shot 2015-06-10 at 4.17.52 PM.png"/>
           <p:cNvPicPr>
             <a:picLocks noChangeAspect="1"/>
           </p:cNvPicPr>
           <p:nvPr/>
         </p:nvPicPr>
         <p:blipFill>
-          <a:blip r:embed="rId12">
+          <a:blip r:embed="rId11">
             <a:extLst/>
           </a:blip>
           <a:stretch>
@@ -23537,7 +25098,7 @@
       </p:pic>
       <p:sp>
         <p:nvSpPr>
-          <p:cNvPr id="328" name="Arrow"/>
+          <p:cNvPr id="363" name="Arrow"/>
           <p:cNvSpPr/>
           <p:nvPr/>
         </p:nvSpPr>
@@ -23585,7 +25146,7 @@
       </p:sp>
       <p:grpSp>
         <p:nvGrpSpPr>
-          <p:cNvPr id="334" name="Group"/>
+          <p:cNvPr id="369" name="Group"/>
           <p:cNvGrpSpPr/>
           <p:nvPr/>
         </p:nvGrpSpPr>
@@ -23599,7 +25160,7 @@
         </p:grpSpPr>
         <p:grpSp>
           <p:nvGrpSpPr>
-            <p:cNvPr id="332" name="Group"/>
+            <p:cNvPr id="367" name="Group"/>
             <p:cNvGrpSpPr/>
             <p:nvPr/>
           </p:nvGrpSpPr>
@@ -23613,7 +25174,7 @@
           </p:grpSpPr>
           <p:sp>
             <p:nvSpPr>
-              <p:cNvPr id="329" name="Rounded Rectangle"/>
+              <p:cNvPr id="364" name="Rounded Rectangle"/>
               <p:cNvSpPr/>
               <p:nvPr/>
             </p:nvSpPr>
@@ -23663,7 +25224,7 @@
           </p:sp>
           <p:sp>
             <p:nvSpPr>
-              <p:cNvPr id="330" name="side…"/>
+              <p:cNvPr id="365" name="side…"/>
               <p:cNvSpPr/>
               <p:nvPr/>
             </p:nvSpPr>
@@ -23736,7 +25297,7 @@
           </p:sp>
           <p:sp>
             <p:nvSpPr>
-              <p:cNvPr id="331" name="main…"/>
+              <p:cNvPr id="366" name="main…"/>
               <p:cNvSpPr/>
               <p:nvPr/>
             </p:nvSpPr>
@@ -23810,7 +25371,7 @@
         </p:grpSp>
         <p:sp>
           <p:nvSpPr>
-            <p:cNvPr id="333" name="sidebarLayout()"/>
+            <p:cNvPr id="368" name="sidebarLayout()"/>
             <p:cNvSpPr txBox="1"/>
             <p:nvPr/>
           </p:nvSpPr>
@@ -23865,7 +25426,7 @@
       </p:grpSp>
       <p:grpSp>
         <p:nvGrpSpPr>
-          <p:cNvPr id="340" name="Group"/>
+          <p:cNvPr id="375" name="Group"/>
           <p:cNvGrpSpPr/>
           <p:nvPr/>
         </p:nvGrpSpPr>
@@ -23879,7 +25440,7 @@
         </p:grpSpPr>
         <p:sp>
           <p:nvSpPr>
-            <p:cNvPr id="335" name="verticalLayout()"/>
+            <p:cNvPr id="370" name="verticalLayout()"/>
             <p:cNvSpPr txBox="1"/>
             <p:nvPr/>
           </p:nvSpPr>
@@ -23933,7 +25494,7 @@
         </p:sp>
         <p:sp>
           <p:nvSpPr>
-            <p:cNvPr id="336" name="Rounded Rectangle"/>
+            <p:cNvPr id="371" name="Rounded Rectangle"/>
             <p:cNvSpPr/>
             <p:nvPr/>
           </p:nvSpPr>
@@ -23983,7 +25544,7 @@
         </p:sp>
         <p:sp>
           <p:nvSpPr>
-            <p:cNvPr id="337" name="object 1"/>
+            <p:cNvPr id="372" name="object 1"/>
             <p:cNvSpPr/>
             <p:nvPr/>
           </p:nvSpPr>
@@ -24040,7 +25601,7 @@
         </p:sp>
         <p:sp>
           <p:nvSpPr>
-            <p:cNvPr id="338" name="object 2"/>
+            <p:cNvPr id="373" name="object 2"/>
             <p:cNvSpPr/>
             <p:nvPr/>
           </p:nvSpPr>
@@ -24097,7 +25658,7 @@
         </p:sp>
         <p:sp>
           <p:nvSpPr>
-            <p:cNvPr id="339" name="object 3"/>
+            <p:cNvPr id="374" name="object 3"/>
             <p:cNvSpPr/>
             <p:nvPr/>
           </p:nvSpPr>
@@ -24155,7 +25716,7 @@
       </p:grpSp>
       <p:sp>
         <p:nvSpPr>
-          <p:cNvPr id="341" name="ui &lt;- fluidPage(…"/>
+          <p:cNvPr id="376" name="ui &lt;- fluidPage(…"/>
           <p:cNvSpPr txBox="1"/>
           <p:nvPr/>
         </p:nvSpPr>
@@ -24364,7 +25925,7 @@
       </p:sp>
       <p:sp>
         <p:nvSpPr>
-          <p:cNvPr id="342" name="ui &lt;- fluidPage(…"/>
+          <p:cNvPr id="377" name="ui &lt;- fluidPage(…"/>
           <p:cNvSpPr txBox="1"/>
           <p:nvPr/>
         </p:nvSpPr>
@@ -24547,7 +26108,7 @@
       </p:sp>
       <p:sp>
         <p:nvSpPr>
-          <p:cNvPr id="343" name="ui &lt;- fluidPage(…"/>
+          <p:cNvPr id="378" name="ui &lt;- fluidPage(…"/>
           <p:cNvSpPr txBox="1"/>
           <p:nvPr/>
         </p:nvSpPr>
@@ -24709,7 +26270,7 @@
       </p:sp>
       <p:sp>
         <p:nvSpPr>
-          <p:cNvPr id="344" name="ui &lt;- fluidPage(…"/>
+          <p:cNvPr id="379" name="ui &lt;- fluidPage(…"/>
           <p:cNvSpPr txBox="1"/>
           <p:nvPr/>
         </p:nvSpPr>
@@ -24870,7 +26431,7 @@
       </p:sp>
       <p:sp>
         <p:nvSpPr>
-          <p:cNvPr id="345" name="ui &lt;- fluidPage(…"/>
+          <p:cNvPr id="380" name="ui &lt;- fluidPage(…"/>
           <p:cNvSpPr txBox="1"/>
           <p:nvPr/>
         </p:nvSpPr>
@@ -25053,7 +26614,7 @@
       </p:sp>
       <p:grpSp>
         <p:nvGrpSpPr>
-          <p:cNvPr id="350" name="Group"/>
+          <p:cNvPr id="385" name="Group"/>
           <p:cNvGrpSpPr/>
           <p:nvPr/>
         </p:nvGrpSpPr>
@@ -25067,7 +26628,7 @@
         </p:grpSpPr>
         <p:sp>
           <p:nvSpPr>
-            <p:cNvPr id="346" name="Shape"/>
+            <p:cNvPr id="381" name="Shape"/>
             <p:cNvSpPr/>
             <p:nvPr/>
           </p:nvSpPr>
@@ -25163,7 +26724,7 @@
         </p:sp>
         <p:sp>
           <p:nvSpPr>
-            <p:cNvPr id="347" name="Shape"/>
+            <p:cNvPr id="382" name="Shape"/>
             <p:cNvSpPr/>
             <p:nvPr/>
           </p:nvSpPr>
@@ -25259,7 +26820,7 @@
         </p:sp>
         <p:sp>
           <p:nvSpPr>
-            <p:cNvPr id="348" name="Shape"/>
+            <p:cNvPr id="383" name="Shape"/>
             <p:cNvSpPr/>
             <p:nvPr/>
           </p:nvSpPr>
@@ -25355,7 +26916,7 @@
         </p:sp>
         <p:sp>
           <p:nvSpPr>
-            <p:cNvPr id="349" name="Shape"/>
+            <p:cNvPr id="384" name="Shape"/>
             <p:cNvSpPr/>
             <p:nvPr/>
           </p:nvSpPr>
@@ -25452,7 +27013,7 @@
       </p:grpSp>
       <p:sp>
         <p:nvSpPr>
-          <p:cNvPr id="351" name="ui &lt;- fluidPage( tabsetPanel(…"/>
+          <p:cNvPr id="386" name="ui &lt;- fluidPage( tabsetPanel(…"/>
           <p:cNvSpPr txBox="1"/>
           <p:nvPr/>
         </p:nvSpPr>
@@ -25606,7 +27167,7 @@
       </p:sp>
       <p:sp>
         <p:nvSpPr>
-          <p:cNvPr id="352" name="ui &lt;- fluidPage( navlistPanel(…"/>
+          <p:cNvPr id="387" name="ui &lt;- fluidPage( navlistPanel(…"/>
           <p:cNvSpPr txBox="1"/>
           <p:nvPr/>
         </p:nvSpPr>
@@ -25760,7 +27321,7 @@
       </p:sp>
       <p:sp>
         <p:nvSpPr>
-          <p:cNvPr id="353" name="Rectangle"/>
+          <p:cNvPr id="388" name="Rectangle"/>
           <p:cNvSpPr/>
           <p:nvPr/>
         </p:nvSpPr>
@@ -25808,7 +27369,7 @@
       </p:sp>
       <p:sp>
         <p:nvSpPr>
-          <p:cNvPr id="354" name="ui &lt;- navbarPage(title = &quot;Page&quot;,…"/>
+          <p:cNvPr id="389" name="ui &lt;- navbarPage(title = &quot;Page&quot;,…"/>
           <p:cNvSpPr txBox="1"/>
           <p:nvPr/>
         </p:nvSpPr>
@@ -25962,14 +27523,14 @@
       </p:sp>
       <p:pic>
         <p:nvPicPr>
-          <p:cNvPr id="355" name="Screen Shot 2015-06-10 at 5.27.03 PM.png" descr="Screen Shot 2015-06-10 at 5.27.03 PM.png"/>
+          <p:cNvPr id="390" name="Screen Shot 2015-06-10 at 5.27.03 PM.png" descr="Screen Shot 2015-06-10 at 5.27.03 PM.png"/>
           <p:cNvPicPr>
             <a:picLocks noChangeAspect="1"/>
           </p:cNvPicPr>
           <p:nvPr/>
         </p:nvPicPr>
         <p:blipFill>
-          <a:blip r:embed="rId13">
+          <a:blip r:embed="rId12">
             <a:extLst/>
           </a:blip>
           <a:stretch>
@@ -26001,14 +27562,14 @@
       </p:pic>
       <p:pic>
         <p:nvPicPr>
-          <p:cNvPr id="356" name="Screen Shot 2015-06-10 at 5.27.26 PM.png" descr="Screen Shot 2015-06-10 at 5.27.26 PM.png"/>
+          <p:cNvPr id="391" name="Screen Shot 2015-06-10 at 5.27.26 PM.png" descr="Screen Shot 2015-06-10 at 5.27.26 PM.png"/>
           <p:cNvPicPr>
             <a:picLocks noChangeAspect="1"/>
           </p:cNvPicPr>
           <p:nvPr/>
         </p:nvPicPr>
         <p:blipFill>
-          <a:blip r:embed="rId14">
+          <a:blip r:embed="rId13">
             <a:extLst/>
           </a:blip>
           <a:stretch>
@@ -26030,14 +27591,14 @@
       </p:pic>
       <p:pic>
         <p:nvPicPr>
-          <p:cNvPr id="357" name="Screen Shot 2015-06-10 at 5.28.02 PM.png" descr="Screen Shot 2015-06-10 at 5.28.02 PM.png"/>
+          <p:cNvPr id="392" name="Screen Shot 2015-06-10 at 5.28.02 PM.png" descr="Screen Shot 2015-06-10 at 5.28.02 PM.png"/>
           <p:cNvPicPr>
             <a:picLocks noChangeAspect="0"/>
           </p:cNvPicPr>
           <p:nvPr/>
         </p:nvPicPr>
         <p:blipFill>
-          <a:blip r:embed="rId15">
+          <a:blip r:embed="rId14">
             <a:extLst/>
           </a:blip>
           <a:stretch>
@@ -26069,14 +27630,14 @@
       </p:pic>
       <p:pic>
         <p:nvPicPr>
-          <p:cNvPr id="358" name="Screen Shot 2015-06-10 at 5.28.02 PM.png" descr="Screen Shot 2015-06-10 at 5.28.02 PM.png"/>
+          <p:cNvPr id="393" name="Screen Shot 2015-06-10 at 5.28.02 PM.png" descr="Screen Shot 2015-06-10 at 5.28.02 PM.png"/>
           <p:cNvPicPr>
             <a:picLocks noChangeAspect="0"/>
           </p:cNvPicPr>
           <p:nvPr/>
         </p:nvPicPr>
         <p:blipFill>
-          <a:blip r:embed="rId15">
+          <a:blip r:embed="rId14">
             <a:extLst/>
           </a:blip>
           <a:srcRect l="0" t="36393" r="70026" b="0"/>
@@ -26099,7 +27660,7 @@
       </p:pic>
       <p:sp>
         <p:nvSpPr>
-          <p:cNvPr id="359" name="absolutePanel()…"/>
+          <p:cNvPr id="394" name="absolutePanel()…"/>
           <p:cNvSpPr txBox="1"/>
           <p:nvPr/>
         </p:nvSpPr>
@@ -26568,14 +28129,14 @@
       </p:sp>
       <p:pic>
         <p:nvPicPr>
-          <p:cNvPr id="360" name="shiny.png" descr="shiny.png"/>
+          <p:cNvPr id="395" name="shiny.png" descr="shiny.png"/>
           <p:cNvPicPr>
             <a:picLocks noChangeAspect="1"/>
           </p:cNvPicPr>
           <p:nvPr/>
         </p:nvPicPr>
         <p:blipFill>
-          <a:blip r:embed="rId16">
+          <a:blip r:embed="rId15">
             <a:extLst/>
           </a:blip>
           <a:stretch>

--- a/powerpoints/shiny.pptx
+++ b/powerpoints/shiny.pptx
@@ -3867,9 +3867,41 @@
           </a:p>
         </p:txBody>
       </p:sp>
+      <p:pic>
+        <p:nvPicPr>
+          <p:cNvPr id="139" name="Screen Shot 2015-06-08 at 11.50.27 AM.png" descr="Screen Shot 2015-06-08 at 11.50.27 AM.png"/>
+          <p:cNvPicPr>
+            <a:picLocks noChangeAspect="1"/>
+          </p:cNvPicPr>
+          <p:nvPr/>
+        </p:nvPicPr>
+        <p:blipFill>
+          <a:blip r:embed="rId2">
+            <a:extLst/>
+          </a:blip>
+          <a:stretch>
+            <a:fillRect/>
+          </a:stretch>
+        </p:blipFill>
+        <p:spPr>
+          <a:xfrm>
+            <a:off x="9027035" y="1537721"/>
+            <a:ext cx="1199738" cy="1795972"/>
+          </a:xfrm>
+          <a:prstGeom prst="rect">
+            <a:avLst/>
+          </a:prstGeom>
+          <a:ln>
+            <a:solidFill>
+              <a:srgbClr val="000000"/>
+            </a:solidFill>
+            <a:miter lim="400000"/>
+          </a:ln>
+        </p:spPr>
+      </p:pic>
       <p:sp>
         <p:nvSpPr>
-          <p:cNvPr id="139" name="Complete the template by adding arguments to fluidPage() and a body to the server function."/>
+          <p:cNvPr id="140" name="Complete the template by adding arguments to fluidPage() and a body to the server function."/>
           <p:cNvSpPr txBox="1"/>
           <p:nvPr/>
         </p:nvSpPr>
@@ -3932,7 +3964,7 @@
         </p:grpSpPr>
         <p:grpSp>
           <p:nvGrpSpPr>
-            <p:cNvPr id="157" name="Group"/>
+            <p:cNvPr id="158" name="Group"/>
             <p:cNvGrpSpPr/>
             <p:nvPr/>
           </p:nvGrpSpPr>
@@ -3946,7 +3978,7 @@
           </p:grpSpPr>
           <p:sp>
             <p:nvSpPr>
-              <p:cNvPr id="140" name="Rounded Rectangle"/>
+              <p:cNvPr id="141" name="Rounded Rectangle"/>
               <p:cNvSpPr/>
               <p:nvPr/>
             </p:nvSpPr>
@@ -3996,7 +4028,7 @@
           </p:sp>
           <p:sp>
             <p:nvSpPr>
-              <p:cNvPr id="141" name="Rectangle"/>
+              <p:cNvPr id="142" name="Rectangle"/>
               <p:cNvSpPr/>
               <p:nvPr/>
             </p:nvSpPr>
@@ -4041,7 +4073,7 @@
           </p:sp>
           <p:sp>
             <p:nvSpPr>
-              <p:cNvPr id="142" name="app-name"/>
+              <p:cNvPr id="143" name="app-name"/>
               <p:cNvSpPr txBox="1"/>
               <p:nvPr/>
             </p:nvSpPr>
@@ -4095,7 +4127,7 @@
           </p:sp>
           <p:sp>
             <p:nvSpPr>
-              <p:cNvPr id="143" name="Circle"/>
+              <p:cNvPr id="144" name="Circle"/>
               <p:cNvSpPr/>
               <p:nvPr/>
             </p:nvSpPr>
@@ -4140,7 +4172,7 @@
           </p:sp>
           <p:sp>
             <p:nvSpPr>
-              <p:cNvPr id="144" name="Circle"/>
+              <p:cNvPr id="145" name="Circle"/>
               <p:cNvSpPr/>
               <p:nvPr/>
             </p:nvSpPr>
@@ -4185,7 +4217,7 @@
           </p:sp>
           <p:sp>
             <p:nvSpPr>
-              <p:cNvPr id="145" name="Circle"/>
+              <p:cNvPr id="146" name="Circle"/>
               <p:cNvSpPr/>
               <p:nvPr/>
             </p:nvSpPr>
@@ -4230,7 +4262,7 @@
           </p:sp>
           <p:sp>
             <p:nvSpPr>
-              <p:cNvPr id="146" name="Rounded Rectangle"/>
+              <p:cNvPr id="147" name="Rounded Rectangle"/>
               <p:cNvSpPr/>
               <p:nvPr/>
             </p:nvSpPr>
@@ -4277,7 +4309,7 @@
           </p:sp>
           <p:sp>
             <p:nvSpPr>
-              <p:cNvPr id="147" name="app.R"/>
+              <p:cNvPr id="148" name="app.R"/>
               <p:cNvSpPr txBox="1"/>
               <p:nvPr/>
             </p:nvSpPr>
@@ -4331,7 +4363,7 @@
           </p:sp>
           <p:grpSp>
             <p:nvGrpSpPr>
-              <p:cNvPr id="156" name="Group"/>
+              <p:cNvPr id="157" name="Group"/>
               <p:cNvGrpSpPr/>
               <p:nvPr/>
             </p:nvGrpSpPr>
@@ -4345,7 +4377,7 @@
             </p:grpSpPr>
             <p:sp>
               <p:nvSpPr>
-                <p:cNvPr id="148" name=""/>
+                <p:cNvPr id="149" name=""/>
                 <p:cNvSpPr txBox="1"/>
                 <p:nvPr/>
               </p:nvSpPr>
@@ -4402,7 +4434,7 @@
             </p:sp>
             <p:sp>
               <p:nvSpPr>
-                <p:cNvPr id="149" name="DESCRIPTION"/>
+                <p:cNvPr id="150" name="DESCRIPTION"/>
                 <p:cNvSpPr txBox="1"/>
                 <p:nvPr/>
               </p:nvSpPr>
@@ -4459,7 +4491,7 @@
             </p:sp>
             <p:sp>
               <p:nvSpPr>
-                <p:cNvPr id="150" name="README"/>
+                <p:cNvPr id="151" name="README"/>
                 <p:cNvSpPr txBox="1"/>
                 <p:nvPr/>
               </p:nvSpPr>
@@ -4516,7 +4548,7 @@
             </p:sp>
             <p:sp>
               <p:nvSpPr>
-                <p:cNvPr id="151" name="&lt;other files&gt;"/>
+                <p:cNvPr id="152" name="&lt;other files&gt;"/>
                 <p:cNvSpPr txBox="1"/>
                 <p:nvPr/>
               </p:nvSpPr>
@@ -4573,7 +4605,7 @@
             </p:sp>
             <p:sp>
               <p:nvSpPr>
-                <p:cNvPr id="152" name="www"/>
+                <p:cNvPr id="153" name="www"/>
                 <p:cNvSpPr txBox="1"/>
                 <p:nvPr/>
               </p:nvSpPr>
@@ -4630,7 +4662,7 @@
             </p:sp>
             <p:sp>
               <p:nvSpPr>
-                <p:cNvPr id="153" name=""/>
+                <p:cNvPr id="154" name=""/>
                 <p:cNvSpPr txBox="1"/>
                 <p:nvPr/>
               </p:nvSpPr>
@@ -4687,7 +4719,7 @@
             </p:sp>
             <p:sp>
               <p:nvSpPr>
-                <p:cNvPr id="154" name=""/>
+                <p:cNvPr id="155" name=""/>
                 <p:cNvSpPr txBox="1"/>
                 <p:nvPr/>
               </p:nvSpPr>
@@ -4744,7 +4776,7 @@
             </p:sp>
             <p:sp>
               <p:nvSpPr>
-                <p:cNvPr id="155" name=""/>
+                <p:cNvPr id="156" name=""/>
                 <p:cNvSpPr txBox="1"/>
                 <p:nvPr/>
               </p:nvSpPr>
@@ -4803,7 +4835,7 @@
         </p:grpSp>
         <p:sp>
           <p:nvSpPr>
-            <p:cNvPr id="158" name=""/>
+            <p:cNvPr id="159" name=""/>
             <p:cNvSpPr txBox="1"/>
             <p:nvPr/>
           </p:nvSpPr>
@@ -4857,7 +4889,7 @@
         </p:sp>
         <p:sp>
           <p:nvSpPr>
-            <p:cNvPr id="159" name=".r"/>
+            <p:cNvPr id="160" name=".r"/>
             <p:cNvSpPr txBox="1"/>
             <p:nvPr/>
           </p:nvSpPr>
@@ -4911,7 +4943,7 @@
         </p:sp>
         <p:sp>
           <p:nvSpPr>
-            <p:cNvPr id="160" name="Line"/>
+            <p:cNvPr id="161" name="Line"/>
             <p:cNvSpPr/>
             <p:nvPr/>
           </p:nvSpPr>
@@ -4967,14 +4999,14 @@
           <p:grpSpPr>
             <a:xfrm>
               <a:off x="2805279" y="0"/>
-              <a:ext cx="3754276" cy="1811846"/>
+              <a:ext cx="2670398" cy="1811846"/>
               <a:chOff x="355600" y="0"/>
-              <a:chExt cx="3754275" cy="1811845"/>
+              <a:chExt cx="2670396" cy="1811845"/>
             </a:xfrm>
           </p:grpSpPr>
           <p:sp>
             <p:nvSpPr>
-              <p:cNvPr id="161" name="library(shiny)…"/>
+              <p:cNvPr id="162" name="library(shiny)…"/>
               <p:cNvSpPr/>
               <p:nvPr/>
             </p:nvSpPr>
@@ -5434,40 +5466,6 @@
               </a:p>
             </p:txBody>
           </p:sp>
-          <p:pic>
-            <p:nvPicPr>
-              <p:cNvPr id="162" name="Screen Shot 2015-06-08 at 11.50.27 AM.png" descr="Screen Shot 2015-06-08 at 11.50.27 AM.png"/>
-              <p:cNvPicPr>
-                <a:picLocks noChangeAspect="1"/>
-              </p:cNvPicPr>
-              <p:nvPr/>
-            </p:nvPicPr>
-            <p:blipFill>
-              <a:blip r:embed="rId2">
-                <a:extLst/>
-              </a:blip>
-              <a:stretch>
-                <a:fillRect/>
-              </a:stretch>
-            </p:blipFill>
-            <p:spPr>
-              <a:xfrm>
-                <a:off x="2910137" y="15875"/>
-                <a:ext cx="1199739" cy="1795971"/>
-              </a:xfrm>
-              <a:prstGeom prst="rect">
-                <a:avLst/>
-              </a:prstGeom>
-              <a:ln w="9525" cap="flat">
-                <a:solidFill>
-                  <a:srgbClr val="000000"/>
-                </a:solidFill>
-                <a:prstDash val="solid"/>
-                <a:miter lim="400000"/>
-              </a:ln>
-              <a:effectLst/>
-            </p:spPr>
-          </p:pic>
           <p:sp>
             <p:nvSpPr>
               <p:cNvPr id="163" name="Arrow"/>
@@ -8687,38 +8685,9 @@
           </a:p>
         </p:txBody>
       </p:sp>
-      <p:pic>
-        <p:nvPicPr>
-          <p:cNvPr id="193" name="Image" descr="Image"/>
-          <p:cNvPicPr>
-            <a:picLocks noChangeAspect="1"/>
-          </p:cNvPicPr>
-          <p:nvPr/>
-        </p:nvPicPr>
-        <p:blipFill>
-          <a:blip r:embed="rId4">
-            <a:extLst/>
-          </a:blip>
-          <a:stretch>
-            <a:fillRect/>
-          </a:stretch>
-        </p:blipFill>
-        <p:spPr>
-          <a:xfrm>
-            <a:off x="238823" y="9978474"/>
-            <a:ext cx="1754521" cy="616478"/>
-          </a:xfrm>
-          <a:prstGeom prst="rect">
-            <a:avLst/>
-          </a:prstGeom>
-          <a:ln w="12700">
-            <a:miter lim="400000"/>
-          </a:ln>
-        </p:spPr>
-      </p:pic>
       <p:sp>
         <p:nvSpPr>
-          <p:cNvPr id="194" name="Basics"/>
+          <p:cNvPr id="193" name="Basics"/>
           <p:cNvSpPr txBox="1"/>
           <p:nvPr/>
         </p:nvSpPr>
@@ -8766,7 +8735,7 @@
       </p:sp>
       <p:sp>
         <p:nvSpPr>
-          <p:cNvPr id="195" name="Building an App"/>
+          <p:cNvPr id="194" name="Building an App"/>
           <p:cNvSpPr txBox="1"/>
           <p:nvPr/>
         </p:nvSpPr>
@@ -8814,7 +8783,7 @@
       </p:sp>
       <p:sp>
         <p:nvSpPr>
-          <p:cNvPr id="196" name="Outputs - render*()  and *Output() functions work together to add R output to the UI"/>
+          <p:cNvPr id="195" name="Outputs - render*()  and *Output() functions work together to add R output to the UI"/>
           <p:cNvSpPr txBox="1"/>
           <p:nvPr/>
         </p:nvSpPr>
@@ -8866,7 +8835,7 @@
       </p:sp>
       <p:sp>
         <p:nvSpPr>
-          <p:cNvPr id="197" name="Line"/>
+          <p:cNvPr id="196" name="Line"/>
           <p:cNvSpPr/>
           <p:nvPr/>
         </p:nvSpPr>
@@ -8907,7 +8876,7 @@
       </p:sp>
       <p:sp>
         <p:nvSpPr>
-          <p:cNvPr id="198" name="Line"/>
+          <p:cNvPr id="197" name="Line"/>
           <p:cNvSpPr/>
           <p:nvPr/>
         </p:nvSpPr>
@@ -8948,7 +8917,7 @@
       </p:sp>
       <p:sp>
         <p:nvSpPr>
-          <p:cNvPr id="199" name="Inputs"/>
+          <p:cNvPr id="198" name="Inputs"/>
           <p:cNvSpPr txBox="1"/>
           <p:nvPr/>
         </p:nvSpPr>
@@ -8996,7 +8965,7 @@
       </p:sp>
       <p:sp>
         <p:nvSpPr>
-          <p:cNvPr id="200" name="Line"/>
+          <p:cNvPr id="199" name="Line"/>
           <p:cNvSpPr/>
           <p:nvPr/>
         </p:nvSpPr>
@@ -9037,7 +9006,7 @@
       </p:sp>
       <p:sp>
         <p:nvSpPr>
-          <p:cNvPr id="201" name="RStudio® is a trademark of RStudio, Inc.  •  CC BY SA RStudio •  info@rstudio.com  •  844-448-1212 • rstudio.com •  Learn more at shiny.rstudio.com  •  shiny  0.12.0  •  Updated: 2016-01"/>
+          <p:cNvPr id="200" name="RStudio® is a trademark of RStudio, Inc.  •  CC BY SA RStudio •  info@rstudio.com  •  844-448-1212 • rstudio.com •  Learn more at shiny.rstudio.com  •  shiny  0.12.0  •  Updated: 2016-01"/>
           <p:cNvSpPr txBox="1"/>
           <p:nvPr/>
         </p:nvSpPr>
@@ -9082,25 +9051,25 @@
             </a:r>
             <a:r>
               <a:rPr>
+                <a:hlinkClick r:id="rId4" invalidUrl="" action="" tgtFrame="" tooltip="" history="1" highlightClick="0" endSnd="0"/>
+              </a:rPr>
+              <a:t>CC BY SA</a:t>
+            </a:r>
+            <a:r>
+              <a:t> RStudio •  </a:t>
+            </a:r>
+            <a:r>
+              <a:rPr>
                 <a:hlinkClick r:id="rId5" invalidUrl="" action="" tgtFrame="" tooltip="" history="1" highlightClick="0" endSnd="0"/>
               </a:rPr>
-              <a:t>CC BY SA</a:t>
-            </a:r>
-            <a:r>
-              <a:t> RStudio •  </a:t>
+              <a:t>info@rstudio.com</a:t>
+            </a:r>
+            <a:r>
+              <a:t>  •  844-448-1212 • </a:t>
             </a:r>
             <a:r>
               <a:rPr>
                 <a:hlinkClick r:id="rId6" invalidUrl="" action="" tgtFrame="" tooltip="" history="1" highlightClick="0" endSnd="0"/>
-              </a:rPr>
-              <a:t>info@rstudio.com</a:t>
-            </a:r>
-            <a:r>
-              <a:t>  •  844-448-1212 • </a:t>
-            </a:r>
-            <a:r>
-              <a:rPr>
-                <a:hlinkClick r:id="rId7" invalidUrl="" action="" tgtFrame="" tooltip="" history="1" highlightClick="0" endSnd="0"/>
               </a:rPr>
               <a:t>rstudio.com</a:t>
             </a:r>
@@ -9119,7 +9088,7 @@
       </p:sp>
       <p:sp>
         <p:nvSpPr>
-          <p:cNvPr id="202" name="Build or purchase your own Shiny Server…"/>
+          <p:cNvPr id="201" name="Build or purchase your own Shiny Server…"/>
           <p:cNvSpPr txBox="1"/>
           <p:nvPr/>
         </p:nvSpPr>
@@ -9216,16 +9185,2675 @@
             </a:r>
             <a:r>
               <a:rPr u="sng">
+                <a:hlinkClick r:id="rId7" invalidUrl="" action="" tgtFrame="" tooltip="" history="1" highlightClick="0" endSnd="0"/>
+              </a:rPr>
+              <a:t>www.rstudio.com/products/shiny-server/</a:t>
+            </a:r>
+          </a:p>
+        </p:txBody>
+      </p:sp>
+      <p:sp>
+        <p:nvSpPr>
+          <p:cNvPr id="202" name="A Shiny app is a web page (UI) connected to a computer running a live R session (Server)"/>
+          <p:cNvSpPr txBox="1"/>
+          <p:nvPr/>
+        </p:nvSpPr>
+        <p:spPr>
+          <a:xfrm>
+            <a:off x="310542" y="1467479"/>
+            <a:ext cx="3135956" cy="471092"/>
+          </a:xfrm>
+          <a:prstGeom prst="rect">
+            <a:avLst/>
+          </a:prstGeom>
+          <a:ln w="12700">
+            <a:miter lim="400000"/>
+          </a:ln>
+          <a:extLst>
+            <a:ext uri="{C572A759-6A51-4108-AA02-DFA0A04FC94B}">
+              <ma14:wrappingTextBoxFlag xmlns:ma14="http://schemas.microsoft.com/office/mac/drawingml/2011/main" val="1"/>
+            </a:ext>
+          </a:extLst>
+        </p:spPr>
+        <p:txBody>
+          <a:bodyPr lIns="54570" tIns="54570" rIns="54570" bIns="54570" anchor="ctr">
+            <a:spAutoFit/>
+          </a:bodyPr>
+          <a:lstStyle/>
+          <a:p>
+            <a:pPr>
+              <a:lnSpc>
+                <a:spcPct val="90000"/>
+              </a:lnSpc>
+              <a:spcBef>
+                <a:spcPts val="300"/>
+              </a:spcBef>
+              <a:buClr>
+                <a:schemeClr val="accent4">
+                  <a:hueOff val="384618"/>
+                  <a:satOff val="3869"/>
+                  <a:lumOff val="5802"/>
+                </a:schemeClr>
+              </a:buClr>
+              <a:defRPr b="0">
+                <a:solidFill>
+                  <a:srgbClr val="000000"/>
+                </a:solidFill>
+              </a:defRPr>
+            </a:pPr>
+            <a:r>
+              <a:t>A </a:t>
+            </a:r>
+            <a:r>
+              <a:rPr b="1"/>
+              <a:t>Shiny</a:t>
+            </a:r>
+            <a:r>
+              <a:t> app is a web page (</a:t>
+            </a:r>
+            <a:r>
+              <a:rPr b="1"/>
+              <a:t>UI</a:t>
+            </a:r>
+            <a:r>
+              <a:t>) connected to a computer running a live R session (</a:t>
+            </a:r>
+            <a:r>
+              <a:rPr b="1"/>
+              <a:t>Server</a:t>
+            </a:r>
+            <a:r>
+              <a:t>)</a:t>
+            </a:r>
+          </a:p>
+        </p:txBody>
+      </p:sp>
+      <p:sp>
+        <p:nvSpPr>
+          <p:cNvPr id="203" name="Users can manipulate the UI, which will cause the server to update the UI’s displays (by running R code)."/>
+          <p:cNvSpPr txBox="1"/>
+          <p:nvPr/>
+        </p:nvSpPr>
+        <p:spPr>
+          <a:xfrm>
+            <a:off x="321263" y="2740958"/>
+            <a:ext cx="3138555" cy="642542"/>
+          </a:xfrm>
+          <a:prstGeom prst="rect">
+            <a:avLst/>
+          </a:prstGeom>
+          <a:ln w="12700">
+            <a:miter lim="400000"/>
+          </a:ln>
+          <a:extLst>
+            <a:ext uri="{C572A759-6A51-4108-AA02-DFA0A04FC94B}">
+              <ma14:wrappingTextBoxFlag xmlns:ma14="http://schemas.microsoft.com/office/mac/drawingml/2011/main" val="1"/>
+            </a:ext>
+          </a:extLst>
+        </p:spPr>
+        <p:txBody>
+          <a:bodyPr lIns="54570" tIns="54570" rIns="54570" bIns="54570" anchor="ctr">
+            <a:spAutoFit/>
+          </a:bodyPr>
+          <a:lstStyle>
+            <a:lvl1pPr>
+              <a:lnSpc>
+                <a:spcPct val="90000"/>
+              </a:lnSpc>
+              <a:spcBef>
+                <a:spcPts val="300"/>
+              </a:spcBef>
+              <a:buClr>
+                <a:schemeClr val="accent4">
+                  <a:hueOff val="384618"/>
+                  <a:satOff val="3869"/>
+                  <a:lumOff val="5802"/>
+                </a:schemeClr>
+              </a:buClr>
+              <a:defRPr b="0">
+                <a:solidFill>
+                  <a:srgbClr val="000000"/>
+                </a:solidFill>
+              </a:defRPr>
+            </a:lvl1pPr>
+          </a:lstStyle>
+          <a:p>
+            <a:pPr/>
+            <a:r>
+              <a:t>Users can manipulate the UI, which will cause the server to update the UI’s displays (by running R code).</a:t>
+            </a:r>
+          </a:p>
+        </p:txBody>
+      </p:sp>
+      <p:sp>
+        <p:nvSpPr>
+          <p:cNvPr id="204" name="library(shiny)…"/>
+          <p:cNvSpPr/>
+          <p:nvPr/>
+        </p:nvSpPr>
+        <p:spPr>
+          <a:xfrm>
+            <a:off x="871889" y="4448338"/>
+            <a:ext cx="2459926" cy="906903"/>
+          </a:xfrm>
+          <a:prstGeom prst="rect">
+            <a:avLst/>
+          </a:prstGeom>
+          <a:solidFill>
+            <a:srgbClr val="FFFFFF"/>
+          </a:solidFill>
+          <a:ln>
+            <a:solidFill>
+              <a:schemeClr val="accent1">
+                <a:hueOff val="-158953"/>
+                <a:satOff val="43350"/>
+                <a:lumOff val="-16494"/>
+              </a:schemeClr>
+            </a:solidFill>
+            <a:miter lim="400000"/>
+          </a:ln>
+          <a:extLst>
+            <a:ext uri="{C572A759-6A51-4108-AA02-DFA0A04FC94B}">
+              <ma14:wrappingTextBoxFlag xmlns:ma14="http://schemas.microsoft.com/office/mac/drawingml/2011/main" val="1"/>
+            </a:ext>
+          </a:extLst>
+        </p:spPr>
+        <p:txBody>
+          <a:bodyPr lIns="0" tIns="0" rIns="0" bIns="0" anchor="ctr"/>
+          <a:lstStyle/>
+          <a:p>
+            <a:pPr>
+              <a:lnSpc>
+                <a:spcPct val="70000"/>
+              </a:lnSpc>
+              <a:spcBef>
+                <a:spcPts val="0"/>
+              </a:spcBef>
+              <a:defRPr b="0" sz="900">
+                <a:solidFill>
+                  <a:srgbClr val="000000"/>
+                </a:solidFill>
+                <a:latin typeface="Source Code Pro Medium"/>
+                <a:ea typeface="Source Code Pro Medium"/>
+                <a:cs typeface="Source Code Pro Medium"/>
+                <a:sym typeface="Source Code Pro Medium"/>
+              </a:defRPr>
+            </a:pPr>
+            <a:r>
+              <a:t>library(shiny)</a:t>
+            </a:r>
+          </a:p>
+          <a:p>
+            <a:pPr>
+              <a:lnSpc>
+                <a:spcPct val="70000"/>
+              </a:lnSpc>
+              <a:spcBef>
+                <a:spcPts val="0"/>
+              </a:spcBef>
+              <a:defRPr b="0" sz="900">
+                <a:solidFill>
+                  <a:srgbClr val="53585F"/>
+                </a:solidFill>
+                <a:latin typeface="Source Code Pro Medium"/>
+                <a:ea typeface="Source Code Pro Medium"/>
+                <a:cs typeface="Source Code Pro Medium"/>
+                <a:sym typeface="Source Code Pro Medium"/>
+              </a:defRPr>
+            </a:pPr>
+          </a:p>
+          <a:p>
+            <a:pPr>
+              <a:lnSpc>
+                <a:spcPct val="70000"/>
+              </a:lnSpc>
+              <a:spcBef>
+                <a:spcPts val="0"/>
+              </a:spcBef>
+              <a:defRPr b="0" sz="900">
+                <a:solidFill>
+                  <a:srgbClr val="000000"/>
+                </a:solidFill>
+                <a:latin typeface="Source Code Pro Medium"/>
+                <a:ea typeface="Source Code Pro Medium"/>
+                <a:cs typeface="Source Code Pro Medium"/>
+                <a:sym typeface="Source Code Pro Medium"/>
+              </a:defRPr>
+            </a:pPr>
+            <a:r>
+              <a:t>ui &lt;- fluidPage()</a:t>
+            </a:r>
+          </a:p>
+          <a:p>
+            <a:pPr>
+              <a:lnSpc>
+                <a:spcPct val="70000"/>
+              </a:lnSpc>
+              <a:spcBef>
+                <a:spcPts val="0"/>
+              </a:spcBef>
+              <a:defRPr b="0" sz="900">
+                <a:solidFill>
+                  <a:srgbClr val="000000"/>
+                </a:solidFill>
+                <a:latin typeface="Source Code Pro Medium"/>
+                <a:ea typeface="Source Code Pro Medium"/>
+                <a:cs typeface="Source Code Pro Medium"/>
+                <a:sym typeface="Source Code Pro Medium"/>
+              </a:defRPr>
+            </a:pPr>
+          </a:p>
+          <a:p>
+            <a:pPr>
+              <a:lnSpc>
+                <a:spcPct val="70000"/>
+              </a:lnSpc>
+              <a:spcBef>
+                <a:spcPts val="0"/>
+              </a:spcBef>
+              <a:defRPr b="0" sz="900">
+                <a:solidFill>
+                  <a:srgbClr val="000000"/>
+                </a:solidFill>
+                <a:latin typeface="Source Code Pro Medium"/>
+                <a:ea typeface="Source Code Pro Medium"/>
+                <a:cs typeface="Source Code Pro Medium"/>
+                <a:sym typeface="Source Code Pro Medium"/>
+              </a:defRPr>
+            </a:pPr>
+            <a:r>
+              <a:t>server &lt;- function(input, output){}</a:t>
+            </a:r>
+          </a:p>
+          <a:p>
+            <a:pPr>
+              <a:lnSpc>
+                <a:spcPct val="70000"/>
+              </a:lnSpc>
+              <a:spcBef>
+                <a:spcPts val="0"/>
+              </a:spcBef>
+              <a:defRPr b="0" sz="900">
+                <a:solidFill>
+                  <a:srgbClr val="000000"/>
+                </a:solidFill>
+                <a:latin typeface="Source Code Pro Medium"/>
+                <a:ea typeface="Source Code Pro Medium"/>
+                <a:cs typeface="Source Code Pro Medium"/>
+                <a:sym typeface="Source Code Pro Medium"/>
+              </a:defRPr>
+            </a:pPr>
+          </a:p>
+          <a:p>
+            <a:pPr>
+              <a:lnSpc>
+                <a:spcPct val="70000"/>
+              </a:lnSpc>
+              <a:spcBef>
+                <a:spcPts val="0"/>
+              </a:spcBef>
+              <a:defRPr b="0" sz="900">
+                <a:solidFill>
+                  <a:srgbClr val="000000"/>
+                </a:solidFill>
+                <a:latin typeface="Source Code Pro Medium"/>
+                <a:ea typeface="Source Code Pro Medium"/>
+                <a:cs typeface="Source Code Pro Medium"/>
+                <a:sym typeface="Source Code Pro Medium"/>
+              </a:defRPr>
+            </a:pPr>
+            <a:r>
+              <a:t>shinyApp(ui = ui, server = server)</a:t>
+            </a:r>
+          </a:p>
+        </p:txBody>
+      </p:sp>
+      <p:sp>
+        <p:nvSpPr>
+          <p:cNvPr id="205" name="Begin writing a new app with this template. Preview the app by running the code at the R command line."/>
+          <p:cNvSpPr txBox="1"/>
+          <p:nvPr/>
+        </p:nvSpPr>
+        <p:spPr>
+          <a:xfrm>
+            <a:off x="326737" y="3721584"/>
+            <a:ext cx="3135956" cy="642541"/>
+          </a:xfrm>
+          <a:prstGeom prst="rect">
+            <a:avLst/>
+          </a:prstGeom>
+          <a:ln w="12700">
+            <a:miter lim="400000"/>
+          </a:ln>
+          <a:extLst>
+            <a:ext uri="{C572A759-6A51-4108-AA02-DFA0A04FC94B}">
+              <ma14:wrappingTextBoxFlag xmlns:ma14="http://schemas.microsoft.com/office/mac/drawingml/2011/main" val="1"/>
+            </a:ext>
+          </a:extLst>
+        </p:spPr>
+        <p:txBody>
+          <a:bodyPr lIns="54570" tIns="54570" rIns="54570" bIns="54570" anchor="ctr">
+            <a:spAutoFit/>
+          </a:bodyPr>
+          <a:lstStyle>
+            <a:lvl1pPr>
+              <a:lnSpc>
+                <a:spcPct val="90000"/>
+              </a:lnSpc>
+              <a:spcBef>
+                <a:spcPts val="300"/>
+              </a:spcBef>
+              <a:buClr>
+                <a:schemeClr val="accent4">
+                  <a:hueOff val="384618"/>
+                  <a:satOff val="3869"/>
+                  <a:lumOff val="5802"/>
+                </a:schemeClr>
+              </a:buClr>
+              <a:defRPr b="0">
+                <a:solidFill>
+                  <a:srgbClr val="000000"/>
+                </a:solidFill>
+              </a:defRPr>
+            </a:lvl1pPr>
+          </a:lstStyle>
+          <a:p>
+            <a:pPr/>
+            <a:r>
+              <a:t>Begin writing a new app with this template. Preview the app by running the code at the R command line.</a:t>
+            </a:r>
+          </a:p>
+        </p:txBody>
+      </p:sp>
+      <p:sp>
+        <p:nvSpPr>
+          <p:cNvPr id="206" name="The easiest way to share your app is to host it on shinyapps.io, a cloud based service from RStudio"/>
+          <p:cNvSpPr txBox="1"/>
+          <p:nvPr/>
+        </p:nvSpPr>
+        <p:spPr>
+          <a:xfrm>
+            <a:off x="1174331" y="7464042"/>
+            <a:ext cx="2247446" cy="642541"/>
+          </a:xfrm>
+          <a:prstGeom prst="rect">
+            <a:avLst/>
+          </a:prstGeom>
+          <a:ln w="12700">
+            <a:miter lim="400000"/>
+          </a:ln>
+          <a:extLst>
+            <a:ext uri="{C572A759-6A51-4108-AA02-DFA0A04FC94B}">
+              <ma14:wrappingTextBoxFlag xmlns:ma14="http://schemas.microsoft.com/office/mac/drawingml/2011/main" val="1"/>
+            </a:ext>
+          </a:extLst>
+        </p:spPr>
+        <p:txBody>
+          <a:bodyPr lIns="54570" tIns="54570" rIns="54570" bIns="54570" anchor="ctr">
+            <a:spAutoFit/>
+          </a:bodyPr>
+          <a:lstStyle>
+            <a:lvl1pPr>
+              <a:lnSpc>
+                <a:spcPct val="90000"/>
+              </a:lnSpc>
+              <a:spcBef>
+                <a:spcPts val="300"/>
+              </a:spcBef>
+              <a:buClr>
+                <a:schemeClr val="accent4">
+                  <a:hueOff val="384618"/>
+                  <a:satOff val="3869"/>
+                  <a:lumOff val="5802"/>
+                </a:schemeClr>
+              </a:buClr>
+              <a:defRPr b="0">
+                <a:solidFill>
+                  <a:srgbClr val="000000"/>
+                </a:solidFill>
+              </a:defRPr>
+            </a:lvl1pPr>
+          </a:lstStyle>
+          <a:p>
+            <a:pPr/>
+            <a:r>
+              <a:t>The easiest way to share your app is to host it on shinyapps.io, a cloud based service from RStudio</a:t>
+            </a:r>
+          </a:p>
+        </p:txBody>
+      </p:sp>
+      <p:sp>
+        <p:nvSpPr>
+          <p:cNvPr id="207" name="1. Create a free or professional account at…"/>
+          <p:cNvSpPr txBox="1"/>
+          <p:nvPr/>
+        </p:nvSpPr>
+        <p:spPr>
+          <a:xfrm>
+            <a:off x="311398" y="8225925"/>
+            <a:ext cx="3337933" cy="1214041"/>
+          </a:xfrm>
+          <a:prstGeom prst="rect">
+            <a:avLst/>
+          </a:prstGeom>
+          <a:ln w="12700">
+            <a:miter lim="400000"/>
+          </a:ln>
+          <a:extLst>
+            <a:ext uri="{C572A759-6A51-4108-AA02-DFA0A04FC94B}">
+              <ma14:wrappingTextBoxFlag xmlns:ma14="http://schemas.microsoft.com/office/mac/drawingml/2011/main" val="1"/>
+            </a:ext>
+          </a:extLst>
+        </p:spPr>
+        <p:txBody>
+          <a:bodyPr lIns="54570" tIns="54570" rIns="54570" bIns="54570" anchor="ctr">
+            <a:spAutoFit/>
+          </a:bodyPr>
+          <a:lstStyle/>
+          <a:p>
+            <a:pPr>
+              <a:spcBef>
+                <a:spcPts val="0"/>
+              </a:spcBef>
+              <a:buClr>
+                <a:srgbClr val="000000"/>
+              </a:buClr>
+              <a:defRPr b="0">
+                <a:solidFill>
+                  <a:srgbClr val="000000"/>
+                </a:solidFill>
+              </a:defRPr>
+            </a:pPr>
+            <a:r>
+              <a:rPr>
+                <a:latin typeface="Source Sans Pro Semibold"/>
+                <a:ea typeface="Source Sans Pro Semibold"/>
+                <a:cs typeface="Source Sans Pro Semibold"/>
+                <a:sym typeface="Source Sans Pro Semibold"/>
+              </a:rPr>
+              <a:t>1. </a:t>
+            </a:r>
+            <a:r>
+              <a:t>Create a free or professional account at</a:t>
+            </a:r>
+          </a:p>
+          <a:p>
+            <a:pPr>
+              <a:spcBef>
+                <a:spcPts val="1200"/>
+              </a:spcBef>
+              <a:buClr>
+                <a:srgbClr val="000000"/>
+              </a:buClr>
+              <a:defRPr b="0">
+                <a:solidFill>
+                  <a:srgbClr val="000000"/>
+                </a:solidFill>
+                <a:latin typeface="+mj-lt"/>
+                <a:ea typeface="+mj-ea"/>
+                <a:cs typeface="+mj-cs"/>
+                <a:sym typeface="Source Sans Pro Light"/>
+              </a:defRPr>
+            </a:pPr>
+            <a:r>
+              <a:rPr b="1">
+                <a:latin typeface="+mn-lt"/>
+                <a:ea typeface="+mn-ea"/>
+                <a:cs typeface="+mn-cs"/>
+                <a:sym typeface="Source Sans Pro"/>
+              </a:rPr>
+              <a:t> </a:t>
+            </a:r>
+            <a:r>
+              <a:rPr b="1" u="sng">
+                <a:latin typeface="+mn-lt"/>
+                <a:ea typeface="+mn-ea"/>
+                <a:cs typeface="+mn-cs"/>
+                <a:sym typeface="Source Sans Pro"/>
                 <a:hlinkClick r:id="rId8" invalidUrl="" action="" tgtFrame="" tooltip="" history="1" highlightClick="0" endSnd="0"/>
               </a:rPr>
-              <a:t>www.rstudio.com/products/shiny-server/</a:t>
+              <a:t>http://shinyapps.io</a:t>
+            </a:r>
+          </a:p>
+          <a:p>
+            <a:pPr>
+              <a:spcBef>
+                <a:spcPts val="0"/>
+              </a:spcBef>
+              <a:buClr>
+                <a:srgbClr val="000000"/>
+              </a:buClr>
+              <a:defRPr b="0">
+                <a:solidFill>
+                  <a:srgbClr val="000000"/>
+                </a:solidFill>
+              </a:defRPr>
+            </a:pPr>
+            <a:r>
+              <a:rPr>
+                <a:latin typeface="Source Sans Pro Semibold"/>
+                <a:ea typeface="Source Sans Pro Semibold"/>
+                <a:cs typeface="Source Sans Pro Semibold"/>
+                <a:sym typeface="Source Sans Pro Semibold"/>
+              </a:rPr>
+              <a:t>2. </a:t>
+            </a:r>
+            <a:r>
+              <a:t>Click the </a:t>
+            </a:r>
+            <a:r>
+              <a:rPr b="1"/>
+              <a:t>Publish</a:t>
+            </a:r>
+            <a:r>
+              <a:t> icon in the RStudio IDE</a:t>
+            </a:r>
+          </a:p>
+          <a:p>
+            <a:pPr>
+              <a:spcBef>
+                <a:spcPts val="0"/>
+              </a:spcBef>
+              <a:buClr>
+                <a:srgbClr val="000000"/>
+              </a:buClr>
+              <a:defRPr b="0">
+                <a:solidFill>
+                  <a:srgbClr val="000000"/>
+                </a:solidFill>
+              </a:defRPr>
+            </a:pPr>
+            <a:r>
+              <a:t>or run:</a:t>
+            </a:r>
+          </a:p>
+          <a:p>
+            <a:pPr>
+              <a:spcBef>
+                <a:spcPts val="300"/>
+              </a:spcBef>
+              <a:buClr>
+                <a:srgbClr val="000000"/>
+              </a:buClr>
+              <a:defRPr b="0">
+                <a:solidFill>
+                  <a:srgbClr val="000000"/>
+                </a:solidFill>
+                <a:latin typeface="+mj-lt"/>
+                <a:ea typeface="+mj-ea"/>
+                <a:cs typeface="+mj-cs"/>
+                <a:sym typeface="Source Sans Pro Light"/>
+              </a:defRPr>
+            </a:pPr>
+            <a:r>
+              <a:rPr b="1">
+                <a:latin typeface="+mn-lt"/>
+                <a:ea typeface="+mn-ea"/>
+                <a:cs typeface="+mn-cs"/>
+                <a:sym typeface="Source Sans Pro"/>
+              </a:rPr>
+              <a:t>rsconnect::deployApp(</a:t>
+            </a:r>
+            <a:r>
+              <a:rPr>
+                <a:latin typeface="+mn-lt"/>
+                <a:ea typeface="+mn-ea"/>
+                <a:cs typeface="+mn-cs"/>
+                <a:sym typeface="Source Sans Pro"/>
+              </a:rPr>
+              <a:t>"&lt;path to directory&gt;"</a:t>
+            </a:r>
+            <a:r>
+              <a:rPr b="1">
+                <a:latin typeface="+mn-lt"/>
+                <a:ea typeface="+mn-ea"/>
+                <a:cs typeface="+mn-cs"/>
+                <a:sym typeface="Source Sans Pro"/>
+              </a:rPr>
+              <a:t>)</a:t>
             </a:r>
           </a:p>
         </p:txBody>
       </p:sp>
+      <p:pic>
+        <p:nvPicPr>
+          <p:cNvPr id="208" name="Shiny-cheatsheet-2.pdf" descr="Shiny-cheatsheet-2.pdf"/>
+          <p:cNvPicPr>
+            <a:picLocks noChangeAspect="1"/>
+          </p:cNvPicPr>
+          <p:nvPr/>
+        </p:nvPicPr>
+        <p:blipFill>
+          <a:blip r:embed="rId9">
+            <a:extLst/>
+          </a:blip>
+          <a:srcRect l="0" t="58642" r="0" b="0"/>
+          <a:stretch>
+            <a:fillRect/>
+          </a:stretch>
+        </p:blipFill>
+        <p:spPr>
+          <a:xfrm>
+            <a:off x="481829" y="4927256"/>
+            <a:ext cx="259026" cy="188091"/>
+          </a:xfrm>
+          <a:prstGeom prst="rect">
+            <a:avLst/>
+          </a:prstGeom>
+          <a:ln w="12700">
+            <a:miter lim="400000"/>
+          </a:ln>
+        </p:spPr>
+      </p:pic>
+      <p:sp>
+        <p:nvSpPr>
+          <p:cNvPr id="209" name="ui - nested R functions that assemble an HTML user interface for your app…"/>
+          <p:cNvSpPr txBox="1"/>
+          <p:nvPr/>
+        </p:nvSpPr>
+        <p:spPr>
+          <a:xfrm>
+            <a:off x="359505" y="5397223"/>
+            <a:ext cx="3135956" cy="1715691"/>
+          </a:xfrm>
+          <a:prstGeom prst="rect">
+            <a:avLst/>
+          </a:prstGeom>
+          <a:ln w="12700">
+            <a:miter lim="400000"/>
+          </a:ln>
+          <a:extLst>
+            <a:ext uri="{C572A759-6A51-4108-AA02-DFA0A04FC94B}">
+              <ma14:wrappingTextBoxFlag xmlns:ma14="http://schemas.microsoft.com/office/mac/drawingml/2011/main" val="1"/>
+            </a:ext>
+          </a:extLst>
+        </p:spPr>
+        <p:txBody>
+          <a:bodyPr lIns="54570" tIns="54570" rIns="54570" bIns="54570" anchor="ctr">
+            <a:spAutoFit/>
+          </a:bodyPr>
+          <a:lstStyle/>
+          <a:p>
+            <a:pPr marL="139700" indent="-139700">
+              <a:lnSpc>
+                <a:spcPct val="80000"/>
+              </a:lnSpc>
+              <a:spcBef>
+                <a:spcPts val="1000"/>
+              </a:spcBef>
+              <a:buSzPct val="173000"/>
+              <a:buChar char="•"/>
+              <a:defRPr b="0">
+                <a:solidFill>
+                  <a:srgbClr val="000000"/>
+                </a:solidFill>
+                <a:latin typeface="+mj-lt"/>
+                <a:ea typeface="+mj-ea"/>
+                <a:cs typeface="+mj-cs"/>
+                <a:sym typeface="Source Sans Pro Light"/>
+              </a:defRPr>
+            </a:pPr>
+            <a:r>
+              <a:rPr b="1">
+                <a:latin typeface="+mn-lt"/>
+                <a:ea typeface="+mn-ea"/>
+                <a:cs typeface="+mn-cs"/>
+                <a:sym typeface="Source Sans Pro"/>
+              </a:rPr>
+              <a:t>ui </a:t>
+            </a:r>
+            <a:r>
+              <a:rPr>
+                <a:latin typeface="+mn-lt"/>
+                <a:ea typeface="+mn-ea"/>
+                <a:cs typeface="+mn-cs"/>
+                <a:sym typeface="Source Sans Pro"/>
+              </a:rPr>
+              <a:t>- nested R functions that assemble an HTML user interface for your app</a:t>
+            </a:r>
+          </a:p>
+          <a:p>
+            <a:pPr marL="139700" indent="-139700">
+              <a:lnSpc>
+                <a:spcPct val="90000"/>
+              </a:lnSpc>
+              <a:spcBef>
+                <a:spcPts val="1000"/>
+              </a:spcBef>
+              <a:buSzPct val="173000"/>
+              <a:buChar char="•"/>
+              <a:defRPr b="0">
+                <a:solidFill>
+                  <a:srgbClr val="000000"/>
+                </a:solidFill>
+                <a:latin typeface="+mj-lt"/>
+                <a:ea typeface="+mj-ea"/>
+                <a:cs typeface="+mj-cs"/>
+                <a:sym typeface="Source Sans Pro Light"/>
+              </a:defRPr>
+            </a:pPr>
+            <a:r>
+              <a:rPr b="1">
+                <a:latin typeface="+mn-lt"/>
+                <a:ea typeface="+mn-ea"/>
+                <a:cs typeface="+mn-cs"/>
+                <a:sym typeface="Source Sans Pro"/>
+              </a:rPr>
+              <a:t>server </a:t>
+            </a:r>
+            <a:r>
+              <a:rPr>
+                <a:latin typeface="+mn-lt"/>
+                <a:ea typeface="+mn-ea"/>
+                <a:cs typeface="+mn-cs"/>
+                <a:sym typeface="Source Sans Pro"/>
+              </a:rPr>
+              <a:t>- a function with instructions on how  to build and rebuild the R objects displayed in the UI</a:t>
+            </a:r>
+            <a:endParaRPr>
+              <a:latin typeface="+mn-lt"/>
+              <a:ea typeface="+mn-ea"/>
+              <a:cs typeface="+mn-cs"/>
+              <a:sym typeface="Source Sans Pro"/>
+            </a:endParaRPr>
+          </a:p>
+          <a:p>
+            <a:pPr marL="139700" indent="-139700">
+              <a:lnSpc>
+                <a:spcPct val="90000"/>
+              </a:lnSpc>
+              <a:spcBef>
+                <a:spcPts val="300"/>
+              </a:spcBef>
+              <a:buSzPct val="173000"/>
+              <a:buChar char="•"/>
+              <a:defRPr b="0">
+                <a:solidFill>
+                  <a:srgbClr val="000000"/>
+                </a:solidFill>
+                <a:latin typeface="+mj-lt"/>
+                <a:ea typeface="+mj-ea"/>
+                <a:cs typeface="+mj-cs"/>
+                <a:sym typeface="Source Sans Pro Light"/>
+              </a:defRPr>
+            </a:pPr>
+            <a:r>
+              <a:rPr b="1">
+                <a:latin typeface="+mn-lt"/>
+                <a:ea typeface="+mn-ea"/>
+                <a:cs typeface="+mn-cs"/>
+                <a:sym typeface="Source Sans Pro"/>
+              </a:rPr>
+              <a:t>shinyApp</a:t>
+            </a:r>
+            <a:r>
+              <a:rPr>
+                <a:latin typeface="+mn-lt"/>
+                <a:ea typeface="+mn-ea"/>
+                <a:cs typeface="+mn-cs"/>
+                <a:sym typeface="Source Sans Pro"/>
+              </a:rPr>
+              <a:t> - combines</a:t>
+            </a:r>
+            <a:r>
+              <a:t> </a:t>
+            </a:r>
+            <a:r>
+              <a:rPr>
+                <a:latin typeface="Source Code Pro Medium"/>
+                <a:ea typeface="Source Code Pro Medium"/>
+                <a:cs typeface="Source Code Pro Medium"/>
+                <a:sym typeface="Source Code Pro Medium"/>
+              </a:rPr>
+              <a:t>ui</a:t>
+            </a:r>
+            <a:r>
+              <a:t> </a:t>
+            </a:r>
+            <a:r>
+              <a:rPr>
+                <a:latin typeface="+mn-lt"/>
+                <a:ea typeface="+mn-ea"/>
+                <a:cs typeface="+mn-cs"/>
+                <a:sym typeface="Source Sans Pro"/>
+              </a:rPr>
+              <a:t>and</a:t>
+            </a:r>
+            <a:r>
+              <a:t> </a:t>
+            </a:r>
+            <a:r>
+              <a:rPr>
+                <a:latin typeface="Source Code Pro Medium"/>
+                <a:ea typeface="Source Code Pro Medium"/>
+                <a:cs typeface="Source Code Pro Medium"/>
+                <a:sym typeface="Source Code Pro Medium"/>
+              </a:rPr>
+              <a:t>server</a:t>
+            </a:r>
+            <a:r>
+              <a:t> </a:t>
+            </a:r>
+            <a:r>
+              <a:rPr>
+                <a:latin typeface="+mn-lt"/>
+                <a:ea typeface="+mn-ea"/>
+                <a:cs typeface="+mn-cs"/>
+                <a:sym typeface="Source Sans Pro"/>
+              </a:rPr>
+              <a:t>into an app. Wrap with</a:t>
+            </a:r>
+            <a:r>
+              <a:t> </a:t>
+            </a:r>
+            <a:r>
+              <a:rPr b="1">
+                <a:latin typeface="+mn-lt"/>
+                <a:ea typeface="+mn-ea"/>
+                <a:cs typeface="+mn-cs"/>
+                <a:sym typeface="Source Sans Pro"/>
+              </a:rPr>
+              <a:t>runApp()</a:t>
+            </a:r>
+            <a:r>
+              <a:t> </a:t>
+            </a:r>
+            <a:r>
+              <a:rPr>
+                <a:latin typeface="+mn-lt"/>
+                <a:ea typeface="+mn-ea"/>
+                <a:cs typeface="+mn-cs"/>
+                <a:sym typeface="Source Sans Pro"/>
+              </a:rPr>
+              <a:t>if calling from a sourced script or inside a function.</a:t>
+            </a:r>
+          </a:p>
+        </p:txBody>
+      </p:sp>
+      <p:pic>
+        <p:nvPicPr>
+          <p:cNvPr id="210" name="Shiny-cheatsheet-2.pdf" descr="Shiny-cheatsheet-2.pdf"/>
+          <p:cNvPicPr>
+            <a:picLocks noChangeAspect="1"/>
+          </p:cNvPicPr>
+          <p:nvPr/>
+        </p:nvPicPr>
+        <p:blipFill>
+          <a:blip r:embed="rId9">
+            <a:extLst/>
+          </a:blip>
+          <a:srcRect l="0" t="58276" r="0" b="0"/>
+          <a:stretch>
+            <a:fillRect/>
+          </a:stretch>
+        </p:blipFill>
+        <p:spPr>
+          <a:xfrm>
+            <a:off x="344110" y="7478034"/>
+            <a:ext cx="884268" cy="647797"/>
+          </a:xfrm>
+          <a:prstGeom prst="rect">
+            <a:avLst/>
+          </a:prstGeom>
+          <a:ln w="12700">
+            <a:miter lim="400000"/>
+          </a:ln>
+        </p:spPr>
+      </p:pic>
+      <p:sp>
+        <p:nvSpPr>
+          <p:cNvPr id="211" name="APP TEMPLATE"/>
+          <p:cNvSpPr txBox="1"/>
+          <p:nvPr/>
+        </p:nvSpPr>
+        <p:spPr>
+          <a:xfrm>
+            <a:off x="404019" y="3543656"/>
+            <a:ext cx="1035255" cy="215901"/>
+          </a:xfrm>
+          <a:prstGeom prst="rect">
+            <a:avLst/>
+          </a:prstGeom>
+          <a:ln w="12700">
+            <a:miter lim="400000"/>
+          </a:ln>
+          <a:extLst>
+            <a:ext uri="{C572A759-6A51-4108-AA02-DFA0A04FC94B}">
+              <ma14:wrappingTextBoxFlag xmlns:ma14="http://schemas.microsoft.com/office/mac/drawingml/2011/main" val="1"/>
+            </a:ext>
+          </a:extLst>
+        </p:spPr>
+        <p:txBody>
+          <a:bodyPr wrap="none" lIns="12700" tIns="12700" rIns="12700" bIns="12700" anchor="ctr">
+            <a:spAutoFit/>
+          </a:bodyPr>
+          <a:lstStyle/>
+          <a:p>
+            <a:pPr lvl="1" indent="0"/>
+            <a:r>
+              <a:t>APP TEMPLATE</a:t>
+            </a:r>
+          </a:p>
+        </p:txBody>
+      </p:sp>
+      <p:sp>
+        <p:nvSpPr>
+          <p:cNvPr id="212" name="Line"/>
+          <p:cNvSpPr/>
+          <p:nvPr/>
+        </p:nvSpPr>
+        <p:spPr>
+          <a:xfrm>
+            <a:off x="362778" y="3497533"/>
+            <a:ext cx="3031484" cy="1"/>
+          </a:xfrm>
+          <a:prstGeom prst="line">
+            <a:avLst/>
+          </a:prstGeom>
+          <a:ln w="12700">
+            <a:solidFill>
+              <a:srgbClr val="4C4C4C"/>
+            </a:solidFill>
+            <a:custDash>
+              <a:ds d="100000" sp="200000"/>
+            </a:custDash>
+          </a:ln>
+        </p:spPr>
+        <p:txBody>
+          <a:bodyPr lIns="54570" tIns="54570" rIns="54570" bIns="54570" anchor="ctr"/>
+          <a:lstStyle/>
+          <a:p>
+            <a:pPr>
+              <a:lnSpc>
+                <a:spcPct val="80000"/>
+              </a:lnSpc>
+              <a:spcBef>
+                <a:spcPts val="600"/>
+              </a:spcBef>
+              <a:defRPr b="0">
+                <a:solidFill>
+                  <a:srgbClr val="000000"/>
+                </a:solidFill>
+              </a:defRPr>
+            </a:pPr>
+          </a:p>
+        </p:txBody>
+      </p:sp>
+      <p:sp>
+        <p:nvSpPr>
+          <p:cNvPr id="213" name="SHARE YOUR APP"/>
+          <p:cNvSpPr txBox="1"/>
+          <p:nvPr/>
+        </p:nvSpPr>
+        <p:spPr>
+          <a:xfrm>
+            <a:off x="382259" y="7217901"/>
+            <a:ext cx="1196036" cy="215901"/>
+          </a:xfrm>
+          <a:prstGeom prst="rect">
+            <a:avLst/>
+          </a:prstGeom>
+          <a:ln w="12700">
+            <a:miter lim="400000"/>
+          </a:ln>
+          <a:extLst>
+            <a:ext uri="{C572A759-6A51-4108-AA02-DFA0A04FC94B}">
+              <ma14:wrappingTextBoxFlag xmlns:ma14="http://schemas.microsoft.com/office/mac/drawingml/2011/main" val="1"/>
+            </a:ext>
+          </a:extLst>
+        </p:spPr>
+        <p:txBody>
+          <a:bodyPr wrap="none" lIns="12700" tIns="12700" rIns="12700" bIns="12700" anchor="ctr">
+            <a:spAutoFit/>
+          </a:bodyPr>
+          <a:lstStyle/>
+          <a:p>
+            <a:pPr lvl="1" indent="0"/>
+            <a:r>
+              <a:t>SHARE YOUR APP</a:t>
+            </a:r>
+          </a:p>
+        </p:txBody>
+      </p:sp>
+      <p:sp>
+        <p:nvSpPr>
+          <p:cNvPr id="214" name="Line"/>
+          <p:cNvSpPr/>
+          <p:nvPr/>
+        </p:nvSpPr>
+        <p:spPr>
+          <a:xfrm>
+            <a:off x="341017" y="7171777"/>
+            <a:ext cx="3031485" cy="1"/>
+          </a:xfrm>
+          <a:prstGeom prst="line">
+            <a:avLst/>
+          </a:prstGeom>
+          <a:ln w="12700">
+            <a:solidFill>
+              <a:srgbClr val="4C4C4C"/>
+            </a:solidFill>
+            <a:custDash>
+              <a:ds d="100000" sp="200000"/>
+            </a:custDash>
+          </a:ln>
+        </p:spPr>
+        <p:txBody>
+          <a:bodyPr lIns="54570" tIns="54570" rIns="54570" bIns="54570" anchor="ctr"/>
+          <a:lstStyle/>
+          <a:p>
+            <a:pPr>
+              <a:lnSpc>
+                <a:spcPct val="80000"/>
+              </a:lnSpc>
+              <a:spcBef>
+                <a:spcPts val="600"/>
+              </a:spcBef>
+              <a:defRPr b="0">
+                <a:solidFill>
+                  <a:srgbClr val="000000"/>
+                </a:solidFill>
+              </a:defRPr>
+            </a:pPr>
+          </a:p>
+        </p:txBody>
+      </p:sp>
+      <p:sp>
+        <p:nvSpPr>
+          <p:cNvPr id="215" name="DT::renderDataTable(expr, options,   callback,  escape, env, quoted)…"/>
+          <p:cNvSpPr txBox="1"/>
+          <p:nvPr/>
+        </p:nvSpPr>
+        <p:spPr>
+          <a:xfrm>
+            <a:off x="4687740" y="7101054"/>
+            <a:ext cx="2645722" cy="3079107"/>
+          </a:xfrm>
+          <a:prstGeom prst="rect">
+            <a:avLst/>
+          </a:prstGeom>
+          <a:ln w="12700">
+            <a:miter lim="400000"/>
+          </a:ln>
+          <a:extLst>
+            <a:ext uri="{C572A759-6A51-4108-AA02-DFA0A04FC94B}">
+              <ma14:wrappingTextBoxFlag xmlns:ma14="http://schemas.microsoft.com/office/mac/drawingml/2011/main" val="1"/>
+            </a:ext>
+          </a:extLst>
+        </p:spPr>
+        <p:txBody>
+          <a:bodyPr lIns="0" tIns="0" rIns="0" bIns="0" anchor="b">
+            <a:normAutofit fontScale="100000" lnSpcReduction="0"/>
+          </a:bodyPr>
+          <a:lstStyle/>
+          <a:p>
+            <a:pPr marL="241300" indent="-241300">
+              <a:lnSpc>
+                <a:spcPct val="80000"/>
+              </a:lnSpc>
+              <a:spcBef>
+                <a:spcPts val="700"/>
+              </a:spcBef>
+              <a:defRPr b="0">
+                <a:solidFill>
+                  <a:srgbClr val="000000"/>
+                </a:solidFill>
+              </a:defRPr>
+            </a:pPr>
+            <a:r>
+              <a:rPr>
+                <a:solidFill>
+                  <a:schemeClr val="accent1">
+                    <a:satOff val="22051"/>
+                    <a:lumOff val="15940"/>
+                  </a:schemeClr>
+                </a:solidFill>
+              </a:rPr>
+              <a:t>DT::</a:t>
+            </a:r>
+            <a:r>
+              <a:rPr b="1"/>
+              <a:t>renderDataTable</a:t>
+            </a:r>
+            <a:r>
+              <a:rPr>
+                <a:latin typeface="Source Sans Pro Semibold"/>
+                <a:ea typeface="Source Sans Pro Semibold"/>
+                <a:cs typeface="Source Sans Pro Semibold"/>
+                <a:sym typeface="Source Sans Pro Semibold"/>
+              </a:rPr>
+              <a:t>(</a:t>
+            </a:r>
+            <a:r>
+              <a:t>expr, </a:t>
+            </a:r>
+            <a:r>
+              <a:rPr>
+                <a:solidFill>
+                  <a:srgbClr val="53585F"/>
+                </a:solidFill>
+              </a:rPr>
+              <a:t>options,   callback,  escape, </a:t>
+            </a:r>
+            <a:r>
+              <a:rPr>
+                <a:solidFill>
+                  <a:srgbClr val="53585F"/>
+                </a:solidFill>
+              </a:rPr>
+              <a:t>env, quoted</a:t>
+            </a:r>
+            <a:r>
+              <a:rPr>
+                <a:latin typeface="Source Sans Pro Semibold"/>
+                <a:ea typeface="Source Sans Pro Semibold"/>
+                <a:cs typeface="Source Sans Pro Semibold"/>
+                <a:sym typeface="Source Sans Pro Semibold"/>
+              </a:rPr>
+              <a:t>)</a:t>
+            </a:r>
+            <a:endParaRPr>
+              <a:latin typeface="+mj-lt"/>
+              <a:ea typeface="+mj-ea"/>
+              <a:cs typeface="+mj-cs"/>
+              <a:sym typeface="Source Sans Pro Light"/>
+            </a:endParaRPr>
+          </a:p>
+          <a:p>
+            <a:pPr marL="114300" indent="-114300">
+              <a:lnSpc>
+                <a:spcPct val="80000"/>
+              </a:lnSpc>
+              <a:spcBef>
+                <a:spcPts val="500"/>
+              </a:spcBef>
+              <a:defRPr b="0">
+                <a:solidFill>
+                  <a:srgbClr val="000000"/>
+                </a:solidFill>
+              </a:defRPr>
+            </a:pPr>
+            <a:r>
+              <a:rPr b="1"/>
+              <a:t>renderImage</a:t>
+            </a:r>
+            <a:r>
+              <a:t>(expr</a:t>
+            </a:r>
+            <a:r>
+              <a:rPr>
+                <a:solidFill>
+                  <a:srgbClr val="53585F"/>
+                </a:solidFill>
+              </a:rPr>
+              <a:t>, env, quoted, deleteFile</a:t>
+            </a:r>
+            <a:r>
+              <a:t>)</a:t>
+            </a:r>
+            <a:endParaRPr>
+              <a:latin typeface="Source Sans Pro Semibold"/>
+              <a:ea typeface="Source Sans Pro Semibold"/>
+              <a:cs typeface="Source Sans Pro Semibold"/>
+              <a:sym typeface="Source Sans Pro Semibold"/>
+            </a:endParaRPr>
+          </a:p>
+          <a:p>
+            <a:pPr marL="114300" indent="-114300">
+              <a:lnSpc>
+                <a:spcPct val="80000"/>
+              </a:lnSpc>
+              <a:spcBef>
+                <a:spcPts val="500"/>
+              </a:spcBef>
+              <a:defRPr b="0">
+                <a:solidFill>
+                  <a:srgbClr val="000000"/>
+                </a:solidFill>
+              </a:defRPr>
+            </a:pPr>
+          </a:p>
+          <a:p>
+            <a:pPr marL="114300" indent="-114300">
+              <a:lnSpc>
+                <a:spcPct val="80000"/>
+              </a:lnSpc>
+              <a:spcBef>
+                <a:spcPts val="600"/>
+              </a:spcBef>
+              <a:defRPr b="0">
+                <a:solidFill>
+                  <a:srgbClr val="000000"/>
+                </a:solidFill>
+              </a:defRPr>
+            </a:pPr>
+            <a:r>
+              <a:rPr b="1"/>
+              <a:t>renderPlot</a:t>
+            </a:r>
+            <a:r>
+              <a:t>(expr</a:t>
+            </a:r>
+            <a:r>
+              <a:rPr>
+                <a:solidFill>
+                  <a:srgbClr val="A6AAA9"/>
+                </a:solidFill>
+              </a:rPr>
+              <a:t>, </a:t>
+            </a:r>
+            <a:r>
+              <a:rPr>
+                <a:solidFill>
+                  <a:srgbClr val="53585F"/>
+                </a:solidFill>
+              </a:rPr>
+              <a:t>width, height, res, …, env, quoted, func</a:t>
+            </a:r>
+            <a:r>
+              <a:t>)</a:t>
+            </a:r>
+            <a:endParaRPr>
+              <a:latin typeface="Source Sans Pro Semibold"/>
+              <a:ea typeface="Source Sans Pro Semibold"/>
+              <a:cs typeface="Source Sans Pro Semibold"/>
+              <a:sym typeface="Source Sans Pro Semibold"/>
+            </a:endParaRPr>
+          </a:p>
+          <a:p>
+            <a:pPr marL="114300" indent="-114300">
+              <a:lnSpc>
+                <a:spcPct val="80000"/>
+              </a:lnSpc>
+              <a:spcBef>
+                <a:spcPts val="500"/>
+              </a:spcBef>
+              <a:defRPr b="0">
+                <a:solidFill>
+                  <a:srgbClr val="000000"/>
+                </a:solidFill>
+              </a:defRPr>
+            </a:pPr>
+            <a:endParaRPr>
+              <a:latin typeface="+mj-lt"/>
+              <a:ea typeface="+mj-ea"/>
+              <a:cs typeface="+mj-cs"/>
+              <a:sym typeface="Source Sans Pro Light"/>
+            </a:endParaRPr>
+          </a:p>
+          <a:p>
+            <a:pPr marL="114300" indent="-114300">
+              <a:lnSpc>
+                <a:spcPct val="80000"/>
+              </a:lnSpc>
+              <a:spcBef>
+                <a:spcPts val="0"/>
+              </a:spcBef>
+              <a:defRPr b="0">
+                <a:solidFill>
+                  <a:srgbClr val="000000"/>
+                </a:solidFill>
+              </a:defRPr>
+            </a:pPr>
+            <a:r>
+              <a:rPr b="1"/>
+              <a:t>renderPrint</a:t>
+            </a:r>
+            <a:r>
+              <a:t>(expr</a:t>
+            </a:r>
+            <a:r>
+              <a:rPr>
+                <a:solidFill>
+                  <a:srgbClr val="53585F"/>
+                </a:solidFill>
+              </a:rPr>
+              <a:t>, env, quoted, func, </a:t>
+            </a:r>
+            <a:endParaRPr>
+              <a:solidFill>
+                <a:srgbClr val="53585F"/>
+              </a:solidFill>
+            </a:endParaRPr>
+          </a:p>
+          <a:p>
+            <a:pPr marL="114300" indent="-114300">
+              <a:lnSpc>
+                <a:spcPct val="80000"/>
+              </a:lnSpc>
+              <a:spcBef>
+                <a:spcPts val="400"/>
+              </a:spcBef>
+              <a:defRPr b="0">
+                <a:solidFill>
+                  <a:srgbClr val="000000"/>
+                </a:solidFill>
+              </a:defRPr>
+            </a:pPr>
+            <a:r>
+              <a:rPr>
+                <a:solidFill>
+                  <a:srgbClr val="53585F"/>
+                </a:solidFill>
+              </a:rPr>
+              <a:t>width</a:t>
+            </a:r>
+            <a:r>
+              <a:t>)</a:t>
+            </a:r>
+          </a:p>
+          <a:p>
+            <a:pPr marL="114300" indent="-114300">
+              <a:lnSpc>
+                <a:spcPct val="80000"/>
+              </a:lnSpc>
+              <a:spcBef>
+                <a:spcPts val="1000"/>
+              </a:spcBef>
+              <a:defRPr b="0">
+                <a:solidFill>
+                  <a:srgbClr val="000000"/>
+                </a:solidFill>
+              </a:defRPr>
+            </a:pPr>
+            <a:r>
+              <a:rPr b="1"/>
+              <a:t>renderTable</a:t>
+            </a:r>
+            <a:r>
+              <a:t>(expr</a:t>
+            </a:r>
+            <a:r>
+              <a:rPr>
+                <a:solidFill>
+                  <a:srgbClr val="53585F"/>
+                </a:solidFill>
+              </a:rPr>
+              <a:t>,…, env, quoted, func</a:t>
+            </a:r>
+            <a:r>
+              <a:t>)</a:t>
+            </a:r>
+          </a:p>
+          <a:p>
+            <a:pPr marL="114300" indent="-114300">
+              <a:lnSpc>
+                <a:spcPct val="80000"/>
+              </a:lnSpc>
+              <a:spcBef>
+                <a:spcPts val="1100"/>
+              </a:spcBef>
+              <a:defRPr b="0">
+                <a:solidFill>
+                  <a:srgbClr val="000000"/>
+                </a:solidFill>
+              </a:defRPr>
+            </a:pPr>
+            <a:r>
+              <a:rPr b="1"/>
+              <a:t>renderText</a:t>
+            </a:r>
+            <a:r>
+              <a:t>(expr</a:t>
+            </a:r>
+            <a:r>
+              <a:rPr>
+                <a:solidFill>
+                  <a:srgbClr val="53585F"/>
+                </a:solidFill>
+              </a:rPr>
+              <a:t>, env, quoted, func</a:t>
+            </a:r>
+            <a:r>
+              <a:t>)</a:t>
+            </a:r>
+          </a:p>
+          <a:p>
+            <a:pPr marL="114300" indent="-114300">
+              <a:lnSpc>
+                <a:spcPct val="80000"/>
+              </a:lnSpc>
+              <a:spcBef>
+                <a:spcPts val="0"/>
+              </a:spcBef>
+              <a:defRPr b="0">
+                <a:solidFill>
+                  <a:srgbClr val="000000"/>
+                </a:solidFill>
+              </a:defRPr>
+            </a:pPr>
+            <a:r>
+              <a:rPr b="1"/>
+              <a:t>renderUI</a:t>
+            </a:r>
+            <a:r>
+              <a:t>(expr</a:t>
+            </a:r>
+            <a:r>
+              <a:rPr>
+                <a:solidFill>
+                  <a:srgbClr val="53585F"/>
+                </a:solidFill>
+              </a:rPr>
+              <a:t>, env, quoted, func</a:t>
+            </a:r>
+            <a:r>
+              <a:t>)</a:t>
+            </a:r>
+          </a:p>
+        </p:txBody>
+      </p:sp>
+      <p:sp>
+        <p:nvSpPr>
+          <p:cNvPr id="216" name="dataTableOutput(outputId, icon, …)…"/>
+          <p:cNvSpPr txBox="1"/>
+          <p:nvPr/>
+        </p:nvSpPr>
+        <p:spPr>
+          <a:xfrm>
+            <a:off x="7480928" y="7182296"/>
+            <a:ext cx="2802297" cy="3099465"/>
+          </a:xfrm>
+          <a:prstGeom prst="rect">
+            <a:avLst/>
+          </a:prstGeom>
+          <a:ln w="12700">
+            <a:miter lim="400000"/>
+          </a:ln>
+          <a:extLst>
+            <a:ext uri="{C572A759-6A51-4108-AA02-DFA0A04FC94B}">
+              <ma14:wrappingTextBoxFlag xmlns:ma14="http://schemas.microsoft.com/office/mac/drawingml/2011/main" val="1"/>
+            </a:ext>
+          </a:extLst>
+        </p:spPr>
+        <p:txBody>
+          <a:bodyPr lIns="0" tIns="0" rIns="0" bIns="0" anchor="b">
+            <a:normAutofit fontScale="100000" lnSpcReduction="0"/>
+          </a:bodyPr>
+          <a:lstStyle/>
+          <a:p>
+            <a:pPr marL="114300" indent="-114300">
+              <a:spcBef>
+                <a:spcPts val="1700"/>
+              </a:spcBef>
+              <a:defRPr b="0">
+                <a:solidFill>
+                  <a:srgbClr val="000000"/>
+                </a:solidFill>
+              </a:defRPr>
+            </a:pPr>
+            <a:r>
+              <a:rPr b="1">
+                <a:solidFill>
+                  <a:schemeClr val="accent1">
+                    <a:satOff val="22051"/>
+                    <a:lumOff val="15940"/>
+                  </a:schemeClr>
+                </a:solidFill>
+              </a:rPr>
+              <a:t>dataTableOutput</a:t>
+            </a:r>
+            <a:r>
+              <a:t>(outputId</a:t>
+            </a:r>
+            <a:r>
+              <a:rPr>
+                <a:solidFill>
+                  <a:srgbClr val="53585F"/>
+                </a:solidFill>
+              </a:rPr>
+              <a:t>, icon, …</a:t>
+            </a:r>
+            <a:r>
+              <a:t>)</a:t>
+            </a:r>
+          </a:p>
+          <a:p>
+            <a:pPr marL="114300" indent="-114300">
+              <a:lnSpc>
+                <a:spcPct val="80000"/>
+              </a:lnSpc>
+              <a:spcBef>
+                <a:spcPts val="1000"/>
+              </a:spcBef>
+              <a:defRPr b="0">
+                <a:solidFill>
+                  <a:srgbClr val="000000"/>
+                </a:solidFill>
+              </a:defRPr>
+            </a:pPr>
+            <a:r>
+              <a:rPr b="1">
+                <a:solidFill>
+                  <a:schemeClr val="accent1">
+                    <a:satOff val="22051"/>
+                    <a:lumOff val="15940"/>
+                  </a:schemeClr>
+                </a:solidFill>
+              </a:rPr>
+              <a:t>imageOutput</a:t>
+            </a:r>
+            <a:r>
+              <a:t>(outputId</a:t>
+            </a:r>
+            <a:r>
+              <a:rPr>
+                <a:solidFill>
+                  <a:srgbClr val="53585F"/>
+                </a:solidFill>
+              </a:rPr>
+              <a:t>, width, height, click, dblclick, hover, hoverDelay, inline, hoverDelayType, brush, clickId, hoverId</a:t>
+            </a:r>
+            <a:r>
+              <a:t>)</a:t>
+            </a:r>
+          </a:p>
+          <a:p>
+            <a:pPr marL="114300" indent="-114300">
+              <a:lnSpc>
+                <a:spcPct val="80000"/>
+              </a:lnSpc>
+              <a:spcBef>
+                <a:spcPts val="1000"/>
+              </a:spcBef>
+              <a:defRPr b="0">
+                <a:solidFill>
+                  <a:srgbClr val="000000"/>
+                </a:solidFill>
+              </a:defRPr>
+            </a:pPr>
+            <a:r>
+              <a:rPr b="1">
+                <a:solidFill>
+                  <a:schemeClr val="accent1">
+                    <a:satOff val="22051"/>
+                    <a:lumOff val="15940"/>
+                  </a:schemeClr>
+                </a:solidFill>
+              </a:rPr>
+              <a:t>plotOutput</a:t>
+            </a:r>
+            <a:r>
+              <a:t>(outputId</a:t>
+            </a:r>
+            <a:r>
+              <a:rPr>
+                <a:solidFill>
+                  <a:srgbClr val="53585F"/>
+                </a:solidFill>
+              </a:rPr>
+              <a:t>, width, height, click, dblclick, hover, hoverDelay, inline, hoverDelayType, brush, clickId, hoverId</a:t>
+            </a:r>
+            <a:r>
+              <a:t>)</a:t>
+            </a:r>
+          </a:p>
+          <a:p>
+            <a:pPr marL="114300" indent="-114300">
+              <a:lnSpc>
+                <a:spcPct val="80000"/>
+              </a:lnSpc>
+              <a:spcBef>
+                <a:spcPts val="1600"/>
+              </a:spcBef>
+              <a:defRPr b="0">
+                <a:solidFill>
+                  <a:srgbClr val="000000"/>
+                </a:solidFill>
+              </a:defRPr>
+            </a:pPr>
+            <a:r>
+              <a:rPr b="1">
+                <a:solidFill>
+                  <a:schemeClr val="accent1">
+                    <a:satOff val="22051"/>
+                    <a:lumOff val="15940"/>
+                  </a:schemeClr>
+                </a:solidFill>
+              </a:rPr>
+              <a:t>verbatimTextOutput</a:t>
+            </a:r>
+            <a:r>
+              <a:t>(outputId)</a:t>
+            </a:r>
+          </a:p>
+          <a:p>
+            <a:pPr marL="114300" indent="-114300">
+              <a:lnSpc>
+                <a:spcPct val="80000"/>
+              </a:lnSpc>
+              <a:spcBef>
+                <a:spcPts val="1000"/>
+              </a:spcBef>
+              <a:defRPr b="0">
+                <a:solidFill>
+                  <a:srgbClr val="000000"/>
+                </a:solidFill>
+              </a:defRPr>
+            </a:pPr>
+            <a:r>
+              <a:rPr b="1">
+                <a:solidFill>
+                  <a:schemeClr val="accent1">
+                    <a:satOff val="22051"/>
+                    <a:lumOff val="15940"/>
+                  </a:schemeClr>
+                </a:solidFill>
+              </a:rPr>
+              <a:t>tableOutput</a:t>
+            </a:r>
+            <a:r>
+              <a:t>(outputId)</a:t>
+            </a:r>
+          </a:p>
+          <a:p>
+            <a:pPr marL="114300" indent="-114300">
+              <a:lnSpc>
+                <a:spcPct val="80000"/>
+              </a:lnSpc>
+              <a:spcBef>
+                <a:spcPts val="500"/>
+              </a:spcBef>
+              <a:defRPr b="0">
+                <a:solidFill>
+                  <a:srgbClr val="000000"/>
+                </a:solidFill>
+              </a:defRPr>
+            </a:pPr>
+            <a:r>
+              <a:rPr b="1">
+                <a:solidFill>
+                  <a:schemeClr val="accent1">
+                    <a:satOff val="22051"/>
+                    <a:lumOff val="15940"/>
+                  </a:schemeClr>
+                </a:solidFill>
+              </a:rPr>
+              <a:t>textOutput</a:t>
+            </a:r>
+            <a:r>
+              <a:t>(outputId</a:t>
+            </a:r>
+            <a:r>
+              <a:rPr>
+                <a:solidFill>
+                  <a:srgbClr val="53585F"/>
+                </a:solidFill>
+              </a:rPr>
+              <a:t>, container, inline</a:t>
+            </a:r>
+            <a:r>
+              <a:t>)</a:t>
+            </a:r>
+            <a:endParaRPr>
+              <a:solidFill>
+                <a:srgbClr val="A6AAA9"/>
+              </a:solidFill>
+            </a:endParaRPr>
+          </a:p>
+          <a:p>
+            <a:pPr marL="114300" indent="-114300">
+              <a:lnSpc>
+                <a:spcPct val="80000"/>
+              </a:lnSpc>
+              <a:spcBef>
+                <a:spcPts val="300"/>
+              </a:spcBef>
+              <a:defRPr b="0">
+                <a:solidFill>
+                  <a:srgbClr val="000000"/>
+                </a:solidFill>
+              </a:defRPr>
+            </a:pPr>
+            <a:r>
+              <a:rPr b="1">
+                <a:solidFill>
+                  <a:schemeClr val="accent1">
+                    <a:satOff val="22051"/>
+                    <a:lumOff val="15940"/>
+                  </a:schemeClr>
+                </a:solidFill>
+              </a:rPr>
+              <a:t>uiOutput</a:t>
+            </a:r>
+            <a:r>
+              <a:t>(outputId</a:t>
+            </a:r>
+            <a:r>
+              <a:rPr>
+                <a:solidFill>
+                  <a:srgbClr val="53585F"/>
+                </a:solidFill>
+              </a:rPr>
+              <a:t>, inline, container, …</a:t>
+            </a:r>
+            <a:r>
+              <a:t>)</a:t>
+            </a:r>
+          </a:p>
+          <a:p>
+            <a:pPr marL="114300" indent="-114300">
+              <a:lnSpc>
+                <a:spcPct val="80000"/>
+              </a:lnSpc>
+              <a:spcBef>
+                <a:spcPts val="300"/>
+              </a:spcBef>
+              <a:defRPr b="0">
+                <a:solidFill>
+                  <a:srgbClr val="000000"/>
+                </a:solidFill>
+              </a:defRPr>
+            </a:pPr>
+            <a:r>
+              <a:rPr b="1">
+                <a:solidFill>
+                  <a:schemeClr val="accent1">
+                    <a:satOff val="22051"/>
+                    <a:lumOff val="15940"/>
+                  </a:schemeClr>
+                </a:solidFill>
+              </a:rPr>
+              <a:t>htmlOutput</a:t>
+            </a:r>
+            <a:r>
+              <a:t>(outputId</a:t>
+            </a:r>
+            <a:r>
+              <a:rPr>
+                <a:solidFill>
+                  <a:srgbClr val="53585F"/>
+                </a:solidFill>
+              </a:rPr>
+              <a:t>, inline, container, …</a:t>
+            </a:r>
+            <a:r>
+              <a:t>)</a:t>
+            </a:r>
+          </a:p>
+        </p:txBody>
+      </p:sp>
+      <p:sp>
+        <p:nvSpPr>
+          <p:cNvPr id="217" name="Double Arrow"/>
+          <p:cNvSpPr/>
+          <p:nvPr/>
+        </p:nvSpPr>
+        <p:spPr>
+          <a:xfrm>
+            <a:off x="6818886" y="7207797"/>
+            <a:ext cx="759923" cy="429216"/>
+          </a:xfrm>
+          <a:prstGeom prst="leftRightArrow">
+            <a:avLst>
+              <a:gd name="adj1" fmla="val 61369"/>
+              <a:gd name="adj2" fmla="val 56462"/>
+            </a:avLst>
+          </a:prstGeom>
+          <a:solidFill>
+            <a:srgbClr val="53585F"/>
+          </a:solidFill>
+          <a:ln w="12700">
+            <a:miter lim="400000"/>
+          </a:ln>
+        </p:spPr>
+        <p:txBody>
+          <a:bodyPr lIns="54570" tIns="54570" rIns="54570" bIns="54570" anchor="ctr"/>
+          <a:lstStyle/>
+          <a:p>
+            <a:pPr algn="ctr">
+              <a:spcBef>
+                <a:spcPts val="0"/>
+              </a:spcBef>
+              <a:defRPr>
+                <a:solidFill>
+                  <a:srgbClr val="FFFFFF"/>
+                </a:solidFill>
+                <a:latin typeface="Helvetica"/>
+                <a:ea typeface="Helvetica"/>
+                <a:cs typeface="Helvetica"/>
+                <a:sym typeface="Helvetica"/>
+              </a:defRPr>
+            </a:pPr>
+          </a:p>
+        </p:txBody>
+      </p:sp>
+      <p:sp>
+        <p:nvSpPr>
+          <p:cNvPr id="218" name="&amp;"/>
+          <p:cNvSpPr txBox="1"/>
+          <p:nvPr/>
+        </p:nvSpPr>
+        <p:spPr>
+          <a:xfrm>
+            <a:off x="7206224" y="9930959"/>
+            <a:ext cx="264081" cy="309801"/>
+          </a:xfrm>
+          <a:prstGeom prst="rect">
+            <a:avLst/>
+          </a:prstGeom>
+          <a:ln w="12700">
+            <a:miter lim="400000"/>
+          </a:ln>
+          <a:extLst>
+            <a:ext uri="{C572A759-6A51-4108-AA02-DFA0A04FC94B}">
+              <ma14:wrappingTextBoxFlag xmlns:ma14="http://schemas.microsoft.com/office/mac/drawingml/2011/main" val="1"/>
+            </a:ext>
+          </a:extLst>
+        </p:spPr>
+        <p:txBody>
+          <a:bodyPr wrap="none" lIns="54570" tIns="54570" rIns="54570" bIns="54570" anchor="ctr">
+            <a:spAutoFit/>
+          </a:bodyPr>
+          <a:lstStyle>
+            <a:lvl1pPr algn="ctr">
+              <a:spcBef>
+                <a:spcPts val="0"/>
+              </a:spcBef>
+              <a:defRPr b="0" sz="1600">
+                <a:solidFill>
+                  <a:srgbClr val="D6D6D6"/>
+                </a:solidFill>
+                <a:latin typeface="ChunkFive-Roman"/>
+                <a:ea typeface="ChunkFive-Roman"/>
+                <a:cs typeface="ChunkFive-Roman"/>
+                <a:sym typeface="ChunkFive-Roman"/>
+              </a:defRPr>
+            </a:lvl1pPr>
+          </a:lstStyle>
+          <a:p>
+            <a:pPr/>
+            <a:r>
+              <a:t>&amp;</a:t>
+            </a:r>
+          </a:p>
+        </p:txBody>
+      </p:sp>
+      <p:sp>
+        <p:nvSpPr>
+          <p:cNvPr id="219" name="works…"/>
+          <p:cNvSpPr txBox="1"/>
+          <p:nvPr/>
+        </p:nvSpPr>
+        <p:spPr>
+          <a:xfrm>
+            <a:off x="6958144" y="7223053"/>
+            <a:ext cx="479601" cy="373302"/>
+          </a:xfrm>
+          <a:prstGeom prst="rect">
+            <a:avLst/>
+          </a:prstGeom>
+          <a:ln w="12700">
+            <a:miter lim="400000"/>
+          </a:ln>
+          <a:extLst>
+            <a:ext uri="{C572A759-6A51-4108-AA02-DFA0A04FC94B}">
+              <ma14:wrappingTextBoxFlag xmlns:ma14="http://schemas.microsoft.com/office/mac/drawingml/2011/main" val="1"/>
+            </a:ext>
+          </a:extLst>
+        </p:spPr>
+        <p:txBody>
+          <a:bodyPr wrap="none" lIns="54570" tIns="54570" rIns="54570" bIns="54570" anchor="ctr">
+            <a:spAutoFit/>
+          </a:bodyPr>
+          <a:lstStyle/>
+          <a:p>
+            <a:pPr algn="ctr">
+              <a:lnSpc>
+                <a:spcPct val="60000"/>
+              </a:lnSpc>
+              <a:spcBef>
+                <a:spcPts val="0"/>
+              </a:spcBef>
+              <a:defRPr b="0" sz="1000">
+                <a:solidFill>
+                  <a:srgbClr val="FFFFFF"/>
+                </a:solidFill>
+                <a:latin typeface="Source Sans Pro Semibold"/>
+                <a:ea typeface="Source Sans Pro Semibold"/>
+                <a:cs typeface="Source Sans Pro Semibold"/>
+                <a:sym typeface="Source Sans Pro Semibold"/>
+              </a:defRPr>
+            </a:pPr>
+            <a:r>
+              <a:t>works</a:t>
+            </a:r>
+          </a:p>
+          <a:p>
+            <a:pPr algn="ctr">
+              <a:lnSpc>
+                <a:spcPct val="60000"/>
+              </a:lnSpc>
+              <a:spcBef>
+                <a:spcPts val="0"/>
+              </a:spcBef>
+              <a:defRPr b="0" sz="1000">
+                <a:solidFill>
+                  <a:srgbClr val="FFFFFF"/>
+                </a:solidFill>
+                <a:latin typeface="Source Sans Pro Semibold"/>
+                <a:ea typeface="Source Sans Pro Semibold"/>
+                <a:cs typeface="Source Sans Pro Semibold"/>
+                <a:sym typeface="Source Sans Pro Semibold"/>
+              </a:defRPr>
+            </a:pPr>
+            <a:r>
+              <a:t>with</a:t>
+            </a:r>
+          </a:p>
+        </p:txBody>
+      </p:sp>
+      <p:sp>
+        <p:nvSpPr>
+          <p:cNvPr id="220" name="collect values from the user"/>
+          <p:cNvSpPr txBox="1"/>
+          <p:nvPr/>
+        </p:nvSpPr>
+        <p:spPr>
+          <a:xfrm>
+            <a:off x="10581929" y="1509350"/>
+            <a:ext cx="1951995" cy="215901"/>
+          </a:xfrm>
+          <a:prstGeom prst="rect">
+            <a:avLst/>
+          </a:prstGeom>
+          <a:ln w="12700">
+            <a:miter lim="400000"/>
+          </a:ln>
+          <a:extLst>
+            <a:ext uri="{C572A759-6A51-4108-AA02-DFA0A04FC94B}">
+              <ma14:wrappingTextBoxFlag xmlns:ma14="http://schemas.microsoft.com/office/mac/drawingml/2011/main" val="1"/>
+            </a:ext>
+          </a:extLst>
+        </p:spPr>
+        <p:txBody>
+          <a:bodyPr lIns="12700" tIns="12700" rIns="12700" bIns="12700" anchor="ctr">
+            <a:spAutoFit/>
+          </a:bodyPr>
+          <a:lstStyle/>
+          <a:p>
+            <a:pPr lvl="1" indent="0">
+              <a:lnSpc>
+                <a:spcPct val="80000"/>
+              </a:lnSpc>
+              <a:spcBef>
+                <a:spcPts val="0"/>
+              </a:spcBef>
+              <a:defRPr b="0" sz="2500">
+                <a:solidFill>
+                  <a:srgbClr val="5589C5"/>
+                </a:solidFill>
+              </a:defRPr>
+            </a:pPr>
+            <a:r>
+              <a:rPr sz="1200"/>
+              <a:t>collect values from the user</a:t>
+            </a:r>
+          </a:p>
+        </p:txBody>
+      </p:sp>
+      <p:sp>
+        <p:nvSpPr>
+          <p:cNvPr id="221" name="actionButton(inputId, label, icon, …)…"/>
+          <p:cNvSpPr txBox="1"/>
+          <p:nvPr/>
+        </p:nvSpPr>
+        <p:spPr>
+          <a:xfrm>
+            <a:off x="11327263" y="2087318"/>
+            <a:ext cx="2348589" cy="8155602"/>
+          </a:xfrm>
+          <a:prstGeom prst="rect">
+            <a:avLst/>
+          </a:prstGeom>
+          <a:ln w="12700">
+            <a:miter lim="400000"/>
+          </a:ln>
+          <a:extLst>
+            <a:ext uri="{C572A759-6A51-4108-AA02-DFA0A04FC94B}">
+              <ma14:wrappingTextBoxFlag xmlns:ma14="http://schemas.microsoft.com/office/mac/drawingml/2011/main" val="1"/>
+            </a:ext>
+          </a:extLst>
+        </p:spPr>
+        <p:txBody>
+          <a:bodyPr lIns="0" tIns="0" rIns="0" bIns="0" anchor="b">
+            <a:normAutofit fontScale="100000" lnSpcReduction="0"/>
+          </a:bodyPr>
+          <a:lstStyle/>
+          <a:p>
+            <a:pPr marL="114300" indent="-114300">
+              <a:lnSpc>
+                <a:spcPct val="80000"/>
+              </a:lnSpc>
+              <a:spcBef>
+                <a:spcPts val="1900"/>
+              </a:spcBef>
+              <a:defRPr b="0">
+                <a:solidFill>
+                  <a:srgbClr val="000000"/>
+                </a:solidFill>
+              </a:defRPr>
+            </a:pPr>
+            <a:r>
+              <a:rPr b="1"/>
+              <a:t>actionButton</a:t>
+            </a:r>
+            <a:r>
+              <a:t>(inputId, label,</a:t>
+            </a:r>
+            <a:r>
+              <a:rPr>
+                <a:solidFill>
+                  <a:srgbClr val="53585F"/>
+                </a:solidFill>
+              </a:rPr>
+              <a:t> icon, …</a:t>
+            </a:r>
+            <a:r>
+              <a:t>)</a:t>
+            </a:r>
+          </a:p>
+          <a:p>
+            <a:pPr marL="114300" indent="-114300">
+              <a:lnSpc>
+                <a:spcPct val="80000"/>
+              </a:lnSpc>
+              <a:spcBef>
+                <a:spcPts val="1900"/>
+              </a:spcBef>
+              <a:defRPr b="0">
+                <a:solidFill>
+                  <a:srgbClr val="000000"/>
+                </a:solidFill>
+              </a:defRPr>
+            </a:pPr>
+            <a:r>
+              <a:rPr b="1"/>
+              <a:t>actionLink</a:t>
+            </a:r>
+            <a:r>
+              <a:t>(inputId, label, </a:t>
+            </a:r>
+            <a:r>
+              <a:rPr>
+                <a:solidFill>
+                  <a:srgbClr val="53585F"/>
+                </a:solidFill>
+              </a:rPr>
+              <a:t>icon, …</a:t>
+            </a:r>
+            <a:r>
+              <a:t>)</a:t>
+            </a:r>
+          </a:p>
+          <a:p>
+            <a:pPr marL="114300" indent="-114300">
+              <a:lnSpc>
+                <a:spcPct val="80000"/>
+              </a:lnSpc>
+              <a:spcBef>
+                <a:spcPts val="1900"/>
+              </a:spcBef>
+              <a:defRPr b="0">
+                <a:solidFill>
+                  <a:srgbClr val="000000"/>
+                </a:solidFill>
+              </a:defRPr>
+            </a:pPr>
+            <a:r>
+              <a:rPr b="1"/>
+              <a:t>checkboxGroupInput</a:t>
+            </a:r>
+            <a:r>
+              <a:t>(inputId, label, choices, </a:t>
+            </a:r>
+            <a:r>
+              <a:rPr>
+                <a:solidFill>
+                  <a:srgbClr val="53585F"/>
+                </a:solidFill>
+              </a:rPr>
+              <a:t>selected, inline</a:t>
+            </a:r>
+            <a:r>
+              <a:t>)</a:t>
+            </a:r>
+          </a:p>
+          <a:p>
+            <a:pPr marL="114300" indent="-114300">
+              <a:lnSpc>
+                <a:spcPct val="80000"/>
+              </a:lnSpc>
+              <a:spcBef>
+                <a:spcPts val="1900"/>
+              </a:spcBef>
+              <a:defRPr b="0">
+                <a:solidFill>
+                  <a:srgbClr val="000000"/>
+                </a:solidFill>
+              </a:defRPr>
+            </a:pPr>
+            <a:r>
+              <a:rPr b="1"/>
+              <a:t>checkboxInput</a:t>
+            </a:r>
+            <a:r>
+              <a:t>(inputId, label</a:t>
+            </a:r>
+            <a:r>
+              <a:rPr>
+                <a:solidFill>
+                  <a:srgbClr val="53585F"/>
+                </a:solidFill>
+              </a:rPr>
+              <a:t>, value</a:t>
+            </a:r>
+            <a:r>
+              <a:t>)</a:t>
+            </a:r>
+          </a:p>
+          <a:p>
+            <a:pPr marL="114300" indent="-114300">
+              <a:lnSpc>
+                <a:spcPct val="80000"/>
+              </a:lnSpc>
+              <a:spcBef>
+                <a:spcPts val="1900"/>
+              </a:spcBef>
+              <a:defRPr b="0">
+                <a:solidFill>
+                  <a:srgbClr val="000000"/>
+                </a:solidFill>
+              </a:defRPr>
+            </a:pPr>
+            <a:r>
+              <a:rPr b="1"/>
+              <a:t>dateInput</a:t>
+            </a:r>
+            <a:r>
+              <a:t>(inputId, label</a:t>
+            </a:r>
+            <a:r>
+              <a:rPr>
+                <a:solidFill>
+                  <a:srgbClr val="53585F"/>
+                </a:solidFill>
+              </a:rPr>
+              <a:t>, value, min, max, format, startview, weekstart, language</a:t>
+            </a:r>
+            <a:r>
+              <a:t>)</a:t>
+            </a:r>
+          </a:p>
+          <a:p>
+            <a:pPr marL="114300" indent="-114300">
+              <a:lnSpc>
+                <a:spcPct val="80000"/>
+              </a:lnSpc>
+              <a:spcBef>
+                <a:spcPts val="1900"/>
+              </a:spcBef>
+              <a:defRPr b="0">
+                <a:solidFill>
+                  <a:srgbClr val="000000"/>
+                </a:solidFill>
+              </a:defRPr>
+            </a:pPr>
+            <a:r>
+              <a:rPr b="1"/>
+              <a:t>dateRangeInput</a:t>
+            </a:r>
+            <a:r>
+              <a:t>(inputId, label</a:t>
+            </a:r>
+            <a:r>
+              <a:rPr>
+                <a:solidFill>
+                  <a:srgbClr val="53585F"/>
+                </a:solidFill>
+              </a:rPr>
+              <a:t>, start, end, min, max, format, startview, weekstart, language, separator</a:t>
+            </a:r>
+            <a:r>
+              <a:t>)</a:t>
+            </a:r>
+          </a:p>
+          <a:p>
+            <a:pPr marL="114300" indent="-114300">
+              <a:lnSpc>
+                <a:spcPct val="80000"/>
+              </a:lnSpc>
+              <a:spcBef>
+                <a:spcPts val="1900"/>
+              </a:spcBef>
+              <a:defRPr b="0">
+                <a:solidFill>
+                  <a:srgbClr val="000000"/>
+                </a:solidFill>
+              </a:defRPr>
+            </a:pPr>
+            <a:r>
+              <a:rPr b="1"/>
+              <a:t>fileInput</a:t>
+            </a:r>
+            <a:r>
+              <a:t>(inputId, label</a:t>
+            </a:r>
+            <a:r>
+              <a:rPr>
+                <a:solidFill>
+                  <a:srgbClr val="53585F"/>
+                </a:solidFill>
+              </a:rPr>
+              <a:t>, multiple, accept</a:t>
+            </a:r>
+            <a:r>
+              <a:t>)</a:t>
+            </a:r>
+          </a:p>
+          <a:p>
+            <a:pPr marL="114300" indent="-114300">
+              <a:lnSpc>
+                <a:spcPct val="80000"/>
+              </a:lnSpc>
+              <a:spcBef>
+                <a:spcPts val="1900"/>
+              </a:spcBef>
+              <a:defRPr b="0">
+                <a:solidFill>
+                  <a:srgbClr val="000000"/>
+                </a:solidFill>
+              </a:defRPr>
+            </a:pPr>
+            <a:r>
+              <a:rPr b="1"/>
+              <a:t>numericInput</a:t>
+            </a:r>
+            <a:r>
+              <a:t>(inputId, label, value, </a:t>
+            </a:r>
+            <a:r>
+              <a:rPr>
+                <a:solidFill>
+                  <a:srgbClr val="53585F"/>
+                </a:solidFill>
+              </a:rPr>
+              <a:t>min, max, step</a:t>
+            </a:r>
+            <a:r>
+              <a:t>)</a:t>
+            </a:r>
+          </a:p>
+          <a:p>
+            <a:pPr marL="114300" indent="-114300">
+              <a:lnSpc>
+                <a:spcPct val="80000"/>
+              </a:lnSpc>
+              <a:spcBef>
+                <a:spcPts val="1900"/>
+              </a:spcBef>
+              <a:defRPr b="0">
+                <a:solidFill>
+                  <a:srgbClr val="000000"/>
+                </a:solidFill>
+              </a:defRPr>
+            </a:pPr>
+            <a:r>
+              <a:rPr b="1"/>
+              <a:t>passwordInput</a:t>
+            </a:r>
+            <a:r>
+              <a:t>(inputId, label</a:t>
+            </a:r>
+            <a:r>
+              <a:rPr>
+                <a:solidFill>
+                  <a:srgbClr val="53585F"/>
+                </a:solidFill>
+              </a:rPr>
+              <a:t>, value</a:t>
+            </a:r>
+            <a:r>
+              <a:t>)</a:t>
+            </a:r>
+          </a:p>
+          <a:p>
+            <a:pPr marL="114300" indent="-114300">
+              <a:lnSpc>
+                <a:spcPct val="80000"/>
+              </a:lnSpc>
+              <a:spcBef>
+                <a:spcPts val="1900"/>
+              </a:spcBef>
+              <a:defRPr b="0">
+                <a:solidFill>
+                  <a:srgbClr val="000000"/>
+                </a:solidFill>
+              </a:defRPr>
+            </a:pPr>
+            <a:r>
+              <a:rPr b="1"/>
+              <a:t>radioButtons</a:t>
+            </a:r>
+            <a:r>
+              <a:t>(inputId, label, choices, </a:t>
+            </a:r>
+            <a:r>
+              <a:rPr>
+                <a:solidFill>
+                  <a:srgbClr val="53585F"/>
+                </a:solidFill>
+              </a:rPr>
+              <a:t>selected, inline</a:t>
+            </a:r>
+            <a:r>
+              <a:t>)</a:t>
+            </a:r>
+          </a:p>
+          <a:p>
+            <a:pPr marL="114300" indent="-114300">
+              <a:lnSpc>
+                <a:spcPct val="80000"/>
+              </a:lnSpc>
+              <a:spcBef>
+                <a:spcPts val="1900"/>
+              </a:spcBef>
+              <a:defRPr b="0">
+                <a:solidFill>
+                  <a:srgbClr val="000000"/>
+                </a:solidFill>
+              </a:defRPr>
+            </a:pPr>
+            <a:r>
+              <a:rPr b="1"/>
+              <a:t>selectInput</a:t>
+            </a:r>
+            <a:r>
+              <a:t>(inputId, label, choices, </a:t>
+            </a:r>
+            <a:r>
+              <a:rPr>
+                <a:solidFill>
+                  <a:srgbClr val="53585F"/>
+                </a:solidFill>
+              </a:rPr>
+              <a:t>selected, multiple, selectize, width, size</a:t>
+            </a:r>
+            <a:r>
+              <a:t>) </a:t>
+            </a:r>
+            <a:r>
+              <a:rPr>
+                <a:solidFill>
+                  <a:schemeClr val="accent1">
+                    <a:satOff val="22051"/>
+                    <a:lumOff val="15940"/>
+                  </a:schemeClr>
+                </a:solidFill>
+              </a:rPr>
+              <a:t>(also selectizeInput())</a:t>
+            </a:r>
+            <a:endParaRPr>
+              <a:solidFill>
+                <a:schemeClr val="accent1">
+                  <a:satOff val="22051"/>
+                  <a:lumOff val="15940"/>
+                </a:schemeClr>
+              </a:solidFill>
+            </a:endParaRPr>
+          </a:p>
+          <a:p>
+            <a:pPr marL="114300" indent="-114300">
+              <a:lnSpc>
+                <a:spcPct val="80000"/>
+              </a:lnSpc>
+              <a:spcBef>
+                <a:spcPts val="1900"/>
+              </a:spcBef>
+              <a:defRPr b="0">
+                <a:solidFill>
+                  <a:srgbClr val="000000"/>
+                </a:solidFill>
+              </a:defRPr>
+            </a:pPr>
+            <a:r>
+              <a:rPr b="1"/>
+              <a:t>sliderInput</a:t>
+            </a:r>
+            <a:r>
+              <a:t>(inputId, label, min, max, value, </a:t>
+            </a:r>
+            <a:r>
+              <a:rPr>
+                <a:solidFill>
+                  <a:srgbClr val="53585F"/>
+                </a:solidFill>
+              </a:rPr>
+              <a:t>step, round, format, locale, ticks, animate, width, sep, pre, post</a:t>
+            </a:r>
+            <a:r>
+              <a:t>)</a:t>
+            </a:r>
+          </a:p>
+          <a:p>
+            <a:pPr marL="114300" indent="-114300">
+              <a:lnSpc>
+                <a:spcPct val="80000"/>
+              </a:lnSpc>
+              <a:spcBef>
+                <a:spcPts val="0"/>
+              </a:spcBef>
+              <a:defRPr b="0">
+                <a:solidFill>
+                  <a:srgbClr val="000000"/>
+                </a:solidFill>
+              </a:defRPr>
+            </a:pPr>
+            <a:r>
+              <a:rPr b="1"/>
+              <a:t>submitButton</a:t>
+            </a:r>
+            <a:r>
+              <a:t>(</a:t>
+            </a:r>
+            <a:r>
+              <a:rPr>
+                <a:solidFill>
+                  <a:srgbClr val="53585F"/>
+                </a:solidFill>
+              </a:rPr>
+              <a:t>text, icon</a:t>
+            </a:r>
+            <a:r>
+              <a:t>)</a:t>
+            </a:r>
+          </a:p>
+          <a:p>
+            <a:pPr marL="114300" indent="-114300">
+              <a:lnSpc>
+                <a:spcPct val="80000"/>
+              </a:lnSpc>
+              <a:spcBef>
+                <a:spcPts val="1900"/>
+              </a:spcBef>
+              <a:defRPr b="0" sz="1100">
+                <a:solidFill>
+                  <a:schemeClr val="accent1">
+                    <a:satOff val="22051"/>
+                    <a:lumOff val="15940"/>
+                  </a:schemeClr>
+                </a:solidFill>
+              </a:defRPr>
+            </a:pPr>
+            <a:r>
+              <a:t>(Prevents reactions across entire app)</a:t>
+            </a:r>
+          </a:p>
+          <a:p>
+            <a:pPr marL="114300" indent="-114300">
+              <a:lnSpc>
+                <a:spcPct val="80000"/>
+              </a:lnSpc>
+              <a:spcBef>
+                <a:spcPts val="1900"/>
+              </a:spcBef>
+              <a:defRPr b="0">
+                <a:solidFill>
+                  <a:srgbClr val="000000"/>
+                </a:solidFill>
+              </a:defRPr>
+            </a:pPr>
+            <a:r>
+              <a:rPr b="1"/>
+              <a:t>textInput</a:t>
+            </a:r>
+            <a:r>
+              <a:t>(inputId, label, </a:t>
+            </a:r>
+            <a:r>
+              <a:rPr>
+                <a:solidFill>
+                  <a:srgbClr val="53585F"/>
+                </a:solidFill>
+              </a:rPr>
+              <a:t>value</a:t>
+            </a:r>
+            <a:r>
+              <a:t>)</a:t>
+            </a:r>
+          </a:p>
+        </p:txBody>
+      </p:sp>
+      <p:sp>
+        <p:nvSpPr>
+          <p:cNvPr id="222" name="Access the current value of an input object with input$&lt;inputId&gt;. Input values are reactive."/>
+          <p:cNvSpPr txBox="1"/>
+          <p:nvPr/>
+        </p:nvSpPr>
+        <p:spPr>
+          <a:xfrm>
+            <a:off x="10581929" y="1759744"/>
+            <a:ext cx="3135956" cy="387351"/>
+          </a:xfrm>
+          <a:prstGeom prst="rect">
+            <a:avLst/>
+          </a:prstGeom>
+          <a:ln w="12700">
+            <a:miter lim="400000"/>
+          </a:ln>
+          <a:extLst>
+            <a:ext uri="{C572A759-6A51-4108-AA02-DFA0A04FC94B}">
+              <ma14:wrappingTextBoxFlag xmlns:ma14="http://schemas.microsoft.com/office/mac/drawingml/2011/main" val="1"/>
+            </a:ext>
+          </a:extLst>
+        </p:spPr>
+        <p:txBody>
+          <a:bodyPr lIns="12700" tIns="12700" rIns="12700" bIns="12700" anchor="ctr">
+            <a:spAutoFit/>
+          </a:bodyPr>
+          <a:lstStyle/>
+          <a:p>
+            <a:pPr>
+              <a:lnSpc>
+                <a:spcPct val="90000"/>
+              </a:lnSpc>
+              <a:spcBef>
+                <a:spcPts val="300"/>
+              </a:spcBef>
+              <a:buClr>
+                <a:schemeClr val="accent4">
+                  <a:hueOff val="384618"/>
+                  <a:satOff val="3869"/>
+                  <a:lumOff val="5802"/>
+                </a:schemeClr>
+              </a:buClr>
+              <a:defRPr b="0">
+                <a:solidFill>
+                  <a:srgbClr val="000000"/>
+                </a:solidFill>
+                <a:latin typeface="+mj-lt"/>
+                <a:ea typeface="+mj-ea"/>
+                <a:cs typeface="+mj-cs"/>
+                <a:sym typeface="Source Sans Pro Light"/>
+              </a:defRPr>
+            </a:pPr>
+            <a:r>
+              <a:rPr>
+                <a:latin typeface="+mn-lt"/>
+                <a:ea typeface="+mn-ea"/>
+                <a:cs typeface="+mn-cs"/>
+                <a:sym typeface="Source Sans Pro"/>
+              </a:rPr>
+              <a:t>Access the current value of an input object with</a:t>
+            </a:r>
+            <a:r>
+              <a:rPr b="1">
+                <a:latin typeface="+mn-lt"/>
+                <a:ea typeface="+mn-ea"/>
+                <a:cs typeface="+mn-cs"/>
+                <a:sym typeface="Source Sans Pro"/>
+              </a:rPr>
+              <a:t> input$&lt;inputId&gt;</a:t>
+            </a:r>
+            <a:r>
+              <a:t>.</a:t>
+            </a:r>
+            <a:r>
+              <a:rPr>
+                <a:latin typeface="+mn-lt"/>
+                <a:ea typeface="+mn-ea"/>
+                <a:cs typeface="+mn-cs"/>
+                <a:sym typeface="Source Sans Pro"/>
+              </a:rPr>
+              <a:t> Input values are </a:t>
+            </a:r>
+            <a:r>
+              <a:rPr b="1">
+                <a:latin typeface="+mn-lt"/>
+                <a:ea typeface="+mn-ea"/>
+                <a:cs typeface="+mn-cs"/>
+                <a:sym typeface="Source Sans Pro"/>
+              </a:rPr>
+              <a:t>reactive</a:t>
+            </a:r>
+            <a:r>
+              <a:t>.</a:t>
+            </a:r>
+          </a:p>
+        </p:txBody>
+      </p:sp>
+      <p:pic>
+        <p:nvPicPr>
+          <p:cNvPr id="223" name="Image" descr="Image"/>
+          <p:cNvPicPr>
+            <a:picLocks noChangeAspect="1"/>
+          </p:cNvPicPr>
+          <p:nvPr/>
+        </p:nvPicPr>
+        <p:blipFill>
+          <a:blip r:embed="rId10">
+            <a:extLst/>
+          </a:blip>
+          <a:stretch>
+            <a:fillRect/>
+          </a:stretch>
+        </p:blipFill>
+        <p:spPr>
+          <a:xfrm>
+            <a:off x="238823" y="9978474"/>
+            <a:ext cx="1754521" cy="616478"/>
+          </a:xfrm>
+          <a:prstGeom prst="rect">
+            <a:avLst/>
+          </a:prstGeom>
+          <a:ln w="12700">
+            <a:miter lim="400000"/>
+          </a:ln>
+        </p:spPr>
+      </p:pic>
       <p:grpSp>
         <p:nvGrpSpPr>
-          <p:cNvPr id="206" name="Group"/>
+          <p:cNvPr id="227" name="Group"/>
           <p:cNvGrpSpPr/>
           <p:nvPr/>
         </p:nvGrpSpPr>
@@ -9239,14 +11867,14 @@
         </p:grpSpPr>
         <p:pic>
           <p:nvPicPr>
-            <p:cNvPr id="203" name="Screen Shot 2015-05-18 at 6.40.05 PM.png" descr="Screen Shot 2015-05-18 at 6.40.05 PM.png"/>
+            <p:cNvPr id="224" name="Screen Shot 2015-05-18 at 6.40.05 PM.png" descr="Screen Shot 2015-05-18 at 6.40.05 PM.png"/>
             <p:cNvPicPr>
               <a:picLocks noChangeAspect="1"/>
             </p:cNvPicPr>
             <p:nvPr/>
           </p:nvPicPr>
           <p:blipFill>
-            <a:blip r:embed="rId9">
+            <a:blip r:embed="rId11">
               <a:extLst/>
             </a:blip>
             <a:stretch>
@@ -9270,14 +11898,14 @@
         </p:pic>
         <p:pic>
           <p:nvPicPr>
-            <p:cNvPr id="204" name="Shiny-cheatsheet-2.pdf" descr="Shiny-cheatsheet-2.pdf"/>
+            <p:cNvPr id="225" name="Shiny-cheatsheet-2.pdf" descr="Shiny-cheatsheet-2.pdf"/>
             <p:cNvPicPr>
               <a:picLocks noChangeAspect="1"/>
             </p:cNvPicPr>
             <p:nvPr/>
           </p:nvPicPr>
           <p:blipFill>
-            <a:blip r:embed="rId10">
+            <a:blip r:embed="rId9">
               <a:extLst/>
             </a:blip>
             <a:srcRect l="0" t="58276" r="0" b="0"/>
@@ -9302,7 +11930,7 @@
         </p:pic>
         <p:sp>
           <p:nvSpPr>
-            <p:cNvPr id="205" name="Double Arrow"/>
+            <p:cNvPr id="226" name="Double Arrow"/>
             <p:cNvSpPr/>
             <p:nvPr/>
           </p:nvSpPr>
@@ -9353,662 +11981,9 @@
           </p:txBody>
         </p:sp>
       </p:grpSp>
-      <p:sp>
-        <p:nvSpPr>
-          <p:cNvPr id="207" name="A Shiny app is a web page (UI) connected to a computer running a live R session (Server)"/>
-          <p:cNvSpPr txBox="1"/>
-          <p:nvPr/>
-        </p:nvSpPr>
-        <p:spPr>
-          <a:xfrm>
-            <a:off x="310542" y="1467479"/>
-            <a:ext cx="3135956" cy="471092"/>
-          </a:xfrm>
-          <a:prstGeom prst="rect">
-            <a:avLst/>
-          </a:prstGeom>
-          <a:ln w="12700">
-            <a:miter lim="400000"/>
-          </a:ln>
-          <a:extLst>
-            <a:ext uri="{C572A759-6A51-4108-AA02-DFA0A04FC94B}">
-              <ma14:wrappingTextBoxFlag xmlns:ma14="http://schemas.microsoft.com/office/mac/drawingml/2011/main" val="1"/>
-            </a:ext>
-          </a:extLst>
-        </p:spPr>
-        <p:txBody>
-          <a:bodyPr lIns="54570" tIns="54570" rIns="54570" bIns="54570" anchor="ctr">
-            <a:spAutoFit/>
-          </a:bodyPr>
-          <a:lstStyle/>
-          <a:p>
-            <a:pPr>
-              <a:lnSpc>
-                <a:spcPct val="90000"/>
-              </a:lnSpc>
-              <a:spcBef>
-                <a:spcPts val="300"/>
-              </a:spcBef>
-              <a:buClr>
-                <a:schemeClr val="accent4">
-                  <a:hueOff val="384618"/>
-                  <a:satOff val="3869"/>
-                  <a:lumOff val="5802"/>
-                </a:schemeClr>
-              </a:buClr>
-              <a:defRPr b="0">
-                <a:solidFill>
-                  <a:srgbClr val="000000"/>
-                </a:solidFill>
-              </a:defRPr>
-            </a:pPr>
-            <a:r>
-              <a:t>A </a:t>
-            </a:r>
-            <a:r>
-              <a:rPr b="1"/>
-              <a:t>Shiny</a:t>
-            </a:r>
-            <a:r>
-              <a:t> app is a web page (</a:t>
-            </a:r>
-            <a:r>
-              <a:rPr b="1"/>
-              <a:t>UI</a:t>
-            </a:r>
-            <a:r>
-              <a:t>) connected to a computer running a live R session (</a:t>
-            </a:r>
-            <a:r>
-              <a:rPr b="1"/>
-              <a:t>Server</a:t>
-            </a:r>
-            <a:r>
-              <a:t>)</a:t>
-            </a:r>
-          </a:p>
-        </p:txBody>
-      </p:sp>
-      <p:sp>
-        <p:nvSpPr>
-          <p:cNvPr id="208" name="Users can manipulate the UI, which will cause the server to update the UI’s displays (by running R code)."/>
-          <p:cNvSpPr txBox="1"/>
-          <p:nvPr/>
-        </p:nvSpPr>
-        <p:spPr>
-          <a:xfrm>
-            <a:off x="321263" y="2740958"/>
-            <a:ext cx="3138555" cy="642542"/>
-          </a:xfrm>
-          <a:prstGeom prst="rect">
-            <a:avLst/>
-          </a:prstGeom>
-          <a:ln w="12700">
-            <a:miter lim="400000"/>
-          </a:ln>
-          <a:extLst>
-            <a:ext uri="{C572A759-6A51-4108-AA02-DFA0A04FC94B}">
-              <ma14:wrappingTextBoxFlag xmlns:ma14="http://schemas.microsoft.com/office/mac/drawingml/2011/main" val="1"/>
-            </a:ext>
-          </a:extLst>
-        </p:spPr>
-        <p:txBody>
-          <a:bodyPr lIns="54570" tIns="54570" rIns="54570" bIns="54570" anchor="ctr">
-            <a:spAutoFit/>
-          </a:bodyPr>
-          <a:lstStyle>
-            <a:lvl1pPr>
-              <a:lnSpc>
-                <a:spcPct val="90000"/>
-              </a:lnSpc>
-              <a:spcBef>
-                <a:spcPts val="300"/>
-              </a:spcBef>
-              <a:buClr>
-                <a:schemeClr val="accent4">
-                  <a:hueOff val="384618"/>
-                  <a:satOff val="3869"/>
-                  <a:lumOff val="5802"/>
-                </a:schemeClr>
-              </a:buClr>
-              <a:defRPr b="0">
-                <a:solidFill>
-                  <a:srgbClr val="000000"/>
-                </a:solidFill>
-              </a:defRPr>
-            </a:lvl1pPr>
-          </a:lstStyle>
-          <a:p>
-            <a:pPr/>
-            <a:r>
-              <a:t>Users can manipulate the UI, which will cause the server to update the UI’s displays (by running R code).</a:t>
-            </a:r>
-          </a:p>
-        </p:txBody>
-      </p:sp>
-      <p:sp>
-        <p:nvSpPr>
-          <p:cNvPr id="209" name="library(shiny)…"/>
-          <p:cNvSpPr/>
-          <p:nvPr/>
-        </p:nvSpPr>
-        <p:spPr>
-          <a:xfrm>
-            <a:off x="871889" y="4448338"/>
-            <a:ext cx="2459926" cy="906903"/>
-          </a:xfrm>
-          <a:prstGeom prst="rect">
-            <a:avLst/>
-          </a:prstGeom>
-          <a:solidFill>
-            <a:srgbClr val="FFFFFF"/>
-          </a:solidFill>
-          <a:ln>
-            <a:solidFill>
-              <a:schemeClr val="accent1">
-                <a:hueOff val="-158953"/>
-                <a:satOff val="43350"/>
-                <a:lumOff val="-16494"/>
-              </a:schemeClr>
-            </a:solidFill>
-            <a:miter lim="400000"/>
-          </a:ln>
-          <a:extLst>
-            <a:ext uri="{C572A759-6A51-4108-AA02-DFA0A04FC94B}">
-              <ma14:wrappingTextBoxFlag xmlns:ma14="http://schemas.microsoft.com/office/mac/drawingml/2011/main" val="1"/>
-            </a:ext>
-          </a:extLst>
-        </p:spPr>
-        <p:txBody>
-          <a:bodyPr lIns="0" tIns="0" rIns="0" bIns="0" anchor="ctr"/>
-          <a:lstStyle/>
-          <a:p>
-            <a:pPr>
-              <a:lnSpc>
-                <a:spcPct val="70000"/>
-              </a:lnSpc>
-              <a:spcBef>
-                <a:spcPts val="0"/>
-              </a:spcBef>
-              <a:defRPr b="0" sz="900">
-                <a:solidFill>
-                  <a:srgbClr val="000000"/>
-                </a:solidFill>
-                <a:latin typeface="Source Code Pro Medium"/>
-                <a:ea typeface="Source Code Pro Medium"/>
-                <a:cs typeface="Source Code Pro Medium"/>
-                <a:sym typeface="Source Code Pro Medium"/>
-              </a:defRPr>
-            </a:pPr>
-            <a:r>
-              <a:t>library(shiny)</a:t>
-            </a:r>
-          </a:p>
-          <a:p>
-            <a:pPr>
-              <a:lnSpc>
-                <a:spcPct val="70000"/>
-              </a:lnSpc>
-              <a:spcBef>
-                <a:spcPts val="0"/>
-              </a:spcBef>
-              <a:defRPr b="0" sz="900">
-                <a:solidFill>
-                  <a:srgbClr val="53585F"/>
-                </a:solidFill>
-                <a:latin typeface="Source Code Pro Medium"/>
-                <a:ea typeface="Source Code Pro Medium"/>
-                <a:cs typeface="Source Code Pro Medium"/>
-                <a:sym typeface="Source Code Pro Medium"/>
-              </a:defRPr>
-            </a:pPr>
-          </a:p>
-          <a:p>
-            <a:pPr>
-              <a:lnSpc>
-                <a:spcPct val="70000"/>
-              </a:lnSpc>
-              <a:spcBef>
-                <a:spcPts val="0"/>
-              </a:spcBef>
-              <a:defRPr b="0" sz="900">
-                <a:solidFill>
-                  <a:srgbClr val="000000"/>
-                </a:solidFill>
-                <a:latin typeface="Source Code Pro Medium"/>
-                <a:ea typeface="Source Code Pro Medium"/>
-                <a:cs typeface="Source Code Pro Medium"/>
-                <a:sym typeface="Source Code Pro Medium"/>
-              </a:defRPr>
-            </a:pPr>
-            <a:r>
-              <a:t>ui &lt;- fluidPage()</a:t>
-            </a:r>
-          </a:p>
-          <a:p>
-            <a:pPr>
-              <a:lnSpc>
-                <a:spcPct val="70000"/>
-              </a:lnSpc>
-              <a:spcBef>
-                <a:spcPts val="0"/>
-              </a:spcBef>
-              <a:defRPr b="0" sz="900">
-                <a:solidFill>
-                  <a:srgbClr val="000000"/>
-                </a:solidFill>
-                <a:latin typeface="Source Code Pro Medium"/>
-                <a:ea typeface="Source Code Pro Medium"/>
-                <a:cs typeface="Source Code Pro Medium"/>
-                <a:sym typeface="Source Code Pro Medium"/>
-              </a:defRPr>
-            </a:pPr>
-          </a:p>
-          <a:p>
-            <a:pPr>
-              <a:lnSpc>
-                <a:spcPct val="70000"/>
-              </a:lnSpc>
-              <a:spcBef>
-                <a:spcPts val="0"/>
-              </a:spcBef>
-              <a:defRPr b="0" sz="900">
-                <a:solidFill>
-                  <a:srgbClr val="000000"/>
-                </a:solidFill>
-                <a:latin typeface="Source Code Pro Medium"/>
-                <a:ea typeface="Source Code Pro Medium"/>
-                <a:cs typeface="Source Code Pro Medium"/>
-                <a:sym typeface="Source Code Pro Medium"/>
-              </a:defRPr>
-            </a:pPr>
-            <a:r>
-              <a:t>server &lt;- function(input, output){}</a:t>
-            </a:r>
-          </a:p>
-          <a:p>
-            <a:pPr>
-              <a:lnSpc>
-                <a:spcPct val="70000"/>
-              </a:lnSpc>
-              <a:spcBef>
-                <a:spcPts val="0"/>
-              </a:spcBef>
-              <a:defRPr b="0" sz="900">
-                <a:solidFill>
-                  <a:srgbClr val="000000"/>
-                </a:solidFill>
-                <a:latin typeface="Source Code Pro Medium"/>
-                <a:ea typeface="Source Code Pro Medium"/>
-                <a:cs typeface="Source Code Pro Medium"/>
-                <a:sym typeface="Source Code Pro Medium"/>
-              </a:defRPr>
-            </a:pPr>
-          </a:p>
-          <a:p>
-            <a:pPr>
-              <a:lnSpc>
-                <a:spcPct val="70000"/>
-              </a:lnSpc>
-              <a:spcBef>
-                <a:spcPts val="0"/>
-              </a:spcBef>
-              <a:defRPr b="0" sz="900">
-                <a:solidFill>
-                  <a:srgbClr val="000000"/>
-                </a:solidFill>
-                <a:latin typeface="Source Code Pro Medium"/>
-                <a:ea typeface="Source Code Pro Medium"/>
-                <a:cs typeface="Source Code Pro Medium"/>
-                <a:sym typeface="Source Code Pro Medium"/>
-              </a:defRPr>
-            </a:pPr>
-            <a:r>
-              <a:t>shinyApp(ui = ui, server = server)</a:t>
-            </a:r>
-          </a:p>
-        </p:txBody>
-      </p:sp>
-      <p:sp>
-        <p:nvSpPr>
-          <p:cNvPr id="210" name="Begin writing a new app with this template. Preview the app by running the code at the R command line."/>
-          <p:cNvSpPr txBox="1"/>
-          <p:nvPr/>
-        </p:nvSpPr>
-        <p:spPr>
-          <a:xfrm>
-            <a:off x="326737" y="3721584"/>
-            <a:ext cx="3135956" cy="642541"/>
-          </a:xfrm>
-          <a:prstGeom prst="rect">
-            <a:avLst/>
-          </a:prstGeom>
-          <a:ln w="12700">
-            <a:miter lim="400000"/>
-          </a:ln>
-          <a:extLst>
-            <a:ext uri="{C572A759-6A51-4108-AA02-DFA0A04FC94B}">
-              <ma14:wrappingTextBoxFlag xmlns:ma14="http://schemas.microsoft.com/office/mac/drawingml/2011/main" val="1"/>
-            </a:ext>
-          </a:extLst>
-        </p:spPr>
-        <p:txBody>
-          <a:bodyPr lIns="54570" tIns="54570" rIns="54570" bIns="54570" anchor="ctr">
-            <a:spAutoFit/>
-          </a:bodyPr>
-          <a:lstStyle>
-            <a:lvl1pPr>
-              <a:lnSpc>
-                <a:spcPct val="90000"/>
-              </a:lnSpc>
-              <a:spcBef>
-                <a:spcPts val="300"/>
-              </a:spcBef>
-              <a:buClr>
-                <a:schemeClr val="accent4">
-                  <a:hueOff val="384618"/>
-                  <a:satOff val="3869"/>
-                  <a:lumOff val="5802"/>
-                </a:schemeClr>
-              </a:buClr>
-              <a:defRPr b="0">
-                <a:solidFill>
-                  <a:srgbClr val="000000"/>
-                </a:solidFill>
-              </a:defRPr>
-            </a:lvl1pPr>
-          </a:lstStyle>
-          <a:p>
-            <a:pPr/>
-            <a:r>
-              <a:t>Begin writing a new app with this template. Preview the app by running the code at the R command line.</a:t>
-            </a:r>
-          </a:p>
-        </p:txBody>
-      </p:sp>
-      <p:sp>
-        <p:nvSpPr>
-          <p:cNvPr id="211" name="The easiest way to share your app is to host it on shinyapps.io, a cloud based service from RStudio"/>
-          <p:cNvSpPr txBox="1"/>
-          <p:nvPr/>
-        </p:nvSpPr>
-        <p:spPr>
-          <a:xfrm>
-            <a:off x="1174331" y="7464042"/>
-            <a:ext cx="2247446" cy="642541"/>
-          </a:xfrm>
-          <a:prstGeom prst="rect">
-            <a:avLst/>
-          </a:prstGeom>
-          <a:ln w="12700">
-            <a:miter lim="400000"/>
-          </a:ln>
-          <a:extLst>
-            <a:ext uri="{C572A759-6A51-4108-AA02-DFA0A04FC94B}">
-              <ma14:wrappingTextBoxFlag xmlns:ma14="http://schemas.microsoft.com/office/mac/drawingml/2011/main" val="1"/>
-            </a:ext>
-          </a:extLst>
-        </p:spPr>
-        <p:txBody>
-          <a:bodyPr lIns="54570" tIns="54570" rIns="54570" bIns="54570" anchor="ctr">
-            <a:spAutoFit/>
-          </a:bodyPr>
-          <a:lstStyle>
-            <a:lvl1pPr>
-              <a:lnSpc>
-                <a:spcPct val="90000"/>
-              </a:lnSpc>
-              <a:spcBef>
-                <a:spcPts val="300"/>
-              </a:spcBef>
-              <a:buClr>
-                <a:schemeClr val="accent4">
-                  <a:hueOff val="384618"/>
-                  <a:satOff val="3869"/>
-                  <a:lumOff val="5802"/>
-                </a:schemeClr>
-              </a:buClr>
-              <a:defRPr b="0">
-                <a:solidFill>
-                  <a:srgbClr val="000000"/>
-                </a:solidFill>
-              </a:defRPr>
-            </a:lvl1pPr>
-          </a:lstStyle>
-          <a:p>
-            <a:pPr/>
-            <a:r>
-              <a:t>The easiest way to share your app is to host it on shinyapps.io, a cloud based service from RStudio</a:t>
-            </a:r>
-          </a:p>
-        </p:txBody>
-      </p:sp>
-      <p:sp>
-        <p:nvSpPr>
-          <p:cNvPr id="212" name="1. Create a free or professional account at…"/>
-          <p:cNvSpPr txBox="1"/>
-          <p:nvPr/>
-        </p:nvSpPr>
-        <p:spPr>
-          <a:xfrm>
-            <a:off x="311398" y="8225925"/>
-            <a:ext cx="3337933" cy="1214041"/>
-          </a:xfrm>
-          <a:prstGeom prst="rect">
-            <a:avLst/>
-          </a:prstGeom>
-          <a:ln w="12700">
-            <a:miter lim="400000"/>
-          </a:ln>
-          <a:extLst>
-            <a:ext uri="{C572A759-6A51-4108-AA02-DFA0A04FC94B}">
-              <ma14:wrappingTextBoxFlag xmlns:ma14="http://schemas.microsoft.com/office/mac/drawingml/2011/main" val="1"/>
-            </a:ext>
-          </a:extLst>
-        </p:spPr>
-        <p:txBody>
-          <a:bodyPr lIns="54570" tIns="54570" rIns="54570" bIns="54570" anchor="ctr">
-            <a:spAutoFit/>
-          </a:bodyPr>
-          <a:lstStyle/>
-          <a:p>
-            <a:pPr>
-              <a:spcBef>
-                <a:spcPts val="0"/>
-              </a:spcBef>
-              <a:buClr>
-                <a:srgbClr val="000000"/>
-              </a:buClr>
-              <a:defRPr b="0">
-                <a:solidFill>
-                  <a:srgbClr val="000000"/>
-                </a:solidFill>
-              </a:defRPr>
-            </a:pPr>
-            <a:r>
-              <a:rPr>
-                <a:latin typeface="Source Sans Pro Semibold"/>
-                <a:ea typeface="Source Sans Pro Semibold"/>
-                <a:cs typeface="Source Sans Pro Semibold"/>
-                <a:sym typeface="Source Sans Pro Semibold"/>
-              </a:rPr>
-              <a:t>1. </a:t>
-            </a:r>
-            <a:r>
-              <a:t>Create a free or professional account at</a:t>
-            </a:r>
-          </a:p>
-          <a:p>
-            <a:pPr>
-              <a:spcBef>
-                <a:spcPts val="1200"/>
-              </a:spcBef>
-              <a:buClr>
-                <a:srgbClr val="000000"/>
-              </a:buClr>
-              <a:defRPr b="0">
-                <a:solidFill>
-                  <a:srgbClr val="000000"/>
-                </a:solidFill>
-                <a:latin typeface="+mj-lt"/>
-                <a:ea typeface="+mj-ea"/>
-                <a:cs typeface="+mj-cs"/>
-                <a:sym typeface="Source Sans Pro Light"/>
-              </a:defRPr>
-            </a:pPr>
-            <a:r>
-              <a:rPr b="1">
-                <a:latin typeface="+mn-lt"/>
-                <a:ea typeface="+mn-ea"/>
-                <a:cs typeface="+mn-cs"/>
-                <a:sym typeface="Source Sans Pro"/>
-              </a:rPr>
-              <a:t> </a:t>
-            </a:r>
-            <a:r>
-              <a:rPr b="1" u="sng">
-                <a:latin typeface="+mn-lt"/>
-                <a:ea typeface="+mn-ea"/>
-                <a:cs typeface="+mn-cs"/>
-                <a:sym typeface="Source Sans Pro"/>
-                <a:hlinkClick r:id="rId11" invalidUrl="" action="" tgtFrame="" tooltip="" history="1" highlightClick="0" endSnd="0"/>
-              </a:rPr>
-              <a:t>http://shinyapps.io</a:t>
-            </a:r>
-          </a:p>
-          <a:p>
-            <a:pPr>
-              <a:spcBef>
-                <a:spcPts val="0"/>
-              </a:spcBef>
-              <a:buClr>
-                <a:srgbClr val="000000"/>
-              </a:buClr>
-              <a:defRPr b="0">
-                <a:solidFill>
-                  <a:srgbClr val="000000"/>
-                </a:solidFill>
-              </a:defRPr>
-            </a:pPr>
-            <a:r>
-              <a:rPr>
-                <a:latin typeface="Source Sans Pro Semibold"/>
-                <a:ea typeface="Source Sans Pro Semibold"/>
-                <a:cs typeface="Source Sans Pro Semibold"/>
-                <a:sym typeface="Source Sans Pro Semibold"/>
-              </a:rPr>
-              <a:t>2. </a:t>
-            </a:r>
-            <a:r>
-              <a:t>Click the </a:t>
-            </a:r>
-            <a:r>
-              <a:rPr b="1"/>
-              <a:t>Publish</a:t>
-            </a:r>
-            <a:r>
-              <a:t> icon in the RStudio IDE</a:t>
-            </a:r>
-          </a:p>
-          <a:p>
-            <a:pPr>
-              <a:spcBef>
-                <a:spcPts val="0"/>
-              </a:spcBef>
-              <a:buClr>
-                <a:srgbClr val="000000"/>
-              </a:buClr>
-              <a:defRPr b="0">
-                <a:solidFill>
-                  <a:srgbClr val="000000"/>
-                </a:solidFill>
-              </a:defRPr>
-            </a:pPr>
-            <a:r>
-              <a:t>or run:</a:t>
-            </a:r>
-          </a:p>
-          <a:p>
-            <a:pPr>
-              <a:spcBef>
-                <a:spcPts val="300"/>
-              </a:spcBef>
-              <a:buClr>
-                <a:srgbClr val="000000"/>
-              </a:buClr>
-              <a:defRPr b="0">
-                <a:solidFill>
-                  <a:srgbClr val="000000"/>
-                </a:solidFill>
-                <a:latin typeface="+mj-lt"/>
-                <a:ea typeface="+mj-ea"/>
-                <a:cs typeface="+mj-cs"/>
-                <a:sym typeface="Source Sans Pro Light"/>
-              </a:defRPr>
-            </a:pPr>
-            <a:r>
-              <a:rPr b="1">
-                <a:latin typeface="+mn-lt"/>
-                <a:ea typeface="+mn-ea"/>
-                <a:cs typeface="+mn-cs"/>
-                <a:sym typeface="Source Sans Pro"/>
-              </a:rPr>
-              <a:t>rsconnect::deployApp(</a:t>
-            </a:r>
-            <a:r>
-              <a:rPr>
-                <a:latin typeface="+mn-lt"/>
-                <a:ea typeface="+mn-ea"/>
-                <a:cs typeface="+mn-cs"/>
-                <a:sym typeface="Source Sans Pro"/>
-              </a:rPr>
-              <a:t>"&lt;path to directory&gt;"</a:t>
-            </a:r>
-            <a:r>
-              <a:rPr b="1">
-                <a:latin typeface="+mn-lt"/>
-                <a:ea typeface="+mn-ea"/>
-                <a:cs typeface="+mn-cs"/>
-                <a:sym typeface="Source Sans Pro"/>
-              </a:rPr>
-              <a:t>)</a:t>
-            </a:r>
-          </a:p>
-        </p:txBody>
-      </p:sp>
       <p:pic>
         <p:nvPicPr>
-          <p:cNvPr id="213" name="Shiny-cheatsheet-2.pdf" descr="Shiny-cheatsheet-2.pdf"/>
-          <p:cNvPicPr>
-            <a:picLocks noChangeAspect="1"/>
-          </p:cNvPicPr>
-          <p:nvPr/>
-        </p:nvPicPr>
-        <p:blipFill>
-          <a:blip r:embed="rId10">
-            <a:extLst/>
-          </a:blip>
-          <a:srcRect l="0" t="58642" r="0" b="0"/>
-          <a:stretch>
-            <a:fillRect/>
-          </a:stretch>
-        </p:blipFill>
-        <p:spPr>
-          <a:xfrm>
-            <a:off x="481829" y="4927256"/>
-            <a:ext cx="259026" cy="188091"/>
-          </a:xfrm>
-          <a:prstGeom prst="rect">
-            <a:avLst/>
-          </a:prstGeom>
-          <a:ln w="12700">
-            <a:miter lim="400000"/>
-          </a:ln>
-        </p:spPr>
-      </p:pic>
-      <p:pic>
-        <p:nvPicPr>
-          <p:cNvPr id="214" name="Group" descr="Group"/>
+          <p:cNvPr id="228" name="Group" descr="Group"/>
           <p:cNvPicPr>
             <a:picLocks noChangeAspect="1"/>
           </p:cNvPicPr>
@@ -10035,264 +12010,9 @@
           </a:ln>
         </p:spPr>
       </p:pic>
-      <p:sp>
-        <p:nvSpPr>
-          <p:cNvPr id="215" name="ui - nested R functions that assemble an HTML user interface for your app…"/>
-          <p:cNvSpPr txBox="1"/>
-          <p:nvPr/>
-        </p:nvSpPr>
-        <p:spPr>
-          <a:xfrm>
-            <a:off x="359505" y="5397223"/>
-            <a:ext cx="3135956" cy="1715691"/>
-          </a:xfrm>
-          <a:prstGeom prst="rect">
-            <a:avLst/>
-          </a:prstGeom>
-          <a:ln w="12700">
-            <a:miter lim="400000"/>
-          </a:ln>
-          <a:extLst>
-            <a:ext uri="{C572A759-6A51-4108-AA02-DFA0A04FC94B}">
-              <ma14:wrappingTextBoxFlag xmlns:ma14="http://schemas.microsoft.com/office/mac/drawingml/2011/main" val="1"/>
-            </a:ext>
-          </a:extLst>
-        </p:spPr>
-        <p:txBody>
-          <a:bodyPr lIns="54570" tIns="54570" rIns="54570" bIns="54570" anchor="ctr">
-            <a:spAutoFit/>
-          </a:bodyPr>
-          <a:lstStyle/>
-          <a:p>
-            <a:pPr marL="139700" indent="-139700">
-              <a:lnSpc>
-                <a:spcPct val="80000"/>
-              </a:lnSpc>
-              <a:spcBef>
-                <a:spcPts val="1000"/>
-              </a:spcBef>
-              <a:buSzPct val="173000"/>
-              <a:buChar char="•"/>
-              <a:defRPr b="0">
-                <a:solidFill>
-                  <a:srgbClr val="000000"/>
-                </a:solidFill>
-                <a:latin typeface="+mj-lt"/>
-                <a:ea typeface="+mj-ea"/>
-                <a:cs typeface="+mj-cs"/>
-                <a:sym typeface="Source Sans Pro Light"/>
-              </a:defRPr>
-            </a:pPr>
-            <a:r>
-              <a:rPr b="1">
-                <a:latin typeface="+mn-lt"/>
-                <a:ea typeface="+mn-ea"/>
-                <a:cs typeface="+mn-cs"/>
-                <a:sym typeface="Source Sans Pro"/>
-              </a:rPr>
-              <a:t>ui </a:t>
-            </a:r>
-            <a:r>
-              <a:rPr>
-                <a:latin typeface="+mn-lt"/>
-                <a:ea typeface="+mn-ea"/>
-                <a:cs typeface="+mn-cs"/>
-                <a:sym typeface="Source Sans Pro"/>
-              </a:rPr>
-              <a:t>- nested R functions that assemble an HTML user interface for your app</a:t>
-            </a:r>
-          </a:p>
-          <a:p>
-            <a:pPr marL="139700" indent="-139700">
-              <a:lnSpc>
-                <a:spcPct val="90000"/>
-              </a:lnSpc>
-              <a:spcBef>
-                <a:spcPts val="1000"/>
-              </a:spcBef>
-              <a:buSzPct val="173000"/>
-              <a:buChar char="•"/>
-              <a:defRPr b="0">
-                <a:solidFill>
-                  <a:srgbClr val="000000"/>
-                </a:solidFill>
-                <a:latin typeface="+mj-lt"/>
-                <a:ea typeface="+mj-ea"/>
-                <a:cs typeface="+mj-cs"/>
-                <a:sym typeface="Source Sans Pro Light"/>
-              </a:defRPr>
-            </a:pPr>
-            <a:r>
-              <a:rPr b="1">
-                <a:latin typeface="+mn-lt"/>
-                <a:ea typeface="+mn-ea"/>
-                <a:cs typeface="+mn-cs"/>
-                <a:sym typeface="Source Sans Pro"/>
-              </a:rPr>
-              <a:t>server </a:t>
-            </a:r>
-            <a:r>
-              <a:rPr>
-                <a:latin typeface="+mn-lt"/>
-                <a:ea typeface="+mn-ea"/>
-                <a:cs typeface="+mn-cs"/>
-                <a:sym typeface="Source Sans Pro"/>
-              </a:rPr>
-              <a:t>- a function with instructions on how  to build and rebuild the R objects displayed in the UI</a:t>
-            </a:r>
-            <a:endParaRPr>
-              <a:latin typeface="+mn-lt"/>
-              <a:ea typeface="+mn-ea"/>
-              <a:cs typeface="+mn-cs"/>
-              <a:sym typeface="Source Sans Pro"/>
-            </a:endParaRPr>
-          </a:p>
-          <a:p>
-            <a:pPr marL="139700" indent="-139700">
-              <a:lnSpc>
-                <a:spcPct val="90000"/>
-              </a:lnSpc>
-              <a:spcBef>
-                <a:spcPts val="300"/>
-              </a:spcBef>
-              <a:buSzPct val="173000"/>
-              <a:buChar char="•"/>
-              <a:defRPr b="0">
-                <a:solidFill>
-                  <a:srgbClr val="000000"/>
-                </a:solidFill>
-                <a:latin typeface="+mj-lt"/>
-                <a:ea typeface="+mj-ea"/>
-                <a:cs typeface="+mj-cs"/>
-                <a:sym typeface="Source Sans Pro Light"/>
-              </a:defRPr>
-            </a:pPr>
-            <a:r>
-              <a:rPr b="1">
-                <a:latin typeface="+mn-lt"/>
-                <a:ea typeface="+mn-ea"/>
-                <a:cs typeface="+mn-cs"/>
-                <a:sym typeface="Source Sans Pro"/>
-              </a:rPr>
-              <a:t>shinyApp</a:t>
-            </a:r>
-            <a:r>
-              <a:rPr>
-                <a:latin typeface="+mn-lt"/>
-                <a:ea typeface="+mn-ea"/>
-                <a:cs typeface="+mn-cs"/>
-                <a:sym typeface="Source Sans Pro"/>
-              </a:rPr>
-              <a:t> - combines</a:t>
-            </a:r>
-            <a:r>
-              <a:t> </a:t>
-            </a:r>
-            <a:r>
-              <a:rPr>
-                <a:latin typeface="Source Code Pro Medium"/>
-                <a:ea typeface="Source Code Pro Medium"/>
-                <a:cs typeface="Source Code Pro Medium"/>
-                <a:sym typeface="Source Code Pro Medium"/>
-              </a:rPr>
-              <a:t>ui</a:t>
-            </a:r>
-            <a:r>
-              <a:t> </a:t>
-            </a:r>
-            <a:r>
-              <a:rPr>
-                <a:latin typeface="+mn-lt"/>
-                <a:ea typeface="+mn-ea"/>
-                <a:cs typeface="+mn-cs"/>
-                <a:sym typeface="Source Sans Pro"/>
-              </a:rPr>
-              <a:t>and</a:t>
-            </a:r>
-            <a:r>
-              <a:t> </a:t>
-            </a:r>
-            <a:r>
-              <a:rPr>
-                <a:latin typeface="Source Code Pro Medium"/>
-                <a:ea typeface="Source Code Pro Medium"/>
-                <a:cs typeface="Source Code Pro Medium"/>
-                <a:sym typeface="Source Code Pro Medium"/>
-              </a:rPr>
-              <a:t>server</a:t>
-            </a:r>
-            <a:r>
-              <a:t> </a:t>
-            </a:r>
-            <a:r>
-              <a:rPr>
-                <a:latin typeface="+mn-lt"/>
-                <a:ea typeface="+mn-ea"/>
-                <a:cs typeface="+mn-cs"/>
-                <a:sym typeface="Source Sans Pro"/>
-              </a:rPr>
-              <a:t>into an app. Wrap with</a:t>
-            </a:r>
-            <a:r>
-              <a:t> </a:t>
-            </a:r>
-            <a:r>
-              <a:rPr b="1">
-                <a:latin typeface="+mn-lt"/>
-                <a:ea typeface="+mn-ea"/>
-                <a:cs typeface="+mn-cs"/>
-                <a:sym typeface="Source Sans Pro"/>
-              </a:rPr>
-              <a:t>runApp()</a:t>
-            </a:r>
-            <a:r>
-              <a:t> </a:t>
-            </a:r>
-            <a:r>
-              <a:rPr>
-                <a:latin typeface="+mn-lt"/>
-                <a:ea typeface="+mn-ea"/>
-                <a:cs typeface="+mn-cs"/>
-                <a:sym typeface="Source Sans Pro"/>
-              </a:rPr>
-              <a:t>if calling from a sourced script or inside a function.</a:t>
-            </a:r>
-          </a:p>
-        </p:txBody>
-      </p:sp>
       <p:pic>
         <p:nvPicPr>
-          <p:cNvPr id="216" name="Shiny-cheatsheet-2.pdf" descr="Shiny-cheatsheet-2.pdf"/>
-          <p:cNvPicPr>
-            <a:picLocks noChangeAspect="1"/>
-          </p:cNvPicPr>
-          <p:nvPr/>
-        </p:nvPicPr>
-        <p:blipFill>
-          <a:blip r:embed="rId10">
-            <a:extLst/>
-          </a:blip>
-          <a:srcRect l="0" t="58276" r="0" b="0"/>
-          <a:stretch>
-            <a:fillRect/>
-          </a:stretch>
-        </p:blipFill>
-        <p:spPr>
-          <a:xfrm>
-            <a:off x="344110" y="7478034"/>
-            <a:ext cx="884268" cy="647797"/>
-          </a:xfrm>
-          <a:prstGeom prst="rect">
-            <a:avLst/>
-          </a:prstGeom>
-          <a:ln w="12700">
-            <a:miter lim="400000"/>
-          </a:ln>
-        </p:spPr>
-      </p:pic>
-      <p:pic>
-        <p:nvPicPr>
-          <p:cNvPr id="217" name="shinyapps.pdf" descr="shinyapps.pdf"/>
+          <p:cNvPr id="229" name="shinyapps.pdf" descr="shinyapps.pdf"/>
           <p:cNvPicPr>
             <a:picLocks noChangeAspect="1"/>
           </p:cNvPicPr>
@@ -10320,16 +12040,26 @@
           </a:ln>
         </p:spPr>
       </p:pic>
-      <p:sp>
-        <p:nvSpPr>
-          <p:cNvPr id="218" name="APP TEMPLATE"/>
-          <p:cNvSpPr txBox="1"/>
+      <p:pic>
+        <p:nvPicPr>
+          <p:cNvPr id="230" name="shiny.png" descr="shiny.png"/>
+          <p:cNvPicPr>
+            <a:picLocks noChangeAspect="1"/>
+          </p:cNvPicPr>
           <p:nvPr/>
-        </p:nvSpPr>
+        </p:nvPicPr>
+        <p:blipFill>
+          <a:blip r:embed="rId3">
+            <a:extLst/>
+          </a:blip>
+          <a:stretch>
+            <a:fillRect/>
+          </a:stretch>
+        </p:blipFill>
         <p:spPr>
           <a:xfrm>
-            <a:off x="404019" y="3543656"/>
-            <a:ext cx="1035255" cy="215901"/>
+            <a:off x="12309267" y="198551"/>
+            <a:ext cx="1369859" cy="1587622"/>
           </a:xfrm>
           <a:prstGeom prst="rect">
             <a:avLst/>
@@ -10337,1035 +12067,11 @@
           <a:ln w="12700">
             <a:miter lim="400000"/>
           </a:ln>
-          <a:extLst>
-            <a:ext uri="{C572A759-6A51-4108-AA02-DFA0A04FC94B}">
-              <ma14:wrappingTextBoxFlag xmlns:ma14="http://schemas.microsoft.com/office/mac/drawingml/2011/main" val="1"/>
-            </a:ext>
-          </a:extLst>
         </p:spPr>
-        <p:txBody>
-          <a:bodyPr wrap="none" lIns="12700" tIns="12700" rIns="12700" bIns="12700" anchor="ctr">
-            <a:spAutoFit/>
-          </a:bodyPr>
-          <a:lstStyle/>
-          <a:p>
-            <a:pPr lvl="1" indent="0"/>
-            <a:r>
-              <a:t>APP TEMPLATE</a:t>
-            </a:r>
-          </a:p>
-        </p:txBody>
-      </p:sp>
-      <p:sp>
-        <p:nvSpPr>
-          <p:cNvPr id="219" name="Line"/>
-          <p:cNvSpPr/>
-          <p:nvPr/>
-        </p:nvSpPr>
-        <p:spPr>
-          <a:xfrm>
-            <a:off x="362778" y="3497533"/>
-            <a:ext cx="3031484" cy="1"/>
-          </a:xfrm>
-          <a:prstGeom prst="line">
-            <a:avLst/>
-          </a:prstGeom>
-          <a:ln w="12700">
-            <a:solidFill>
-              <a:srgbClr val="4C4C4C"/>
-            </a:solidFill>
-            <a:custDash>
-              <a:ds d="100000" sp="200000"/>
-            </a:custDash>
-          </a:ln>
-        </p:spPr>
-        <p:txBody>
-          <a:bodyPr lIns="54570" tIns="54570" rIns="54570" bIns="54570" anchor="ctr"/>
-          <a:lstStyle/>
-          <a:p>
-            <a:pPr>
-              <a:lnSpc>
-                <a:spcPct val="80000"/>
-              </a:lnSpc>
-              <a:spcBef>
-                <a:spcPts val="600"/>
-              </a:spcBef>
-              <a:defRPr b="0">
-                <a:solidFill>
-                  <a:srgbClr val="000000"/>
-                </a:solidFill>
-              </a:defRPr>
-            </a:pPr>
-          </a:p>
-        </p:txBody>
-      </p:sp>
-      <p:sp>
-        <p:nvSpPr>
-          <p:cNvPr id="220" name="SHARE YOUR APP"/>
-          <p:cNvSpPr txBox="1"/>
-          <p:nvPr/>
-        </p:nvSpPr>
-        <p:spPr>
-          <a:xfrm>
-            <a:off x="382259" y="7217901"/>
-            <a:ext cx="1196036" cy="215901"/>
-          </a:xfrm>
-          <a:prstGeom prst="rect">
-            <a:avLst/>
-          </a:prstGeom>
-          <a:ln w="12700">
-            <a:miter lim="400000"/>
-          </a:ln>
-          <a:extLst>
-            <a:ext uri="{C572A759-6A51-4108-AA02-DFA0A04FC94B}">
-              <ma14:wrappingTextBoxFlag xmlns:ma14="http://schemas.microsoft.com/office/mac/drawingml/2011/main" val="1"/>
-            </a:ext>
-          </a:extLst>
-        </p:spPr>
-        <p:txBody>
-          <a:bodyPr wrap="none" lIns="12700" tIns="12700" rIns="12700" bIns="12700" anchor="ctr">
-            <a:spAutoFit/>
-          </a:bodyPr>
-          <a:lstStyle/>
-          <a:p>
-            <a:pPr lvl="1" indent="0"/>
-            <a:r>
-              <a:t>SHARE YOUR APP</a:t>
-            </a:r>
-          </a:p>
-        </p:txBody>
-      </p:sp>
-      <p:sp>
-        <p:nvSpPr>
-          <p:cNvPr id="221" name="Line"/>
-          <p:cNvSpPr/>
-          <p:nvPr/>
-        </p:nvSpPr>
-        <p:spPr>
-          <a:xfrm>
-            <a:off x="341017" y="7171777"/>
-            <a:ext cx="3031485" cy="1"/>
-          </a:xfrm>
-          <a:prstGeom prst="line">
-            <a:avLst/>
-          </a:prstGeom>
-          <a:ln w="12700">
-            <a:solidFill>
-              <a:srgbClr val="4C4C4C"/>
-            </a:solidFill>
-            <a:custDash>
-              <a:ds d="100000" sp="200000"/>
-            </a:custDash>
-          </a:ln>
-        </p:spPr>
-        <p:txBody>
-          <a:bodyPr lIns="54570" tIns="54570" rIns="54570" bIns="54570" anchor="ctr"/>
-          <a:lstStyle/>
-          <a:p>
-            <a:pPr>
-              <a:lnSpc>
-                <a:spcPct val="80000"/>
-              </a:lnSpc>
-              <a:spcBef>
-                <a:spcPts val="600"/>
-              </a:spcBef>
-              <a:defRPr b="0">
-                <a:solidFill>
-                  <a:srgbClr val="000000"/>
-                </a:solidFill>
-              </a:defRPr>
-            </a:pPr>
-          </a:p>
-        </p:txBody>
-      </p:sp>
-      <p:sp>
-        <p:nvSpPr>
-          <p:cNvPr id="222" name="DT::renderDataTable(expr, options,   callback,  escape, env, quoted)…"/>
-          <p:cNvSpPr txBox="1"/>
-          <p:nvPr/>
-        </p:nvSpPr>
-        <p:spPr>
-          <a:xfrm>
-            <a:off x="4687740" y="7101054"/>
-            <a:ext cx="2645722" cy="3079107"/>
-          </a:xfrm>
-          <a:prstGeom prst="rect">
-            <a:avLst/>
-          </a:prstGeom>
-          <a:ln w="12700">
-            <a:miter lim="400000"/>
-          </a:ln>
-          <a:extLst>
-            <a:ext uri="{C572A759-6A51-4108-AA02-DFA0A04FC94B}">
-              <ma14:wrappingTextBoxFlag xmlns:ma14="http://schemas.microsoft.com/office/mac/drawingml/2011/main" val="1"/>
-            </a:ext>
-          </a:extLst>
-        </p:spPr>
-        <p:txBody>
-          <a:bodyPr lIns="0" tIns="0" rIns="0" bIns="0" anchor="b">
-            <a:normAutofit fontScale="100000" lnSpcReduction="0"/>
-          </a:bodyPr>
-          <a:lstStyle/>
-          <a:p>
-            <a:pPr marL="241300" indent="-241300">
-              <a:lnSpc>
-                <a:spcPct val="80000"/>
-              </a:lnSpc>
-              <a:spcBef>
-                <a:spcPts val="700"/>
-              </a:spcBef>
-              <a:defRPr b="0">
-                <a:solidFill>
-                  <a:srgbClr val="000000"/>
-                </a:solidFill>
-              </a:defRPr>
-            </a:pPr>
-            <a:r>
-              <a:rPr>
-                <a:solidFill>
-                  <a:schemeClr val="accent1">
-                    <a:satOff val="22051"/>
-                    <a:lumOff val="15940"/>
-                  </a:schemeClr>
-                </a:solidFill>
-              </a:rPr>
-              <a:t>DT::</a:t>
-            </a:r>
-            <a:r>
-              <a:rPr b="1"/>
-              <a:t>renderDataTable</a:t>
-            </a:r>
-            <a:r>
-              <a:rPr>
-                <a:latin typeface="Source Sans Pro Semibold"/>
-                <a:ea typeface="Source Sans Pro Semibold"/>
-                <a:cs typeface="Source Sans Pro Semibold"/>
-                <a:sym typeface="Source Sans Pro Semibold"/>
-              </a:rPr>
-              <a:t>(</a:t>
-            </a:r>
-            <a:r>
-              <a:t>expr, </a:t>
-            </a:r>
-            <a:r>
-              <a:rPr>
-                <a:solidFill>
-                  <a:srgbClr val="53585F"/>
-                </a:solidFill>
-              </a:rPr>
-              <a:t>options,   callback,  escape, </a:t>
-            </a:r>
-            <a:r>
-              <a:rPr>
-                <a:solidFill>
-                  <a:srgbClr val="53585F"/>
-                </a:solidFill>
-              </a:rPr>
-              <a:t>env, quoted</a:t>
-            </a:r>
-            <a:r>
-              <a:rPr>
-                <a:latin typeface="Source Sans Pro Semibold"/>
-                <a:ea typeface="Source Sans Pro Semibold"/>
-                <a:cs typeface="Source Sans Pro Semibold"/>
-                <a:sym typeface="Source Sans Pro Semibold"/>
-              </a:rPr>
-              <a:t>)</a:t>
-            </a:r>
-            <a:endParaRPr>
-              <a:latin typeface="+mj-lt"/>
-              <a:ea typeface="+mj-ea"/>
-              <a:cs typeface="+mj-cs"/>
-              <a:sym typeface="Source Sans Pro Light"/>
-            </a:endParaRPr>
-          </a:p>
-          <a:p>
-            <a:pPr marL="114300" indent="-114300">
-              <a:lnSpc>
-                <a:spcPct val="80000"/>
-              </a:lnSpc>
-              <a:spcBef>
-                <a:spcPts val="500"/>
-              </a:spcBef>
-              <a:defRPr b="0">
-                <a:solidFill>
-                  <a:srgbClr val="000000"/>
-                </a:solidFill>
-              </a:defRPr>
-            </a:pPr>
-            <a:r>
-              <a:rPr b="1"/>
-              <a:t>renderImage</a:t>
-            </a:r>
-            <a:r>
-              <a:t>(expr</a:t>
-            </a:r>
-            <a:r>
-              <a:rPr>
-                <a:solidFill>
-                  <a:srgbClr val="53585F"/>
-                </a:solidFill>
-              </a:rPr>
-              <a:t>, env, quoted, deleteFile</a:t>
-            </a:r>
-            <a:r>
-              <a:t>)</a:t>
-            </a:r>
-            <a:endParaRPr>
-              <a:latin typeface="Source Sans Pro Semibold"/>
-              <a:ea typeface="Source Sans Pro Semibold"/>
-              <a:cs typeface="Source Sans Pro Semibold"/>
-              <a:sym typeface="Source Sans Pro Semibold"/>
-            </a:endParaRPr>
-          </a:p>
-          <a:p>
-            <a:pPr marL="114300" indent="-114300">
-              <a:lnSpc>
-                <a:spcPct val="80000"/>
-              </a:lnSpc>
-              <a:spcBef>
-                <a:spcPts val="500"/>
-              </a:spcBef>
-              <a:defRPr b="0">
-                <a:solidFill>
-                  <a:srgbClr val="000000"/>
-                </a:solidFill>
-              </a:defRPr>
-            </a:pPr>
-          </a:p>
-          <a:p>
-            <a:pPr marL="114300" indent="-114300">
-              <a:lnSpc>
-                <a:spcPct val="80000"/>
-              </a:lnSpc>
-              <a:spcBef>
-                <a:spcPts val="600"/>
-              </a:spcBef>
-              <a:defRPr b="0">
-                <a:solidFill>
-                  <a:srgbClr val="000000"/>
-                </a:solidFill>
-              </a:defRPr>
-            </a:pPr>
-            <a:r>
-              <a:rPr b="1"/>
-              <a:t>renderPlot</a:t>
-            </a:r>
-            <a:r>
-              <a:t>(expr</a:t>
-            </a:r>
-            <a:r>
-              <a:rPr>
-                <a:solidFill>
-                  <a:srgbClr val="A6AAA9"/>
-                </a:solidFill>
-              </a:rPr>
-              <a:t>, </a:t>
-            </a:r>
-            <a:r>
-              <a:rPr>
-                <a:solidFill>
-                  <a:srgbClr val="53585F"/>
-                </a:solidFill>
-              </a:rPr>
-              <a:t>width, height, res, …, env, quoted, func</a:t>
-            </a:r>
-            <a:r>
-              <a:t>)</a:t>
-            </a:r>
-            <a:endParaRPr>
-              <a:latin typeface="Source Sans Pro Semibold"/>
-              <a:ea typeface="Source Sans Pro Semibold"/>
-              <a:cs typeface="Source Sans Pro Semibold"/>
-              <a:sym typeface="Source Sans Pro Semibold"/>
-            </a:endParaRPr>
-          </a:p>
-          <a:p>
-            <a:pPr marL="114300" indent="-114300">
-              <a:lnSpc>
-                <a:spcPct val="80000"/>
-              </a:lnSpc>
-              <a:spcBef>
-                <a:spcPts val="500"/>
-              </a:spcBef>
-              <a:defRPr b="0">
-                <a:solidFill>
-                  <a:srgbClr val="000000"/>
-                </a:solidFill>
-              </a:defRPr>
-            </a:pPr>
-            <a:endParaRPr>
-              <a:latin typeface="+mj-lt"/>
-              <a:ea typeface="+mj-ea"/>
-              <a:cs typeface="+mj-cs"/>
-              <a:sym typeface="Source Sans Pro Light"/>
-            </a:endParaRPr>
-          </a:p>
-          <a:p>
-            <a:pPr marL="114300" indent="-114300">
-              <a:lnSpc>
-                <a:spcPct val="80000"/>
-              </a:lnSpc>
-              <a:spcBef>
-                <a:spcPts val="0"/>
-              </a:spcBef>
-              <a:defRPr b="0">
-                <a:solidFill>
-                  <a:srgbClr val="000000"/>
-                </a:solidFill>
-              </a:defRPr>
-            </a:pPr>
-            <a:r>
-              <a:rPr b="1"/>
-              <a:t>renderPrint</a:t>
-            </a:r>
-            <a:r>
-              <a:t>(expr</a:t>
-            </a:r>
-            <a:r>
-              <a:rPr>
-                <a:solidFill>
-                  <a:srgbClr val="53585F"/>
-                </a:solidFill>
-              </a:rPr>
-              <a:t>, env, quoted, func, </a:t>
-            </a:r>
-            <a:endParaRPr>
-              <a:solidFill>
-                <a:srgbClr val="53585F"/>
-              </a:solidFill>
-            </a:endParaRPr>
-          </a:p>
-          <a:p>
-            <a:pPr marL="114300" indent="-114300">
-              <a:lnSpc>
-                <a:spcPct val="80000"/>
-              </a:lnSpc>
-              <a:spcBef>
-                <a:spcPts val="400"/>
-              </a:spcBef>
-              <a:defRPr b="0">
-                <a:solidFill>
-                  <a:srgbClr val="000000"/>
-                </a:solidFill>
-              </a:defRPr>
-            </a:pPr>
-            <a:r>
-              <a:rPr>
-                <a:solidFill>
-                  <a:srgbClr val="53585F"/>
-                </a:solidFill>
-              </a:rPr>
-              <a:t>width</a:t>
-            </a:r>
-            <a:r>
-              <a:t>)</a:t>
-            </a:r>
-          </a:p>
-          <a:p>
-            <a:pPr marL="114300" indent="-114300">
-              <a:lnSpc>
-                <a:spcPct val="80000"/>
-              </a:lnSpc>
-              <a:spcBef>
-                <a:spcPts val="1000"/>
-              </a:spcBef>
-              <a:defRPr b="0">
-                <a:solidFill>
-                  <a:srgbClr val="000000"/>
-                </a:solidFill>
-              </a:defRPr>
-            </a:pPr>
-            <a:r>
-              <a:rPr b="1"/>
-              <a:t>renderTable</a:t>
-            </a:r>
-            <a:r>
-              <a:t>(expr</a:t>
-            </a:r>
-            <a:r>
-              <a:rPr>
-                <a:solidFill>
-                  <a:srgbClr val="53585F"/>
-                </a:solidFill>
-              </a:rPr>
-              <a:t>,…, env, quoted, func</a:t>
-            </a:r>
-            <a:r>
-              <a:t>)</a:t>
-            </a:r>
-          </a:p>
-          <a:p>
-            <a:pPr marL="114300" indent="-114300">
-              <a:lnSpc>
-                <a:spcPct val="80000"/>
-              </a:lnSpc>
-              <a:spcBef>
-                <a:spcPts val="1100"/>
-              </a:spcBef>
-              <a:defRPr b="0">
-                <a:solidFill>
-                  <a:srgbClr val="000000"/>
-                </a:solidFill>
-              </a:defRPr>
-            </a:pPr>
-            <a:r>
-              <a:rPr b="1"/>
-              <a:t>renderText</a:t>
-            </a:r>
-            <a:r>
-              <a:t>(expr</a:t>
-            </a:r>
-            <a:r>
-              <a:rPr>
-                <a:solidFill>
-                  <a:srgbClr val="53585F"/>
-                </a:solidFill>
-              </a:rPr>
-              <a:t>, env, quoted, func</a:t>
-            </a:r>
-            <a:r>
-              <a:t>)</a:t>
-            </a:r>
-          </a:p>
-          <a:p>
-            <a:pPr marL="114300" indent="-114300">
-              <a:lnSpc>
-                <a:spcPct val="80000"/>
-              </a:lnSpc>
-              <a:spcBef>
-                <a:spcPts val="0"/>
-              </a:spcBef>
-              <a:defRPr b="0">
-                <a:solidFill>
-                  <a:srgbClr val="000000"/>
-                </a:solidFill>
-              </a:defRPr>
-            </a:pPr>
-            <a:r>
-              <a:rPr b="1"/>
-              <a:t>renderUI</a:t>
-            </a:r>
-            <a:r>
-              <a:t>(expr</a:t>
-            </a:r>
-            <a:r>
-              <a:rPr>
-                <a:solidFill>
-                  <a:srgbClr val="53585F"/>
-                </a:solidFill>
-              </a:rPr>
-              <a:t>, env, quoted, func</a:t>
-            </a:r>
-            <a:r>
-              <a:t>)</a:t>
-            </a:r>
-          </a:p>
-        </p:txBody>
-      </p:sp>
-      <p:sp>
-        <p:nvSpPr>
-          <p:cNvPr id="223" name="dataTableOutput(outputId, icon, …)…"/>
-          <p:cNvSpPr txBox="1"/>
-          <p:nvPr/>
-        </p:nvSpPr>
-        <p:spPr>
-          <a:xfrm>
-            <a:off x="7480928" y="7182296"/>
-            <a:ext cx="2802297" cy="3099465"/>
-          </a:xfrm>
-          <a:prstGeom prst="rect">
-            <a:avLst/>
-          </a:prstGeom>
-          <a:ln w="12700">
-            <a:miter lim="400000"/>
-          </a:ln>
-          <a:extLst>
-            <a:ext uri="{C572A759-6A51-4108-AA02-DFA0A04FC94B}">
-              <ma14:wrappingTextBoxFlag xmlns:ma14="http://schemas.microsoft.com/office/mac/drawingml/2011/main" val="1"/>
-            </a:ext>
-          </a:extLst>
-        </p:spPr>
-        <p:txBody>
-          <a:bodyPr lIns="0" tIns="0" rIns="0" bIns="0" anchor="b">
-            <a:normAutofit fontScale="100000" lnSpcReduction="0"/>
-          </a:bodyPr>
-          <a:lstStyle/>
-          <a:p>
-            <a:pPr marL="114300" indent="-114300">
-              <a:spcBef>
-                <a:spcPts val="1700"/>
-              </a:spcBef>
-              <a:defRPr b="0">
-                <a:solidFill>
-                  <a:srgbClr val="000000"/>
-                </a:solidFill>
-              </a:defRPr>
-            </a:pPr>
-            <a:r>
-              <a:rPr b="1">
-                <a:solidFill>
-                  <a:schemeClr val="accent1">
-                    <a:satOff val="22051"/>
-                    <a:lumOff val="15940"/>
-                  </a:schemeClr>
-                </a:solidFill>
-              </a:rPr>
-              <a:t>dataTableOutput</a:t>
-            </a:r>
-            <a:r>
-              <a:t>(outputId</a:t>
-            </a:r>
-            <a:r>
-              <a:rPr>
-                <a:solidFill>
-                  <a:srgbClr val="53585F"/>
-                </a:solidFill>
-              </a:rPr>
-              <a:t>, icon, …</a:t>
-            </a:r>
-            <a:r>
-              <a:t>)</a:t>
-            </a:r>
-          </a:p>
-          <a:p>
-            <a:pPr marL="114300" indent="-114300">
-              <a:lnSpc>
-                <a:spcPct val="80000"/>
-              </a:lnSpc>
-              <a:spcBef>
-                <a:spcPts val="1000"/>
-              </a:spcBef>
-              <a:defRPr b="0">
-                <a:solidFill>
-                  <a:srgbClr val="000000"/>
-                </a:solidFill>
-              </a:defRPr>
-            </a:pPr>
-            <a:r>
-              <a:rPr b="1">
-                <a:solidFill>
-                  <a:schemeClr val="accent1">
-                    <a:satOff val="22051"/>
-                    <a:lumOff val="15940"/>
-                  </a:schemeClr>
-                </a:solidFill>
-              </a:rPr>
-              <a:t>imageOutput</a:t>
-            </a:r>
-            <a:r>
-              <a:t>(outputId</a:t>
-            </a:r>
-            <a:r>
-              <a:rPr>
-                <a:solidFill>
-                  <a:srgbClr val="53585F"/>
-                </a:solidFill>
-              </a:rPr>
-              <a:t>, width, height, click, dblclick, hover, hoverDelay, inline, hoverDelayType, brush, clickId, hoverId</a:t>
-            </a:r>
-            <a:r>
-              <a:t>)</a:t>
-            </a:r>
-          </a:p>
-          <a:p>
-            <a:pPr marL="114300" indent="-114300">
-              <a:lnSpc>
-                <a:spcPct val="80000"/>
-              </a:lnSpc>
-              <a:spcBef>
-                <a:spcPts val="1000"/>
-              </a:spcBef>
-              <a:defRPr b="0">
-                <a:solidFill>
-                  <a:srgbClr val="000000"/>
-                </a:solidFill>
-              </a:defRPr>
-            </a:pPr>
-            <a:r>
-              <a:rPr b="1">
-                <a:solidFill>
-                  <a:schemeClr val="accent1">
-                    <a:satOff val="22051"/>
-                    <a:lumOff val="15940"/>
-                  </a:schemeClr>
-                </a:solidFill>
-              </a:rPr>
-              <a:t>plotOutput</a:t>
-            </a:r>
-            <a:r>
-              <a:t>(outputId</a:t>
-            </a:r>
-            <a:r>
-              <a:rPr>
-                <a:solidFill>
-                  <a:srgbClr val="53585F"/>
-                </a:solidFill>
-              </a:rPr>
-              <a:t>, width, height, click, dblclick, hover, hoverDelay, inline, hoverDelayType, brush, clickId, hoverId</a:t>
-            </a:r>
-            <a:r>
-              <a:t>)</a:t>
-            </a:r>
-          </a:p>
-          <a:p>
-            <a:pPr marL="114300" indent="-114300">
-              <a:lnSpc>
-                <a:spcPct val="80000"/>
-              </a:lnSpc>
-              <a:spcBef>
-                <a:spcPts val="1600"/>
-              </a:spcBef>
-              <a:defRPr b="0">
-                <a:solidFill>
-                  <a:srgbClr val="000000"/>
-                </a:solidFill>
-              </a:defRPr>
-            </a:pPr>
-            <a:r>
-              <a:rPr b="1">
-                <a:solidFill>
-                  <a:schemeClr val="accent1">
-                    <a:satOff val="22051"/>
-                    <a:lumOff val="15940"/>
-                  </a:schemeClr>
-                </a:solidFill>
-              </a:rPr>
-              <a:t>verbatimTextOutput</a:t>
-            </a:r>
-            <a:r>
-              <a:t>(outputId)</a:t>
-            </a:r>
-          </a:p>
-          <a:p>
-            <a:pPr marL="114300" indent="-114300">
-              <a:lnSpc>
-                <a:spcPct val="80000"/>
-              </a:lnSpc>
-              <a:spcBef>
-                <a:spcPts val="1000"/>
-              </a:spcBef>
-              <a:defRPr b="0">
-                <a:solidFill>
-                  <a:srgbClr val="000000"/>
-                </a:solidFill>
-              </a:defRPr>
-            </a:pPr>
-            <a:r>
-              <a:rPr b="1">
-                <a:solidFill>
-                  <a:schemeClr val="accent1">
-                    <a:satOff val="22051"/>
-                    <a:lumOff val="15940"/>
-                  </a:schemeClr>
-                </a:solidFill>
-              </a:rPr>
-              <a:t>tableOutput</a:t>
-            </a:r>
-            <a:r>
-              <a:t>(outputId)</a:t>
-            </a:r>
-          </a:p>
-          <a:p>
-            <a:pPr marL="114300" indent="-114300">
-              <a:lnSpc>
-                <a:spcPct val="80000"/>
-              </a:lnSpc>
-              <a:spcBef>
-                <a:spcPts val="500"/>
-              </a:spcBef>
-              <a:defRPr b="0">
-                <a:solidFill>
-                  <a:srgbClr val="000000"/>
-                </a:solidFill>
-              </a:defRPr>
-            </a:pPr>
-            <a:r>
-              <a:rPr b="1">
-                <a:solidFill>
-                  <a:schemeClr val="accent1">
-                    <a:satOff val="22051"/>
-                    <a:lumOff val="15940"/>
-                  </a:schemeClr>
-                </a:solidFill>
-              </a:rPr>
-              <a:t>textOutput</a:t>
-            </a:r>
-            <a:r>
-              <a:t>(outputId</a:t>
-            </a:r>
-            <a:r>
-              <a:rPr>
-                <a:solidFill>
-                  <a:srgbClr val="53585F"/>
-                </a:solidFill>
-              </a:rPr>
-              <a:t>, container, inline</a:t>
-            </a:r>
-            <a:r>
-              <a:t>)</a:t>
-            </a:r>
-            <a:endParaRPr>
-              <a:solidFill>
-                <a:srgbClr val="A6AAA9"/>
-              </a:solidFill>
-            </a:endParaRPr>
-          </a:p>
-          <a:p>
-            <a:pPr marL="114300" indent="-114300">
-              <a:lnSpc>
-                <a:spcPct val="80000"/>
-              </a:lnSpc>
-              <a:spcBef>
-                <a:spcPts val="300"/>
-              </a:spcBef>
-              <a:defRPr b="0">
-                <a:solidFill>
-                  <a:srgbClr val="000000"/>
-                </a:solidFill>
-              </a:defRPr>
-            </a:pPr>
-            <a:r>
-              <a:rPr b="1">
-                <a:solidFill>
-                  <a:schemeClr val="accent1">
-                    <a:satOff val="22051"/>
-                    <a:lumOff val="15940"/>
-                  </a:schemeClr>
-                </a:solidFill>
-              </a:rPr>
-              <a:t>uiOutput</a:t>
-            </a:r>
-            <a:r>
-              <a:t>(outputId</a:t>
-            </a:r>
-            <a:r>
-              <a:rPr>
-                <a:solidFill>
-                  <a:srgbClr val="53585F"/>
-                </a:solidFill>
-              </a:rPr>
-              <a:t>, inline, container, …</a:t>
-            </a:r>
-            <a:r>
-              <a:t>)</a:t>
-            </a:r>
-          </a:p>
-          <a:p>
-            <a:pPr marL="114300" indent="-114300">
-              <a:lnSpc>
-                <a:spcPct val="80000"/>
-              </a:lnSpc>
-              <a:spcBef>
-                <a:spcPts val="300"/>
-              </a:spcBef>
-              <a:defRPr b="0">
-                <a:solidFill>
-                  <a:srgbClr val="000000"/>
-                </a:solidFill>
-              </a:defRPr>
-            </a:pPr>
-            <a:r>
-              <a:rPr b="1">
-                <a:solidFill>
-                  <a:schemeClr val="accent1">
-                    <a:satOff val="22051"/>
-                    <a:lumOff val="15940"/>
-                  </a:schemeClr>
-                </a:solidFill>
-              </a:rPr>
-              <a:t>htmlOutput</a:t>
-            </a:r>
-            <a:r>
-              <a:t>(outputId</a:t>
-            </a:r>
-            <a:r>
-              <a:rPr>
-                <a:solidFill>
-                  <a:srgbClr val="53585F"/>
-                </a:solidFill>
-              </a:rPr>
-              <a:t>, inline, container, …</a:t>
-            </a:r>
-            <a:r>
-              <a:t>)</a:t>
-            </a:r>
-          </a:p>
-        </p:txBody>
-      </p:sp>
-      <p:sp>
-        <p:nvSpPr>
-          <p:cNvPr id="224" name="Double Arrow"/>
-          <p:cNvSpPr/>
-          <p:nvPr/>
-        </p:nvSpPr>
-        <p:spPr>
-          <a:xfrm>
-            <a:off x="6818886" y="7207797"/>
-            <a:ext cx="759923" cy="429216"/>
-          </a:xfrm>
-          <a:prstGeom prst="leftRightArrow">
-            <a:avLst>
-              <a:gd name="adj1" fmla="val 61369"/>
-              <a:gd name="adj2" fmla="val 56462"/>
-            </a:avLst>
-          </a:prstGeom>
-          <a:solidFill>
-            <a:srgbClr val="53585F"/>
-          </a:solidFill>
-          <a:ln w="12700">
-            <a:miter lim="400000"/>
-          </a:ln>
-        </p:spPr>
-        <p:txBody>
-          <a:bodyPr lIns="54570" tIns="54570" rIns="54570" bIns="54570" anchor="ctr"/>
-          <a:lstStyle/>
-          <a:p>
-            <a:pPr algn="ctr">
-              <a:spcBef>
-                <a:spcPts val="0"/>
-              </a:spcBef>
-              <a:defRPr>
-                <a:solidFill>
-                  <a:srgbClr val="FFFFFF"/>
-                </a:solidFill>
-                <a:latin typeface="Helvetica"/>
-                <a:ea typeface="Helvetica"/>
-                <a:cs typeface="Helvetica"/>
-                <a:sym typeface="Helvetica"/>
-              </a:defRPr>
-            </a:pPr>
-          </a:p>
-        </p:txBody>
-      </p:sp>
-      <p:sp>
-        <p:nvSpPr>
-          <p:cNvPr id="225" name="&amp;"/>
-          <p:cNvSpPr txBox="1"/>
-          <p:nvPr/>
-        </p:nvSpPr>
-        <p:spPr>
-          <a:xfrm>
-            <a:off x="7206224" y="9930959"/>
-            <a:ext cx="264081" cy="309801"/>
-          </a:xfrm>
-          <a:prstGeom prst="rect">
-            <a:avLst/>
-          </a:prstGeom>
-          <a:ln w="12700">
-            <a:miter lim="400000"/>
-          </a:ln>
-          <a:extLst>
-            <a:ext uri="{C572A759-6A51-4108-AA02-DFA0A04FC94B}">
-              <ma14:wrappingTextBoxFlag xmlns:ma14="http://schemas.microsoft.com/office/mac/drawingml/2011/main" val="1"/>
-            </a:ext>
-          </a:extLst>
-        </p:spPr>
-        <p:txBody>
-          <a:bodyPr wrap="none" lIns="54570" tIns="54570" rIns="54570" bIns="54570" anchor="ctr">
-            <a:spAutoFit/>
-          </a:bodyPr>
-          <a:lstStyle>
-            <a:lvl1pPr algn="ctr">
-              <a:spcBef>
-                <a:spcPts val="0"/>
-              </a:spcBef>
-              <a:defRPr b="0" sz="1600">
-                <a:solidFill>
-                  <a:srgbClr val="D6D6D6"/>
-                </a:solidFill>
-                <a:latin typeface="ChunkFive-Roman"/>
-                <a:ea typeface="ChunkFive-Roman"/>
-                <a:cs typeface="ChunkFive-Roman"/>
-                <a:sym typeface="ChunkFive-Roman"/>
-              </a:defRPr>
-            </a:lvl1pPr>
-          </a:lstStyle>
-          <a:p>
-            <a:pPr/>
-            <a:r>
-              <a:t>&amp;</a:t>
-            </a:r>
-          </a:p>
-        </p:txBody>
-      </p:sp>
-      <p:sp>
-        <p:nvSpPr>
-          <p:cNvPr id="226" name="works…"/>
-          <p:cNvSpPr txBox="1"/>
-          <p:nvPr/>
-        </p:nvSpPr>
-        <p:spPr>
-          <a:xfrm>
-            <a:off x="6958144" y="7223053"/>
-            <a:ext cx="479601" cy="373302"/>
-          </a:xfrm>
-          <a:prstGeom prst="rect">
-            <a:avLst/>
-          </a:prstGeom>
-          <a:ln w="12700">
-            <a:miter lim="400000"/>
-          </a:ln>
-          <a:extLst>
-            <a:ext uri="{C572A759-6A51-4108-AA02-DFA0A04FC94B}">
-              <ma14:wrappingTextBoxFlag xmlns:ma14="http://schemas.microsoft.com/office/mac/drawingml/2011/main" val="1"/>
-            </a:ext>
-          </a:extLst>
-        </p:spPr>
-        <p:txBody>
-          <a:bodyPr wrap="none" lIns="54570" tIns="54570" rIns="54570" bIns="54570" anchor="ctr">
-            <a:spAutoFit/>
-          </a:bodyPr>
-          <a:lstStyle/>
-          <a:p>
-            <a:pPr algn="ctr">
-              <a:lnSpc>
-                <a:spcPct val="60000"/>
-              </a:lnSpc>
-              <a:spcBef>
-                <a:spcPts val="0"/>
-              </a:spcBef>
-              <a:defRPr b="0" sz="1000">
-                <a:solidFill>
-                  <a:srgbClr val="FFFFFF"/>
-                </a:solidFill>
-                <a:latin typeface="Source Sans Pro Semibold"/>
-                <a:ea typeface="Source Sans Pro Semibold"/>
-                <a:cs typeface="Source Sans Pro Semibold"/>
-                <a:sym typeface="Source Sans Pro Semibold"/>
-              </a:defRPr>
-            </a:pPr>
-            <a:r>
-              <a:t>works</a:t>
-            </a:r>
-          </a:p>
-          <a:p>
-            <a:pPr algn="ctr">
-              <a:lnSpc>
-                <a:spcPct val="60000"/>
-              </a:lnSpc>
-              <a:spcBef>
-                <a:spcPts val="0"/>
-              </a:spcBef>
-              <a:defRPr b="0" sz="1000">
-                <a:solidFill>
-                  <a:srgbClr val="FFFFFF"/>
-                </a:solidFill>
-                <a:latin typeface="Source Sans Pro Semibold"/>
-                <a:ea typeface="Source Sans Pro Semibold"/>
-                <a:cs typeface="Source Sans Pro Semibold"/>
-                <a:sym typeface="Source Sans Pro Semibold"/>
-              </a:defRPr>
-            </a:pPr>
-            <a:r>
-              <a:t>with</a:t>
-            </a:r>
-          </a:p>
-        </p:txBody>
-      </p:sp>
+      </p:pic>
       <p:pic>
         <p:nvPicPr>
-          <p:cNvPr id="227" name="Screen Shot 2015-06-08 at 7.34.57 PM.png" descr="Screen Shot 2015-06-08 at 7.34.57 PM.png"/>
+          <p:cNvPr id="231" name="Screen Shot 2015-06-08 at 7.34.57 PM.png" descr="Screen Shot 2015-06-08 at 7.34.57 PM.png"/>
           <p:cNvPicPr>
             <a:picLocks noChangeAspect="1"/>
           </p:cNvPicPr>
@@ -11397,7 +12103,7 @@
       </p:pic>
       <p:pic>
         <p:nvPicPr>
-          <p:cNvPr id="228" name="RStudio-Logo-Black-Letters.png" descr="RStudio-Logo-Black-Letters.png"/>
+          <p:cNvPr id="232" name="RStudio-Logo-Black-Letters.png" descr="RStudio-Logo-Black-Letters.png"/>
           <p:cNvPicPr>
             <a:picLocks noChangeAspect="1"/>
           </p:cNvPicPr>
@@ -11427,7 +12133,7 @@
       </p:pic>
       <p:pic>
         <p:nvPicPr>
-          <p:cNvPr id="229" name="Screen Shot 2015-06-08 at 7.30.35 PM.png" descr="Screen Shot 2015-06-08 at 7.30.35 PM.png"/>
+          <p:cNvPr id="233" name="Screen Shot 2015-06-08 at 7.30.35 PM.png" descr="Screen Shot 2015-06-08 at 7.30.35 PM.png"/>
           <p:cNvPicPr>
             <a:picLocks noChangeAspect="1"/>
           </p:cNvPicPr>
@@ -11459,7 +12165,7 @@
       </p:pic>
       <p:pic>
         <p:nvPicPr>
-          <p:cNvPr id="230" name="Screen Shot 2015-06-08 at 7.31.04 PM.png" descr="Screen Shot 2015-06-08 at 7.31.04 PM.png"/>
+          <p:cNvPr id="234" name="Screen Shot 2015-06-08 at 7.31.04 PM.png" descr="Screen Shot 2015-06-08 at 7.31.04 PM.png"/>
           <p:cNvPicPr>
             <a:picLocks noChangeAspect="1"/>
           </p:cNvPicPr>
@@ -11488,7 +12194,7 @@
       </p:pic>
       <p:pic>
         <p:nvPicPr>
-          <p:cNvPr id="231" name="Screen Shot 2015-06-08 at 7.31.32 PM.png" descr="Screen Shot 2015-06-08 at 7.31.32 PM.png"/>
+          <p:cNvPr id="235" name="Screen Shot 2015-06-02 at 3.22.54 PM.png" descr="Screen Shot 2015-06-02 at 3.22.54 PM.png"/>
           <p:cNvPicPr>
             <a:picLocks noChangeAspect="1"/>
           </p:cNvPicPr>
@@ -11496,35 +12202,6 @@
         </p:nvPicPr>
         <p:blipFill>
           <a:blip r:embed="rId18">
-            <a:extLst/>
-          </a:blip>
-          <a:stretch>
-            <a:fillRect/>
-          </a:stretch>
-        </p:blipFill>
-        <p:spPr>
-          <a:xfrm>
-            <a:off x="3999011" y="9655813"/>
-            <a:ext cx="367337" cy="248842"/>
-          </a:xfrm>
-          <a:prstGeom prst="rect">
-            <a:avLst/>
-          </a:prstGeom>
-          <a:ln w="12700">
-            <a:miter lim="400000"/>
-          </a:ln>
-        </p:spPr>
-      </p:pic>
-      <p:pic>
-        <p:nvPicPr>
-          <p:cNvPr id="232" name="Screen Shot 2015-06-02 at 3.22.54 PM.png" descr="Screen Shot 2015-06-02 at 3.22.54 PM.png"/>
-          <p:cNvPicPr>
-            <a:picLocks noChangeAspect="1"/>
-          </p:cNvPicPr>
-          <p:nvPr/>
-        </p:nvPicPr>
-        <p:blipFill>
-          <a:blip r:embed="rId19">
             <a:extLst/>
           </a:blip>
           <a:srcRect l="11544" t="9515" r="11544" b="62886"/>
@@ -11547,14 +12224,14 @@
       </p:pic>
       <p:pic>
         <p:nvPicPr>
-          <p:cNvPr id="233" name="Screen Shot 2015-06-08 at 7.35.38 PM.png" descr="Screen Shot 2015-06-08 at 7.35.38 PM.png"/>
+          <p:cNvPr id="236" name="Screen Shot 2015-06-08 at 7.35.38 PM.png" descr="Screen Shot 2015-06-08 at 7.35.38 PM.png"/>
           <p:cNvPicPr>
             <a:picLocks noChangeAspect="1"/>
           </p:cNvPicPr>
           <p:nvPr/>
         </p:nvPicPr>
         <p:blipFill>
-          <a:blip r:embed="rId20">
+          <a:blip r:embed="rId19">
             <a:extLst/>
           </a:blip>
           <a:srcRect l="0" t="0" r="0" b="36091"/>
@@ -11578,685 +12255,6 @@
           </a:ln>
         </p:spPr>
       </p:pic>
-      <p:sp>
-        <p:nvSpPr>
-          <p:cNvPr id="234" name="collect values from the user"/>
-          <p:cNvSpPr txBox="1"/>
-          <p:nvPr/>
-        </p:nvSpPr>
-        <p:spPr>
-          <a:xfrm>
-            <a:off x="10581929" y="1509350"/>
-            <a:ext cx="1951995" cy="215901"/>
-          </a:xfrm>
-          <a:prstGeom prst="rect">
-            <a:avLst/>
-          </a:prstGeom>
-          <a:ln w="12700">
-            <a:miter lim="400000"/>
-          </a:ln>
-          <a:extLst>
-            <a:ext uri="{C572A759-6A51-4108-AA02-DFA0A04FC94B}">
-              <ma14:wrappingTextBoxFlag xmlns:ma14="http://schemas.microsoft.com/office/mac/drawingml/2011/main" val="1"/>
-            </a:ext>
-          </a:extLst>
-        </p:spPr>
-        <p:txBody>
-          <a:bodyPr lIns="12700" tIns="12700" rIns="12700" bIns="12700" anchor="ctr">
-            <a:spAutoFit/>
-          </a:bodyPr>
-          <a:lstStyle/>
-          <a:p>
-            <a:pPr lvl="1" indent="0">
-              <a:lnSpc>
-                <a:spcPct val="80000"/>
-              </a:lnSpc>
-              <a:spcBef>
-                <a:spcPts val="0"/>
-              </a:spcBef>
-              <a:defRPr b="0" sz="2500">
-                <a:solidFill>
-                  <a:srgbClr val="5589C5"/>
-                </a:solidFill>
-              </a:defRPr>
-            </a:pPr>
-            <a:r>
-              <a:rPr sz="1200"/>
-              <a:t>collect values from the user</a:t>
-            </a:r>
-          </a:p>
-        </p:txBody>
-      </p:sp>
-      <p:sp>
-        <p:nvSpPr>
-          <p:cNvPr id="235" name="actionButton(inputId, label, icon, …)…"/>
-          <p:cNvSpPr txBox="1"/>
-          <p:nvPr/>
-        </p:nvSpPr>
-        <p:spPr>
-          <a:xfrm>
-            <a:off x="11327263" y="2087318"/>
-            <a:ext cx="2348589" cy="8155602"/>
-          </a:xfrm>
-          <a:prstGeom prst="rect">
-            <a:avLst/>
-          </a:prstGeom>
-          <a:ln w="12700">
-            <a:miter lim="400000"/>
-          </a:ln>
-          <a:extLst>
-            <a:ext uri="{C572A759-6A51-4108-AA02-DFA0A04FC94B}">
-              <ma14:wrappingTextBoxFlag xmlns:ma14="http://schemas.microsoft.com/office/mac/drawingml/2011/main" val="1"/>
-            </a:ext>
-          </a:extLst>
-        </p:spPr>
-        <p:txBody>
-          <a:bodyPr lIns="0" tIns="0" rIns="0" bIns="0" anchor="b">
-            <a:normAutofit fontScale="100000" lnSpcReduction="0"/>
-          </a:bodyPr>
-          <a:lstStyle/>
-          <a:p>
-            <a:pPr marL="114300" indent="-114300">
-              <a:lnSpc>
-                <a:spcPct val="80000"/>
-              </a:lnSpc>
-              <a:spcBef>
-                <a:spcPts val="1900"/>
-              </a:spcBef>
-              <a:defRPr b="0">
-                <a:solidFill>
-                  <a:srgbClr val="000000"/>
-                </a:solidFill>
-              </a:defRPr>
-            </a:pPr>
-            <a:r>
-              <a:rPr b="1"/>
-              <a:t>actionButton</a:t>
-            </a:r>
-            <a:r>
-              <a:t>(inputId, label,</a:t>
-            </a:r>
-            <a:r>
-              <a:rPr>
-                <a:solidFill>
-                  <a:srgbClr val="53585F"/>
-                </a:solidFill>
-              </a:rPr>
-              <a:t> icon, …</a:t>
-            </a:r>
-            <a:r>
-              <a:t>)</a:t>
-            </a:r>
-          </a:p>
-          <a:p>
-            <a:pPr marL="114300" indent="-114300">
-              <a:lnSpc>
-                <a:spcPct val="80000"/>
-              </a:lnSpc>
-              <a:spcBef>
-                <a:spcPts val="1900"/>
-              </a:spcBef>
-              <a:defRPr b="0">
-                <a:solidFill>
-                  <a:srgbClr val="000000"/>
-                </a:solidFill>
-              </a:defRPr>
-            </a:pPr>
-            <a:r>
-              <a:rPr b="1"/>
-              <a:t>actionLink</a:t>
-            </a:r>
-            <a:r>
-              <a:t>(inputId, label, </a:t>
-            </a:r>
-            <a:r>
-              <a:rPr>
-                <a:solidFill>
-                  <a:srgbClr val="53585F"/>
-                </a:solidFill>
-              </a:rPr>
-              <a:t>icon, …</a:t>
-            </a:r>
-            <a:r>
-              <a:t>)</a:t>
-            </a:r>
-          </a:p>
-          <a:p>
-            <a:pPr marL="114300" indent="-114300">
-              <a:lnSpc>
-                <a:spcPct val="80000"/>
-              </a:lnSpc>
-              <a:spcBef>
-                <a:spcPts val="1900"/>
-              </a:spcBef>
-              <a:defRPr b="0">
-                <a:solidFill>
-                  <a:srgbClr val="000000"/>
-                </a:solidFill>
-              </a:defRPr>
-            </a:pPr>
-            <a:r>
-              <a:rPr b="1"/>
-              <a:t>checkboxGroupInput</a:t>
-            </a:r>
-            <a:r>
-              <a:t>(inputId, label, choices, </a:t>
-            </a:r>
-            <a:r>
-              <a:rPr>
-                <a:solidFill>
-                  <a:srgbClr val="53585F"/>
-                </a:solidFill>
-              </a:rPr>
-              <a:t>selected, inline</a:t>
-            </a:r>
-            <a:r>
-              <a:t>)</a:t>
-            </a:r>
-          </a:p>
-          <a:p>
-            <a:pPr marL="114300" indent="-114300">
-              <a:lnSpc>
-                <a:spcPct val="80000"/>
-              </a:lnSpc>
-              <a:spcBef>
-                <a:spcPts val="1900"/>
-              </a:spcBef>
-              <a:defRPr b="0">
-                <a:solidFill>
-                  <a:srgbClr val="000000"/>
-                </a:solidFill>
-              </a:defRPr>
-            </a:pPr>
-            <a:r>
-              <a:rPr b="1"/>
-              <a:t>checkboxInput</a:t>
-            </a:r>
-            <a:r>
-              <a:t>(inputId, label</a:t>
-            </a:r>
-            <a:r>
-              <a:rPr>
-                <a:solidFill>
-                  <a:srgbClr val="53585F"/>
-                </a:solidFill>
-              </a:rPr>
-              <a:t>, value</a:t>
-            </a:r>
-            <a:r>
-              <a:t>)</a:t>
-            </a:r>
-          </a:p>
-          <a:p>
-            <a:pPr marL="114300" indent="-114300">
-              <a:lnSpc>
-                <a:spcPct val="80000"/>
-              </a:lnSpc>
-              <a:spcBef>
-                <a:spcPts val="1900"/>
-              </a:spcBef>
-              <a:defRPr b="0">
-                <a:solidFill>
-                  <a:srgbClr val="000000"/>
-                </a:solidFill>
-              </a:defRPr>
-            </a:pPr>
-            <a:r>
-              <a:rPr b="1"/>
-              <a:t>dateInput</a:t>
-            </a:r>
-            <a:r>
-              <a:t>(inputId, label</a:t>
-            </a:r>
-            <a:r>
-              <a:rPr>
-                <a:solidFill>
-                  <a:srgbClr val="53585F"/>
-                </a:solidFill>
-              </a:rPr>
-              <a:t>, value, min, max, format, startview, weekstart, language</a:t>
-            </a:r>
-            <a:r>
-              <a:t>)</a:t>
-            </a:r>
-          </a:p>
-          <a:p>
-            <a:pPr marL="114300" indent="-114300">
-              <a:lnSpc>
-                <a:spcPct val="80000"/>
-              </a:lnSpc>
-              <a:spcBef>
-                <a:spcPts val="1900"/>
-              </a:spcBef>
-              <a:defRPr b="0">
-                <a:solidFill>
-                  <a:srgbClr val="000000"/>
-                </a:solidFill>
-              </a:defRPr>
-            </a:pPr>
-            <a:r>
-              <a:rPr b="1"/>
-              <a:t>dateRangeInput</a:t>
-            </a:r>
-            <a:r>
-              <a:t>(inputId, label</a:t>
-            </a:r>
-            <a:r>
-              <a:rPr>
-                <a:solidFill>
-                  <a:srgbClr val="53585F"/>
-                </a:solidFill>
-              </a:rPr>
-              <a:t>, start, end, min, max, format, startview, weekstart, language, separator</a:t>
-            </a:r>
-            <a:r>
-              <a:t>)</a:t>
-            </a:r>
-          </a:p>
-          <a:p>
-            <a:pPr marL="114300" indent="-114300">
-              <a:lnSpc>
-                <a:spcPct val="80000"/>
-              </a:lnSpc>
-              <a:spcBef>
-                <a:spcPts val="1900"/>
-              </a:spcBef>
-              <a:defRPr b="0">
-                <a:solidFill>
-                  <a:srgbClr val="000000"/>
-                </a:solidFill>
-              </a:defRPr>
-            </a:pPr>
-            <a:r>
-              <a:rPr b="1"/>
-              <a:t>fileInput</a:t>
-            </a:r>
-            <a:r>
-              <a:t>(inputId, label</a:t>
-            </a:r>
-            <a:r>
-              <a:rPr>
-                <a:solidFill>
-                  <a:srgbClr val="53585F"/>
-                </a:solidFill>
-              </a:rPr>
-              <a:t>, multiple, accept</a:t>
-            </a:r>
-            <a:r>
-              <a:t>)</a:t>
-            </a:r>
-          </a:p>
-          <a:p>
-            <a:pPr marL="114300" indent="-114300">
-              <a:lnSpc>
-                <a:spcPct val="80000"/>
-              </a:lnSpc>
-              <a:spcBef>
-                <a:spcPts val="1900"/>
-              </a:spcBef>
-              <a:defRPr b="0">
-                <a:solidFill>
-                  <a:srgbClr val="000000"/>
-                </a:solidFill>
-              </a:defRPr>
-            </a:pPr>
-            <a:r>
-              <a:rPr b="1"/>
-              <a:t>numericInput</a:t>
-            </a:r>
-            <a:r>
-              <a:t>(inputId, label, value, </a:t>
-            </a:r>
-            <a:r>
-              <a:rPr>
-                <a:solidFill>
-                  <a:srgbClr val="53585F"/>
-                </a:solidFill>
-              </a:rPr>
-              <a:t>min, max, step</a:t>
-            </a:r>
-            <a:r>
-              <a:t>)</a:t>
-            </a:r>
-          </a:p>
-          <a:p>
-            <a:pPr marL="114300" indent="-114300">
-              <a:lnSpc>
-                <a:spcPct val="80000"/>
-              </a:lnSpc>
-              <a:spcBef>
-                <a:spcPts val="1900"/>
-              </a:spcBef>
-              <a:defRPr b="0">
-                <a:solidFill>
-                  <a:srgbClr val="000000"/>
-                </a:solidFill>
-              </a:defRPr>
-            </a:pPr>
-            <a:r>
-              <a:rPr b="1"/>
-              <a:t>passwordInput</a:t>
-            </a:r>
-            <a:r>
-              <a:t>(inputId, label</a:t>
-            </a:r>
-            <a:r>
-              <a:rPr>
-                <a:solidFill>
-                  <a:srgbClr val="53585F"/>
-                </a:solidFill>
-              </a:rPr>
-              <a:t>, value</a:t>
-            </a:r>
-            <a:r>
-              <a:t>)</a:t>
-            </a:r>
-          </a:p>
-          <a:p>
-            <a:pPr marL="114300" indent="-114300">
-              <a:lnSpc>
-                <a:spcPct val="80000"/>
-              </a:lnSpc>
-              <a:spcBef>
-                <a:spcPts val="1900"/>
-              </a:spcBef>
-              <a:defRPr b="0">
-                <a:solidFill>
-                  <a:srgbClr val="000000"/>
-                </a:solidFill>
-              </a:defRPr>
-            </a:pPr>
-            <a:r>
-              <a:rPr b="1"/>
-              <a:t>radioButtons</a:t>
-            </a:r>
-            <a:r>
-              <a:t>(inputId, label, choices, </a:t>
-            </a:r>
-            <a:r>
-              <a:rPr>
-                <a:solidFill>
-                  <a:srgbClr val="53585F"/>
-                </a:solidFill>
-              </a:rPr>
-              <a:t>selected, inline</a:t>
-            </a:r>
-            <a:r>
-              <a:t>)</a:t>
-            </a:r>
-          </a:p>
-          <a:p>
-            <a:pPr marL="114300" indent="-114300">
-              <a:lnSpc>
-                <a:spcPct val="80000"/>
-              </a:lnSpc>
-              <a:spcBef>
-                <a:spcPts val="1900"/>
-              </a:spcBef>
-              <a:defRPr b="0">
-                <a:solidFill>
-                  <a:srgbClr val="000000"/>
-                </a:solidFill>
-              </a:defRPr>
-            </a:pPr>
-            <a:r>
-              <a:rPr b="1"/>
-              <a:t>selectInput</a:t>
-            </a:r>
-            <a:r>
-              <a:t>(inputId, label, choices, </a:t>
-            </a:r>
-            <a:r>
-              <a:rPr>
-                <a:solidFill>
-                  <a:srgbClr val="53585F"/>
-                </a:solidFill>
-              </a:rPr>
-              <a:t>selected, multiple, selectize, width, size</a:t>
-            </a:r>
-            <a:r>
-              <a:t>) </a:t>
-            </a:r>
-            <a:r>
-              <a:rPr>
-                <a:solidFill>
-                  <a:schemeClr val="accent1">
-                    <a:satOff val="22051"/>
-                    <a:lumOff val="15940"/>
-                  </a:schemeClr>
-                </a:solidFill>
-              </a:rPr>
-              <a:t>(also selectizeInput())</a:t>
-            </a:r>
-            <a:endParaRPr>
-              <a:solidFill>
-                <a:schemeClr val="accent1">
-                  <a:satOff val="22051"/>
-                  <a:lumOff val="15940"/>
-                </a:schemeClr>
-              </a:solidFill>
-            </a:endParaRPr>
-          </a:p>
-          <a:p>
-            <a:pPr marL="114300" indent="-114300">
-              <a:lnSpc>
-                <a:spcPct val="80000"/>
-              </a:lnSpc>
-              <a:spcBef>
-                <a:spcPts val="1900"/>
-              </a:spcBef>
-              <a:defRPr b="0">
-                <a:solidFill>
-                  <a:srgbClr val="000000"/>
-                </a:solidFill>
-              </a:defRPr>
-            </a:pPr>
-            <a:r>
-              <a:rPr b="1"/>
-              <a:t>sliderInput</a:t>
-            </a:r>
-            <a:r>
-              <a:t>(inputId, label, min, max, value, </a:t>
-            </a:r>
-            <a:r>
-              <a:rPr>
-                <a:solidFill>
-                  <a:srgbClr val="53585F"/>
-                </a:solidFill>
-              </a:rPr>
-              <a:t>step, round, format, locale, ticks, animate, width, sep, pre, post</a:t>
-            </a:r>
-            <a:r>
-              <a:t>)</a:t>
-            </a:r>
-          </a:p>
-          <a:p>
-            <a:pPr marL="114300" indent="-114300">
-              <a:lnSpc>
-                <a:spcPct val="80000"/>
-              </a:lnSpc>
-              <a:spcBef>
-                <a:spcPts val="0"/>
-              </a:spcBef>
-              <a:defRPr b="0">
-                <a:solidFill>
-                  <a:srgbClr val="000000"/>
-                </a:solidFill>
-              </a:defRPr>
-            </a:pPr>
-            <a:r>
-              <a:rPr b="1"/>
-              <a:t>submitButton</a:t>
-            </a:r>
-            <a:r>
-              <a:t>(</a:t>
-            </a:r>
-            <a:r>
-              <a:rPr>
-                <a:solidFill>
-                  <a:srgbClr val="53585F"/>
-                </a:solidFill>
-              </a:rPr>
-              <a:t>text, icon</a:t>
-            </a:r>
-            <a:r>
-              <a:t>)</a:t>
-            </a:r>
-          </a:p>
-          <a:p>
-            <a:pPr marL="114300" indent="-114300">
-              <a:lnSpc>
-                <a:spcPct val="80000"/>
-              </a:lnSpc>
-              <a:spcBef>
-                <a:spcPts val="1900"/>
-              </a:spcBef>
-              <a:defRPr b="0" sz="1100">
-                <a:solidFill>
-                  <a:schemeClr val="accent1">
-                    <a:satOff val="22051"/>
-                    <a:lumOff val="15940"/>
-                  </a:schemeClr>
-                </a:solidFill>
-              </a:defRPr>
-            </a:pPr>
-            <a:r>
-              <a:t>(Prevents reactions across entire app)</a:t>
-            </a:r>
-          </a:p>
-          <a:p>
-            <a:pPr marL="114300" indent="-114300">
-              <a:lnSpc>
-                <a:spcPct val="80000"/>
-              </a:lnSpc>
-              <a:spcBef>
-                <a:spcPts val="1900"/>
-              </a:spcBef>
-              <a:defRPr b="0">
-                <a:solidFill>
-                  <a:srgbClr val="000000"/>
-                </a:solidFill>
-              </a:defRPr>
-            </a:pPr>
-            <a:r>
-              <a:rPr b="1"/>
-              <a:t>textInput</a:t>
-            </a:r>
-            <a:r>
-              <a:t>(inputId, label, </a:t>
-            </a:r>
-            <a:r>
-              <a:rPr>
-                <a:solidFill>
-                  <a:srgbClr val="53585F"/>
-                </a:solidFill>
-              </a:rPr>
-              <a:t>value</a:t>
-            </a:r>
-            <a:r>
-              <a:t>)</a:t>
-            </a:r>
-          </a:p>
-        </p:txBody>
-      </p:sp>
-      <p:sp>
-        <p:nvSpPr>
-          <p:cNvPr id="236" name="Access the current value of an input object with input$&lt;inputId&gt;. Input values are reactive."/>
-          <p:cNvSpPr txBox="1"/>
-          <p:nvPr/>
-        </p:nvSpPr>
-        <p:spPr>
-          <a:xfrm>
-            <a:off x="10581929" y="1759744"/>
-            <a:ext cx="3135956" cy="387351"/>
-          </a:xfrm>
-          <a:prstGeom prst="rect">
-            <a:avLst/>
-          </a:prstGeom>
-          <a:ln w="12700">
-            <a:miter lim="400000"/>
-          </a:ln>
-          <a:extLst>
-            <a:ext uri="{C572A759-6A51-4108-AA02-DFA0A04FC94B}">
-              <ma14:wrappingTextBoxFlag xmlns:ma14="http://schemas.microsoft.com/office/mac/drawingml/2011/main" val="1"/>
-            </a:ext>
-          </a:extLst>
-        </p:spPr>
-        <p:txBody>
-          <a:bodyPr lIns="12700" tIns="12700" rIns="12700" bIns="12700" anchor="ctr">
-            <a:spAutoFit/>
-          </a:bodyPr>
-          <a:lstStyle/>
-          <a:p>
-            <a:pPr>
-              <a:lnSpc>
-                <a:spcPct val="90000"/>
-              </a:lnSpc>
-              <a:spcBef>
-                <a:spcPts val="300"/>
-              </a:spcBef>
-              <a:buClr>
-                <a:schemeClr val="accent4">
-                  <a:hueOff val="384618"/>
-                  <a:satOff val="3869"/>
-                  <a:lumOff val="5802"/>
-                </a:schemeClr>
-              </a:buClr>
-              <a:defRPr b="0">
-                <a:solidFill>
-                  <a:srgbClr val="000000"/>
-                </a:solidFill>
-                <a:latin typeface="+mj-lt"/>
-                <a:ea typeface="+mj-ea"/>
-                <a:cs typeface="+mj-cs"/>
-                <a:sym typeface="Source Sans Pro Light"/>
-              </a:defRPr>
-            </a:pPr>
-            <a:r>
-              <a:rPr>
-                <a:latin typeface="+mn-lt"/>
-                <a:ea typeface="+mn-ea"/>
-                <a:cs typeface="+mn-cs"/>
-                <a:sym typeface="Source Sans Pro"/>
-              </a:rPr>
-              <a:t>Access the current value of an input object with</a:t>
-            </a:r>
-            <a:r>
-              <a:rPr b="1">
-                <a:latin typeface="+mn-lt"/>
-                <a:ea typeface="+mn-ea"/>
-                <a:cs typeface="+mn-cs"/>
-                <a:sym typeface="Source Sans Pro"/>
-              </a:rPr>
-              <a:t> input$&lt;inputId&gt;</a:t>
-            </a:r>
-            <a:r>
-              <a:t>.</a:t>
-            </a:r>
-            <a:r>
-              <a:rPr>
-                <a:latin typeface="+mn-lt"/>
-                <a:ea typeface="+mn-ea"/>
-                <a:cs typeface="+mn-cs"/>
-                <a:sym typeface="Source Sans Pro"/>
-              </a:rPr>
-              <a:t> Input values are </a:t>
-            </a:r>
-            <a:r>
-              <a:rPr b="1">
-                <a:latin typeface="+mn-lt"/>
-                <a:ea typeface="+mn-ea"/>
-                <a:cs typeface="+mn-cs"/>
-                <a:sym typeface="Source Sans Pro"/>
-              </a:rPr>
-              <a:t>reactive</a:t>
-            </a:r>
-            <a:r>
-              <a:t>.</a:t>
-            </a:r>
-          </a:p>
-        </p:txBody>
-      </p:sp>
       <p:pic>
         <p:nvPicPr>
           <p:cNvPr id="237" name="Screen Shot 2015-06-08 at 6.15.38 PM.png" descr="Screen Shot 2015-06-08 at 6.15.38 PM.png"/>
@@ -12266,7 +12264,7 @@
           <p:nvPr/>
         </p:nvPicPr>
         <p:blipFill>
-          <a:blip r:embed="rId21">
+          <a:blip r:embed="rId20">
             <a:extLst/>
           </a:blip>
           <a:stretch>
@@ -12295,7 +12293,7 @@
           <p:nvPr/>
         </p:nvPicPr>
         <p:blipFill>
-          <a:blip r:embed="rId22">
+          <a:blip r:embed="rId21">
             <a:extLst/>
           </a:blip>
           <a:stretch>
@@ -12324,7 +12322,7 @@
           <p:nvPr/>
         </p:nvPicPr>
         <p:blipFill>
-          <a:blip r:embed="rId23">
+          <a:blip r:embed="rId22">
             <a:extLst/>
           </a:blip>
           <a:stretch>
@@ -12353,7 +12351,7 @@
           <p:nvPr/>
         </p:nvPicPr>
         <p:blipFill>
-          <a:blip r:embed="rId24">
+          <a:blip r:embed="rId23">
             <a:extLst/>
           </a:blip>
           <a:stretch>
@@ -12382,7 +12380,7 @@
           <p:nvPr/>
         </p:nvPicPr>
         <p:blipFill>
-          <a:blip r:embed="rId25">
+          <a:blip r:embed="rId24">
             <a:extLst/>
           </a:blip>
           <a:stretch>
@@ -12411,7 +12409,7 @@
           <p:nvPr/>
         </p:nvPicPr>
         <p:blipFill>
-          <a:blip r:embed="rId26">
+          <a:blip r:embed="rId25">
             <a:extLst/>
           </a:blip>
           <a:stretch>
@@ -12440,7 +12438,7 @@
           <p:nvPr/>
         </p:nvPicPr>
         <p:blipFill>
-          <a:blip r:embed="rId27">
+          <a:blip r:embed="rId26">
             <a:extLst/>
           </a:blip>
           <a:stretch>
@@ -12469,7 +12467,7 @@
           <p:nvPr/>
         </p:nvPicPr>
         <p:blipFill>
-          <a:blip r:embed="rId28">
+          <a:blip r:embed="rId27">
             <a:extLst/>
           </a:blip>
           <a:stretch>
@@ -12498,7 +12496,7 @@
           <p:nvPr/>
         </p:nvPicPr>
         <p:blipFill>
-          <a:blip r:embed="rId29">
+          <a:blip r:embed="rId28">
             <a:extLst/>
           </a:blip>
           <a:srcRect l="0" t="12405" r="0" b="0"/>
@@ -12528,7 +12526,7 @@
           <p:nvPr/>
         </p:nvPicPr>
         <p:blipFill>
-          <a:blip r:embed="rId30">
+          <a:blip r:embed="rId29">
             <a:extLst/>
           </a:blip>
           <a:stretch>
@@ -12557,7 +12555,7 @@
           <p:nvPr/>
         </p:nvPicPr>
         <p:blipFill>
-          <a:blip r:embed="rId31">
+          <a:blip r:embed="rId30">
             <a:extLst/>
           </a:blip>
           <a:stretch>
@@ -12586,7 +12584,7 @@
           <p:nvPr/>
         </p:nvPicPr>
         <p:blipFill>
-          <a:blip r:embed="rId32">
+          <a:blip r:embed="rId31">
             <a:extLst/>
           </a:blip>
           <a:stretch>
@@ -12615,7 +12613,7 @@
           <p:nvPr/>
         </p:nvPicPr>
         <p:blipFill>
-          <a:blip r:embed="rId33">
+          <a:blip r:embed="rId32">
             <a:extLst/>
           </a:blip>
           <a:stretch>
@@ -12644,7 +12642,7 @@
           <p:nvPr/>
         </p:nvPicPr>
         <p:blipFill>
-          <a:blip r:embed="rId34">
+          <a:blip r:embed="rId33">
             <a:extLst/>
           </a:blip>
           <a:stretch>
@@ -12673,7 +12671,7 @@
           <p:nvPr/>
         </p:nvPicPr>
         <p:blipFill>
-          <a:blip r:embed="rId35">
+          <a:blip r:embed="rId34">
             <a:extLst/>
           </a:blip>
           <a:stretch>
@@ -12684,6 +12682,35 @@
           <a:xfrm>
             <a:off x="10442737" y="9001994"/>
             <a:ext cx="700849" cy="273409"/>
+          </a:xfrm>
+          <a:prstGeom prst="rect">
+            <a:avLst/>
+          </a:prstGeom>
+          <a:ln w="12700">
+            <a:miter lim="400000"/>
+          </a:ln>
+        </p:spPr>
+      </p:pic>
+      <p:pic>
+        <p:nvPicPr>
+          <p:cNvPr id="252" name="Screen Shot 2015-06-08 at 7.31.32 PM.png" descr="Screen Shot 2015-06-08 at 7.31.32 PM.png"/>
+          <p:cNvPicPr>
+            <a:picLocks noChangeAspect="1"/>
+          </p:cNvPicPr>
+          <p:nvPr/>
+        </p:nvPicPr>
+        <p:blipFill>
+          <a:blip r:embed="rId35">
+            <a:extLst/>
+          </a:blip>
+          <a:stretch>
+            <a:fillRect/>
+          </a:stretch>
+        </p:blipFill>
+        <p:spPr>
+          <a:xfrm>
+            <a:off x="3999011" y="9655813"/>
+            <a:ext cx="367337" cy="248842"/>
           </a:xfrm>
           <a:prstGeom prst="rect">
             <a:avLst/>
@@ -12735,7 +12762,7 @@
                                       <p:cBhvr>
                                         <p:cTn id="6" fill="hold"/>
                                         <p:tgtEl>
-                                          <p:spTgt spid="232"/>
+                                          <p:spTgt spid="235"/>
                                         </p:tgtEl>
                                         <p:attrNameLst>
                                           <p:attrName>style.visibility</p:attrName>
@@ -12776,7 +12803,7 @@
       </p:par>
     </p:tnLst>
     <p:bldLst>
-      <p:bldP build="whole" bldLvl="1" animBg="1" rev="0" advAuto="0" spid="232" grpId="1"/>
+      <p:bldP build="whole" bldLvl="1" animBg="1" rev="0" advAuto="0" spid="235" grpId="1"/>
     </p:bldLst>
   </p:timing>
 </p:sld>
@@ -12801,7 +12828,7 @@
       </p:grpSpPr>
       <p:grpSp>
         <p:nvGrpSpPr>
-          <p:cNvPr id="270" name="Group"/>
+          <p:cNvPr id="271" name="Group"/>
           <p:cNvGrpSpPr/>
           <p:nvPr/>
         </p:nvGrpSpPr>
@@ -12815,7 +12842,7 @@
         </p:grpSpPr>
         <p:grpSp>
           <p:nvGrpSpPr>
-            <p:cNvPr id="268" name="Group"/>
+            <p:cNvPr id="269" name="Group"/>
             <p:cNvGrpSpPr/>
             <p:nvPr/>
           </p:nvGrpSpPr>
@@ -12829,7 +12856,7 @@
           </p:grpSpPr>
           <p:sp>
             <p:nvSpPr>
-              <p:cNvPr id="253" name="Triangle"/>
+              <p:cNvPr id="254" name="Triangle"/>
               <p:cNvSpPr/>
               <p:nvPr/>
             </p:nvSpPr>
@@ -12877,7 +12904,7 @@
           </p:sp>
           <p:sp>
             <p:nvSpPr>
-              <p:cNvPr id="254" name="Circle"/>
+              <p:cNvPr id="255" name="Circle"/>
               <p:cNvSpPr/>
               <p:nvPr/>
             </p:nvSpPr>
@@ -12922,7 +12949,7 @@
           </p:sp>
           <p:sp>
             <p:nvSpPr>
-              <p:cNvPr id="255" name="Circle"/>
+              <p:cNvPr id="256" name="Circle"/>
               <p:cNvSpPr/>
               <p:nvPr/>
             </p:nvSpPr>
@@ -12969,7 +12996,7 @@
           </p:sp>
           <p:sp>
             <p:nvSpPr>
-              <p:cNvPr id="256" name="Triangle"/>
+              <p:cNvPr id="257" name="Triangle"/>
               <p:cNvSpPr/>
               <p:nvPr/>
             </p:nvSpPr>
@@ -13017,7 +13044,7 @@
           </p:sp>
           <p:sp>
             <p:nvSpPr>
-              <p:cNvPr id="257" name="Triangle"/>
+              <p:cNvPr id="258" name="Triangle"/>
               <p:cNvSpPr/>
               <p:nvPr/>
             </p:nvSpPr>
@@ -13065,7 +13092,7 @@
           </p:sp>
           <p:sp>
             <p:nvSpPr>
-              <p:cNvPr id="258" name="Circle"/>
+              <p:cNvPr id="259" name="Circle"/>
               <p:cNvSpPr/>
               <p:nvPr/>
             </p:nvSpPr>
@@ -13110,7 +13137,7 @@
           </p:sp>
           <p:sp>
             <p:nvSpPr>
-              <p:cNvPr id="259" name="Circle"/>
+              <p:cNvPr id="260" name="Circle"/>
               <p:cNvSpPr/>
               <p:nvPr/>
             </p:nvSpPr>
@@ -13155,7 +13182,7 @@
           </p:sp>
           <p:sp>
             <p:nvSpPr>
-              <p:cNvPr id="260" name="Triangle"/>
+              <p:cNvPr id="261" name="Triangle"/>
               <p:cNvSpPr/>
               <p:nvPr/>
             </p:nvSpPr>
@@ -13203,7 +13230,7 @@
           </p:sp>
           <p:sp>
             <p:nvSpPr>
-              <p:cNvPr id="261" name="Circle"/>
+              <p:cNvPr id="262" name="Circle"/>
               <p:cNvSpPr/>
               <p:nvPr/>
             </p:nvSpPr>
@@ -13248,7 +13275,7 @@
           </p:sp>
           <p:sp>
             <p:nvSpPr>
-              <p:cNvPr id="262" name="Triangle"/>
+              <p:cNvPr id="263" name="Triangle"/>
               <p:cNvSpPr/>
               <p:nvPr/>
             </p:nvSpPr>
@@ -13296,7 +13323,7 @@
           </p:sp>
           <p:sp>
             <p:nvSpPr>
-              <p:cNvPr id="263" name="Circle"/>
+              <p:cNvPr id="264" name="Circle"/>
               <p:cNvSpPr/>
               <p:nvPr/>
             </p:nvSpPr>
@@ -13341,7 +13368,7 @@
           </p:sp>
           <p:sp>
             <p:nvSpPr>
-              <p:cNvPr id="264" name="Triangle"/>
+              <p:cNvPr id="265" name="Triangle"/>
               <p:cNvSpPr/>
               <p:nvPr/>
             </p:nvSpPr>
@@ -13389,7 +13416,7 @@
           </p:sp>
           <p:sp>
             <p:nvSpPr>
-              <p:cNvPr id="265" name="Circle"/>
+              <p:cNvPr id="266" name="Circle"/>
               <p:cNvSpPr/>
               <p:nvPr/>
             </p:nvSpPr>
@@ -13434,7 +13461,7 @@
           </p:sp>
           <p:sp>
             <p:nvSpPr>
-              <p:cNvPr id="266" name="Triangle"/>
+              <p:cNvPr id="267" name="Triangle"/>
               <p:cNvSpPr/>
               <p:nvPr/>
             </p:nvSpPr>
@@ -13482,7 +13509,7 @@
           </p:sp>
           <p:sp>
             <p:nvSpPr>
-              <p:cNvPr id="267" name="Circle"/>
+              <p:cNvPr id="268" name="Circle"/>
               <p:cNvSpPr/>
               <p:nvPr/>
             </p:nvSpPr>
@@ -13528,7 +13555,7 @@
         </p:grpSp>
         <p:sp>
           <p:nvSpPr>
-            <p:cNvPr id="269" name="Rectangle"/>
+            <p:cNvPr id="270" name="Rectangle"/>
             <p:cNvSpPr/>
             <p:nvPr/>
           </p:nvSpPr>
@@ -13596,7 +13623,7 @@
       </p:grpSp>
       <p:sp>
         <p:nvSpPr>
-          <p:cNvPr id="271" name="wellPanel(dateInput(&quot;a&quot;, &quot;&quot;),…"/>
+          <p:cNvPr id="272" name="wellPanel(dateInput(&quot;a&quot;, &quot;&quot;),…"/>
           <p:cNvSpPr/>
           <p:nvPr/>
         </p:nvSpPr>
@@ -13699,7 +13726,7 @@
       </p:sp>
       <p:sp>
         <p:nvSpPr>
-          <p:cNvPr id="272" name="Reactivity"/>
+          <p:cNvPr id="273" name="Reactivity"/>
           <p:cNvSpPr txBox="1"/>
           <p:nvPr/>
         </p:nvSpPr>
@@ -13747,7 +13774,7 @@
       </p:sp>
       <p:sp>
         <p:nvSpPr>
-          <p:cNvPr id="273" name="Line"/>
+          <p:cNvPr id="274" name="Line"/>
           <p:cNvSpPr/>
           <p:nvPr/>
         </p:nvSpPr>
@@ -13788,7 +13815,7 @@
       </p:sp>
       <p:sp>
         <p:nvSpPr>
-          <p:cNvPr id="274" name="Line"/>
+          <p:cNvPr id="275" name="Line"/>
           <p:cNvSpPr/>
           <p:nvPr/>
         </p:nvSpPr>
@@ -13829,7 +13856,7 @@
       </p:sp>
       <p:sp>
         <p:nvSpPr>
-          <p:cNvPr id="275" name="Line"/>
+          <p:cNvPr id="276" name="Line"/>
           <p:cNvSpPr/>
           <p:nvPr/>
         </p:nvSpPr>
@@ -13868,35 +13895,6 @@
           </a:p>
         </p:txBody>
       </p:sp>
-      <p:pic>
-        <p:nvPicPr>
-          <p:cNvPr id="276" name="Image" descr="Image"/>
-          <p:cNvPicPr>
-            <a:picLocks noChangeAspect="1"/>
-          </p:cNvPicPr>
-          <p:nvPr/>
-        </p:nvPicPr>
-        <p:blipFill>
-          <a:blip r:embed="rId2">
-            <a:extLst/>
-          </a:blip>
-          <a:stretch>
-            <a:fillRect/>
-          </a:stretch>
-        </p:blipFill>
-        <p:spPr>
-          <a:xfrm>
-            <a:off x="238823" y="9978474"/>
-            <a:ext cx="1754521" cy="616478"/>
-          </a:xfrm>
-          <a:prstGeom prst="rect">
-            <a:avLst/>
-          </a:prstGeom>
-          <a:ln w="12700">
-            <a:miter lim="400000"/>
-          </a:ln>
-        </p:spPr>
-      </p:pic>
       <p:sp>
         <p:nvSpPr>
           <p:cNvPr id="277" name="RStudio® is a trademark of RStudio, Inc.  •  CC BY SA RStudio •  info@rstudio.com  •  844-448-1212 • rstudio.com •  Learn more at shiny.rstudio.com  •  shiny  0.12.0  •  Updated: 2016-01"/>
@@ -13944,25 +13942,25 @@
             </a:r>
             <a:r>
               <a:rPr>
+                <a:hlinkClick r:id="rId2" invalidUrl="" action="" tgtFrame="" tooltip="" history="1" highlightClick="0" endSnd="0"/>
+              </a:rPr>
+              <a:t>CC BY SA</a:t>
+            </a:r>
+            <a:r>
+              <a:t> RStudio •  </a:t>
+            </a:r>
+            <a:r>
+              <a:rPr>
                 <a:hlinkClick r:id="rId3" invalidUrl="" action="" tgtFrame="" tooltip="" history="1" highlightClick="0" endSnd="0"/>
               </a:rPr>
-              <a:t>CC BY SA</a:t>
-            </a:r>
-            <a:r>
-              <a:t> RStudio •  </a:t>
+              <a:t>info@rstudio.com</a:t>
+            </a:r>
+            <a:r>
+              <a:t>  •  844-448-1212 • </a:t>
             </a:r>
             <a:r>
               <a:rPr>
                 <a:hlinkClick r:id="rId4" invalidUrl="" action="" tgtFrame="" tooltip="" history="1" highlightClick="0" endSnd="0"/>
-              </a:rPr>
-              <a:t>info@rstudio.com</a:t>
-            </a:r>
-            <a:r>
-              <a:t>  •  844-448-1212 • </a:t>
-            </a:r>
-            <a:r>
-              <a:rPr>
-                <a:hlinkClick r:id="rId5" invalidUrl="" action="" tgtFrame="" tooltip="" history="1" highlightClick="0" endSnd="0"/>
               </a:rPr>
               <a:t>rstudio.com</a:t>
             </a:r>
@@ -17419,38 +17417,9 @@
           </a:p>
         </p:txBody>
       </p:sp>
-      <p:pic>
-        <p:nvPicPr>
-          <p:cNvPr id="297" name="shiny-flow.png" descr="shiny-flow.png"/>
-          <p:cNvPicPr>
-            <a:picLocks noChangeAspect="1"/>
-          </p:cNvPicPr>
-          <p:nvPr/>
-        </p:nvPicPr>
-        <p:blipFill>
-          <a:blip r:embed="rId6">
-            <a:extLst/>
-          </a:blip>
-          <a:stretch>
-            <a:fillRect/>
-          </a:stretch>
-        </p:blipFill>
-        <p:spPr>
-          <a:xfrm>
-            <a:off x="604859" y="1204714"/>
-            <a:ext cx="5590933" cy="2559447"/>
-          </a:xfrm>
-          <a:prstGeom prst="rect">
-            <a:avLst/>
-          </a:prstGeom>
-          <a:ln w="12700">
-            <a:miter lim="400000"/>
-          </a:ln>
-        </p:spPr>
-      </p:pic>
       <p:sp>
         <p:nvSpPr>
-          <p:cNvPr id="298" name="CREATE YOUR OWN REACTIVE VALUES"/>
+          <p:cNvPr id="297" name="CREATE YOUR OWN REACTIVE VALUES"/>
           <p:cNvSpPr txBox="1"/>
           <p:nvPr/>
         </p:nvSpPr>
@@ -17486,7 +17455,7 @@
       </p:sp>
       <p:sp>
         <p:nvSpPr>
-          <p:cNvPr id="299" name="PREVENT REACTIONS"/>
+          <p:cNvPr id="298" name="PREVENT REACTIONS"/>
           <p:cNvSpPr txBox="1"/>
           <p:nvPr/>
         </p:nvSpPr>
@@ -17522,7 +17491,7 @@
       </p:sp>
       <p:sp>
         <p:nvSpPr>
-          <p:cNvPr id="300" name="MODULARIZE REACTIONS"/>
+          <p:cNvPr id="299" name="MODULARIZE REACTIONS"/>
           <p:cNvSpPr txBox="1"/>
           <p:nvPr/>
         </p:nvSpPr>
@@ -17558,7 +17527,7 @@
       </p:sp>
       <p:sp>
         <p:nvSpPr>
-          <p:cNvPr id="301" name="RENDER REACTIVE OUTPUT"/>
+          <p:cNvPr id="300" name="RENDER REACTIVE OUTPUT"/>
           <p:cNvSpPr txBox="1"/>
           <p:nvPr/>
         </p:nvSpPr>
@@ -17594,7 +17563,7 @@
       </p:sp>
       <p:sp>
         <p:nvSpPr>
-          <p:cNvPr id="302" name="TRIGGER ARBITRARY CODE"/>
+          <p:cNvPr id="301" name="TRIGGER ARBITRARY CODE"/>
           <p:cNvSpPr txBox="1"/>
           <p:nvPr/>
         </p:nvSpPr>
@@ -17630,7 +17599,7 @@
       </p:sp>
       <p:sp>
         <p:nvSpPr>
-          <p:cNvPr id="303" name="DELAY REACTIONS"/>
+          <p:cNvPr id="302" name="DELAY REACTIONS"/>
           <p:cNvSpPr txBox="1"/>
           <p:nvPr/>
         </p:nvSpPr>
@@ -17666,7 +17635,7 @@
       </p:sp>
       <p:sp>
         <p:nvSpPr>
-          <p:cNvPr id="304" name="UI - An app’s UI is an HTML document."/>
+          <p:cNvPr id="303" name="UI - An app’s UI is an HTML document."/>
           <p:cNvSpPr txBox="1"/>
           <p:nvPr/>
         </p:nvSpPr>
@@ -17718,7 +17687,7 @@
       </p:sp>
       <p:sp>
         <p:nvSpPr>
-          <p:cNvPr id="305" name="Layouts"/>
+          <p:cNvPr id="304" name="Layouts"/>
           <p:cNvSpPr txBox="1"/>
           <p:nvPr/>
         </p:nvSpPr>
@@ -17766,7 +17735,7 @@
       </p:sp>
       <p:sp>
         <p:nvSpPr>
-          <p:cNvPr id="306" name="Line"/>
+          <p:cNvPr id="305" name="Line"/>
           <p:cNvSpPr/>
           <p:nvPr/>
         </p:nvSpPr>
@@ -17807,7 +17776,7 @@
       </p:sp>
       <p:sp>
         <p:nvSpPr>
-          <p:cNvPr id="307" name="Add static HTML elements with tags, a list of functions that parallel common HTML tags, e.g. tags$a(). Unnamed arguments will be passed into the tag; named arguments will become tag attributes."/>
+          <p:cNvPr id="306" name="Add static HTML elements with tags, a list of functions that parallel common HTML tags, e.g. tags$a(). Unnamed arguments will be passed into the tag; named arguments will become tag attributes."/>
           <p:cNvSpPr txBox="1"/>
           <p:nvPr/>
         </p:nvSpPr>
@@ -17900,7 +17869,7 @@
       </p:sp>
       <p:sp>
         <p:nvSpPr>
-          <p:cNvPr id="308" name="Use Shiny’s functions to assemble this HTML with R."/>
+          <p:cNvPr id="307" name="Use Shiny’s functions to assemble this HTML with R."/>
           <p:cNvSpPr txBox="1"/>
           <p:nvPr/>
         </p:nvSpPr>
@@ -17957,7 +17926,7 @@
       </p:sp>
       <p:grpSp>
         <p:nvGrpSpPr>
-          <p:cNvPr id="314" name="Group"/>
+          <p:cNvPr id="313" name="Group"/>
           <p:cNvGrpSpPr/>
           <p:nvPr/>
         </p:nvGrpSpPr>
@@ -17971,7 +17940,7 @@
         </p:grpSpPr>
         <p:sp>
           <p:nvSpPr>
-            <p:cNvPr id="309" name="tags$a…"/>
+            <p:cNvPr id="308" name="tags$a…"/>
             <p:cNvSpPr txBox="1"/>
             <p:nvPr/>
           </p:nvSpPr>
@@ -18809,7 +18778,7 @@
         </p:sp>
         <p:sp>
           <p:nvSpPr>
-            <p:cNvPr id="310" name="tags$data…"/>
+            <p:cNvPr id="309" name="tags$data…"/>
             <p:cNvSpPr txBox="1"/>
             <p:nvPr/>
           </p:nvSpPr>
@@ -19644,7 +19613,7 @@
         </p:sp>
         <p:sp>
           <p:nvSpPr>
-            <p:cNvPr id="311" name="tags$h6…"/>
+            <p:cNvPr id="310" name="tags$h6…"/>
             <p:cNvSpPr txBox="1"/>
             <p:nvPr/>
           </p:nvSpPr>
@@ -20476,7 +20445,7 @@
         </p:sp>
         <p:sp>
           <p:nvSpPr>
-            <p:cNvPr id="312" name="tags$nav…"/>
+            <p:cNvPr id="311" name="tags$nav…"/>
             <p:cNvSpPr txBox="1"/>
             <p:nvPr/>
           </p:nvSpPr>
@@ -21336,7 +21305,7 @@
         </p:sp>
         <p:sp>
           <p:nvSpPr>
-            <p:cNvPr id="313" name="tags$span…"/>
+            <p:cNvPr id="312" name="tags$span…"/>
             <p:cNvSpPr txBox="1"/>
             <p:nvPr/>
           </p:nvSpPr>
@@ -22169,7 +22138,7 @@
       </p:grpSp>
       <p:sp>
         <p:nvSpPr>
-          <p:cNvPr id="315" name="fluidPage(…"/>
+          <p:cNvPr id="314" name="fluidPage(…"/>
           <p:cNvSpPr/>
           <p:nvPr/>
         </p:nvSpPr>
@@ -22400,7 +22369,7 @@
       </p:sp>
       <p:sp>
         <p:nvSpPr>
-          <p:cNvPr id="316" name="Line"/>
+          <p:cNvPr id="315" name="Line"/>
           <p:cNvSpPr/>
           <p:nvPr/>
         </p:nvSpPr>
@@ -22482,7 +22451,7 @@
       </p:sp>
       <p:sp>
         <p:nvSpPr>
-          <p:cNvPr id="317" name="Returns…"/>
+          <p:cNvPr id="316" name="Returns…"/>
           <p:cNvSpPr txBox="1"/>
           <p:nvPr/>
         </p:nvSpPr>
@@ -22554,99 +22523,9 @@
           </a:p>
         </p:txBody>
       </p:sp>
-      <p:pic>
-        <p:nvPicPr>
-          <p:cNvPr id="318" name="Image" descr="Image"/>
-          <p:cNvPicPr>
-            <a:picLocks noChangeAspect="1"/>
-          </p:cNvPicPr>
-          <p:nvPr/>
-        </p:nvPicPr>
-        <p:blipFill>
-          <a:blip r:embed="rId7">
-            <a:extLst/>
-          </a:blip>
-          <a:srcRect l="0" t="0" r="54302" b="0"/>
-          <a:stretch>
-            <a:fillRect/>
-          </a:stretch>
-        </p:blipFill>
-        <p:spPr>
-          <a:xfrm>
-            <a:off x="7106566" y="2470196"/>
-            <a:ext cx="478187" cy="639472"/>
-          </a:xfrm>
-          <a:prstGeom prst="rect">
-            <a:avLst/>
-          </a:prstGeom>
-          <a:ln w="12700">
-            <a:miter lim="400000"/>
-          </a:ln>
-        </p:spPr>
-      </p:pic>
-      <p:pic>
-        <p:nvPicPr>
-          <p:cNvPr id="319" name="Image" descr="Image"/>
-          <p:cNvPicPr>
-            <a:picLocks noChangeAspect="1"/>
-          </p:cNvPicPr>
-          <p:nvPr/>
-        </p:nvPicPr>
-        <p:blipFill>
-          <a:blip r:embed="rId7">
-            <a:extLst/>
-          </a:blip>
-          <a:srcRect l="53401" t="0" r="0" b="0"/>
-          <a:stretch>
-            <a:fillRect/>
-          </a:stretch>
-        </p:blipFill>
-        <p:spPr>
-          <a:xfrm>
-            <a:off x="7135639" y="7564774"/>
-            <a:ext cx="487609" cy="639473"/>
-          </a:xfrm>
-          <a:prstGeom prst="rect">
-            <a:avLst/>
-          </a:prstGeom>
-          <a:ln w="12700">
-            <a:miter lim="400000"/>
-          </a:ln>
-        </p:spPr>
-      </p:pic>
-      <p:pic>
-        <p:nvPicPr>
-          <p:cNvPr id="320" name="Image" descr="Image"/>
-          <p:cNvPicPr>
-            <a:picLocks noChangeAspect="1"/>
-          </p:cNvPicPr>
-          <p:nvPr/>
-        </p:nvPicPr>
-        <p:blipFill>
-          <a:blip r:embed="rId8">
-            <a:extLst/>
-          </a:blip>
-          <a:srcRect l="33707" t="0" r="33707" b="24546"/>
-          <a:stretch>
-            <a:fillRect/>
-          </a:stretch>
-        </p:blipFill>
-        <p:spPr>
-          <a:xfrm>
-            <a:off x="7122333" y="8679199"/>
-            <a:ext cx="475992" cy="645806"/>
-          </a:xfrm>
-          <a:prstGeom prst="rect">
-            <a:avLst/>
-          </a:prstGeom>
-          <a:ln w="12700">
-            <a:miter lim="400000"/>
-          </a:ln>
-        </p:spPr>
-      </p:pic>
       <p:sp>
         <p:nvSpPr>
-          <p:cNvPr id="321" name="The most common tags have wrapper functions. You do not need to prefix their names with tags$"/>
+          <p:cNvPr id="317" name="The most common tags have wrapper functions. You do not need to prefix their names with tags$"/>
           <p:cNvSpPr txBox="1"/>
           <p:nvPr/>
         </p:nvSpPr>
@@ -22703,110 +22582,9 @@
           </a:p>
         </p:txBody>
       </p:sp>
-      <p:grpSp>
-        <p:nvGrpSpPr>
-          <p:cNvPr id="324" name="Group"/>
-          <p:cNvGrpSpPr/>
-          <p:nvPr/>
-        </p:nvGrpSpPr>
-        <p:grpSpPr>
-          <a:xfrm>
-            <a:off x="7122333" y="9676855"/>
-            <a:ext cx="512367" cy="620559"/>
-            <a:chOff x="0" y="0"/>
-            <a:chExt cx="512365" cy="620558"/>
-          </a:xfrm>
-        </p:grpSpPr>
-        <p:pic>
-          <p:nvPicPr>
-            <p:cNvPr id="322" name="RStudio-Logo-Black-Letters.png" descr="RStudio-Logo-Black-Letters.png"/>
-            <p:cNvPicPr>
-              <a:picLocks noChangeAspect="1"/>
-            </p:cNvPicPr>
-            <p:nvPr/>
-          </p:nvPicPr>
-          <p:blipFill>
-            <a:blip r:embed="rId9">
-              <a:extLst/>
-            </a:blip>
-            <a:srcRect l="0" t="0" r="63329" b="0"/>
-            <a:stretch>
-              <a:fillRect/>
-            </a:stretch>
-          </p:blipFill>
-          <p:spPr>
-            <a:xfrm>
-              <a:off x="62121" y="247189"/>
-              <a:ext cx="390081" cy="373370"/>
-            </a:xfrm>
-            <a:prstGeom prst="rect">
-              <a:avLst/>
-            </a:prstGeom>
-            <a:ln w="12700" cap="flat">
-              <a:noFill/>
-              <a:miter lim="400000"/>
-            </a:ln>
-            <a:effectLst/>
-          </p:spPr>
-        </p:pic>
-        <p:sp>
-          <p:nvSpPr>
-            <p:cNvPr id="323" name="IMAGES"/>
-            <p:cNvSpPr txBox="1"/>
-            <p:nvPr/>
-          </p:nvSpPr>
-          <p:spPr>
-            <a:xfrm>
-              <a:off x="0" y="-1"/>
-              <a:ext cx="512366" cy="261542"/>
-            </a:xfrm>
-            <a:prstGeom prst="rect">
-              <a:avLst/>
-            </a:prstGeom>
-            <a:noFill/>
-            <a:ln w="12700" cap="flat">
-              <a:noFill/>
-              <a:miter lim="400000"/>
-            </a:ln>
-            <a:effectLst/>
-            <a:extLst>
-              <a:ext uri="{C572A759-6A51-4108-AA02-DFA0A04FC94B}">
-                <ma14:wrappingTextBoxFlag xmlns:ma14="http://schemas.microsoft.com/office/mac/drawingml/2011/main" val="1"/>
-              </a:ext>
-            </a:extLst>
-          </p:spPr>
-          <p:txBody>
-            <a:bodyPr wrap="none" lIns="54570" tIns="54570" rIns="54570" bIns="54570" numCol="1" anchor="ctr">
-              <a:spAutoFit/>
-            </a:bodyPr>
-            <a:lstStyle>
-              <a:lvl1pPr algn="ctr">
-                <a:spcBef>
-                  <a:spcPts val="0"/>
-                </a:spcBef>
-                <a:defRPr b="0">
-                  <a:solidFill>
-                    <a:srgbClr val="000000"/>
-                  </a:solidFill>
-                  <a:latin typeface="헤드라인A"/>
-                  <a:ea typeface="헤드라인A"/>
-                  <a:cs typeface="헤드라인A"/>
-                  <a:sym typeface="헤드라인A"/>
-                </a:defRPr>
-              </a:lvl1pPr>
-            </a:lstStyle>
-            <a:p>
-              <a:pPr/>
-              <a:r>
-                <a:t>IMAGES</a:t>
-              </a:r>
-            </a:p>
-          </p:txBody>
-        </p:sp>
-      </p:grpSp>
       <p:sp>
         <p:nvSpPr>
-          <p:cNvPr id="325" name="To include a CSS file, use includeCSS(), or…"/>
+          <p:cNvPr id="318" name="To include a CSS file, use includeCSS(), or…"/>
           <p:cNvSpPr txBox="1"/>
           <p:nvPr/>
         </p:nvSpPr>
@@ -22915,7 +22693,7 @@
       </p:sp>
       <p:sp>
         <p:nvSpPr>
-          <p:cNvPr id="326" name="To include JavaScript, use includeScript() or…"/>
+          <p:cNvPr id="319" name="To include JavaScript, use includeScript() or…"/>
           <p:cNvSpPr txBox="1"/>
           <p:nvPr/>
         </p:nvSpPr>
@@ -23022,479 +22800,9 @@
           </a:p>
         </p:txBody>
       </p:sp>
-      <p:grpSp>
-        <p:nvGrpSpPr>
-          <p:cNvPr id="330" name="Group"/>
-          <p:cNvGrpSpPr/>
-          <p:nvPr/>
-        </p:nvGrpSpPr>
-        <p:grpSpPr>
-          <a:xfrm>
-            <a:off x="7298918" y="6141339"/>
-            <a:ext cx="2788756" cy="1366895"/>
-            <a:chOff x="0" y="0"/>
-            <a:chExt cx="2788755" cy="1366893"/>
-          </a:xfrm>
-        </p:grpSpPr>
-        <p:sp>
-          <p:nvSpPr>
-            <p:cNvPr id="327" name="ui &lt;- fluidPage(…"/>
-            <p:cNvSpPr/>
-            <p:nvPr/>
-          </p:nvSpPr>
-          <p:spPr>
-            <a:xfrm>
-              <a:off x="0" y="0"/>
-              <a:ext cx="1650358" cy="1362262"/>
-            </a:xfrm>
-            <a:prstGeom prst="rect">
-              <a:avLst/>
-            </a:prstGeom>
-            <a:solidFill>
-              <a:srgbClr val="FFFFFF"/>
-            </a:solidFill>
-            <a:ln w="9525" cap="flat">
-              <a:solidFill>
-                <a:srgbClr val="000000"/>
-              </a:solidFill>
-              <a:prstDash val="solid"/>
-              <a:miter lim="400000"/>
-            </a:ln>
-            <a:effectLst/>
-            <a:extLst>
-              <a:ext uri="{C572A759-6A51-4108-AA02-DFA0A04FC94B}">
-                <ma14:wrappingTextBoxFlag xmlns:ma14="http://schemas.microsoft.com/office/mac/drawingml/2011/main" val="1"/>
-              </a:ext>
-            </a:extLst>
-          </p:spPr>
-          <p:txBody>
-            <a:bodyPr wrap="square" lIns="38100" tIns="38100" rIns="38100" bIns="38100" numCol="1" anchor="t">
-              <a:noAutofit/>
-            </a:bodyPr>
-            <a:lstStyle/>
-            <a:p>
-              <a:pPr>
-                <a:spcBef>
-                  <a:spcPts val="0"/>
-                </a:spcBef>
-                <a:defRPr b="0" sz="800">
-                  <a:solidFill>
-                    <a:srgbClr val="797979"/>
-                  </a:solidFill>
-                  <a:latin typeface="Source Code Pro Semibold"/>
-                  <a:ea typeface="Source Code Pro Semibold"/>
-                  <a:cs typeface="Source Code Pro Semibold"/>
-                  <a:sym typeface="Source Code Pro Semibold"/>
-                </a:defRPr>
-              </a:pPr>
-              <a:r>
-                <a:t>ui &lt;- fluidPage(</a:t>
-              </a:r>
-            </a:p>
-            <a:p>
-              <a:pPr>
-                <a:spcBef>
-                  <a:spcPts val="0"/>
-                </a:spcBef>
-                <a:defRPr b="0" sz="800">
-                  <a:solidFill>
-                    <a:srgbClr val="002452"/>
-                  </a:solidFill>
-                  <a:latin typeface="Source Code Pro Semibold"/>
-                  <a:ea typeface="Source Code Pro Semibold"/>
-                  <a:cs typeface="Source Code Pro Semibold"/>
-                  <a:sym typeface="Source Code Pro Semibold"/>
-                </a:defRPr>
-              </a:pPr>
-              <a:r>
-                <a:t>  h1("Header 1")</a:t>
-              </a:r>
-              <a:r>
-                <a:rPr>
-                  <a:solidFill>
-                    <a:srgbClr val="797979"/>
-                  </a:solidFill>
-                </a:rPr>
-                <a:t>,</a:t>
-              </a:r>
-              <a:r>
-                <a:t> </a:t>
-              </a:r>
-            </a:p>
-            <a:p>
-              <a:pPr>
-                <a:spcBef>
-                  <a:spcPts val="0"/>
-                </a:spcBef>
-                <a:defRPr b="0" sz="800">
-                  <a:solidFill>
-                    <a:schemeClr val="accent1">
-                      <a:hueOff val="-158953"/>
-                      <a:satOff val="43350"/>
-                      <a:lumOff val="-16494"/>
-                    </a:schemeClr>
-                  </a:solidFill>
-                  <a:latin typeface="Source Code Pro Semibold"/>
-                  <a:ea typeface="Source Code Pro Semibold"/>
-                  <a:cs typeface="Source Code Pro Semibold"/>
-                  <a:sym typeface="Source Code Pro Semibold"/>
-                </a:defRPr>
-              </a:pPr>
-              <a:r>
-                <a:t>  </a:t>
-              </a:r>
-              <a:r>
-                <a:rPr>
-                  <a:solidFill>
-                    <a:schemeClr val="accent1">
-                      <a:hueOff val="-206347"/>
-                      <a:satOff val="69104"/>
-                      <a:lumOff val="-8949"/>
-                    </a:schemeClr>
-                  </a:solidFill>
-                </a:rPr>
-                <a:t>hr()</a:t>
-              </a:r>
-              <a:r>
-                <a:rPr>
-                  <a:solidFill>
-                    <a:srgbClr val="797979"/>
-                  </a:solidFill>
-                </a:rPr>
-                <a:t>,</a:t>
-              </a:r>
-            </a:p>
-            <a:p>
-              <a:pPr>
-                <a:spcBef>
-                  <a:spcPts val="0"/>
-                </a:spcBef>
-                <a:defRPr b="0" sz="800">
-                  <a:solidFill>
-                    <a:srgbClr val="002452"/>
-                  </a:solidFill>
-                  <a:latin typeface="Source Code Pro Semibold"/>
-                  <a:ea typeface="Source Code Pro Semibold"/>
-                  <a:cs typeface="Source Code Pro Semibold"/>
-                  <a:sym typeface="Source Code Pro Semibold"/>
-                </a:defRPr>
-              </a:pPr>
-              <a:r>
-                <a:t>  </a:t>
-              </a:r>
-              <a:r>
-                <a:rPr>
-                  <a:solidFill>
-                    <a:schemeClr val="accent1">
-                      <a:hueOff val="-180877"/>
-                      <a:satOff val="65749"/>
-                      <a:lumOff val="17664"/>
-                    </a:schemeClr>
-                  </a:solidFill>
-                </a:rPr>
-                <a:t>br()</a:t>
-              </a:r>
-              <a:r>
-                <a:rPr>
-                  <a:solidFill>
-                    <a:srgbClr val="797979"/>
-                  </a:solidFill>
-                </a:rPr>
-                <a:t>,</a:t>
-              </a:r>
-              <a:endParaRPr>
-                <a:solidFill>
-                  <a:srgbClr val="A6AAA9"/>
-                </a:solidFill>
-              </a:endParaRPr>
-            </a:p>
-            <a:p>
-              <a:pPr>
-                <a:spcBef>
-                  <a:spcPts val="0"/>
-                </a:spcBef>
-                <a:defRPr b="0" sz="800">
-                  <a:solidFill>
-                    <a:srgbClr val="002452"/>
-                  </a:solidFill>
-                  <a:latin typeface="Source Code Pro Semibold"/>
-                  <a:ea typeface="Source Code Pro Semibold"/>
-                  <a:cs typeface="Source Code Pro Semibold"/>
-                  <a:sym typeface="Source Code Pro Semibold"/>
-                </a:defRPr>
-              </a:pPr>
-              <a:r>
-                <a:t>  </a:t>
-              </a:r>
-              <a:r>
-                <a:rPr>
-                  <a:solidFill>
-                    <a:srgbClr val="797979"/>
-                  </a:solidFill>
-                </a:rPr>
-                <a:t>p(</a:t>
-              </a:r>
-              <a:r>
-                <a:t>strong("bold")</a:t>
-              </a:r>
-              <a:r>
-                <a:rPr>
-                  <a:solidFill>
-                    <a:srgbClr val="797979"/>
-                  </a:solidFill>
-                </a:rPr>
-                <a:t>),</a:t>
-              </a:r>
-            </a:p>
-            <a:p>
-              <a:pPr>
-                <a:spcBef>
-                  <a:spcPts val="0"/>
-                </a:spcBef>
-                <a:defRPr b="0" sz="800">
-                  <a:solidFill>
-                    <a:schemeClr val="accent1">
-                      <a:hueOff val="-158953"/>
-                      <a:satOff val="43350"/>
-                      <a:lumOff val="-16494"/>
-                    </a:schemeClr>
-                  </a:solidFill>
-                  <a:latin typeface="Source Code Pro Semibold"/>
-                  <a:ea typeface="Source Code Pro Semibold"/>
-                  <a:cs typeface="Source Code Pro Semibold"/>
-                  <a:sym typeface="Source Code Pro Semibold"/>
-                </a:defRPr>
-              </a:pPr>
-              <a:r>
-                <a:t>  </a:t>
-              </a:r>
-              <a:r>
-                <a:rPr>
-                  <a:solidFill>
-                    <a:srgbClr val="797979"/>
-                  </a:solidFill>
-                </a:rPr>
-                <a:t>p(</a:t>
-              </a:r>
-              <a:r>
-                <a:t>em("italic")</a:t>
-              </a:r>
-              <a:r>
-                <a:rPr>
-                  <a:solidFill>
-                    <a:srgbClr val="797979"/>
-                  </a:solidFill>
-                </a:rPr>
-                <a:t>),</a:t>
-              </a:r>
-            </a:p>
-            <a:p>
-              <a:pPr>
-                <a:spcBef>
-                  <a:spcPts val="0"/>
-                </a:spcBef>
-                <a:defRPr b="0" sz="800">
-                  <a:solidFill>
-                    <a:schemeClr val="accent1">
-                      <a:hueOff val="-206347"/>
-                      <a:satOff val="69104"/>
-                      <a:lumOff val="-8949"/>
-                    </a:schemeClr>
-                  </a:solidFill>
-                  <a:latin typeface="Source Code Pro Semibold"/>
-                  <a:ea typeface="Source Code Pro Semibold"/>
-                  <a:cs typeface="Source Code Pro Semibold"/>
-                  <a:sym typeface="Source Code Pro Semibold"/>
-                </a:defRPr>
-              </a:pPr>
-              <a:r>
-                <a:t>  </a:t>
-              </a:r>
-              <a:r>
-                <a:rPr>
-                  <a:solidFill>
-                    <a:srgbClr val="797979"/>
-                  </a:solidFill>
-                </a:rPr>
-                <a:t>p(</a:t>
-              </a:r>
-              <a:r>
-                <a:t>code("code")</a:t>
-              </a:r>
-              <a:r>
-                <a:rPr>
-                  <a:solidFill>
-                    <a:srgbClr val="797979"/>
-                  </a:solidFill>
-                </a:rPr>
-                <a:t>),</a:t>
-              </a:r>
-            </a:p>
-            <a:p>
-              <a:pPr>
-                <a:spcBef>
-                  <a:spcPts val="0"/>
-                </a:spcBef>
-                <a:defRPr b="0" sz="800">
-                  <a:solidFill>
-                    <a:schemeClr val="accent1">
-                      <a:hueOff val="-180877"/>
-                      <a:satOff val="65749"/>
-                      <a:lumOff val="17664"/>
-                    </a:schemeClr>
-                  </a:solidFill>
-                  <a:latin typeface="Source Code Pro Semibold"/>
-                  <a:ea typeface="Source Code Pro Semibold"/>
-                  <a:cs typeface="Source Code Pro Semibold"/>
-                  <a:sym typeface="Source Code Pro Semibold"/>
-                </a:defRPr>
-              </a:pPr>
-              <a:r>
-                <a:t>  a(href="", "link"),</a:t>
-              </a:r>
-            </a:p>
-            <a:p>
-              <a:pPr>
-                <a:spcBef>
-                  <a:spcPts val="0"/>
-                </a:spcBef>
-                <a:defRPr b="0" sz="800">
-                  <a:solidFill>
-                    <a:schemeClr val="accent1">
-                      <a:hueOff val="-180877"/>
-                      <a:satOff val="65749"/>
-                      <a:lumOff val="17664"/>
-                    </a:schemeClr>
-                  </a:solidFill>
-                  <a:latin typeface="Source Code Pro Semibold"/>
-                  <a:ea typeface="Source Code Pro Semibold"/>
-                  <a:cs typeface="Source Code Pro Semibold"/>
-                  <a:sym typeface="Source Code Pro Semibold"/>
-                </a:defRPr>
-              </a:pPr>
-              <a:r>
-                <a:t>  </a:t>
-              </a:r>
-              <a:r>
-                <a:rPr>
-                  <a:solidFill>
-                    <a:srgbClr val="002452"/>
-                  </a:solidFill>
-                </a:rPr>
-                <a:t>HTML("&lt;p&gt;Raw html&lt;/p&gt;")</a:t>
-              </a:r>
-            </a:p>
-            <a:p>
-              <a:pPr>
-                <a:spcBef>
-                  <a:spcPts val="0"/>
-                </a:spcBef>
-                <a:defRPr b="0" sz="800">
-                  <a:solidFill>
-                    <a:srgbClr val="A6AAA9"/>
-                  </a:solidFill>
-                  <a:latin typeface="Source Code Pro Semibold"/>
-                  <a:ea typeface="Source Code Pro Semibold"/>
-                  <a:cs typeface="Source Code Pro Semibold"/>
-                  <a:sym typeface="Source Code Pro Semibold"/>
-                </a:defRPr>
-              </a:pPr>
-              <a:r>
-                <a:t>)</a:t>
-              </a:r>
-            </a:p>
-          </p:txBody>
-        </p:sp>
-        <p:pic>
-          <p:nvPicPr>
-            <p:cNvPr id="328" name="Screen Shot 2015-06-10 at 9.31.46 AM.png" descr="Screen Shot 2015-06-10 at 9.31.46 AM.png"/>
-            <p:cNvPicPr>
-              <a:picLocks noChangeAspect="1"/>
-            </p:cNvPicPr>
-            <p:nvPr/>
-          </p:nvPicPr>
-          <p:blipFill>
-            <a:blip r:embed="rId10">
-              <a:extLst/>
-            </a:blip>
-            <a:stretch>
-              <a:fillRect/>
-            </a:stretch>
-          </p:blipFill>
-          <p:spPr>
-            <a:xfrm>
-              <a:off x="1790259" y="10982"/>
-              <a:ext cx="998497" cy="1355912"/>
-            </a:xfrm>
-            <a:prstGeom prst="rect">
-              <a:avLst/>
-            </a:prstGeom>
-            <a:ln w="6350" cap="flat">
-              <a:solidFill>
-                <a:srgbClr val="000000"/>
-              </a:solidFill>
-              <a:prstDash val="solid"/>
-              <a:miter lim="400000"/>
-            </a:ln>
-            <a:effectLst/>
-          </p:spPr>
-        </p:pic>
-        <p:sp>
-          <p:nvSpPr>
-            <p:cNvPr id="329" name="Arrow"/>
-            <p:cNvSpPr/>
-            <p:nvPr/>
-          </p:nvSpPr>
-          <p:spPr>
-            <a:xfrm>
-              <a:off x="1350903" y="291241"/>
-              <a:ext cx="511018" cy="276333"/>
-            </a:xfrm>
-            <a:prstGeom prst="rightArrow">
-              <a:avLst>
-                <a:gd name="adj1" fmla="val 54581"/>
-                <a:gd name="adj2" fmla="val 60580"/>
-              </a:avLst>
-            </a:prstGeom>
-            <a:solidFill>
-              <a:schemeClr val="accent1">
-                <a:hueOff val="-158953"/>
-                <a:satOff val="43350"/>
-                <a:lumOff val="-16494"/>
-              </a:schemeClr>
-            </a:solidFill>
-            <a:ln w="12700" cap="flat">
-              <a:noFill/>
-              <a:miter lim="400000"/>
-            </a:ln>
-            <a:effectLst/>
-          </p:spPr>
-          <p:txBody>
-            <a:bodyPr wrap="square" lIns="54570" tIns="54570" rIns="54570" bIns="54570" numCol="1" anchor="ctr">
-              <a:noAutofit/>
-            </a:bodyPr>
-            <a:lstStyle/>
-            <a:p>
-              <a:pPr>
-                <a:lnSpc>
-                  <a:spcPct val="80000"/>
-                </a:lnSpc>
-                <a:spcBef>
-                  <a:spcPts val="0"/>
-                </a:spcBef>
-                <a:defRPr b="0">
-                  <a:solidFill>
-                    <a:srgbClr val="000000"/>
-                  </a:solidFill>
-                </a:defRPr>
-              </a:pPr>
-            </a:p>
-          </p:txBody>
-        </p:sp>
-      </p:grpSp>
       <p:sp>
         <p:nvSpPr>
-          <p:cNvPr id="331" name="tags$head(tags$link(rel = &quot;stylesheet&quot;,…"/>
+          <p:cNvPr id="320" name="tags$head(tags$link(rel = &quot;stylesheet&quot;,…"/>
           <p:cNvSpPr txBox="1"/>
           <p:nvPr/>
         </p:nvSpPr>
@@ -23594,7 +22902,7 @@
       </p:sp>
       <p:sp>
         <p:nvSpPr>
-          <p:cNvPr id="332" name="tags$head(tags$script(src = &quot;&lt;file name&gt;&quot;))"/>
+          <p:cNvPr id="321" name="tags$head(tags$script(src = &quot;&lt;file name&gt;&quot;))"/>
           <p:cNvSpPr txBox="1"/>
           <p:nvPr/>
         </p:nvSpPr>
@@ -23655,7 +22963,7 @@
       </p:sp>
       <p:sp>
         <p:nvSpPr>
-          <p:cNvPr id="333" name="To include an image…"/>
+          <p:cNvPr id="322" name="To include an image…"/>
           <p:cNvSpPr txBox="1"/>
           <p:nvPr/>
         </p:nvSpPr>
@@ -23766,7 +23074,7 @@
       </p:sp>
       <p:sp>
         <p:nvSpPr>
-          <p:cNvPr id="334" name="Combine multiple elements into a &quot;single element&quot; that has its own properties with a panel function, e.g."/>
+          <p:cNvPr id="323" name="Combine multiple elements into a &quot;single element&quot; that has its own properties with a panel function, e.g."/>
           <p:cNvSpPr txBox="1"/>
           <p:nvPr/>
         </p:nvSpPr>
@@ -23823,7 +23131,7 @@
       </p:sp>
       <p:grpSp>
         <p:nvGrpSpPr>
-          <p:cNvPr id="343" name="Group"/>
+          <p:cNvPr id="332" name="Group"/>
           <p:cNvGrpSpPr/>
           <p:nvPr/>
         </p:nvGrpSpPr>
@@ -23837,7 +23145,7 @@
         </p:grpSpPr>
         <p:sp>
           <p:nvSpPr>
-            <p:cNvPr id="335" name="fluidRow()"/>
+            <p:cNvPr id="324" name="fluidRow()"/>
             <p:cNvSpPr txBox="1"/>
             <p:nvPr/>
           </p:nvSpPr>
@@ -23891,7 +23199,7 @@
         </p:sp>
         <p:grpSp>
           <p:nvGrpSpPr>
-            <p:cNvPr id="342" name="Group"/>
+            <p:cNvPr id="331" name="Group"/>
             <p:cNvGrpSpPr/>
             <p:nvPr/>
           </p:nvGrpSpPr>
@@ -23905,7 +23213,7 @@
           </p:grpSpPr>
           <p:sp>
             <p:nvSpPr>
-              <p:cNvPr id="336" name="Rounded Rectangle"/>
+              <p:cNvPr id="325" name="Rounded Rectangle"/>
               <p:cNvSpPr/>
               <p:nvPr/>
             </p:nvSpPr>
@@ -23955,7 +23263,7 @@
           </p:sp>
           <p:sp>
             <p:nvSpPr>
-              <p:cNvPr id="337" name="Rounded Rectangle"/>
+              <p:cNvPr id="326" name="Rounded Rectangle"/>
               <p:cNvSpPr/>
               <p:nvPr/>
             </p:nvSpPr>
@@ -24002,7 +23310,7 @@
           </p:sp>
           <p:sp>
             <p:nvSpPr>
-              <p:cNvPr id="338" name="row"/>
+              <p:cNvPr id="327" name="row"/>
               <p:cNvSpPr/>
               <p:nvPr/>
             </p:nvSpPr>
@@ -24059,7 +23367,7 @@
           </p:sp>
           <p:sp>
             <p:nvSpPr>
-              <p:cNvPr id="339" name="column"/>
+              <p:cNvPr id="328" name="column"/>
               <p:cNvSpPr/>
               <p:nvPr/>
             </p:nvSpPr>
@@ -24116,7 +23424,7 @@
           </p:sp>
           <p:sp>
             <p:nvSpPr>
-              <p:cNvPr id="340" name="column"/>
+              <p:cNvPr id="329" name="column"/>
               <p:cNvSpPr/>
               <p:nvPr/>
             </p:nvSpPr>
@@ -24173,7 +23481,7 @@
           </p:sp>
           <p:sp>
             <p:nvSpPr>
-              <p:cNvPr id="341" name="col"/>
+              <p:cNvPr id="330" name="col"/>
               <p:cNvSpPr/>
               <p:nvPr/>
             </p:nvSpPr>
@@ -24232,7 +23540,7 @@
       </p:grpSp>
       <p:grpSp>
         <p:nvGrpSpPr>
-          <p:cNvPr id="353" name="Group"/>
+          <p:cNvPr id="342" name="Group"/>
           <p:cNvGrpSpPr/>
           <p:nvPr/>
         </p:nvGrpSpPr>
@@ -24246,7 +23554,7 @@
         </p:grpSpPr>
         <p:sp>
           <p:nvSpPr>
-            <p:cNvPr id="344" name="flowLayout()"/>
+            <p:cNvPr id="333" name="flowLayout()"/>
             <p:cNvSpPr txBox="1"/>
             <p:nvPr/>
           </p:nvSpPr>
@@ -24300,7 +23608,7 @@
         </p:sp>
         <p:grpSp>
           <p:nvGrpSpPr>
-            <p:cNvPr id="352" name="Group"/>
+            <p:cNvPr id="341" name="Group"/>
             <p:cNvGrpSpPr/>
             <p:nvPr/>
           </p:nvGrpSpPr>
@@ -24314,7 +23622,7 @@
           </p:grpSpPr>
           <p:sp>
             <p:nvSpPr>
-              <p:cNvPr id="345" name="Rounded Rectangle"/>
+              <p:cNvPr id="334" name="Rounded Rectangle"/>
               <p:cNvSpPr/>
               <p:nvPr/>
             </p:nvSpPr>
@@ -24366,7 +23674,7 @@
           </p:sp>
           <p:sp>
             <p:nvSpPr>
-              <p:cNvPr id="346" name="Rounded Rectangle"/>
+              <p:cNvPr id="335" name="Rounded Rectangle"/>
               <p:cNvSpPr/>
               <p:nvPr/>
             </p:nvSpPr>
@@ -24416,7 +23724,7 @@
           </p:sp>
           <p:sp>
             <p:nvSpPr>
-              <p:cNvPr id="347" name="object 1"/>
+              <p:cNvPr id="336" name="object 1"/>
               <p:cNvSpPr/>
               <p:nvPr/>
             </p:nvSpPr>
@@ -24473,7 +23781,7 @@
           </p:sp>
           <p:sp>
             <p:nvSpPr>
-              <p:cNvPr id="348" name="object 2"/>
+              <p:cNvPr id="337" name="object 2"/>
               <p:cNvSpPr/>
               <p:nvPr/>
             </p:nvSpPr>
@@ -24530,7 +23838,7 @@
           </p:sp>
           <p:sp>
             <p:nvSpPr>
-              <p:cNvPr id="349" name="object 3"/>
+              <p:cNvPr id="338" name="object 3"/>
               <p:cNvSpPr/>
               <p:nvPr/>
             </p:nvSpPr>
@@ -24592,7 +23900,7 @@
           </p:sp>
           <p:sp>
             <p:nvSpPr>
-              <p:cNvPr id="350" name="object 3"/>
+              <p:cNvPr id="339" name="object 3"/>
               <p:cNvSpPr/>
               <p:nvPr/>
             </p:nvSpPr>
@@ -24649,10 +23957,10 @@
           </p:sp>
           <p:cxnSp>
             <p:nvCxnSpPr>
-              <p:cNvPr id="351" name="Connection Line"/>
+              <p:cNvPr id="340" name="Connection Line"/>
               <p:cNvCxnSpPr>
-                <a:stCxn id="350" idx="0"/>
-                <a:endCxn id="349" idx="0"/>
+                <a:stCxn id="339" idx="0"/>
+                <a:endCxn id="338" idx="0"/>
               </p:cNvCxnSpPr>
               <p:nvPr/>
             </p:nvCxnSpPr>
@@ -24680,7 +23988,7 @@
       </p:grpSp>
       <p:grpSp>
         <p:nvGrpSpPr>
-          <p:cNvPr id="359" name="Group"/>
+          <p:cNvPr id="348" name="Group"/>
           <p:cNvGrpSpPr/>
           <p:nvPr/>
         </p:nvGrpSpPr>
@@ -24694,7 +24002,7 @@
         </p:grpSpPr>
         <p:sp>
           <p:nvSpPr>
-            <p:cNvPr id="354" name="splitLayout()"/>
+            <p:cNvPr id="343" name="splitLayout()"/>
             <p:cNvSpPr txBox="1"/>
             <p:nvPr/>
           </p:nvSpPr>
@@ -24748,7 +24056,7 @@
         </p:sp>
         <p:grpSp>
           <p:nvGrpSpPr>
-            <p:cNvPr id="358" name="Group"/>
+            <p:cNvPr id="347" name="Group"/>
             <p:cNvGrpSpPr/>
             <p:nvPr/>
           </p:nvGrpSpPr>
@@ -24762,7 +24070,7 @@
           </p:grpSpPr>
           <p:sp>
             <p:nvSpPr>
-              <p:cNvPr id="355" name="Rounded Rectangle"/>
+              <p:cNvPr id="344" name="Rounded Rectangle"/>
               <p:cNvSpPr/>
               <p:nvPr/>
             </p:nvSpPr>
@@ -24812,7 +24120,7 @@
           </p:sp>
           <p:sp>
             <p:nvSpPr>
-              <p:cNvPr id="356" name="object 1"/>
+              <p:cNvPr id="345" name="object 1"/>
               <p:cNvSpPr/>
               <p:nvPr/>
             </p:nvSpPr>
@@ -24869,7 +24177,7 @@
           </p:sp>
           <p:sp>
             <p:nvSpPr>
-              <p:cNvPr id="357" name="object 2"/>
+              <p:cNvPr id="346" name="object 2"/>
               <p:cNvSpPr/>
               <p:nvPr/>
             </p:nvSpPr>
@@ -24928,7 +24236,7 @@
       </p:grpSp>
       <p:sp>
         <p:nvSpPr>
-          <p:cNvPr id="360" name="Organize panels and elements into a layout with a layout function. Add elements as arguments of the…"/>
+          <p:cNvPr id="349" name="Organize panels and elements into a layout with a layout function. Add elements as arguments of the…"/>
           <p:cNvSpPr txBox="1"/>
           <p:nvPr/>
         </p:nvSpPr>
@@ -25012,7 +24320,7 @@
       </p:sp>
       <p:sp>
         <p:nvSpPr>
-          <p:cNvPr id="361" name="Layer tabPanels on top of each other, and navigate between them, with:"/>
+          <p:cNvPr id="350" name="Layer tabPanels on top of each other, and navigate between them, with:"/>
           <p:cNvSpPr txBox="1"/>
           <p:nvPr/>
         </p:nvSpPr>
@@ -25067,38 +24375,9 @@
           </a:p>
         </p:txBody>
       </p:sp>
-      <p:pic>
-        <p:nvPicPr>
-          <p:cNvPr id="362" name="Screen Shot 2015-06-10 at 4.17.52 PM.png" descr="Screen Shot 2015-06-10 at 4.17.52 PM.png"/>
-          <p:cNvPicPr>
-            <a:picLocks noChangeAspect="1"/>
-          </p:cNvPicPr>
-          <p:nvPr/>
-        </p:nvPicPr>
-        <p:blipFill>
-          <a:blip r:embed="rId11">
-            <a:extLst/>
-          </a:blip>
-          <a:stretch>
-            <a:fillRect/>
-          </a:stretch>
-        </p:blipFill>
-        <p:spPr>
-          <a:xfrm>
-            <a:off x="10650410" y="1972316"/>
-            <a:ext cx="1089084" cy="769957"/>
-          </a:xfrm>
-          <a:prstGeom prst="rect">
-            <a:avLst/>
-          </a:prstGeom>
-          <a:ln w="12700">
-            <a:miter lim="400000"/>
-          </a:ln>
-        </p:spPr>
-      </p:pic>
       <p:sp>
         <p:nvSpPr>
-          <p:cNvPr id="363" name="Arrow"/>
+          <p:cNvPr id="351" name="Arrow"/>
           <p:cNvSpPr/>
           <p:nvPr/>
         </p:nvSpPr>
@@ -25146,7 +24425,7 @@
       </p:sp>
       <p:grpSp>
         <p:nvGrpSpPr>
-          <p:cNvPr id="369" name="Group"/>
+          <p:cNvPr id="357" name="Group"/>
           <p:cNvGrpSpPr/>
           <p:nvPr/>
         </p:nvGrpSpPr>
@@ -25160,7 +24439,7 @@
         </p:grpSpPr>
         <p:grpSp>
           <p:nvGrpSpPr>
-            <p:cNvPr id="367" name="Group"/>
+            <p:cNvPr id="355" name="Group"/>
             <p:cNvGrpSpPr/>
             <p:nvPr/>
           </p:nvGrpSpPr>
@@ -25174,7 +24453,7 @@
           </p:grpSpPr>
           <p:sp>
             <p:nvSpPr>
-              <p:cNvPr id="364" name="Rounded Rectangle"/>
+              <p:cNvPr id="352" name="Rounded Rectangle"/>
               <p:cNvSpPr/>
               <p:nvPr/>
             </p:nvSpPr>
@@ -25224,7 +24503,7 @@
           </p:sp>
           <p:sp>
             <p:nvSpPr>
-              <p:cNvPr id="365" name="side…"/>
+              <p:cNvPr id="353" name="side…"/>
               <p:cNvSpPr/>
               <p:nvPr/>
             </p:nvSpPr>
@@ -25297,7 +24576,7 @@
           </p:sp>
           <p:sp>
             <p:nvSpPr>
-              <p:cNvPr id="366" name="main…"/>
+              <p:cNvPr id="354" name="main…"/>
               <p:cNvSpPr/>
               <p:nvPr/>
             </p:nvSpPr>
@@ -25371,7 +24650,7 @@
         </p:grpSp>
         <p:sp>
           <p:nvSpPr>
-            <p:cNvPr id="368" name="sidebarLayout()"/>
+            <p:cNvPr id="356" name="sidebarLayout()"/>
             <p:cNvSpPr txBox="1"/>
             <p:nvPr/>
           </p:nvSpPr>
@@ -25426,7 +24705,7 @@
       </p:grpSp>
       <p:grpSp>
         <p:nvGrpSpPr>
-          <p:cNvPr id="375" name="Group"/>
+          <p:cNvPr id="363" name="Group"/>
           <p:cNvGrpSpPr/>
           <p:nvPr/>
         </p:nvGrpSpPr>
@@ -25440,7 +24719,7 @@
         </p:grpSpPr>
         <p:sp>
           <p:nvSpPr>
-            <p:cNvPr id="370" name="verticalLayout()"/>
+            <p:cNvPr id="358" name="verticalLayout()"/>
             <p:cNvSpPr txBox="1"/>
             <p:nvPr/>
           </p:nvSpPr>
@@ -25494,7 +24773,7 @@
         </p:sp>
         <p:sp>
           <p:nvSpPr>
-            <p:cNvPr id="371" name="Rounded Rectangle"/>
+            <p:cNvPr id="359" name="Rounded Rectangle"/>
             <p:cNvSpPr/>
             <p:nvPr/>
           </p:nvSpPr>
@@ -25544,7 +24823,7 @@
         </p:sp>
         <p:sp>
           <p:nvSpPr>
-            <p:cNvPr id="372" name="object 1"/>
+            <p:cNvPr id="360" name="object 1"/>
             <p:cNvSpPr/>
             <p:nvPr/>
           </p:nvSpPr>
@@ -25601,7 +24880,7 @@
         </p:sp>
         <p:sp>
           <p:nvSpPr>
-            <p:cNvPr id="373" name="object 2"/>
+            <p:cNvPr id="361" name="object 2"/>
             <p:cNvSpPr/>
             <p:nvPr/>
           </p:nvSpPr>
@@ -25658,7 +24937,7 @@
         </p:sp>
         <p:sp>
           <p:nvSpPr>
-            <p:cNvPr id="374" name="object 3"/>
+            <p:cNvPr id="362" name="object 3"/>
             <p:cNvSpPr/>
             <p:nvPr/>
           </p:nvSpPr>
@@ -25716,7 +24995,7 @@
       </p:grpSp>
       <p:sp>
         <p:nvSpPr>
-          <p:cNvPr id="376" name="ui &lt;- fluidPage(…"/>
+          <p:cNvPr id="364" name="ui &lt;- fluidPage(…"/>
           <p:cNvSpPr txBox="1"/>
           <p:nvPr/>
         </p:nvSpPr>
@@ -25925,7 +25204,7 @@
       </p:sp>
       <p:sp>
         <p:nvSpPr>
-          <p:cNvPr id="377" name="ui &lt;- fluidPage(…"/>
+          <p:cNvPr id="365" name="ui &lt;- fluidPage(…"/>
           <p:cNvSpPr txBox="1"/>
           <p:nvPr/>
         </p:nvSpPr>
@@ -26108,7 +25387,7 @@
       </p:sp>
       <p:sp>
         <p:nvSpPr>
-          <p:cNvPr id="378" name="ui &lt;- fluidPage(…"/>
+          <p:cNvPr id="366" name="ui &lt;- fluidPage(…"/>
           <p:cNvSpPr txBox="1"/>
           <p:nvPr/>
         </p:nvSpPr>
@@ -26270,7 +25549,7 @@
       </p:sp>
       <p:sp>
         <p:nvSpPr>
-          <p:cNvPr id="379" name="ui &lt;- fluidPage(…"/>
+          <p:cNvPr id="367" name="ui &lt;- fluidPage(…"/>
           <p:cNvSpPr txBox="1"/>
           <p:nvPr/>
         </p:nvSpPr>
@@ -26431,7 +25710,7 @@
       </p:sp>
       <p:sp>
         <p:nvSpPr>
-          <p:cNvPr id="380" name="ui &lt;- fluidPage(…"/>
+          <p:cNvPr id="368" name="ui &lt;- fluidPage(…"/>
           <p:cNvSpPr txBox="1"/>
           <p:nvPr/>
         </p:nvSpPr>
@@ -26614,7 +25893,7 @@
       </p:sp>
       <p:grpSp>
         <p:nvGrpSpPr>
-          <p:cNvPr id="385" name="Group"/>
+          <p:cNvPr id="373" name="Group"/>
           <p:cNvGrpSpPr/>
           <p:nvPr/>
         </p:nvGrpSpPr>
@@ -26628,7 +25907,7 @@
         </p:grpSpPr>
         <p:sp>
           <p:nvSpPr>
-            <p:cNvPr id="381" name="Shape"/>
+            <p:cNvPr id="369" name="Shape"/>
             <p:cNvSpPr/>
             <p:nvPr/>
           </p:nvSpPr>
@@ -26724,7 +26003,7 @@
         </p:sp>
         <p:sp>
           <p:nvSpPr>
-            <p:cNvPr id="382" name="Shape"/>
+            <p:cNvPr id="370" name="Shape"/>
             <p:cNvSpPr/>
             <p:nvPr/>
           </p:nvSpPr>
@@ -26820,7 +26099,7 @@
         </p:sp>
         <p:sp>
           <p:nvSpPr>
-            <p:cNvPr id="383" name="Shape"/>
+            <p:cNvPr id="371" name="Shape"/>
             <p:cNvSpPr/>
             <p:nvPr/>
           </p:nvSpPr>
@@ -26916,7 +26195,7 @@
         </p:sp>
         <p:sp>
           <p:nvSpPr>
-            <p:cNvPr id="384" name="Shape"/>
+            <p:cNvPr id="372" name="Shape"/>
             <p:cNvSpPr/>
             <p:nvPr/>
           </p:nvSpPr>
@@ -27013,7 +26292,7 @@
       </p:grpSp>
       <p:sp>
         <p:nvSpPr>
-          <p:cNvPr id="386" name="ui &lt;- fluidPage( tabsetPanel(…"/>
+          <p:cNvPr id="374" name="ui &lt;- fluidPage( tabsetPanel(…"/>
           <p:cNvSpPr txBox="1"/>
           <p:nvPr/>
         </p:nvSpPr>
@@ -27167,7 +26446,7 @@
       </p:sp>
       <p:sp>
         <p:nvSpPr>
-          <p:cNvPr id="387" name="ui &lt;- fluidPage( navlistPanel(…"/>
+          <p:cNvPr id="375" name="ui &lt;- fluidPage( navlistPanel(…"/>
           <p:cNvSpPr txBox="1"/>
           <p:nvPr/>
         </p:nvSpPr>
@@ -27321,7 +26600,1407 @@
       </p:sp>
       <p:sp>
         <p:nvSpPr>
-          <p:cNvPr id="388" name="Rectangle"/>
+          <p:cNvPr id="376" name="ui &lt;- navbarPage(title = &quot;Page&quot;,…"/>
+          <p:cNvSpPr txBox="1"/>
+          <p:nvPr/>
+        </p:nvSpPr>
+        <p:spPr>
+          <a:xfrm>
+            <a:off x="10590486" y="9733852"/>
+            <a:ext cx="1732333" cy="561341"/>
+          </a:xfrm>
+          <a:prstGeom prst="rect">
+            <a:avLst/>
+          </a:prstGeom>
+          <a:ln w="12700">
+            <a:miter lim="400000"/>
+          </a:ln>
+          <a:extLst>
+            <a:ext uri="{C572A759-6A51-4108-AA02-DFA0A04FC94B}">
+              <ma14:wrappingTextBoxFlag xmlns:ma14="http://schemas.microsoft.com/office/mac/drawingml/2011/main" val="1"/>
+            </a:ext>
+          </a:extLst>
+        </p:spPr>
+        <p:txBody>
+          <a:bodyPr lIns="0" tIns="0" rIns="0" bIns="0" anchor="ctr">
+            <a:spAutoFit/>
+          </a:bodyPr>
+          <a:lstStyle/>
+          <a:p>
+            <a:pPr>
+              <a:lnSpc>
+                <a:spcPct val="80000"/>
+              </a:lnSpc>
+              <a:spcBef>
+                <a:spcPts val="0"/>
+              </a:spcBef>
+              <a:defRPr b="0" sz="1000">
+                <a:solidFill>
+                  <a:srgbClr val="000000"/>
+                </a:solidFill>
+                <a:latin typeface="+mj-lt"/>
+                <a:ea typeface="+mj-ea"/>
+                <a:cs typeface="+mj-cs"/>
+                <a:sym typeface="Source Sans Pro Light"/>
+              </a:defRPr>
+            </a:pPr>
+            <a:r>
+              <a:t>ui &lt;- </a:t>
+            </a:r>
+            <a:r>
+              <a:rPr b="1">
+                <a:latin typeface="+mn-lt"/>
+                <a:ea typeface="+mn-ea"/>
+                <a:cs typeface="+mn-cs"/>
+                <a:sym typeface="Source Sans Pro"/>
+              </a:rPr>
+              <a:t>navbarPage(</a:t>
+            </a:r>
+            <a:r>
+              <a:t>title = "Page",</a:t>
+            </a:r>
+            <a:endParaRPr b="1">
+              <a:latin typeface="+mn-lt"/>
+              <a:ea typeface="+mn-ea"/>
+              <a:cs typeface="+mn-cs"/>
+              <a:sym typeface="Source Sans Pro"/>
+            </a:endParaRPr>
+          </a:p>
+          <a:p>
+            <a:pPr>
+              <a:lnSpc>
+                <a:spcPct val="80000"/>
+              </a:lnSpc>
+              <a:spcBef>
+                <a:spcPts val="0"/>
+              </a:spcBef>
+              <a:defRPr b="0" sz="1000">
+                <a:solidFill>
+                  <a:srgbClr val="000000"/>
+                </a:solidFill>
+                <a:latin typeface="+mj-lt"/>
+                <a:ea typeface="+mj-ea"/>
+                <a:cs typeface="+mj-cs"/>
+                <a:sym typeface="Source Sans Pro Light"/>
+              </a:defRPr>
+            </a:pPr>
+            <a:r>
+              <a:rPr b="1">
+                <a:latin typeface="+mn-lt"/>
+                <a:ea typeface="+mn-ea"/>
+                <a:cs typeface="+mn-cs"/>
+                <a:sym typeface="Source Sans Pro"/>
+              </a:rPr>
+              <a:t>    </a:t>
+            </a:r>
+            <a:r>
+              <a:t> tabPanel("tab 1", "contents"),</a:t>
+            </a:r>
+          </a:p>
+          <a:p>
+            <a:pPr>
+              <a:lnSpc>
+                <a:spcPct val="80000"/>
+              </a:lnSpc>
+              <a:spcBef>
+                <a:spcPts val="0"/>
+              </a:spcBef>
+              <a:defRPr b="0" sz="1000">
+                <a:solidFill>
+                  <a:srgbClr val="000000"/>
+                </a:solidFill>
+                <a:latin typeface="+mj-lt"/>
+                <a:ea typeface="+mj-ea"/>
+                <a:cs typeface="+mj-cs"/>
+                <a:sym typeface="Source Sans Pro Light"/>
+              </a:defRPr>
+            </a:pPr>
+            <a:r>
+              <a:t>     tabPanel("tab 2", "contents"),</a:t>
+            </a:r>
+          </a:p>
+          <a:p>
+            <a:pPr>
+              <a:lnSpc>
+                <a:spcPct val="80000"/>
+              </a:lnSpc>
+              <a:spcBef>
+                <a:spcPts val="0"/>
+              </a:spcBef>
+              <a:defRPr b="0" sz="1000">
+                <a:solidFill>
+                  <a:srgbClr val="000000"/>
+                </a:solidFill>
+                <a:latin typeface="+mj-lt"/>
+                <a:ea typeface="+mj-ea"/>
+                <a:cs typeface="+mj-cs"/>
+                <a:sym typeface="Source Sans Pro Light"/>
+              </a:defRPr>
+            </a:pPr>
+            <a:r>
+              <a:t>     tabPanel("tab 3", "contents")</a:t>
+            </a:r>
+            <a:r>
+              <a:rPr b="1">
+                <a:latin typeface="+mn-lt"/>
+                <a:ea typeface="+mn-ea"/>
+                <a:cs typeface="+mn-cs"/>
+                <a:sym typeface="Source Sans Pro"/>
+              </a:rPr>
+              <a:t>)</a:t>
+            </a:r>
+          </a:p>
+        </p:txBody>
+      </p:sp>
+      <p:sp>
+        <p:nvSpPr>
+          <p:cNvPr id="377" name="absolutePanel()…"/>
+          <p:cNvSpPr txBox="1"/>
+          <p:nvPr/>
+        </p:nvSpPr>
+        <p:spPr>
+          <a:xfrm>
+            <a:off x="12010493" y="2001125"/>
+            <a:ext cx="1754521" cy="693421"/>
+          </a:xfrm>
+          <a:prstGeom prst="rect">
+            <a:avLst/>
+          </a:prstGeom>
+          <a:ln w="12700">
+            <a:miter lim="400000"/>
+          </a:ln>
+          <a:extLst>
+            <a:ext uri="{C572A759-6A51-4108-AA02-DFA0A04FC94B}">
+              <ma14:wrappingTextBoxFlag xmlns:ma14="http://schemas.microsoft.com/office/mac/drawingml/2011/main" val="1"/>
+            </a:ext>
+          </a:extLst>
+        </p:spPr>
+        <p:txBody>
+          <a:bodyPr lIns="0" tIns="0" rIns="0" bIns="0" numCol="2" spcCol="87726"/>
+          <a:lstStyle/>
+          <a:p>
+            <a:pPr>
+              <a:lnSpc>
+                <a:spcPct val="90000"/>
+              </a:lnSpc>
+              <a:spcBef>
+                <a:spcPts val="0"/>
+              </a:spcBef>
+              <a:defRPr b="0" sz="800">
+                <a:solidFill>
+                  <a:srgbClr val="53585F"/>
+                </a:solidFill>
+                <a:latin typeface="+mj-lt"/>
+                <a:ea typeface="+mj-ea"/>
+                <a:cs typeface="+mj-cs"/>
+                <a:sym typeface="Source Sans Pro Light"/>
+              </a:defRPr>
+            </a:pPr>
+            <a:r>
+              <a:rPr>
+                <a:solidFill>
+                  <a:srgbClr val="000000"/>
+                </a:solidFill>
+                <a:latin typeface="+mn-lt"/>
+                <a:ea typeface="+mn-ea"/>
+                <a:cs typeface="+mn-cs"/>
+                <a:sym typeface="Source Sans Pro"/>
+              </a:rPr>
+              <a:t>absolutePanel()</a:t>
+            </a:r>
+            <a:r>
+              <a:t>    </a:t>
+            </a:r>
+          </a:p>
+          <a:p>
+            <a:pPr>
+              <a:lnSpc>
+                <a:spcPct val="90000"/>
+              </a:lnSpc>
+              <a:spcBef>
+                <a:spcPts val="0"/>
+              </a:spcBef>
+              <a:defRPr b="0" sz="800">
+                <a:solidFill>
+                  <a:srgbClr val="53585F"/>
+                </a:solidFill>
+                <a:latin typeface="+mj-lt"/>
+                <a:ea typeface="+mj-ea"/>
+                <a:cs typeface="+mj-cs"/>
+                <a:sym typeface="Source Sans Pro Light"/>
+              </a:defRPr>
+            </a:pPr>
+            <a:r>
+              <a:rPr>
+                <a:solidFill>
+                  <a:srgbClr val="000000"/>
+                </a:solidFill>
+                <a:latin typeface="+mn-lt"/>
+                <a:ea typeface="+mn-ea"/>
+                <a:cs typeface="+mn-cs"/>
+                <a:sym typeface="Source Sans Pro"/>
+              </a:rPr>
+              <a:t>conditionalPanel()</a:t>
+            </a:r>
+            <a:r>
+              <a:t>    </a:t>
+            </a:r>
+          </a:p>
+          <a:p>
+            <a:pPr>
+              <a:lnSpc>
+                <a:spcPct val="90000"/>
+              </a:lnSpc>
+              <a:spcBef>
+                <a:spcPts val="0"/>
+              </a:spcBef>
+              <a:defRPr b="0" sz="800">
+                <a:solidFill>
+                  <a:srgbClr val="53585F"/>
+                </a:solidFill>
+                <a:latin typeface="+mj-lt"/>
+                <a:ea typeface="+mj-ea"/>
+                <a:cs typeface="+mj-cs"/>
+                <a:sym typeface="Source Sans Pro Light"/>
+              </a:defRPr>
+            </a:pPr>
+            <a:r>
+              <a:rPr>
+                <a:solidFill>
+                  <a:srgbClr val="000000"/>
+                </a:solidFill>
+                <a:latin typeface="+mn-lt"/>
+                <a:ea typeface="+mn-ea"/>
+                <a:cs typeface="+mn-cs"/>
+                <a:sym typeface="Source Sans Pro"/>
+              </a:rPr>
+              <a:t>fixedPanel()</a:t>
+            </a:r>
+            <a:r>
+              <a:t> </a:t>
+            </a:r>
+          </a:p>
+          <a:p>
+            <a:pPr>
+              <a:lnSpc>
+                <a:spcPct val="90000"/>
+              </a:lnSpc>
+              <a:spcBef>
+                <a:spcPts val="0"/>
+              </a:spcBef>
+              <a:defRPr b="0" sz="800">
+                <a:solidFill>
+                  <a:srgbClr val="53585F"/>
+                </a:solidFill>
+                <a:latin typeface="+mj-lt"/>
+                <a:ea typeface="+mj-ea"/>
+                <a:cs typeface="+mj-cs"/>
+                <a:sym typeface="Source Sans Pro Light"/>
+              </a:defRPr>
+            </a:pPr>
+            <a:r>
+              <a:rPr>
+                <a:solidFill>
+                  <a:srgbClr val="000000"/>
+                </a:solidFill>
+                <a:latin typeface="+mn-lt"/>
+                <a:ea typeface="+mn-ea"/>
+                <a:cs typeface="+mn-cs"/>
+                <a:sym typeface="Source Sans Pro"/>
+              </a:rPr>
+              <a:t>headerPanel()</a:t>
+            </a:r>
+            <a:r>
+              <a:t>       </a:t>
+            </a:r>
+          </a:p>
+          <a:p>
+            <a:pPr>
+              <a:lnSpc>
+                <a:spcPct val="90000"/>
+              </a:lnSpc>
+              <a:spcBef>
+                <a:spcPts val="0"/>
+              </a:spcBef>
+              <a:defRPr b="0" sz="800">
+                <a:solidFill>
+                  <a:srgbClr val="53585F"/>
+                </a:solidFill>
+                <a:latin typeface="+mj-lt"/>
+                <a:ea typeface="+mj-ea"/>
+                <a:cs typeface="+mj-cs"/>
+                <a:sym typeface="Source Sans Pro Light"/>
+              </a:defRPr>
+            </a:pPr>
+            <a:r>
+              <a:rPr>
+                <a:solidFill>
+                  <a:srgbClr val="000000"/>
+                </a:solidFill>
+                <a:latin typeface="+mn-lt"/>
+                <a:ea typeface="+mn-ea"/>
+                <a:cs typeface="+mn-cs"/>
+                <a:sym typeface="Source Sans Pro"/>
+              </a:rPr>
+              <a:t>inputPanel()</a:t>
+            </a:r>
+            <a:r>
+              <a:t>       </a:t>
+            </a:r>
+          </a:p>
+          <a:p>
+            <a:pPr>
+              <a:lnSpc>
+                <a:spcPct val="90000"/>
+              </a:lnSpc>
+              <a:spcBef>
+                <a:spcPts val="0"/>
+              </a:spcBef>
+              <a:defRPr b="0" sz="800">
+                <a:solidFill>
+                  <a:srgbClr val="53585F"/>
+                </a:solidFill>
+                <a:latin typeface="+mj-lt"/>
+                <a:ea typeface="+mj-ea"/>
+                <a:cs typeface="+mj-cs"/>
+                <a:sym typeface="Source Sans Pro Light"/>
+              </a:defRPr>
+            </a:pPr>
+            <a:r>
+              <a:rPr>
+                <a:solidFill>
+                  <a:srgbClr val="000000"/>
+                </a:solidFill>
+                <a:latin typeface="+mn-lt"/>
+                <a:ea typeface="+mn-ea"/>
+                <a:cs typeface="+mn-cs"/>
+                <a:sym typeface="Source Sans Pro"/>
+              </a:rPr>
+              <a:t>mainPanel() </a:t>
+            </a:r>
+            <a:endParaRPr>
+              <a:solidFill>
+                <a:srgbClr val="000000"/>
+              </a:solidFill>
+              <a:latin typeface="+mn-lt"/>
+              <a:ea typeface="+mn-ea"/>
+              <a:cs typeface="+mn-cs"/>
+              <a:sym typeface="Source Sans Pro"/>
+            </a:endParaRPr>
+          </a:p>
+          <a:p>
+            <a:pPr>
+              <a:lnSpc>
+                <a:spcPct val="90000"/>
+              </a:lnSpc>
+              <a:spcBef>
+                <a:spcPts val="0"/>
+              </a:spcBef>
+              <a:defRPr b="0" sz="800">
+                <a:solidFill>
+                  <a:srgbClr val="53585F"/>
+                </a:solidFill>
+                <a:latin typeface="+mj-lt"/>
+                <a:ea typeface="+mj-ea"/>
+                <a:cs typeface="+mj-cs"/>
+                <a:sym typeface="Source Sans Pro Light"/>
+              </a:defRPr>
+            </a:pPr>
+            <a:r>
+              <a:rPr>
+                <a:solidFill>
+                  <a:srgbClr val="000000"/>
+                </a:solidFill>
+                <a:latin typeface="+mn-lt"/>
+                <a:ea typeface="+mn-ea"/>
+                <a:cs typeface="+mn-cs"/>
+                <a:sym typeface="Source Sans Pro"/>
+              </a:rPr>
+              <a:t>navlistPanel()</a:t>
+            </a:r>
+            <a:endParaRPr>
+              <a:solidFill>
+                <a:srgbClr val="000000"/>
+              </a:solidFill>
+              <a:latin typeface="+mn-lt"/>
+              <a:ea typeface="+mn-ea"/>
+              <a:cs typeface="+mn-cs"/>
+              <a:sym typeface="Source Sans Pro"/>
+            </a:endParaRPr>
+          </a:p>
+          <a:p>
+            <a:pPr>
+              <a:lnSpc>
+                <a:spcPct val="90000"/>
+              </a:lnSpc>
+              <a:spcBef>
+                <a:spcPts val="0"/>
+              </a:spcBef>
+              <a:defRPr b="0" sz="800">
+                <a:solidFill>
+                  <a:srgbClr val="53585F"/>
+                </a:solidFill>
+                <a:latin typeface="+mj-lt"/>
+                <a:ea typeface="+mj-ea"/>
+                <a:cs typeface="+mj-cs"/>
+                <a:sym typeface="Source Sans Pro Light"/>
+              </a:defRPr>
+            </a:pPr>
+            <a:r>
+              <a:rPr>
+                <a:solidFill>
+                  <a:srgbClr val="000000"/>
+                </a:solidFill>
+                <a:latin typeface="+mn-lt"/>
+                <a:ea typeface="+mn-ea"/>
+                <a:cs typeface="+mn-cs"/>
+                <a:sym typeface="Source Sans Pro"/>
+              </a:rPr>
+              <a:t>sidebarPanel()</a:t>
+            </a:r>
+            <a:endParaRPr>
+              <a:solidFill>
+                <a:srgbClr val="000000"/>
+              </a:solidFill>
+              <a:latin typeface="+mn-lt"/>
+              <a:ea typeface="+mn-ea"/>
+              <a:cs typeface="+mn-cs"/>
+              <a:sym typeface="Source Sans Pro"/>
+            </a:endParaRPr>
+          </a:p>
+          <a:p>
+            <a:pPr>
+              <a:lnSpc>
+                <a:spcPct val="90000"/>
+              </a:lnSpc>
+              <a:spcBef>
+                <a:spcPts val="0"/>
+              </a:spcBef>
+              <a:defRPr b="0" sz="800">
+                <a:solidFill>
+                  <a:srgbClr val="53585F"/>
+                </a:solidFill>
+                <a:latin typeface="+mj-lt"/>
+                <a:ea typeface="+mj-ea"/>
+                <a:cs typeface="+mj-cs"/>
+                <a:sym typeface="Source Sans Pro Light"/>
+              </a:defRPr>
+            </a:pPr>
+            <a:r>
+              <a:rPr>
+                <a:solidFill>
+                  <a:srgbClr val="000000"/>
+                </a:solidFill>
+                <a:latin typeface="+mn-lt"/>
+                <a:ea typeface="+mn-ea"/>
+                <a:cs typeface="+mn-cs"/>
+                <a:sym typeface="Source Sans Pro"/>
+              </a:rPr>
+              <a:t>tabPanel()</a:t>
+            </a:r>
+            <a:endParaRPr>
+              <a:solidFill>
+                <a:srgbClr val="000000"/>
+              </a:solidFill>
+              <a:latin typeface="+mn-lt"/>
+              <a:ea typeface="+mn-ea"/>
+              <a:cs typeface="+mn-cs"/>
+              <a:sym typeface="Source Sans Pro"/>
+            </a:endParaRPr>
+          </a:p>
+          <a:p>
+            <a:pPr>
+              <a:lnSpc>
+                <a:spcPct val="90000"/>
+              </a:lnSpc>
+              <a:spcBef>
+                <a:spcPts val="0"/>
+              </a:spcBef>
+              <a:defRPr b="0" sz="800">
+                <a:solidFill>
+                  <a:srgbClr val="53585F"/>
+                </a:solidFill>
+                <a:latin typeface="+mj-lt"/>
+                <a:ea typeface="+mj-ea"/>
+                <a:cs typeface="+mj-cs"/>
+                <a:sym typeface="Source Sans Pro Light"/>
+              </a:defRPr>
+            </a:pPr>
+            <a:r>
+              <a:rPr>
+                <a:solidFill>
+                  <a:srgbClr val="000000"/>
+                </a:solidFill>
+                <a:latin typeface="+mn-lt"/>
+                <a:ea typeface="+mn-ea"/>
+                <a:cs typeface="+mn-cs"/>
+                <a:sym typeface="Source Sans Pro"/>
+              </a:rPr>
+              <a:t>tabsetPanel()</a:t>
+            </a:r>
+            <a:endParaRPr>
+              <a:solidFill>
+                <a:srgbClr val="000000"/>
+              </a:solidFill>
+              <a:latin typeface="+mn-lt"/>
+              <a:ea typeface="+mn-ea"/>
+              <a:cs typeface="+mn-cs"/>
+              <a:sym typeface="Source Sans Pro"/>
+            </a:endParaRPr>
+          </a:p>
+          <a:p>
+            <a:pPr>
+              <a:lnSpc>
+                <a:spcPct val="90000"/>
+              </a:lnSpc>
+              <a:spcBef>
+                <a:spcPts val="0"/>
+              </a:spcBef>
+              <a:defRPr b="0" sz="800">
+                <a:solidFill>
+                  <a:srgbClr val="53585F"/>
+                </a:solidFill>
+                <a:latin typeface="+mj-lt"/>
+                <a:ea typeface="+mj-ea"/>
+                <a:cs typeface="+mj-cs"/>
+                <a:sym typeface="Source Sans Pro Light"/>
+              </a:defRPr>
+            </a:pPr>
+            <a:r>
+              <a:rPr>
+                <a:solidFill>
+                  <a:srgbClr val="000000"/>
+                </a:solidFill>
+                <a:latin typeface="+mn-lt"/>
+                <a:ea typeface="+mn-ea"/>
+                <a:cs typeface="+mn-cs"/>
+                <a:sym typeface="Source Sans Pro"/>
+              </a:rPr>
+              <a:t>titlePanel()</a:t>
+            </a:r>
+            <a:endParaRPr>
+              <a:solidFill>
+                <a:srgbClr val="000000"/>
+              </a:solidFill>
+              <a:latin typeface="+mn-lt"/>
+              <a:ea typeface="+mn-ea"/>
+              <a:cs typeface="+mn-cs"/>
+              <a:sym typeface="Source Sans Pro"/>
+            </a:endParaRPr>
+          </a:p>
+          <a:p>
+            <a:pPr>
+              <a:lnSpc>
+                <a:spcPct val="90000"/>
+              </a:lnSpc>
+              <a:spcBef>
+                <a:spcPts val="0"/>
+              </a:spcBef>
+              <a:defRPr b="0" sz="800">
+                <a:solidFill>
+                  <a:srgbClr val="53585F"/>
+                </a:solidFill>
+                <a:latin typeface="+mj-lt"/>
+                <a:ea typeface="+mj-ea"/>
+                <a:cs typeface="+mj-cs"/>
+                <a:sym typeface="Source Sans Pro Light"/>
+              </a:defRPr>
+            </a:pPr>
+            <a:r>
+              <a:rPr>
+                <a:solidFill>
+                  <a:srgbClr val="000000"/>
+                </a:solidFill>
+                <a:latin typeface="+mn-lt"/>
+                <a:ea typeface="+mn-ea"/>
+                <a:cs typeface="+mn-cs"/>
+                <a:sym typeface="Source Sans Pro"/>
+              </a:rPr>
+              <a:t>wellPanel()</a:t>
+            </a:r>
+          </a:p>
+        </p:txBody>
+      </p:sp>
+      <p:pic>
+        <p:nvPicPr>
+          <p:cNvPr id="378" name="Image" descr="Image"/>
+          <p:cNvPicPr>
+            <a:picLocks noChangeAspect="1"/>
+          </p:cNvPicPr>
+          <p:nvPr/>
+        </p:nvPicPr>
+        <p:blipFill>
+          <a:blip r:embed="rId5">
+            <a:extLst/>
+          </a:blip>
+          <a:stretch>
+            <a:fillRect/>
+          </a:stretch>
+        </p:blipFill>
+        <p:spPr>
+          <a:xfrm>
+            <a:off x="238823" y="9978474"/>
+            <a:ext cx="1754521" cy="616478"/>
+          </a:xfrm>
+          <a:prstGeom prst="rect">
+            <a:avLst/>
+          </a:prstGeom>
+          <a:ln w="12700">
+            <a:miter lim="400000"/>
+          </a:ln>
+        </p:spPr>
+      </p:pic>
+      <p:pic>
+        <p:nvPicPr>
+          <p:cNvPr id="379" name="shiny-flow.png" descr="shiny-flow.png"/>
+          <p:cNvPicPr>
+            <a:picLocks noChangeAspect="1"/>
+          </p:cNvPicPr>
+          <p:nvPr/>
+        </p:nvPicPr>
+        <p:blipFill>
+          <a:blip r:embed="rId6">
+            <a:extLst/>
+          </a:blip>
+          <a:stretch>
+            <a:fillRect/>
+          </a:stretch>
+        </p:blipFill>
+        <p:spPr>
+          <a:xfrm>
+            <a:off x="604859" y="1204714"/>
+            <a:ext cx="5590933" cy="2559447"/>
+          </a:xfrm>
+          <a:prstGeom prst="rect">
+            <a:avLst/>
+          </a:prstGeom>
+          <a:ln w="12700">
+            <a:miter lim="400000"/>
+          </a:ln>
+        </p:spPr>
+      </p:pic>
+      <p:pic>
+        <p:nvPicPr>
+          <p:cNvPr id="380" name="Image" descr="Image"/>
+          <p:cNvPicPr>
+            <a:picLocks noChangeAspect="1"/>
+          </p:cNvPicPr>
+          <p:nvPr/>
+        </p:nvPicPr>
+        <p:blipFill>
+          <a:blip r:embed="rId7">
+            <a:extLst/>
+          </a:blip>
+          <a:srcRect l="0" t="0" r="54302" b="0"/>
+          <a:stretch>
+            <a:fillRect/>
+          </a:stretch>
+        </p:blipFill>
+        <p:spPr>
+          <a:xfrm>
+            <a:off x="7106566" y="2470196"/>
+            <a:ext cx="478187" cy="639472"/>
+          </a:xfrm>
+          <a:prstGeom prst="rect">
+            <a:avLst/>
+          </a:prstGeom>
+          <a:ln w="12700">
+            <a:miter lim="400000"/>
+          </a:ln>
+        </p:spPr>
+      </p:pic>
+      <p:pic>
+        <p:nvPicPr>
+          <p:cNvPr id="381" name="Image" descr="Image"/>
+          <p:cNvPicPr>
+            <a:picLocks noChangeAspect="1"/>
+          </p:cNvPicPr>
+          <p:nvPr/>
+        </p:nvPicPr>
+        <p:blipFill>
+          <a:blip r:embed="rId7">
+            <a:extLst/>
+          </a:blip>
+          <a:srcRect l="53401" t="0" r="0" b="0"/>
+          <a:stretch>
+            <a:fillRect/>
+          </a:stretch>
+        </p:blipFill>
+        <p:spPr>
+          <a:xfrm>
+            <a:off x="7135639" y="7564774"/>
+            <a:ext cx="487609" cy="639473"/>
+          </a:xfrm>
+          <a:prstGeom prst="rect">
+            <a:avLst/>
+          </a:prstGeom>
+          <a:ln w="12700">
+            <a:miter lim="400000"/>
+          </a:ln>
+        </p:spPr>
+      </p:pic>
+      <p:pic>
+        <p:nvPicPr>
+          <p:cNvPr id="382" name="Image" descr="Image"/>
+          <p:cNvPicPr>
+            <a:picLocks noChangeAspect="1"/>
+          </p:cNvPicPr>
+          <p:nvPr/>
+        </p:nvPicPr>
+        <p:blipFill>
+          <a:blip r:embed="rId8">
+            <a:extLst/>
+          </a:blip>
+          <a:srcRect l="33707" t="0" r="33707" b="24546"/>
+          <a:stretch>
+            <a:fillRect/>
+          </a:stretch>
+        </p:blipFill>
+        <p:spPr>
+          <a:xfrm>
+            <a:off x="7122333" y="8679199"/>
+            <a:ext cx="475992" cy="645806"/>
+          </a:xfrm>
+          <a:prstGeom prst="rect">
+            <a:avLst/>
+          </a:prstGeom>
+          <a:ln w="12700">
+            <a:miter lim="400000"/>
+          </a:ln>
+        </p:spPr>
+      </p:pic>
+      <p:grpSp>
+        <p:nvGrpSpPr>
+          <p:cNvPr id="385" name="Group"/>
+          <p:cNvGrpSpPr/>
+          <p:nvPr/>
+        </p:nvGrpSpPr>
+        <p:grpSpPr>
+          <a:xfrm>
+            <a:off x="7122333" y="9676855"/>
+            <a:ext cx="512367" cy="620559"/>
+            <a:chOff x="0" y="0"/>
+            <a:chExt cx="512365" cy="620558"/>
+          </a:xfrm>
+        </p:grpSpPr>
+        <p:pic>
+          <p:nvPicPr>
+            <p:cNvPr id="383" name="RStudio-Logo-Black-Letters.png" descr="RStudio-Logo-Black-Letters.png"/>
+            <p:cNvPicPr>
+              <a:picLocks noChangeAspect="1"/>
+            </p:cNvPicPr>
+            <p:nvPr/>
+          </p:nvPicPr>
+          <p:blipFill>
+            <a:blip r:embed="rId9">
+              <a:extLst/>
+            </a:blip>
+            <a:srcRect l="0" t="0" r="63329" b="0"/>
+            <a:stretch>
+              <a:fillRect/>
+            </a:stretch>
+          </p:blipFill>
+          <p:spPr>
+            <a:xfrm>
+              <a:off x="62121" y="247189"/>
+              <a:ext cx="390081" cy="373370"/>
+            </a:xfrm>
+            <a:prstGeom prst="rect">
+              <a:avLst/>
+            </a:prstGeom>
+            <a:ln w="12700" cap="flat">
+              <a:noFill/>
+              <a:miter lim="400000"/>
+            </a:ln>
+            <a:effectLst/>
+          </p:spPr>
+        </p:pic>
+        <p:sp>
+          <p:nvSpPr>
+            <p:cNvPr id="384" name="IMAGES"/>
+            <p:cNvSpPr txBox="1"/>
+            <p:nvPr/>
+          </p:nvSpPr>
+          <p:spPr>
+            <a:xfrm>
+              <a:off x="0" y="-1"/>
+              <a:ext cx="512366" cy="261542"/>
+            </a:xfrm>
+            <a:prstGeom prst="rect">
+              <a:avLst/>
+            </a:prstGeom>
+            <a:noFill/>
+            <a:ln w="12700" cap="flat">
+              <a:noFill/>
+              <a:miter lim="400000"/>
+            </a:ln>
+            <a:effectLst/>
+            <a:extLst>
+              <a:ext uri="{C572A759-6A51-4108-AA02-DFA0A04FC94B}">
+                <ma14:wrappingTextBoxFlag xmlns:ma14="http://schemas.microsoft.com/office/mac/drawingml/2011/main" val="1"/>
+              </a:ext>
+            </a:extLst>
+          </p:spPr>
+          <p:txBody>
+            <a:bodyPr wrap="none" lIns="54570" tIns="54570" rIns="54570" bIns="54570" numCol="1" anchor="ctr">
+              <a:spAutoFit/>
+            </a:bodyPr>
+            <a:lstStyle>
+              <a:lvl1pPr algn="ctr">
+                <a:spcBef>
+                  <a:spcPts val="0"/>
+                </a:spcBef>
+                <a:defRPr b="0">
+                  <a:solidFill>
+                    <a:srgbClr val="000000"/>
+                  </a:solidFill>
+                  <a:latin typeface="헤드라인A"/>
+                  <a:ea typeface="헤드라인A"/>
+                  <a:cs typeface="헤드라인A"/>
+                  <a:sym typeface="헤드라인A"/>
+                </a:defRPr>
+              </a:lvl1pPr>
+            </a:lstStyle>
+            <a:p>
+              <a:pPr/>
+              <a:r>
+                <a:t>IMAGES</a:t>
+              </a:r>
+            </a:p>
+          </p:txBody>
+        </p:sp>
+      </p:grpSp>
+      <p:grpSp>
+        <p:nvGrpSpPr>
+          <p:cNvPr id="389" name="Group"/>
+          <p:cNvGrpSpPr/>
+          <p:nvPr/>
+        </p:nvGrpSpPr>
+        <p:grpSpPr>
+          <a:xfrm>
+            <a:off x="7298918" y="6141339"/>
+            <a:ext cx="2788756" cy="1366895"/>
+            <a:chOff x="0" y="0"/>
+            <a:chExt cx="2788755" cy="1366893"/>
+          </a:xfrm>
+        </p:grpSpPr>
+        <p:sp>
+          <p:nvSpPr>
+            <p:cNvPr id="386" name="ui &lt;- fluidPage(…"/>
+            <p:cNvSpPr/>
+            <p:nvPr/>
+          </p:nvSpPr>
+          <p:spPr>
+            <a:xfrm>
+              <a:off x="0" y="0"/>
+              <a:ext cx="1650358" cy="1362262"/>
+            </a:xfrm>
+            <a:prstGeom prst="rect">
+              <a:avLst/>
+            </a:prstGeom>
+            <a:solidFill>
+              <a:srgbClr val="FFFFFF"/>
+            </a:solidFill>
+            <a:ln w="9525" cap="flat">
+              <a:solidFill>
+                <a:srgbClr val="000000"/>
+              </a:solidFill>
+              <a:prstDash val="solid"/>
+              <a:miter lim="400000"/>
+            </a:ln>
+            <a:effectLst/>
+            <a:extLst>
+              <a:ext uri="{C572A759-6A51-4108-AA02-DFA0A04FC94B}">
+                <ma14:wrappingTextBoxFlag xmlns:ma14="http://schemas.microsoft.com/office/mac/drawingml/2011/main" val="1"/>
+              </a:ext>
+            </a:extLst>
+          </p:spPr>
+          <p:txBody>
+            <a:bodyPr wrap="square" lIns="38100" tIns="38100" rIns="38100" bIns="38100" numCol="1" anchor="t">
+              <a:noAutofit/>
+            </a:bodyPr>
+            <a:lstStyle/>
+            <a:p>
+              <a:pPr>
+                <a:spcBef>
+                  <a:spcPts val="0"/>
+                </a:spcBef>
+                <a:defRPr b="0" sz="800">
+                  <a:solidFill>
+                    <a:srgbClr val="797979"/>
+                  </a:solidFill>
+                  <a:latin typeface="Source Code Pro Semibold"/>
+                  <a:ea typeface="Source Code Pro Semibold"/>
+                  <a:cs typeface="Source Code Pro Semibold"/>
+                  <a:sym typeface="Source Code Pro Semibold"/>
+                </a:defRPr>
+              </a:pPr>
+              <a:r>
+                <a:t>ui &lt;- fluidPage(</a:t>
+              </a:r>
+            </a:p>
+            <a:p>
+              <a:pPr>
+                <a:spcBef>
+                  <a:spcPts val="0"/>
+                </a:spcBef>
+                <a:defRPr b="0" sz="800">
+                  <a:solidFill>
+                    <a:srgbClr val="002452"/>
+                  </a:solidFill>
+                  <a:latin typeface="Source Code Pro Semibold"/>
+                  <a:ea typeface="Source Code Pro Semibold"/>
+                  <a:cs typeface="Source Code Pro Semibold"/>
+                  <a:sym typeface="Source Code Pro Semibold"/>
+                </a:defRPr>
+              </a:pPr>
+              <a:r>
+                <a:t>  h1("Header 1")</a:t>
+              </a:r>
+              <a:r>
+                <a:rPr>
+                  <a:solidFill>
+                    <a:srgbClr val="797979"/>
+                  </a:solidFill>
+                </a:rPr>
+                <a:t>,</a:t>
+              </a:r>
+              <a:r>
+                <a:t> </a:t>
+              </a:r>
+            </a:p>
+            <a:p>
+              <a:pPr>
+                <a:spcBef>
+                  <a:spcPts val="0"/>
+                </a:spcBef>
+                <a:defRPr b="0" sz="800">
+                  <a:solidFill>
+                    <a:schemeClr val="accent1">
+                      <a:hueOff val="-158953"/>
+                      <a:satOff val="43350"/>
+                      <a:lumOff val="-16494"/>
+                    </a:schemeClr>
+                  </a:solidFill>
+                  <a:latin typeface="Source Code Pro Semibold"/>
+                  <a:ea typeface="Source Code Pro Semibold"/>
+                  <a:cs typeface="Source Code Pro Semibold"/>
+                  <a:sym typeface="Source Code Pro Semibold"/>
+                </a:defRPr>
+              </a:pPr>
+              <a:r>
+                <a:t>  </a:t>
+              </a:r>
+              <a:r>
+                <a:rPr>
+                  <a:solidFill>
+                    <a:schemeClr val="accent1">
+                      <a:hueOff val="-206347"/>
+                      <a:satOff val="69104"/>
+                      <a:lumOff val="-8949"/>
+                    </a:schemeClr>
+                  </a:solidFill>
+                </a:rPr>
+                <a:t>hr()</a:t>
+              </a:r>
+              <a:r>
+                <a:rPr>
+                  <a:solidFill>
+                    <a:srgbClr val="797979"/>
+                  </a:solidFill>
+                </a:rPr>
+                <a:t>,</a:t>
+              </a:r>
+            </a:p>
+            <a:p>
+              <a:pPr>
+                <a:spcBef>
+                  <a:spcPts val="0"/>
+                </a:spcBef>
+                <a:defRPr b="0" sz="800">
+                  <a:solidFill>
+                    <a:srgbClr val="002452"/>
+                  </a:solidFill>
+                  <a:latin typeface="Source Code Pro Semibold"/>
+                  <a:ea typeface="Source Code Pro Semibold"/>
+                  <a:cs typeface="Source Code Pro Semibold"/>
+                  <a:sym typeface="Source Code Pro Semibold"/>
+                </a:defRPr>
+              </a:pPr>
+              <a:r>
+                <a:t>  </a:t>
+              </a:r>
+              <a:r>
+                <a:rPr>
+                  <a:solidFill>
+                    <a:schemeClr val="accent1">
+                      <a:hueOff val="-180877"/>
+                      <a:satOff val="65749"/>
+                      <a:lumOff val="17664"/>
+                    </a:schemeClr>
+                  </a:solidFill>
+                </a:rPr>
+                <a:t>br()</a:t>
+              </a:r>
+              <a:r>
+                <a:rPr>
+                  <a:solidFill>
+                    <a:srgbClr val="797979"/>
+                  </a:solidFill>
+                </a:rPr>
+                <a:t>,</a:t>
+              </a:r>
+              <a:endParaRPr>
+                <a:solidFill>
+                  <a:srgbClr val="A6AAA9"/>
+                </a:solidFill>
+              </a:endParaRPr>
+            </a:p>
+            <a:p>
+              <a:pPr>
+                <a:spcBef>
+                  <a:spcPts val="0"/>
+                </a:spcBef>
+                <a:defRPr b="0" sz="800">
+                  <a:solidFill>
+                    <a:srgbClr val="002452"/>
+                  </a:solidFill>
+                  <a:latin typeface="Source Code Pro Semibold"/>
+                  <a:ea typeface="Source Code Pro Semibold"/>
+                  <a:cs typeface="Source Code Pro Semibold"/>
+                  <a:sym typeface="Source Code Pro Semibold"/>
+                </a:defRPr>
+              </a:pPr>
+              <a:r>
+                <a:t>  </a:t>
+              </a:r>
+              <a:r>
+                <a:rPr>
+                  <a:solidFill>
+                    <a:srgbClr val="797979"/>
+                  </a:solidFill>
+                </a:rPr>
+                <a:t>p(</a:t>
+              </a:r>
+              <a:r>
+                <a:t>strong("bold")</a:t>
+              </a:r>
+              <a:r>
+                <a:rPr>
+                  <a:solidFill>
+                    <a:srgbClr val="797979"/>
+                  </a:solidFill>
+                </a:rPr>
+                <a:t>),</a:t>
+              </a:r>
+            </a:p>
+            <a:p>
+              <a:pPr>
+                <a:spcBef>
+                  <a:spcPts val="0"/>
+                </a:spcBef>
+                <a:defRPr b="0" sz="800">
+                  <a:solidFill>
+                    <a:schemeClr val="accent1">
+                      <a:hueOff val="-158953"/>
+                      <a:satOff val="43350"/>
+                      <a:lumOff val="-16494"/>
+                    </a:schemeClr>
+                  </a:solidFill>
+                  <a:latin typeface="Source Code Pro Semibold"/>
+                  <a:ea typeface="Source Code Pro Semibold"/>
+                  <a:cs typeface="Source Code Pro Semibold"/>
+                  <a:sym typeface="Source Code Pro Semibold"/>
+                </a:defRPr>
+              </a:pPr>
+              <a:r>
+                <a:t>  </a:t>
+              </a:r>
+              <a:r>
+                <a:rPr>
+                  <a:solidFill>
+                    <a:srgbClr val="797979"/>
+                  </a:solidFill>
+                </a:rPr>
+                <a:t>p(</a:t>
+              </a:r>
+              <a:r>
+                <a:t>em("italic")</a:t>
+              </a:r>
+              <a:r>
+                <a:rPr>
+                  <a:solidFill>
+                    <a:srgbClr val="797979"/>
+                  </a:solidFill>
+                </a:rPr>
+                <a:t>),</a:t>
+              </a:r>
+            </a:p>
+            <a:p>
+              <a:pPr>
+                <a:spcBef>
+                  <a:spcPts val="0"/>
+                </a:spcBef>
+                <a:defRPr b="0" sz="800">
+                  <a:solidFill>
+                    <a:schemeClr val="accent1">
+                      <a:hueOff val="-206347"/>
+                      <a:satOff val="69104"/>
+                      <a:lumOff val="-8949"/>
+                    </a:schemeClr>
+                  </a:solidFill>
+                  <a:latin typeface="Source Code Pro Semibold"/>
+                  <a:ea typeface="Source Code Pro Semibold"/>
+                  <a:cs typeface="Source Code Pro Semibold"/>
+                  <a:sym typeface="Source Code Pro Semibold"/>
+                </a:defRPr>
+              </a:pPr>
+              <a:r>
+                <a:t>  </a:t>
+              </a:r>
+              <a:r>
+                <a:rPr>
+                  <a:solidFill>
+                    <a:srgbClr val="797979"/>
+                  </a:solidFill>
+                </a:rPr>
+                <a:t>p(</a:t>
+              </a:r>
+              <a:r>
+                <a:t>code("code")</a:t>
+              </a:r>
+              <a:r>
+                <a:rPr>
+                  <a:solidFill>
+                    <a:srgbClr val="797979"/>
+                  </a:solidFill>
+                </a:rPr>
+                <a:t>),</a:t>
+              </a:r>
+            </a:p>
+            <a:p>
+              <a:pPr>
+                <a:spcBef>
+                  <a:spcPts val="0"/>
+                </a:spcBef>
+                <a:defRPr b="0" sz="800">
+                  <a:solidFill>
+                    <a:schemeClr val="accent1">
+                      <a:hueOff val="-180877"/>
+                      <a:satOff val="65749"/>
+                      <a:lumOff val="17664"/>
+                    </a:schemeClr>
+                  </a:solidFill>
+                  <a:latin typeface="Source Code Pro Semibold"/>
+                  <a:ea typeface="Source Code Pro Semibold"/>
+                  <a:cs typeface="Source Code Pro Semibold"/>
+                  <a:sym typeface="Source Code Pro Semibold"/>
+                </a:defRPr>
+              </a:pPr>
+              <a:r>
+                <a:t>  a(href="", "link"),</a:t>
+              </a:r>
+            </a:p>
+            <a:p>
+              <a:pPr>
+                <a:spcBef>
+                  <a:spcPts val="0"/>
+                </a:spcBef>
+                <a:defRPr b="0" sz="800">
+                  <a:solidFill>
+                    <a:schemeClr val="accent1">
+                      <a:hueOff val="-180877"/>
+                      <a:satOff val="65749"/>
+                      <a:lumOff val="17664"/>
+                    </a:schemeClr>
+                  </a:solidFill>
+                  <a:latin typeface="Source Code Pro Semibold"/>
+                  <a:ea typeface="Source Code Pro Semibold"/>
+                  <a:cs typeface="Source Code Pro Semibold"/>
+                  <a:sym typeface="Source Code Pro Semibold"/>
+                </a:defRPr>
+              </a:pPr>
+              <a:r>
+                <a:t>  </a:t>
+              </a:r>
+              <a:r>
+                <a:rPr>
+                  <a:solidFill>
+                    <a:srgbClr val="002452"/>
+                  </a:solidFill>
+                </a:rPr>
+                <a:t>HTML("&lt;p&gt;Raw html&lt;/p&gt;")</a:t>
+              </a:r>
+            </a:p>
+            <a:p>
+              <a:pPr>
+                <a:spcBef>
+                  <a:spcPts val="0"/>
+                </a:spcBef>
+                <a:defRPr b="0" sz="800">
+                  <a:solidFill>
+                    <a:srgbClr val="A6AAA9"/>
+                  </a:solidFill>
+                  <a:latin typeface="Source Code Pro Semibold"/>
+                  <a:ea typeface="Source Code Pro Semibold"/>
+                  <a:cs typeface="Source Code Pro Semibold"/>
+                  <a:sym typeface="Source Code Pro Semibold"/>
+                </a:defRPr>
+              </a:pPr>
+              <a:r>
+                <a:t>)</a:t>
+              </a:r>
+            </a:p>
+          </p:txBody>
+        </p:sp>
+        <p:pic>
+          <p:nvPicPr>
+            <p:cNvPr id="387" name="Screen Shot 2015-06-10 at 9.31.46 AM.png" descr="Screen Shot 2015-06-10 at 9.31.46 AM.png"/>
+            <p:cNvPicPr>
+              <a:picLocks noChangeAspect="1"/>
+            </p:cNvPicPr>
+            <p:nvPr/>
+          </p:nvPicPr>
+          <p:blipFill>
+            <a:blip r:embed="rId10">
+              <a:extLst/>
+            </a:blip>
+            <a:stretch>
+              <a:fillRect/>
+            </a:stretch>
+          </p:blipFill>
+          <p:spPr>
+            <a:xfrm>
+              <a:off x="1790259" y="10982"/>
+              <a:ext cx="998497" cy="1355912"/>
+            </a:xfrm>
+            <a:prstGeom prst="rect">
+              <a:avLst/>
+            </a:prstGeom>
+            <a:ln w="6350" cap="flat">
+              <a:solidFill>
+                <a:srgbClr val="000000"/>
+              </a:solidFill>
+              <a:prstDash val="solid"/>
+              <a:miter lim="400000"/>
+            </a:ln>
+            <a:effectLst/>
+          </p:spPr>
+        </p:pic>
+        <p:sp>
+          <p:nvSpPr>
+            <p:cNvPr id="388" name="Arrow"/>
+            <p:cNvSpPr/>
+            <p:nvPr/>
+          </p:nvSpPr>
+          <p:spPr>
+            <a:xfrm>
+              <a:off x="1350903" y="291241"/>
+              <a:ext cx="511018" cy="276333"/>
+            </a:xfrm>
+            <a:prstGeom prst="rightArrow">
+              <a:avLst>
+                <a:gd name="adj1" fmla="val 54581"/>
+                <a:gd name="adj2" fmla="val 60580"/>
+              </a:avLst>
+            </a:prstGeom>
+            <a:solidFill>
+              <a:schemeClr val="accent1">
+                <a:hueOff val="-158953"/>
+                <a:satOff val="43350"/>
+                <a:lumOff val="-16494"/>
+              </a:schemeClr>
+            </a:solidFill>
+            <a:ln w="12700" cap="flat">
+              <a:noFill/>
+              <a:miter lim="400000"/>
+            </a:ln>
+            <a:effectLst/>
+          </p:spPr>
+          <p:txBody>
+            <a:bodyPr wrap="square" lIns="54570" tIns="54570" rIns="54570" bIns="54570" numCol="1" anchor="ctr">
+              <a:noAutofit/>
+            </a:bodyPr>
+            <a:lstStyle/>
+            <a:p>
+              <a:pPr>
+                <a:lnSpc>
+                  <a:spcPct val="80000"/>
+                </a:lnSpc>
+                <a:spcBef>
+                  <a:spcPts val="0"/>
+                </a:spcBef>
+                <a:defRPr b="0">
+                  <a:solidFill>
+                    <a:srgbClr val="000000"/>
+                  </a:solidFill>
+                </a:defRPr>
+              </a:pPr>
+            </a:p>
+          </p:txBody>
+        </p:sp>
+      </p:grpSp>
+      <p:pic>
+        <p:nvPicPr>
+          <p:cNvPr id="390" name="Screen Shot 2015-06-10 at 4.17.52 PM.png" descr="Screen Shot 2015-06-10 at 4.17.52 PM.png"/>
+          <p:cNvPicPr>
+            <a:picLocks noChangeAspect="1"/>
+          </p:cNvPicPr>
+          <p:nvPr/>
+        </p:nvPicPr>
+        <p:blipFill>
+          <a:blip r:embed="rId11">
+            <a:extLst/>
+          </a:blip>
+          <a:stretch>
+            <a:fillRect/>
+          </a:stretch>
+        </p:blipFill>
+        <p:spPr>
+          <a:xfrm>
+            <a:off x="10650410" y="1972316"/>
+            <a:ext cx="1089084" cy="769957"/>
+          </a:xfrm>
+          <a:prstGeom prst="rect">
+            <a:avLst/>
+          </a:prstGeom>
+          <a:ln w="12700">
+            <a:miter lim="400000"/>
+          </a:ln>
+        </p:spPr>
+      </p:pic>
+      <p:pic>
+        <p:nvPicPr>
+          <p:cNvPr id="391" name="shiny.png" descr="shiny.png"/>
+          <p:cNvPicPr>
+            <a:picLocks noChangeAspect="1"/>
+          </p:cNvPicPr>
+          <p:nvPr/>
+        </p:nvPicPr>
+        <p:blipFill>
+          <a:blip r:embed="rId12">
+            <a:extLst/>
+          </a:blip>
+          <a:stretch>
+            <a:fillRect/>
+          </a:stretch>
+        </p:blipFill>
+        <p:spPr>
+          <a:xfrm>
+            <a:off x="12309267" y="198551"/>
+            <a:ext cx="1369859" cy="1587622"/>
+          </a:xfrm>
+          <a:prstGeom prst="rect">
+            <a:avLst/>
+          </a:prstGeom>
+          <a:ln w="12700">
+            <a:miter lim="400000"/>
+          </a:ln>
+        </p:spPr>
+      </p:pic>
+      <p:sp>
+        <p:nvSpPr>
+          <p:cNvPr id="392" name="Rectangle"/>
           <p:cNvSpPr/>
           <p:nvPr/>
         </p:nvSpPr>
@@ -27367,170 +28046,16 @@
           </a:p>
         </p:txBody>
       </p:sp>
-      <p:sp>
-        <p:nvSpPr>
-          <p:cNvPr id="389" name="ui &lt;- navbarPage(title = &quot;Page&quot;,…"/>
-          <p:cNvSpPr txBox="1"/>
-          <p:nvPr/>
-        </p:nvSpPr>
-        <p:spPr>
-          <a:xfrm>
-            <a:off x="10590486" y="9733852"/>
-            <a:ext cx="1732333" cy="561341"/>
-          </a:xfrm>
-          <a:prstGeom prst="rect">
-            <a:avLst/>
-          </a:prstGeom>
-          <a:ln w="12700">
-            <a:miter lim="400000"/>
-          </a:ln>
-          <a:extLst>
-            <a:ext uri="{C572A759-6A51-4108-AA02-DFA0A04FC94B}">
-              <ma14:wrappingTextBoxFlag xmlns:ma14="http://schemas.microsoft.com/office/mac/drawingml/2011/main" val="1"/>
-            </a:ext>
-          </a:extLst>
-        </p:spPr>
-        <p:txBody>
-          <a:bodyPr lIns="0" tIns="0" rIns="0" bIns="0" anchor="ctr">
-            <a:spAutoFit/>
-          </a:bodyPr>
-          <a:lstStyle/>
-          <a:p>
-            <a:pPr>
-              <a:lnSpc>
-                <a:spcPct val="80000"/>
-              </a:lnSpc>
-              <a:spcBef>
-                <a:spcPts val="0"/>
-              </a:spcBef>
-              <a:defRPr b="0" sz="1000">
-                <a:solidFill>
-                  <a:srgbClr val="000000"/>
-                </a:solidFill>
-                <a:latin typeface="+mj-lt"/>
-                <a:ea typeface="+mj-ea"/>
-                <a:cs typeface="+mj-cs"/>
-                <a:sym typeface="Source Sans Pro Light"/>
-              </a:defRPr>
-            </a:pPr>
-            <a:r>
-              <a:t>ui &lt;- </a:t>
-            </a:r>
-            <a:r>
-              <a:rPr b="1">
-                <a:latin typeface="+mn-lt"/>
-                <a:ea typeface="+mn-ea"/>
-                <a:cs typeface="+mn-cs"/>
-                <a:sym typeface="Source Sans Pro"/>
-              </a:rPr>
-              <a:t>navbarPage(</a:t>
-            </a:r>
-            <a:r>
-              <a:t>title = "Page",</a:t>
-            </a:r>
-            <a:endParaRPr b="1">
-              <a:latin typeface="+mn-lt"/>
-              <a:ea typeface="+mn-ea"/>
-              <a:cs typeface="+mn-cs"/>
-              <a:sym typeface="Source Sans Pro"/>
-            </a:endParaRPr>
-          </a:p>
-          <a:p>
-            <a:pPr>
-              <a:lnSpc>
-                <a:spcPct val="80000"/>
-              </a:lnSpc>
-              <a:spcBef>
-                <a:spcPts val="0"/>
-              </a:spcBef>
-              <a:defRPr b="0" sz="1000">
-                <a:solidFill>
-                  <a:srgbClr val="000000"/>
-                </a:solidFill>
-                <a:latin typeface="+mj-lt"/>
-                <a:ea typeface="+mj-ea"/>
-                <a:cs typeface="+mj-cs"/>
-                <a:sym typeface="Source Sans Pro Light"/>
-              </a:defRPr>
-            </a:pPr>
-            <a:r>
-              <a:rPr b="1">
-                <a:latin typeface="+mn-lt"/>
-                <a:ea typeface="+mn-ea"/>
-                <a:cs typeface="+mn-cs"/>
-                <a:sym typeface="Source Sans Pro"/>
-              </a:rPr>
-              <a:t>    </a:t>
-            </a:r>
-            <a:r>
-              <a:t> tabPanel("tab 1", "contents"),</a:t>
-            </a:r>
-          </a:p>
-          <a:p>
-            <a:pPr>
-              <a:lnSpc>
-                <a:spcPct val="80000"/>
-              </a:lnSpc>
-              <a:spcBef>
-                <a:spcPts val="0"/>
-              </a:spcBef>
-              <a:defRPr b="0" sz="1000">
-                <a:solidFill>
-                  <a:srgbClr val="000000"/>
-                </a:solidFill>
-                <a:latin typeface="+mj-lt"/>
-                <a:ea typeface="+mj-ea"/>
-                <a:cs typeface="+mj-cs"/>
-                <a:sym typeface="Source Sans Pro Light"/>
-              </a:defRPr>
-            </a:pPr>
-            <a:r>
-              <a:t>     tabPanel("tab 2", "contents"),</a:t>
-            </a:r>
-          </a:p>
-          <a:p>
-            <a:pPr>
-              <a:lnSpc>
-                <a:spcPct val="80000"/>
-              </a:lnSpc>
-              <a:spcBef>
-                <a:spcPts val="0"/>
-              </a:spcBef>
-              <a:defRPr b="0" sz="1000">
-                <a:solidFill>
-                  <a:srgbClr val="000000"/>
-                </a:solidFill>
-                <a:latin typeface="+mj-lt"/>
-                <a:ea typeface="+mj-ea"/>
-                <a:cs typeface="+mj-cs"/>
-                <a:sym typeface="Source Sans Pro Light"/>
-              </a:defRPr>
-            </a:pPr>
-            <a:r>
-              <a:t>     tabPanel("tab 3", "contents")</a:t>
-            </a:r>
-            <a:r>
-              <a:rPr b="1">
-                <a:latin typeface="+mn-lt"/>
-                <a:ea typeface="+mn-ea"/>
-                <a:cs typeface="+mn-cs"/>
-                <a:sym typeface="Source Sans Pro"/>
-              </a:rPr>
-              <a:t>)</a:t>
-            </a:r>
-          </a:p>
-        </p:txBody>
-      </p:sp>
       <p:pic>
         <p:nvPicPr>
-          <p:cNvPr id="390" name="Screen Shot 2015-06-10 at 5.27.03 PM.png" descr="Screen Shot 2015-06-10 at 5.27.03 PM.png"/>
+          <p:cNvPr id="393" name="Screen Shot 2015-06-10 at 5.27.03 PM.png" descr="Screen Shot 2015-06-10 at 5.27.03 PM.png"/>
           <p:cNvPicPr>
             <a:picLocks noChangeAspect="1"/>
           </p:cNvPicPr>
           <p:nvPr/>
         </p:nvPicPr>
         <p:blipFill>
-          <a:blip r:embed="rId12">
+          <a:blip r:embed="rId13">
             <a:extLst/>
           </a:blip>
           <a:stretch>
@@ -27562,14 +28087,14 @@
       </p:pic>
       <p:pic>
         <p:nvPicPr>
-          <p:cNvPr id="391" name="Screen Shot 2015-06-10 at 5.27.26 PM.png" descr="Screen Shot 2015-06-10 at 5.27.26 PM.png"/>
+          <p:cNvPr id="394" name="Screen Shot 2015-06-10 at 5.27.26 PM.png" descr="Screen Shot 2015-06-10 at 5.27.26 PM.png"/>
           <p:cNvPicPr>
             <a:picLocks noChangeAspect="1"/>
           </p:cNvPicPr>
           <p:nvPr/>
         </p:nvPicPr>
         <p:blipFill>
-          <a:blip r:embed="rId13">
+          <a:blip r:embed="rId14">
             <a:extLst/>
           </a:blip>
           <a:stretch>
@@ -27591,14 +28116,14 @@
       </p:pic>
       <p:pic>
         <p:nvPicPr>
-          <p:cNvPr id="392" name="Screen Shot 2015-06-10 at 5.28.02 PM.png" descr="Screen Shot 2015-06-10 at 5.28.02 PM.png"/>
+          <p:cNvPr id="395" name="Screen Shot 2015-06-10 at 5.28.02 PM.png" descr="Screen Shot 2015-06-10 at 5.28.02 PM.png"/>
           <p:cNvPicPr>
             <a:picLocks noChangeAspect="0"/>
           </p:cNvPicPr>
           <p:nvPr/>
         </p:nvPicPr>
         <p:blipFill>
-          <a:blip r:embed="rId14">
+          <a:blip r:embed="rId15">
             <a:extLst/>
           </a:blip>
           <a:stretch>
@@ -27630,14 +28155,14 @@
       </p:pic>
       <p:pic>
         <p:nvPicPr>
-          <p:cNvPr id="393" name="Screen Shot 2015-06-10 at 5.28.02 PM.png" descr="Screen Shot 2015-06-10 at 5.28.02 PM.png"/>
+          <p:cNvPr id="396" name="Screen Shot 2015-06-10 at 5.28.02 PM.png" descr="Screen Shot 2015-06-10 at 5.28.02 PM.png"/>
           <p:cNvPicPr>
             <a:picLocks noChangeAspect="0"/>
           </p:cNvPicPr>
           <p:nvPr/>
         </p:nvPicPr>
         <p:blipFill>
-          <a:blip r:embed="rId14">
+          <a:blip r:embed="rId15">
             <a:extLst/>
           </a:blip>
           <a:srcRect l="0" t="36393" r="70026" b="0"/>
@@ -27649,504 +28174,6 @@
           <a:xfrm>
             <a:off x="13023712" y="9130280"/>
             <a:ext cx="265017" cy="354574"/>
-          </a:xfrm>
-          <a:prstGeom prst="rect">
-            <a:avLst/>
-          </a:prstGeom>
-          <a:ln w="12700">
-            <a:miter lim="400000"/>
-          </a:ln>
-        </p:spPr>
-      </p:pic>
-      <p:sp>
-        <p:nvSpPr>
-          <p:cNvPr id="394" name="absolutePanel()…"/>
-          <p:cNvSpPr txBox="1"/>
-          <p:nvPr/>
-        </p:nvSpPr>
-        <p:spPr>
-          <a:xfrm>
-            <a:off x="12010493" y="2001125"/>
-            <a:ext cx="1754521" cy="693421"/>
-          </a:xfrm>
-          <a:prstGeom prst="rect">
-            <a:avLst/>
-          </a:prstGeom>
-          <a:ln w="12700">
-            <a:miter lim="400000"/>
-          </a:ln>
-          <a:extLst>
-            <a:ext uri="{C572A759-6A51-4108-AA02-DFA0A04FC94B}">
-              <ma14:wrappingTextBoxFlag xmlns:ma14="http://schemas.microsoft.com/office/mac/drawingml/2011/main" val="1"/>
-            </a:ext>
-          </a:extLst>
-        </p:spPr>
-        <p:txBody>
-          <a:bodyPr lIns="0" tIns="0" rIns="0" bIns="0" numCol="2" spcCol="87726"/>
-          <a:lstStyle/>
-          <a:p>
-            <a:pPr>
-              <a:lnSpc>
-                <a:spcPct val="90000"/>
-              </a:lnSpc>
-              <a:spcBef>
-                <a:spcPts val="0"/>
-              </a:spcBef>
-              <a:defRPr b="0" sz="800">
-                <a:solidFill>
-                  <a:srgbClr val="53585F"/>
-                </a:solidFill>
-                <a:latin typeface="+mj-lt"/>
-                <a:ea typeface="+mj-ea"/>
-                <a:cs typeface="+mj-cs"/>
-                <a:sym typeface="Source Sans Pro Light"/>
-              </a:defRPr>
-            </a:pPr>
-            <a:r>
-              <a:rPr>
-                <a:solidFill>
-                  <a:srgbClr val="000000"/>
-                </a:solidFill>
-                <a:latin typeface="+mn-lt"/>
-                <a:ea typeface="+mn-ea"/>
-                <a:cs typeface="+mn-cs"/>
-                <a:sym typeface="Source Sans Pro"/>
-              </a:rPr>
-              <a:t>absolutePanel()</a:t>
-            </a:r>
-            <a:r>
-              <a:t>    </a:t>
-            </a:r>
-          </a:p>
-          <a:p>
-            <a:pPr>
-              <a:lnSpc>
-                <a:spcPct val="90000"/>
-              </a:lnSpc>
-              <a:spcBef>
-                <a:spcPts val="0"/>
-              </a:spcBef>
-              <a:defRPr b="0" sz="800">
-                <a:solidFill>
-                  <a:srgbClr val="53585F"/>
-                </a:solidFill>
-                <a:latin typeface="+mj-lt"/>
-                <a:ea typeface="+mj-ea"/>
-                <a:cs typeface="+mj-cs"/>
-                <a:sym typeface="Source Sans Pro Light"/>
-              </a:defRPr>
-            </a:pPr>
-            <a:r>
-              <a:rPr>
-                <a:solidFill>
-                  <a:srgbClr val="000000"/>
-                </a:solidFill>
-                <a:latin typeface="+mn-lt"/>
-                <a:ea typeface="+mn-ea"/>
-                <a:cs typeface="+mn-cs"/>
-                <a:sym typeface="Source Sans Pro"/>
-              </a:rPr>
-              <a:t>conditionalPanel()</a:t>
-            </a:r>
-            <a:r>
-              <a:t>    </a:t>
-            </a:r>
-          </a:p>
-          <a:p>
-            <a:pPr>
-              <a:lnSpc>
-                <a:spcPct val="90000"/>
-              </a:lnSpc>
-              <a:spcBef>
-                <a:spcPts val="0"/>
-              </a:spcBef>
-              <a:defRPr b="0" sz="800">
-                <a:solidFill>
-                  <a:srgbClr val="53585F"/>
-                </a:solidFill>
-                <a:latin typeface="+mj-lt"/>
-                <a:ea typeface="+mj-ea"/>
-                <a:cs typeface="+mj-cs"/>
-                <a:sym typeface="Source Sans Pro Light"/>
-              </a:defRPr>
-            </a:pPr>
-            <a:r>
-              <a:rPr>
-                <a:solidFill>
-                  <a:srgbClr val="000000"/>
-                </a:solidFill>
-                <a:latin typeface="+mn-lt"/>
-                <a:ea typeface="+mn-ea"/>
-                <a:cs typeface="+mn-cs"/>
-                <a:sym typeface="Source Sans Pro"/>
-              </a:rPr>
-              <a:t>fixedPanel()</a:t>
-            </a:r>
-            <a:r>
-              <a:t> </a:t>
-            </a:r>
-          </a:p>
-          <a:p>
-            <a:pPr>
-              <a:lnSpc>
-                <a:spcPct val="90000"/>
-              </a:lnSpc>
-              <a:spcBef>
-                <a:spcPts val="0"/>
-              </a:spcBef>
-              <a:defRPr b="0" sz="800">
-                <a:solidFill>
-                  <a:srgbClr val="53585F"/>
-                </a:solidFill>
-                <a:latin typeface="+mj-lt"/>
-                <a:ea typeface="+mj-ea"/>
-                <a:cs typeface="+mj-cs"/>
-                <a:sym typeface="Source Sans Pro Light"/>
-              </a:defRPr>
-            </a:pPr>
-            <a:r>
-              <a:rPr>
-                <a:solidFill>
-                  <a:srgbClr val="000000"/>
-                </a:solidFill>
-                <a:latin typeface="+mn-lt"/>
-                <a:ea typeface="+mn-ea"/>
-                <a:cs typeface="+mn-cs"/>
-                <a:sym typeface="Source Sans Pro"/>
-              </a:rPr>
-              <a:t>headerPanel()</a:t>
-            </a:r>
-            <a:r>
-              <a:t>       </a:t>
-            </a:r>
-          </a:p>
-          <a:p>
-            <a:pPr>
-              <a:lnSpc>
-                <a:spcPct val="90000"/>
-              </a:lnSpc>
-              <a:spcBef>
-                <a:spcPts val="0"/>
-              </a:spcBef>
-              <a:defRPr b="0" sz="800">
-                <a:solidFill>
-                  <a:srgbClr val="53585F"/>
-                </a:solidFill>
-                <a:latin typeface="+mj-lt"/>
-                <a:ea typeface="+mj-ea"/>
-                <a:cs typeface="+mj-cs"/>
-                <a:sym typeface="Source Sans Pro Light"/>
-              </a:defRPr>
-            </a:pPr>
-            <a:r>
-              <a:rPr>
-                <a:solidFill>
-                  <a:srgbClr val="000000"/>
-                </a:solidFill>
-                <a:latin typeface="+mn-lt"/>
-                <a:ea typeface="+mn-ea"/>
-                <a:cs typeface="+mn-cs"/>
-                <a:sym typeface="Source Sans Pro"/>
-              </a:rPr>
-              <a:t>inputPanel()</a:t>
-            </a:r>
-            <a:r>
-              <a:t>       </a:t>
-            </a:r>
-          </a:p>
-          <a:p>
-            <a:pPr>
-              <a:lnSpc>
-                <a:spcPct val="90000"/>
-              </a:lnSpc>
-              <a:spcBef>
-                <a:spcPts val="0"/>
-              </a:spcBef>
-              <a:defRPr b="0" sz="800">
-                <a:solidFill>
-                  <a:srgbClr val="53585F"/>
-                </a:solidFill>
-                <a:latin typeface="+mj-lt"/>
-                <a:ea typeface="+mj-ea"/>
-                <a:cs typeface="+mj-cs"/>
-                <a:sym typeface="Source Sans Pro Light"/>
-              </a:defRPr>
-            </a:pPr>
-            <a:r>
-              <a:rPr>
-                <a:solidFill>
-                  <a:srgbClr val="000000"/>
-                </a:solidFill>
-                <a:latin typeface="+mn-lt"/>
-                <a:ea typeface="+mn-ea"/>
-                <a:cs typeface="+mn-cs"/>
-                <a:sym typeface="Source Sans Pro"/>
-              </a:rPr>
-              <a:t>mainPanel() </a:t>
-            </a:r>
-            <a:endParaRPr>
-              <a:solidFill>
-                <a:srgbClr val="000000"/>
-              </a:solidFill>
-              <a:latin typeface="+mn-lt"/>
-              <a:ea typeface="+mn-ea"/>
-              <a:cs typeface="+mn-cs"/>
-              <a:sym typeface="Source Sans Pro"/>
-            </a:endParaRPr>
-          </a:p>
-          <a:p>
-            <a:pPr>
-              <a:lnSpc>
-                <a:spcPct val="90000"/>
-              </a:lnSpc>
-              <a:spcBef>
-                <a:spcPts val="0"/>
-              </a:spcBef>
-              <a:defRPr b="0" sz="800">
-                <a:solidFill>
-                  <a:srgbClr val="53585F"/>
-                </a:solidFill>
-                <a:latin typeface="+mj-lt"/>
-                <a:ea typeface="+mj-ea"/>
-                <a:cs typeface="+mj-cs"/>
-                <a:sym typeface="Source Sans Pro Light"/>
-              </a:defRPr>
-            </a:pPr>
-            <a:r>
-              <a:rPr>
-                <a:solidFill>
-                  <a:srgbClr val="000000"/>
-                </a:solidFill>
-                <a:latin typeface="+mn-lt"/>
-                <a:ea typeface="+mn-ea"/>
-                <a:cs typeface="+mn-cs"/>
-                <a:sym typeface="Source Sans Pro"/>
-              </a:rPr>
-              <a:t>navlistPanel()</a:t>
-            </a:r>
-            <a:endParaRPr>
-              <a:solidFill>
-                <a:srgbClr val="000000"/>
-              </a:solidFill>
-              <a:latin typeface="+mn-lt"/>
-              <a:ea typeface="+mn-ea"/>
-              <a:cs typeface="+mn-cs"/>
-              <a:sym typeface="Source Sans Pro"/>
-            </a:endParaRPr>
-          </a:p>
-          <a:p>
-            <a:pPr>
-              <a:lnSpc>
-                <a:spcPct val="90000"/>
-              </a:lnSpc>
-              <a:spcBef>
-                <a:spcPts val="0"/>
-              </a:spcBef>
-              <a:defRPr b="0" sz="800">
-                <a:solidFill>
-                  <a:srgbClr val="53585F"/>
-                </a:solidFill>
-                <a:latin typeface="+mj-lt"/>
-                <a:ea typeface="+mj-ea"/>
-                <a:cs typeface="+mj-cs"/>
-                <a:sym typeface="Source Sans Pro Light"/>
-              </a:defRPr>
-            </a:pPr>
-            <a:r>
-              <a:rPr>
-                <a:solidFill>
-                  <a:srgbClr val="000000"/>
-                </a:solidFill>
-                <a:latin typeface="+mn-lt"/>
-                <a:ea typeface="+mn-ea"/>
-                <a:cs typeface="+mn-cs"/>
-                <a:sym typeface="Source Sans Pro"/>
-              </a:rPr>
-              <a:t>sidebarPanel()</a:t>
-            </a:r>
-            <a:endParaRPr>
-              <a:solidFill>
-                <a:srgbClr val="000000"/>
-              </a:solidFill>
-              <a:latin typeface="+mn-lt"/>
-              <a:ea typeface="+mn-ea"/>
-              <a:cs typeface="+mn-cs"/>
-              <a:sym typeface="Source Sans Pro"/>
-            </a:endParaRPr>
-          </a:p>
-          <a:p>
-            <a:pPr>
-              <a:lnSpc>
-                <a:spcPct val="90000"/>
-              </a:lnSpc>
-              <a:spcBef>
-                <a:spcPts val="0"/>
-              </a:spcBef>
-              <a:defRPr b="0" sz="800">
-                <a:solidFill>
-                  <a:srgbClr val="53585F"/>
-                </a:solidFill>
-                <a:latin typeface="+mj-lt"/>
-                <a:ea typeface="+mj-ea"/>
-                <a:cs typeface="+mj-cs"/>
-                <a:sym typeface="Source Sans Pro Light"/>
-              </a:defRPr>
-            </a:pPr>
-            <a:r>
-              <a:rPr>
-                <a:solidFill>
-                  <a:srgbClr val="000000"/>
-                </a:solidFill>
-                <a:latin typeface="+mn-lt"/>
-                <a:ea typeface="+mn-ea"/>
-                <a:cs typeface="+mn-cs"/>
-                <a:sym typeface="Source Sans Pro"/>
-              </a:rPr>
-              <a:t>tabPanel()</a:t>
-            </a:r>
-            <a:endParaRPr>
-              <a:solidFill>
-                <a:srgbClr val="000000"/>
-              </a:solidFill>
-              <a:latin typeface="+mn-lt"/>
-              <a:ea typeface="+mn-ea"/>
-              <a:cs typeface="+mn-cs"/>
-              <a:sym typeface="Source Sans Pro"/>
-            </a:endParaRPr>
-          </a:p>
-          <a:p>
-            <a:pPr>
-              <a:lnSpc>
-                <a:spcPct val="90000"/>
-              </a:lnSpc>
-              <a:spcBef>
-                <a:spcPts val="0"/>
-              </a:spcBef>
-              <a:defRPr b="0" sz="800">
-                <a:solidFill>
-                  <a:srgbClr val="53585F"/>
-                </a:solidFill>
-                <a:latin typeface="+mj-lt"/>
-                <a:ea typeface="+mj-ea"/>
-                <a:cs typeface="+mj-cs"/>
-                <a:sym typeface="Source Sans Pro Light"/>
-              </a:defRPr>
-            </a:pPr>
-            <a:r>
-              <a:rPr>
-                <a:solidFill>
-                  <a:srgbClr val="000000"/>
-                </a:solidFill>
-                <a:latin typeface="+mn-lt"/>
-                <a:ea typeface="+mn-ea"/>
-                <a:cs typeface="+mn-cs"/>
-                <a:sym typeface="Source Sans Pro"/>
-              </a:rPr>
-              <a:t>tabsetPanel()</a:t>
-            </a:r>
-            <a:endParaRPr>
-              <a:solidFill>
-                <a:srgbClr val="000000"/>
-              </a:solidFill>
-              <a:latin typeface="+mn-lt"/>
-              <a:ea typeface="+mn-ea"/>
-              <a:cs typeface="+mn-cs"/>
-              <a:sym typeface="Source Sans Pro"/>
-            </a:endParaRPr>
-          </a:p>
-          <a:p>
-            <a:pPr>
-              <a:lnSpc>
-                <a:spcPct val="90000"/>
-              </a:lnSpc>
-              <a:spcBef>
-                <a:spcPts val="0"/>
-              </a:spcBef>
-              <a:defRPr b="0" sz="800">
-                <a:solidFill>
-                  <a:srgbClr val="53585F"/>
-                </a:solidFill>
-                <a:latin typeface="+mj-lt"/>
-                <a:ea typeface="+mj-ea"/>
-                <a:cs typeface="+mj-cs"/>
-                <a:sym typeface="Source Sans Pro Light"/>
-              </a:defRPr>
-            </a:pPr>
-            <a:r>
-              <a:rPr>
-                <a:solidFill>
-                  <a:srgbClr val="000000"/>
-                </a:solidFill>
-                <a:latin typeface="+mn-lt"/>
-                <a:ea typeface="+mn-ea"/>
-                <a:cs typeface="+mn-cs"/>
-                <a:sym typeface="Source Sans Pro"/>
-              </a:rPr>
-              <a:t>titlePanel()</a:t>
-            </a:r>
-            <a:endParaRPr>
-              <a:solidFill>
-                <a:srgbClr val="000000"/>
-              </a:solidFill>
-              <a:latin typeface="+mn-lt"/>
-              <a:ea typeface="+mn-ea"/>
-              <a:cs typeface="+mn-cs"/>
-              <a:sym typeface="Source Sans Pro"/>
-            </a:endParaRPr>
-          </a:p>
-          <a:p>
-            <a:pPr>
-              <a:lnSpc>
-                <a:spcPct val="90000"/>
-              </a:lnSpc>
-              <a:spcBef>
-                <a:spcPts val="0"/>
-              </a:spcBef>
-              <a:defRPr b="0" sz="800">
-                <a:solidFill>
-                  <a:srgbClr val="53585F"/>
-                </a:solidFill>
-                <a:latin typeface="+mj-lt"/>
-                <a:ea typeface="+mj-ea"/>
-                <a:cs typeface="+mj-cs"/>
-                <a:sym typeface="Source Sans Pro Light"/>
-              </a:defRPr>
-            </a:pPr>
-            <a:r>
-              <a:rPr>
-                <a:solidFill>
-                  <a:srgbClr val="000000"/>
-                </a:solidFill>
-                <a:latin typeface="+mn-lt"/>
-                <a:ea typeface="+mn-ea"/>
-                <a:cs typeface="+mn-cs"/>
-                <a:sym typeface="Source Sans Pro"/>
-              </a:rPr>
-              <a:t>wellPanel()</a:t>
-            </a:r>
-          </a:p>
-        </p:txBody>
-      </p:sp>
-      <p:pic>
-        <p:nvPicPr>
-          <p:cNvPr id="395" name="shiny.png" descr="shiny.png"/>
-          <p:cNvPicPr>
-            <a:picLocks noChangeAspect="1"/>
-          </p:cNvPicPr>
-          <p:nvPr/>
-        </p:nvPicPr>
-        <p:blipFill>
-          <a:blip r:embed="rId15">
-            <a:extLst/>
-          </a:blip>
-          <a:stretch>
-            <a:fillRect/>
-          </a:stretch>
-        </p:blipFill>
-        <p:spPr>
-          <a:xfrm>
-            <a:off x="12309267" y="198551"/>
-            <a:ext cx="1369859" cy="1587622"/>
           </a:xfrm>
           <a:prstGeom prst="rect">
             <a:avLst/>

--- a/powerpoints/shiny.pptx
+++ b/powerpoints/shiny.pptx
@@ -10,6 +10,7 @@
   <p:sldIdLst>
     <p:sldId id="256" r:id="rId8"/>
     <p:sldId id="257" r:id="rId9"/>
+    <p:sldId id="258" r:id="rId10"/>
   </p:sldIdLst>
   <p:sldSz cx="13970000" cy="10795000"/>
   <p:notesSz cx="6858000" cy="9144000"/>
@@ -815,8 +816,8 @@
         </p:nvSpPr>
         <p:spPr>
           <a:xfrm>
-            <a:off x="0" y="158750"/>
-            <a:ext cx="13964218" cy="10477500"/>
+            <a:off x="-873125" y="158750"/>
+            <a:ext cx="15708068" cy="10477500"/>
           </a:xfrm>
           <a:prstGeom prst="rect">
             <a:avLst/>
@@ -939,7 +940,7 @@
         <p:spPr>
           <a:xfrm>
             <a:off x="1725786" y="840878"/>
-            <a:ext cx="10504786" cy="6357443"/>
+            <a:ext cx="10504786" cy="7006839"/>
           </a:xfrm>
           <a:prstGeom prst="rect">
             <a:avLst/>
@@ -1214,13 +1215,13 @@
           <p:cNvPr id="38" name="Image"/>
           <p:cNvSpPr/>
           <p:nvPr>
-            <p:ph type="pic" sz="half" idx="13"/>
+            <p:ph type="pic" idx="13"/>
           </p:nvPr>
         </p:nvSpPr>
         <p:spPr>
           <a:xfrm>
-            <a:off x="7216923" y="840878"/>
-            <a:ext cx="5729884" cy="8840392"/>
+            <a:off x="2919511" y="840878"/>
+            <a:ext cx="13274230" cy="8849488"/>
           </a:xfrm>
           <a:prstGeom prst="rect">
             <a:avLst/>
@@ -1616,13 +1617,13 @@
           <p:cNvPr id="65" name="Image"/>
           <p:cNvSpPr/>
           <p:nvPr>
-            <p:ph type="pic" sz="half" idx="13"/>
+            <p:ph type="pic" idx="13"/>
           </p:nvPr>
         </p:nvSpPr>
         <p:spPr>
           <a:xfrm>
-            <a:off x="7216923" y="2955478"/>
-            <a:ext cx="5729884" cy="6753077"/>
+            <a:off x="4870400" y="2955478"/>
+            <a:ext cx="10129615" cy="6753077"/>
           </a:xfrm>
           <a:prstGeom prst="rect">
             <a:avLst/>
@@ -1883,13 +1884,13 @@
           <p:cNvPr id="83" name="Image"/>
           <p:cNvSpPr/>
           <p:nvPr>
-            <p:ph type="pic" sz="half" idx="13"/>
+            <p:ph type="pic" idx="13"/>
           </p:nvPr>
         </p:nvSpPr>
         <p:spPr>
           <a:xfrm>
-            <a:off x="1023193" y="1113730"/>
-            <a:ext cx="5729884" cy="8567540"/>
+            <a:off x="-2551163" y="1113730"/>
+            <a:ext cx="12864953" cy="8576636"/>
           </a:xfrm>
           <a:prstGeom prst="rect">
             <a:avLst/>
@@ -1915,8 +1916,8 @@
         </p:nvSpPr>
         <p:spPr>
           <a:xfrm>
-            <a:off x="7216923" y="5629423"/>
-            <a:ext cx="5729884" cy="4051847"/>
+            <a:off x="7175996" y="5558791"/>
+            <a:ext cx="6507511" cy="4340601"/>
           </a:xfrm>
           <a:prstGeom prst="rect">
             <a:avLst/>
@@ -1942,8 +1943,8 @@
         </p:nvSpPr>
         <p:spPr>
           <a:xfrm>
-            <a:off x="7223603" y="1113730"/>
-            <a:ext cx="5729884" cy="4051847"/>
+            <a:off x="6985000" y="1111310"/>
+            <a:ext cx="6302872" cy="4201915"/>
           </a:xfrm>
           <a:prstGeom prst="rect">
             <a:avLst/>
@@ -2196,9 +2197,6 @@
         <a:buNone/>
         <a:tabLst/>
         <a:defRPr b="0" baseline="0" cap="none" i="0" spc="0" strike="noStrike" sz="4800" u="none">
-          <a:ln>
-            <a:noFill/>
-          </a:ln>
           <a:solidFill>
             <a:srgbClr val="585858"/>
           </a:solidFill>
@@ -2225,9 +2223,6 @@
         <a:buNone/>
         <a:tabLst/>
         <a:defRPr b="0" baseline="0" cap="none" i="0" spc="0" strike="noStrike" sz="4800" u="none">
-          <a:ln>
-            <a:noFill/>
-          </a:ln>
           <a:solidFill>
             <a:srgbClr val="585858"/>
           </a:solidFill>
@@ -2254,9 +2249,6 @@
         <a:buNone/>
         <a:tabLst/>
         <a:defRPr b="0" baseline="0" cap="none" i="0" spc="0" strike="noStrike" sz="4800" u="none">
-          <a:ln>
-            <a:noFill/>
-          </a:ln>
           <a:solidFill>
             <a:srgbClr val="585858"/>
           </a:solidFill>
@@ -2283,9 +2275,6 @@
         <a:buNone/>
         <a:tabLst/>
         <a:defRPr b="0" baseline="0" cap="none" i="0" spc="0" strike="noStrike" sz="4800" u="none">
-          <a:ln>
-            <a:noFill/>
-          </a:ln>
           <a:solidFill>
             <a:srgbClr val="585858"/>
           </a:solidFill>
@@ -2312,9 +2301,6 @@
         <a:buNone/>
         <a:tabLst/>
         <a:defRPr b="0" baseline="0" cap="none" i="0" spc="0" strike="noStrike" sz="4800" u="none">
-          <a:ln>
-            <a:noFill/>
-          </a:ln>
           <a:solidFill>
             <a:srgbClr val="585858"/>
           </a:solidFill>
@@ -2341,9 +2327,6 @@
         <a:buNone/>
         <a:tabLst/>
         <a:defRPr b="0" baseline="0" cap="none" i="0" spc="0" strike="noStrike" sz="4800" u="none">
-          <a:ln>
-            <a:noFill/>
-          </a:ln>
           <a:solidFill>
             <a:srgbClr val="585858"/>
           </a:solidFill>
@@ -2370,9 +2353,6 @@
         <a:buNone/>
         <a:tabLst/>
         <a:defRPr b="0" baseline="0" cap="none" i="0" spc="0" strike="noStrike" sz="4800" u="none">
-          <a:ln>
-            <a:noFill/>
-          </a:ln>
           <a:solidFill>
             <a:srgbClr val="585858"/>
           </a:solidFill>
@@ -2399,9 +2379,6 @@
         <a:buNone/>
         <a:tabLst/>
         <a:defRPr b="0" baseline="0" cap="none" i="0" spc="0" strike="noStrike" sz="4800" u="none">
-          <a:ln>
-            <a:noFill/>
-          </a:ln>
           <a:solidFill>
             <a:srgbClr val="585858"/>
           </a:solidFill>
@@ -2428,9 +2405,6 @@
         <a:buNone/>
         <a:tabLst/>
         <a:defRPr b="0" baseline="0" cap="none" i="0" spc="0" strike="noStrike" sz="4800" u="none">
-          <a:ln>
-            <a:noFill/>
-          </a:ln>
           <a:solidFill>
             <a:srgbClr val="585858"/>
           </a:solidFill>
@@ -2459,9 +2433,6 @@
         <a:buChar char="•"/>
         <a:tabLst/>
         <a:defRPr b="0" baseline="0" cap="none" i="0" spc="0" strike="noStrike" sz="1200" u="none">
-          <a:ln>
-            <a:noFill/>
-          </a:ln>
           <a:solidFill>
             <a:srgbClr val="000000"/>
           </a:solidFill>
@@ -2488,9 +2459,6 @@
         <a:buChar char="•"/>
         <a:tabLst/>
         <a:defRPr b="0" baseline="0" cap="none" i="0" spc="0" strike="noStrike" sz="1200" u="none">
-          <a:ln>
-            <a:noFill/>
-          </a:ln>
           <a:solidFill>
             <a:srgbClr val="000000"/>
           </a:solidFill>
@@ -2517,9 +2485,6 @@
         <a:buChar char="•"/>
         <a:tabLst/>
         <a:defRPr b="0" baseline="0" cap="none" i="0" spc="0" strike="noStrike" sz="1200" u="none">
-          <a:ln>
-            <a:noFill/>
-          </a:ln>
           <a:solidFill>
             <a:srgbClr val="000000"/>
           </a:solidFill>
@@ -2546,9 +2511,6 @@
         <a:buChar char="•"/>
         <a:tabLst/>
         <a:defRPr b="0" baseline="0" cap="none" i="0" spc="0" strike="noStrike" sz="1200" u="none">
-          <a:ln>
-            <a:noFill/>
-          </a:ln>
           <a:solidFill>
             <a:srgbClr val="000000"/>
           </a:solidFill>
@@ -2575,9 +2537,6 @@
         <a:buChar char="•"/>
         <a:tabLst/>
         <a:defRPr b="0" baseline="0" cap="none" i="0" spc="0" strike="noStrike" sz="1200" u="none">
-          <a:ln>
-            <a:noFill/>
-          </a:ln>
           <a:solidFill>
             <a:srgbClr val="000000"/>
           </a:solidFill>
@@ -2604,9 +2563,6 @@
         <a:buChar char="•"/>
         <a:tabLst/>
         <a:defRPr b="0" baseline="0" cap="none" i="0" spc="0" strike="noStrike" sz="1200" u="none">
-          <a:ln>
-            <a:noFill/>
-          </a:ln>
           <a:solidFill>
             <a:srgbClr val="000000"/>
           </a:solidFill>
@@ -2633,9 +2589,6 @@
         <a:buChar char="•"/>
         <a:tabLst/>
         <a:defRPr b="0" baseline="0" cap="none" i="0" spc="0" strike="noStrike" sz="1200" u="none">
-          <a:ln>
-            <a:noFill/>
-          </a:ln>
           <a:solidFill>
             <a:srgbClr val="000000"/>
           </a:solidFill>
@@ -2662,9 +2615,6 @@
         <a:buChar char="•"/>
         <a:tabLst/>
         <a:defRPr b="0" baseline="0" cap="none" i="0" spc="0" strike="noStrike" sz="1200" u="none">
-          <a:ln>
-            <a:noFill/>
-          </a:ln>
           <a:solidFill>
             <a:srgbClr val="000000"/>
           </a:solidFill>
@@ -2691,9 +2641,6 @@
         <a:buChar char="•"/>
         <a:tabLst/>
         <a:defRPr b="0" baseline="0" cap="none" i="0" spc="0" strike="noStrike" sz="1200" u="none">
-          <a:ln>
-            <a:noFill/>
-          </a:ln>
           <a:solidFill>
             <a:srgbClr val="000000"/>
           </a:solidFill>
@@ -2722,9 +2669,6 @@
         <a:buNone/>
         <a:tabLst/>
         <a:defRPr b="0" baseline="0" cap="none" i="0" spc="0" strike="noStrike" sz="1800" u="none">
-          <a:ln>
-            <a:noFill/>
-          </a:ln>
           <a:solidFill>
             <a:schemeClr val="tx1"/>
           </a:solidFill>
@@ -2751,9 +2695,6 @@
         <a:buNone/>
         <a:tabLst/>
         <a:defRPr b="0" baseline="0" cap="none" i="0" spc="0" strike="noStrike" sz="1800" u="none">
-          <a:ln>
-            <a:noFill/>
-          </a:ln>
           <a:solidFill>
             <a:schemeClr val="tx1"/>
           </a:solidFill>
@@ -2780,9 +2721,6 @@
         <a:buNone/>
         <a:tabLst/>
         <a:defRPr b="0" baseline="0" cap="none" i="0" spc="0" strike="noStrike" sz="1800" u="none">
-          <a:ln>
-            <a:noFill/>
-          </a:ln>
           <a:solidFill>
             <a:schemeClr val="tx1"/>
           </a:solidFill>
@@ -2809,9 +2747,6 @@
         <a:buNone/>
         <a:tabLst/>
         <a:defRPr b="0" baseline="0" cap="none" i="0" spc="0" strike="noStrike" sz="1800" u="none">
-          <a:ln>
-            <a:noFill/>
-          </a:ln>
           <a:solidFill>
             <a:schemeClr val="tx1"/>
           </a:solidFill>
@@ -2838,9 +2773,6 @@
         <a:buNone/>
         <a:tabLst/>
         <a:defRPr b="0" baseline="0" cap="none" i="0" spc="0" strike="noStrike" sz="1800" u="none">
-          <a:ln>
-            <a:noFill/>
-          </a:ln>
           <a:solidFill>
             <a:schemeClr val="tx1"/>
           </a:solidFill>
@@ -2867,9 +2799,6 @@
         <a:buNone/>
         <a:tabLst/>
         <a:defRPr b="0" baseline="0" cap="none" i="0" spc="0" strike="noStrike" sz="1800" u="none">
-          <a:ln>
-            <a:noFill/>
-          </a:ln>
           <a:solidFill>
             <a:schemeClr val="tx1"/>
           </a:solidFill>
@@ -2896,9 +2825,6 @@
         <a:buNone/>
         <a:tabLst/>
         <a:defRPr b="0" baseline="0" cap="none" i="0" spc="0" strike="noStrike" sz="1800" u="none">
-          <a:ln>
-            <a:noFill/>
-          </a:ln>
           <a:solidFill>
             <a:schemeClr val="tx1"/>
           </a:solidFill>
@@ -2925,9 +2851,6 @@
         <a:buNone/>
         <a:tabLst/>
         <a:defRPr b="0" baseline="0" cap="none" i="0" spc="0" strike="noStrike" sz="1800" u="none">
-          <a:ln>
-            <a:noFill/>
-          </a:ln>
           <a:solidFill>
             <a:schemeClr val="tx1"/>
           </a:solidFill>
@@ -2954,9 +2877,6 @@
         <a:buNone/>
         <a:tabLst/>
         <a:defRPr b="0" baseline="0" cap="none" i="0" spc="0" strike="noStrike" sz="1800" u="none">
-          <a:ln>
-            <a:noFill/>
-          </a:ln>
           <a:solidFill>
             <a:schemeClr val="tx1"/>
           </a:solidFill>
@@ -3956,8 +3876,8 @@
         </p:nvGrpSpPr>
         <p:grpSpPr>
           <a:xfrm>
-            <a:off x="3667218" y="1521846"/>
-            <a:ext cx="6672774" cy="5267535"/>
+            <a:off x="3667217" y="1521846"/>
+            <a:ext cx="6672775" cy="5267535"/>
             <a:chOff x="0" y="0"/>
             <a:chExt cx="6672773" cy="5267534"/>
           </a:xfrm>
@@ -3972,7 +3892,7 @@
             <a:xfrm>
               <a:off x="99915" y="3850733"/>
               <a:ext cx="1936585" cy="1416802"/>
-              <a:chOff x="0" y="7337"/>
+              <a:chOff x="0" y="0"/>
               <a:chExt cx="1936584" cy="1416801"/>
             </a:xfrm>
           </p:grpSpPr>
@@ -3984,8 +3904,8 @@
             </p:nvSpPr>
             <p:spPr>
               <a:xfrm>
-                <a:off x="0" y="110548"/>
-                <a:ext cx="1936585" cy="1265246"/>
+                <a:off x="0" y="103211"/>
+                <a:ext cx="1936585" cy="1265245"/>
               </a:xfrm>
               <a:prstGeom prst="roundRect">
                 <a:avLst>
@@ -4034,8 +3954,8 @@
             </p:nvSpPr>
             <p:spPr>
               <a:xfrm>
-                <a:off x="39455" y="283792"/>
-                <a:ext cx="1862602" cy="194921"/>
+                <a:off x="39455" y="276455"/>
+                <a:ext cx="1862602" cy="194920"/>
               </a:xfrm>
               <a:prstGeom prst="rect">
                 <a:avLst/>
@@ -4079,8 +3999,8 @@
             </p:nvSpPr>
             <p:spPr>
               <a:xfrm>
-                <a:off x="393964" y="7337"/>
-                <a:ext cx="1148657" cy="339692"/>
+                <a:off x="393964" y="0"/>
+                <a:ext cx="1148657" cy="339691"/>
               </a:xfrm>
               <a:prstGeom prst="rect">
                 <a:avLst/>
@@ -4133,7 +4053,7 @@
             </p:nvSpPr>
             <p:spPr>
               <a:xfrm>
-                <a:off x="58935" y="163332"/>
+                <a:off x="58935" y="155995"/>
                 <a:ext cx="88901" cy="88901"/>
               </a:xfrm>
               <a:prstGeom prst="ellipse">
@@ -4178,7 +4098,7 @@
             </p:nvSpPr>
             <p:spPr>
               <a:xfrm>
-                <a:off x="178660" y="163332"/>
+                <a:off x="178660" y="155995"/>
                 <a:ext cx="88901" cy="88901"/>
               </a:xfrm>
               <a:prstGeom prst="ellipse">
@@ -4223,7 +4143,7 @@
             </p:nvSpPr>
             <p:spPr>
               <a:xfrm>
-                <a:off x="305279" y="163332"/>
+                <a:off x="305279" y="155995"/>
                 <a:ext cx="88901" cy="88901"/>
               </a:xfrm>
               <a:prstGeom prst="ellipse">
@@ -4268,8 +4188,8 @@
             </p:nvSpPr>
             <p:spPr>
               <a:xfrm>
-                <a:off x="38100" y="379464"/>
-                <a:ext cx="1867430" cy="962278"/>
+                <a:off x="38100" y="372126"/>
+                <a:ext cx="1867430" cy="962279"/>
               </a:xfrm>
               <a:prstGeom prst="roundRect">
                 <a:avLst>
@@ -4315,8 +4235,8 @@
             </p:nvSpPr>
             <p:spPr>
               <a:xfrm>
-                <a:off x="428200" y="192693"/>
-                <a:ext cx="684648" cy="325042"/>
+                <a:off x="428200" y="185356"/>
+                <a:ext cx="684648" cy="325041"/>
               </a:xfrm>
               <a:prstGeom prst="rect">
                 <a:avLst/>
@@ -4369,7 +4289,7 @@
             </p:nvGrpSpPr>
             <p:grpSpPr>
               <a:xfrm>
-                <a:off x="86896" y="554988"/>
+                <a:off x="86896" y="547651"/>
                 <a:ext cx="1608142" cy="869151"/>
                 <a:chOff x="0" y="0"/>
                 <a:chExt cx="1608140" cy="869149"/>
@@ -5000,7 +4920,7 @@
             <a:xfrm>
               <a:off x="2805279" y="0"/>
               <a:ext cx="2670398" cy="1811846"/>
-              <a:chOff x="355600" y="0"/>
+              <a:chOff x="0" y="0"/>
               <a:chExt cx="2670396" cy="1811845"/>
             </a:xfrm>
           </p:grpSpPr>
@@ -5012,7 +4932,7 @@
             </p:nvSpPr>
             <p:spPr>
               <a:xfrm>
-                <a:off x="355600" y="0"/>
+                <a:off x="0" y="0"/>
                 <a:ext cx="2474855" cy="1811846"/>
               </a:xfrm>
               <a:prstGeom prst="rect">
@@ -5474,7 +5394,7 @@
             </p:nvSpPr>
             <p:spPr>
               <a:xfrm>
-                <a:off x="2738794" y="634826"/>
+                <a:off x="2383194" y="634826"/>
                 <a:ext cx="287203" cy="276334"/>
               </a:xfrm>
               <a:prstGeom prst="rightArrow">
@@ -9088,113 +9008,7 @@
       </p:sp>
       <p:sp>
         <p:nvSpPr>
-          <p:cNvPr id="201" name="Build or purchase your own Shiny Server…"/>
-          <p:cNvSpPr txBox="1"/>
-          <p:nvPr/>
-        </p:nvSpPr>
-        <p:spPr>
-          <a:xfrm>
-            <a:off x="397463" y="9457707"/>
-            <a:ext cx="2835556" cy="496492"/>
-          </a:xfrm>
-          <a:prstGeom prst="rect">
-            <a:avLst/>
-          </a:prstGeom>
-          <a:ln w="12700">
-            <a:miter lim="400000"/>
-          </a:ln>
-          <a:extLst>
-            <a:ext uri="{C572A759-6A51-4108-AA02-DFA0A04FC94B}">
-              <ma14:wrappingTextBoxFlag xmlns:ma14="http://schemas.microsoft.com/office/mac/drawingml/2011/main" val="1"/>
-            </a:ext>
-          </a:extLst>
-        </p:spPr>
-        <p:txBody>
-          <a:bodyPr lIns="54570" tIns="54570" rIns="54570" bIns="54570" anchor="ctr">
-            <a:spAutoFit/>
-          </a:bodyPr>
-          <a:lstStyle/>
-          <a:p>
-            <a:pPr algn="r">
-              <a:lnSpc>
-                <a:spcPct val="90000"/>
-              </a:lnSpc>
-              <a:spcBef>
-                <a:spcPts val="300"/>
-              </a:spcBef>
-              <a:buClr>
-                <a:schemeClr val="accent4">
-                  <a:hueOff val="384618"/>
-                  <a:satOff val="3869"/>
-                  <a:lumOff val="5802"/>
-                </a:schemeClr>
-              </a:buClr>
-              <a:defRPr b="0">
-                <a:solidFill>
-                  <a:schemeClr val="accent1">
-                    <a:satOff val="22051"/>
-                    <a:lumOff val="15940"/>
-                  </a:schemeClr>
-                </a:solidFill>
-                <a:latin typeface="+mj-lt"/>
-                <a:ea typeface="+mj-ea"/>
-                <a:cs typeface="+mj-cs"/>
-                <a:sym typeface="Source Sans Pro Light"/>
-              </a:defRPr>
-            </a:pPr>
-            <a:r>
-              <a:rPr b="1">
-                <a:latin typeface="+mn-lt"/>
-                <a:ea typeface="+mn-ea"/>
-                <a:cs typeface="+mn-cs"/>
-                <a:sym typeface="Source Sans Pro"/>
-              </a:rPr>
-              <a:t>Build or purchase your own Shiny Server</a:t>
-            </a:r>
-            <a:r>
-              <a:t> </a:t>
-            </a:r>
-          </a:p>
-          <a:p>
-            <a:pPr algn="r">
-              <a:lnSpc>
-                <a:spcPct val="90000"/>
-              </a:lnSpc>
-              <a:spcBef>
-                <a:spcPts val="300"/>
-              </a:spcBef>
-              <a:buClr>
-                <a:schemeClr val="accent4">
-                  <a:hueOff val="384618"/>
-                  <a:satOff val="3869"/>
-                  <a:lumOff val="5802"/>
-                </a:schemeClr>
-              </a:buClr>
-              <a:defRPr b="0" sz="1100">
-                <a:solidFill>
-                  <a:srgbClr val="000000"/>
-                </a:solidFill>
-                <a:latin typeface="+mj-lt"/>
-                <a:ea typeface="+mj-ea"/>
-                <a:cs typeface="+mj-cs"/>
-                <a:sym typeface="Source Sans Pro Light"/>
-              </a:defRPr>
-            </a:pPr>
-            <a:r>
-              <a:t>at </a:t>
-            </a:r>
-            <a:r>
-              <a:rPr u="sng">
-                <a:hlinkClick r:id="rId7" invalidUrl="" action="" tgtFrame="" tooltip="" history="1" highlightClick="0" endSnd="0"/>
-              </a:rPr>
-              <a:t>www.rstudio.com/products/shiny-server/</a:t>
-            </a:r>
-          </a:p>
-        </p:txBody>
-      </p:sp>
-      <p:sp>
-        <p:nvSpPr>
-          <p:cNvPr id="202" name="A Shiny app is a web page (UI) connected to a computer running a live R session (Server)"/>
+          <p:cNvPr id="201" name="A Shiny app is a web page (UI) connected to a computer running a live R session (Server)"/>
           <p:cNvSpPr txBox="1"/>
           <p:nvPr/>
         </p:nvSpPr>
@@ -9270,7 +9084,7 @@
       </p:sp>
       <p:sp>
         <p:nvSpPr>
-          <p:cNvPr id="203" name="Users can manipulate the UI, which will cause the server to update the UI’s displays (by running R code)."/>
+          <p:cNvPr id="202" name="Users can manipulate the UI, which will cause the server to update the UI’s displays (by running R code)."/>
           <p:cNvSpPr txBox="1"/>
           <p:nvPr/>
         </p:nvSpPr>
@@ -9327,7 +9141,7 @@
       </p:sp>
       <p:sp>
         <p:nvSpPr>
-          <p:cNvPr id="204" name="library(shiny)…"/>
+          <p:cNvPr id="203" name="library(shiny)…"/>
           <p:cNvSpPr/>
           <p:nvPr/>
         </p:nvSpPr>
@@ -9510,7 +9324,7 @@
       </p:sp>
       <p:sp>
         <p:nvSpPr>
-          <p:cNvPr id="205" name="Begin writing a new app with this template. Preview the app by running the code at the R command line."/>
+          <p:cNvPr id="204" name="Begin writing a new app with this template. Preview the app by running the code at the R command line."/>
           <p:cNvSpPr txBox="1"/>
           <p:nvPr/>
         </p:nvSpPr>
@@ -9565,266 +9379,16 @@
           </a:p>
         </p:txBody>
       </p:sp>
-      <p:sp>
-        <p:nvSpPr>
-          <p:cNvPr id="206" name="The easiest way to share your app is to host it on shinyapps.io, a cloud based service from RStudio"/>
-          <p:cNvSpPr txBox="1"/>
-          <p:nvPr/>
-        </p:nvSpPr>
-        <p:spPr>
-          <a:xfrm>
-            <a:off x="1174331" y="7464042"/>
-            <a:ext cx="2247446" cy="642541"/>
-          </a:xfrm>
-          <a:prstGeom prst="rect">
-            <a:avLst/>
-          </a:prstGeom>
-          <a:ln w="12700">
-            <a:miter lim="400000"/>
-          </a:ln>
-          <a:extLst>
-            <a:ext uri="{C572A759-6A51-4108-AA02-DFA0A04FC94B}">
-              <ma14:wrappingTextBoxFlag xmlns:ma14="http://schemas.microsoft.com/office/mac/drawingml/2011/main" val="1"/>
-            </a:ext>
-          </a:extLst>
-        </p:spPr>
-        <p:txBody>
-          <a:bodyPr lIns="54570" tIns="54570" rIns="54570" bIns="54570" anchor="ctr">
-            <a:spAutoFit/>
-          </a:bodyPr>
-          <a:lstStyle>
-            <a:lvl1pPr>
-              <a:lnSpc>
-                <a:spcPct val="90000"/>
-              </a:lnSpc>
-              <a:spcBef>
-                <a:spcPts val="300"/>
-              </a:spcBef>
-              <a:buClr>
-                <a:schemeClr val="accent4">
-                  <a:hueOff val="384618"/>
-                  <a:satOff val="3869"/>
-                  <a:lumOff val="5802"/>
-                </a:schemeClr>
-              </a:buClr>
-              <a:defRPr b="0">
-                <a:solidFill>
-                  <a:srgbClr val="000000"/>
-                </a:solidFill>
-              </a:defRPr>
-            </a:lvl1pPr>
-          </a:lstStyle>
-          <a:p>
-            <a:pPr/>
-            <a:r>
-              <a:t>The easiest way to share your app is to host it on shinyapps.io, a cloud based service from RStudio</a:t>
-            </a:r>
-          </a:p>
-        </p:txBody>
-      </p:sp>
-      <p:sp>
-        <p:nvSpPr>
-          <p:cNvPr id="207" name="1. Create a free or professional account at…"/>
-          <p:cNvSpPr txBox="1"/>
-          <p:nvPr/>
-        </p:nvSpPr>
-        <p:spPr>
-          <a:xfrm>
-            <a:off x="311398" y="8225925"/>
-            <a:ext cx="3337933" cy="1214041"/>
-          </a:xfrm>
-          <a:prstGeom prst="rect">
-            <a:avLst/>
-          </a:prstGeom>
-          <a:ln w="12700">
-            <a:miter lim="400000"/>
-          </a:ln>
-          <a:extLst>
-            <a:ext uri="{C572A759-6A51-4108-AA02-DFA0A04FC94B}">
-              <ma14:wrappingTextBoxFlag xmlns:ma14="http://schemas.microsoft.com/office/mac/drawingml/2011/main" val="1"/>
-            </a:ext>
-          </a:extLst>
-        </p:spPr>
-        <p:txBody>
-          <a:bodyPr lIns="54570" tIns="54570" rIns="54570" bIns="54570" anchor="ctr">
-            <a:spAutoFit/>
-          </a:bodyPr>
-          <a:lstStyle/>
-          <a:p>
-            <a:pPr>
-              <a:spcBef>
-                <a:spcPts val="0"/>
-              </a:spcBef>
-              <a:buClr>
-                <a:srgbClr val="000000"/>
-              </a:buClr>
-              <a:defRPr b="0">
-                <a:solidFill>
-                  <a:srgbClr val="000000"/>
-                </a:solidFill>
-              </a:defRPr>
-            </a:pPr>
-            <a:r>
-              <a:rPr>
-                <a:latin typeface="Source Sans Pro Semibold"/>
-                <a:ea typeface="Source Sans Pro Semibold"/>
-                <a:cs typeface="Source Sans Pro Semibold"/>
-                <a:sym typeface="Source Sans Pro Semibold"/>
-              </a:rPr>
-              <a:t>1. </a:t>
-            </a:r>
-            <a:r>
-              <a:t>Create a free or professional account at</a:t>
-            </a:r>
-          </a:p>
-          <a:p>
-            <a:pPr>
-              <a:spcBef>
-                <a:spcPts val="1200"/>
-              </a:spcBef>
-              <a:buClr>
-                <a:srgbClr val="000000"/>
-              </a:buClr>
-              <a:defRPr b="0">
-                <a:solidFill>
-                  <a:srgbClr val="000000"/>
-                </a:solidFill>
-                <a:latin typeface="+mj-lt"/>
-                <a:ea typeface="+mj-ea"/>
-                <a:cs typeface="+mj-cs"/>
-                <a:sym typeface="Source Sans Pro Light"/>
-              </a:defRPr>
-            </a:pPr>
-            <a:r>
-              <a:rPr b="1">
-                <a:latin typeface="+mn-lt"/>
-                <a:ea typeface="+mn-ea"/>
-                <a:cs typeface="+mn-cs"/>
-                <a:sym typeface="Source Sans Pro"/>
-              </a:rPr>
-              <a:t> </a:t>
-            </a:r>
-            <a:r>
-              <a:rPr b="1" u="sng">
-                <a:latin typeface="+mn-lt"/>
-                <a:ea typeface="+mn-ea"/>
-                <a:cs typeface="+mn-cs"/>
-                <a:sym typeface="Source Sans Pro"/>
-                <a:hlinkClick r:id="rId8" invalidUrl="" action="" tgtFrame="" tooltip="" history="1" highlightClick="0" endSnd="0"/>
-              </a:rPr>
-              <a:t>http://shinyapps.io</a:t>
-            </a:r>
-          </a:p>
-          <a:p>
-            <a:pPr>
-              <a:spcBef>
-                <a:spcPts val="0"/>
-              </a:spcBef>
-              <a:buClr>
-                <a:srgbClr val="000000"/>
-              </a:buClr>
-              <a:defRPr b="0">
-                <a:solidFill>
-                  <a:srgbClr val="000000"/>
-                </a:solidFill>
-              </a:defRPr>
-            </a:pPr>
-            <a:r>
-              <a:rPr>
-                <a:latin typeface="Source Sans Pro Semibold"/>
-                <a:ea typeface="Source Sans Pro Semibold"/>
-                <a:cs typeface="Source Sans Pro Semibold"/>
-                <a:sym typeface="Source Sans Pro Semibold"/>
-              </a:rPr>
-              <a:t>2. </a:t>
-            </a:r>
-            <a:r>
-              <a:t>Click the </a:t>
-            </a:r>
-            <a:r>
-              <a:rPr b="1"/>
-              <a:t>Publish</a:t>
-            </a:r>
-            <a:r>
-              <a:t> icon in the RStudio IDE</a:t>
-            </a:r>
-          </a:p>
-          <a:p>
-            <a:pPr>
-              <a:spcBef>
-                <a:spcPts val="0"/>
-              </a:spcBef>
-              <a:buClr>
-                <a:srgbClr val="000000"/>
-              </a:buClr>
-              <a:defRPr b="0">
-                <a:solidFill>
-                  <a:srgbClr val="000000"/>
-                </a:solidFill>
-              </a:defRPr>
-            </a:pPr>
-            <a:r>
-              <a:t>or run:</a:t>
-            </a:r>
-          </a:p>
-          <a:p>
-            <a:pPr>
-              <a:spcBef>
-                <a:spcPts val="300"/>
-              </a:spcBef>
-              <a:buClr>
-                <a:srgbClr val="000000"/>
-              </a:buClr>
-              <a:defRPr b="0">
-                <a:solidFill>
-                  <a:srgbClr val="000000"/>
-                </a:solidFill>
-                <a:latin typeface="+mj-lt"/>
-                <a:ea typeface="+mj-ea"/>
-                <a:cs typeface="+mj-cs"/>
-                <a:sym typeface="Source Sans Pro Light"/>
-              </a:defRPr>
-            </a:pPr>
-            <a:r>
-              <a:rPr b="1">
-                <a:latin typeface="+mn-lt"/>
-                <a:ea typeface="+mn-ea"/>
-                <a:cs typeface="+mn-cs"/>
-                <a:sym typeface="Source Sans Pro"/>
-              </a:rPr>
-              <a:t>rsconnect::deployApp(</a:t>
-            </a:r>
-            <a:r>
-              <a:rPr>
-                <a:latin typeface="+mn-lt"/>
-                <a:ea typeface="+mn-ea"/>
-                <a:cs typeface="+mn-cs"/>
-                <a:sym typeface="Source Sans Pro"/>
-              </a:rPr>
-              <a:t>"&lt;path to directory&gt;"</a:t>
-            </a:r>
-            <a:r>
-              <a:rPr b="1">
-                <a:latin typeface="+mn-lt"/>
-                <a:ea typeface="+mn-ea"/>
-                <a:cs typeface="+mn-cs"/>
-                <a:sym typeface="Source Sans Pro"/>
-              </a:rPr>
-              <a:t>)</a:t>
-            </a:r>
-          </a:p>
-        </p:txBody>
-      </p:sp>
       <p:pic>
         <p:nvPicPr>
-          <p:cNvPr id="208" name="Shiny-cheatsheet-2.pdf" descr="Shiny-cheatsheet-2.pdf"/>
+          <p:cNvPr id="205" name="Shiny-cheatsheet-2.pdf" descr="Shiny-cheatsheet-2.pdf"/>
           <p:cNvPicPr>
             <a:picLocks noChangeAspect="1"/>
           </p:cNvPicPr>
           <p:nvPr/>
         </p:nvPicPr>
         <p:blipFill>
-          <a:blip r:embed="rId9">
+          <a:blip r:embed="rId7">
             <a:extLst/>
           </a:blip>
           <a:srcRect l="0" t="58642" r="0" b="0"/>
@@ -9847,7 +9411,7 @@
       </p:pic>
       <p:sp>
         <p:nvSpPr>
-          <p:cNvPr id="209" name="ui - nested R functions that assemble an HTML user interface for your app…"/>
+          <p:cNvPr id="206" name="ui - nested R functions that assemble an HTML user interface for your app…"/>
           <p:cNvSpPr txBox="1"/>
           <p:nvPr/>
         </p:nvSpPr>
@@ -10070,39 +9634,9 @@
           </a:p>
         </p:txBody>
       </p:sp>
-      <p:pic>
-        <p:nvPicPr>
-          <p:cNvPr id="210" name="Shiny-cheatsheet-2.pdf" descr="Shiny-cheatsheet-2.pdf"/>
-          <p:cNvPicPr>
-            <a:picLocks noChangeAspect="1"/>
-          </p:cNvPicPr>
-          <p:nvPr/>
-        </p:nvPicPr>
-        <p:blipFill>
-          <a:blip r:embed="rId9">
-            <a:extLst/>
-          </a:blip>
-          <a:srcRect l="0" t="58276" r="0" b="0"/>
-          <a:stretch>
-            <a:fillRect/>
-          </a:stretch>
-        </p:blipFill>
-        <p:spPr>
-          <a:xfrm>
-            <a:off x="344110" y="7478034"/>
-            <a:ext cx="884268" cy="647797"/>
-          </a:xfrm>
-          <a:prstGeom prst="rect">
-            <a:avLst/>
-          </a:prstGeom>
-          <a:ln w="12700">
-            <a:miter lim="400000"/>
-          </a:ln>
-        </p:spPr>
-      </p:pic>
       <p:sp>
         <p:nvSpPr>
-          <p:cNvPr id="211" name="APP TEMPLATE"/>
+          <p:cNvPr id="207" name="APP TEMPLATE"/>
           <p:cNvSpPr txBox="1"/>
           <p:nvPr/>
         </p:nvSpPr>
@@ -10138,7 +9672,7 @@
       </p:sp>
       <p:sp>
         <p:nvSpPr>
-          <p:cNvPr id="212" name="Line"/>
+          <p:cNvPr id="208" name="Line"/>
           <p:cNvSpPr/>
           <p:nvPr/>
         </p:nvSpPr>
@@ -10181,43 +9715,7 @@
       </p:sp>
       <p:sp>
         <p:nvSpPr>
-          <p:cNvPr id="213" name="SHARE YOUR APP"/>
-          <p:cNvSpPr txBox="1"/>
-          <p:nvPr/>
-        </p:nvSpPr>
-        <p:spPr>
-          <a:xfrm>
-            <a:off x="382259" y="7217901"/>
-            <a:ext cx="1196036" cy="215901"/>
-          </a:xfrm>
-          <a:prstGeom prst="rect">
-            <a:avLst/>
-          </a:prstGeom>
-          <a:ln w="12700">
-            <a:miter lim="400000"/>
-          </a:ln>
-          <a:extLst>
-            <a:ext uri="{C572A759-6A51-4108-AA02-DFA0A04FC94B}">
-              <ma14:wrappingTextBoxFlag xmlns:ma14="http://schemas.microsoft.com/office/mac/drawingml/2011/main" val="1"/>
-            </a:ext>
-          </a:extLst>
-        </p:spPr>
-        <p:txBody>
-          <a:bodyPr wrap="none" lIns="12700" tIns="12700" rIns="12700" bIns="12700" anchor="ctr">
-            <a:spAutoFit/>
-          </a:bodyPr>
-          <a:lstStyle/>
-          <a:p>
-            <a:pPr lvl="1" indent="0"/>
-            <a:r>
-              <a:t>SHARE YOUR APP</a:t>
-            </a:r>
-          </a:p>
-        </p:txBody>
-      </p:sp>
-      <p:sp>
-        <p:nvSpPr>
-          <p:cNvPr id="214" name="Line"/>
+          <p:cNvPr id="209" name="Line"/>
           <p:cNvSpPr/>
           <p:nvPr/>
         </p:nvSpPr>
@@ -10260,7 +9758,7 @@
       </p:sp>
       <p:sp>
         <p:nvSpPr>
-          <p:cNvPr id="215" name="DT::renderDataTable(expr, options,   callback,  escape, env, quoted)…"/>
+          <p:cNvPr id="210" name="DT::renderDataTable(expr, options,   callback,  escape, env, quoted)…"/>
           <p:cNvSpPr txBox="1"/>
           <p:nvPr/>
         </p:nvSpPr>
@@ -10645,7 +10143,7 @@
       </p:sp>
       <p:sp>
         <p:nvSpPr>
-          <p:cNvPr id="216" name="dataTableOutput(outputId, icon, …)…"/>
+          <p:cNvPr id="211" name="dataTableOutput(outputId, icon, …)…"/>
           <p:cNvSpPr txBox="1"/>
           <p:nvPr/>
         </p:nvSpPr>
@@ -10975,7 +10473,7 @@
       </p:sp>
       <p:sp>
         <p:nvSpPr>
-          <p:cNvPr id="217" name="Double Arrow"/>
+          <p:cNvPr id="212" name="Double Arrow"/>
           <p:cNvSpPr/>
           <p:nvPr/>
         </p:nvSpPr>
@@ -11020,7 +10518,7 @@
       </p:sp>
       <p:sp>
         <p:nvSpPr>
-          <p:cNvPr id="218" name="&amp;"/>
+          <p:cNvPr id="213" name="&amp;"/>
           <p:cNvSpPr txBox="1"/>
           <p:nvPr/>
         </p:nvSpPr>
@@ -11071,7 +10569,7 @@
       </p:sp>
       <p:sp>
         <p:nvSpPr>
-          <p:cNvPr id="219" name="works…"/>
+          <p:cNvPr id="214" name="works…"/>
           <p:cNvSpPr txBox="1"/>
           <p:nvPr/>
         </p:nvSpPr>
@@ -11145,7 +10643,7 @@
       </p:sp>
       <p:sp>
         <p:nvSpPr>
-          <p:cNvPr id="220" name="collect values from the user"/>
+          <p:cNvPr id="215" name="collect values from the user"/>
           <p:cNvSpPr txBox="1"/>
           <p:nvPr/>
         </p:nvSpPr>
@@ -11194,7 +10692,7 @@
       </p:sp>
       <p:sp>
         <p:nvSpPr>
-          <p:cNvPr id="221" name="actionButton(inputId, label, icon, …)…"/>
+          <p:cNvPr id="216" name="actionButton(inputId, label, icon, …)…"/>
           <p:cNvSpPr txBox="1"/>
           <p:nvPr/>
         </p:nvSpPr>
@@ -11726,7 +11224,7 @@
       </p:sp>
       <p:sp>
         <p:nvSpPr>
-          <p:cNvPr id="222" name="Access the current value of an input object with input$&lt;inputId&gt;. Input values are reactive."/>
+          <p:cNvPr id="217" name="Access the current value of an input object with input$&lt;inputId&gt;. Input values are reactive."/>
           <p:cNvSpPr txBox="1"/>
           <p:nvPr/>
         </p:nvSpPr>
@@ -11824,14 +11322,14 @@
       </p:sp>
       <p:pic>
         <p:nvPicPr>
-          <p:cNvPr id="223" name="Image" descr="Image"/>
+          <p:cNvPr id="218" name="Image" descr="Image"/>
           <p:cNvPicPr>
             <a:picLocks noChangeAspect="1"/>
           </p:cNvPicPr>
           <p:nvPr/>
         </p:nvPicPr>
         <p:blipFill>
-          <a:blip r:embed="rId10">
+          <a:blip r:embed="rId8">
             <a:extLst/>
           </a:blip>
           <a:stretch>
@@ -11853,7 +11351,7 @@
       </p:pic>
       <p:grpSp>
         <p:nvGrpSpPr>
-          <p:cNvPr id="227" name="Group"/>
+          <p:cNvPr id="222" name="Group"/>
           <p:cNvGrpSpPr/>
           <p:nvPr/>
         </p:nvGrpSpPr>
@@ -11867,14 +11365,14 @@
         </p:grpSpPr>
         <p:pic>
           <p:nvPicPr>
-            <p:cNvPr id="224" name="Screen Shot 2015-05-18 at 6.40.05 PM.png" descr="Screen Shot 2015-05-18 at 6.40.05 PM.png"/>
+            <p:cNvPr id="219" name="Screen Shot 2015-05-18 at 6.40.05 PM.png" descr="Screen Shot 2015-05-18 at 6.40.05 PM.png"/>
             <p:cNvPicPr>
               <a:picLocks noChangeAspect="1"/>
             </p:cNvPicPr>
             <p:nvPr/>
           </p:nvPicPr>
           <p:blipFill>
-            <a:blip r:embed="rId11">
+            <a:blip r:embed="rId9">
               <a:extLst/>
             </a:blip>
             <a:stretch>
@@ -11898,14 +11396,14 @@
         </p:pic>
         <p:pic>
           <p:nvPicPr>
-            <p:cNvPr id="225" name="Shiny-cheatsheet-2.pdf" descr="Shiny-cheatsheet-2.pdf"/>
+            <p:cNvPr id="220" name="Shiny-cheatsheet-2.pdf" descr="Shiny-cheatsheet-2.pdf"/>
             <p:cNvPicPr>
               <a:picLocks noChangeAspect="1"/>
             </p:cNvPicPr>
             <p:nvPr/>
           </p:nvPicPr>
           <p:blipFill>
-            <a:blip r:embed="rId9">
+            <a:blip r:embed="rId7">
               <a:extLst/>
             </a:blip>
             <a:srcRect l="0" t="58276" r="0" b="0"/>
@@ -11930,7 +11428,7 @@
         </p:pic>
         <p:sp>
           <p:nvSpPr>
-            <p:cNvPr id="226" name="Double Arrow"/>
+            <p:cNvPr id="221" name="Double Arrow"/>
             <p:cNvSpPr/>
             <p:nvPr/>
           </p:nvSpPr>
@@ -11983,14 +11481,14 @@
       </p:grpSp>
       <p:pic>
         <p:nvPicPr>
-          <p:cNvPr id="228" name="Group" descr="Group"/>
+          <p:cNvPr id="223" name="Group" descr="Group"/>
           <p:cNvPicPr>
             <a:picLocks noChangeAspect="1"/>
           </p:cNvPicPr>
           <p:nvPr/>
         </p:nvPicPr>
         <p:blipFill>
-          <a:blip r:embed="rId12">
+          <a:blip r:embed="rId10">
             <a:extLst/>
           </a:blip>
           <a:stretch>
@@ -12012,37 +11510,7 @@
       </p:pic>
       <p:pic>
         <p:nvPicPr>
-          <p:cNvPr id="229" name="shinyapps.pdf" descr="shinyapps.pdf"/>
-          <p:cNvPicPr>
-            <a:picLocks noChangeAspect="1"/>
-          </p:cNvPicPr>
-          <p:nvPr/>
-        </p:nvPicPr>
-        <p:blipFill>
-          <a:blip r:embed="rId13">
-            <a:extLst/>
-          </a:blip>
-          <a:srcRect l="17885" t="5894" r="14963" b="24080"/>
-          <a:stretch>
-            <a:fillRect/>
-          </a:stretch>
-        </p:blipFill>
-        <p:spPr>
-          <a:xfrm>
-            <a:off x="479257" y="7535962"/>
-            <a:ext cx="627063" cy="446852"/>
-          </a:xfrm>
-          <a:prstGeom prst="rect">
-            <a:avLst/>
-          </a:prstGeom>
-          <a:ln w="12700">
-            <a:miter lim="400000"/>
-          </a:ln>
-        </p:spPr>
-      </p:pic>
-      <p:pic>
-        <p:nvPicPr>
-          <p:cNvPr id="230" name="shiny.png" descr="shiny.png"/>
+          <p:cNvPr id="224" name="shiny.png" descr="shiny.png"/>
           <p:cNvPicPr>
             <a:picLocks noChangeAspect="1"/>
           </p:cNvPicPr>
@@ -12071,14 +11539,14 @@
       </p:pic>
       <p:pic>
         <p:nvPicPr>
-          <p:cNvPr id="231" name="Screen Shot 2015-06-08 at 7.34.57 PM.png" descr="Screen Shot 2015-06-08 at 7.34.57 PM.png"/>
+          <p:cNvPr id="225" name="Screen Shot 2015-06-08 at 7.34.57 PM.png" descr="Screen Shot 2015-06-08 at 7.34.57 PM.png"/>
           <p:cNvPicPr>
             <a:picLocks noChangeAspect="1"/>
           </p:cNvPicPr>
           <p:nvPr/>
         </p:nvPicPr>
         <p:blipFill>
-          <a:blip r:embed="rId14">
+          <a:blip r:embed="rId11">
             <a:extLst/>
           </a:blip>
           <a:stretch>
@@ -12103,14 +11571,14 @@
       </p:pic>
       <p:pic>
         <p:nvPicPr>
-          <p:cNvPr id="232" name="RStudio-Logo-Black-Letters.png" descr="RStudio-Logo-Black-Letters.png"/>
+          <p:cNvPr id="226" name="RStudio-Logo-Black-Letters.png" descr="RStudio-Logo-Black-Letters.png"/>
           <p:cNvPicPr>
             <a:picLocks noChangeAspect="1"/>
           </p:cNvPicPr>
           <p:nvPr/>
         </p:nvPicPr>
         <p:blipFill>
-          <a:blip r:embed="rId15">
+          <a:blip r:embed="rId12">
             <a:extLst/>
           </a:blip>
           <a:srcRect l="0" t="0" r="63329" b="0"/>
@@ -12133,14 +11601,14 @@
       </p:pic>
       <p:pic>
         <p:nvPicPr>
-          <p:cNvPr id="233" name="Screen Shot 2015-06-08 at 7.30.35 PM.png" descr="Screen Shot 2015-06-08 at 7.30.35 PM.png"/>
+          <p:cNvPr id="227" name="Screen Shot 2015-06-08 at 7.30.35 PM.png" descr="Screen Shot 2015-06-08 at 7.30.35 PM.png"/>
           <p:cNvPicPr>
             <a:picLocks noChangeAspect="1"/>
           </p:cNvPicPr>
           <p:nvPr/>
         </p:nvPicPr>
         <p:blipFill>
-          <a:blip r:embed="rId16">
+          <a:blip r:embed="rId13">
             <a:extLst/>
           </a:blip>
           <a:stretch>
@@ -12165,14 +11633,14 @@
       </p:pic>
       <p:pic>
         <p:nvPicPr>
-          <p:cNvPr id="234" name="Screen Shot 2015-06-08 at 7.31.04 PM.png" descr="Screen Shot 2015-06-08 at 7.31.04 PM.png"/>
+          <p:cNvPr id="228" name="Screen Shot 2015-06-08 at 7.31.04 PM.png" descr="Screen Shot 2015-06-08 at 7.31.04 PM.png"/>
           <p:cNvPicPr>
             <a:picLocks noChangeAspect="1"/>
           </p:cNvPicPr>
           <p:nvPr/>
         </p:nvPicPr>
         <p:blipFill>
-          <a:blip r:embed="rId17">
+          <a:blip r:embed="rId14">
             <a:extLst/>
           </a:blip>
           <a:stretch>
@@ -12194,14 +11662,14 @@
       </p:pic>
       <p:pic>
         <p:nvPicPr>
-          <p:cNvPr id="235" name="Screen Shot 2015-06-02 at 3.22.54 PM.png" descr="Screen Shot 2015-06-02 at 3.22.54 PM.png"/>
+          <p:cNvPr id="229" name="Screen Shot 2015-06-02 at 3.22.54 PM.png" descr="Screen Shot 2015-06-02 at 3.22.54 PM.png"/>
           <p:cNvPicPr>
             <a:picLocks noChangeAspect="1"/>
           </p:cNvPicPr>
           <p:nvPr/>
         </p:nvPicPr>
         <p:blipFill>
-          <a:blip r:embed="rId18">
+          <a:blip r:embed="rId15">
             <a:extLst/>
           </a:blip>
           <a:srcRect l="11544" t="9515" r="11544" b="62886"/>
@@ -12224,14 +11692,14 @@
       </p:pic>
       <p:pic>
         <p:nvPicPr>
-          <p:cNvPr id="236" name="Screen Shot 2015-06-08 at 7.35.38 PM.png" descr="Screen Shot 2015-06-08 at 7.35.38 PM.png"/>
+          <p:cNvPr id="230" name="Screen Shot 2015-06-08 at 7.35.38 PM.png" descr="Screen Shot 2015-06-08 at 7.35.38 PM.png"/>
           <p:cNvPicPr>
             <a:picLocks noChangeAspect="1"/>
           </p:cNvPicPr>
           <p:nvPr/>
         </p:nvPicPr>
         <p:blipFill>
-          <a:blip r:embed="rId19">
+          <a:blip r:embed="rId16">
             <a:extLst/>
           </a:blip>
           <a:srcRect l="0" t="0" r="0" b="36091"/>
@@ -12257,14 +11725,14 @@
       </p:pic>
       <p:pic>
         <p:nvPicPr>
-          <p:cNvPr id="237" name="Screen Shot 2015-06-08 at 6.15.38 PM.png" descr="Screen Shot 2015-06-08 at 6.15.38 PM.png"/>
+          <p:cNvPr id="231" name="Screen Shot 2015-06-08 at 6.15.38 PM.png" descr="Screen Shot 2015-06-08 at 6.15.38 PM.png"/>
           <p:cNvPicPr>
             <a:picLocks noChangeAspect="1"/>
           </p:cNvPicPr>
           <p:nvPr/>
         </p:nvPicPr>
         <p:blipFill>
-          <a:blip r:embed="rId20">
+          <a:blip r:embed="rId17">
             <a:extLst/>
           </a:blip>
           <a:stretch>
@@ -12286,14 +11754,14 @@
       </p:pic>
       <p:pic>
         <p:nvPicPr>
-          <p:cNvPr id="238" name="Screen Shot 2015-06-08 at 6.15.50 PM.png" descr="Screen Shot 2015-06-08 at 6.15.50 PM.png"/>
+          <p:cNvPr id="232" name="Screen Shot 2015-06-08 at 6.15.50 PM.png" descr="Screen Shot 2015-06-08 at 6.15.50 PM.png"/>
           <p:cNvPicPr>
             <a:picLocks noChangeAspect="1"/>
           </p:cNvPicPr>
           <p:nvPr/>
         </p:nvPicPr>
         <p:blipFill>
-          <a:blip r:embed="rId21">
+          <a:blip r:embed="rId18">
             <a:extLst/>
           </a:blip>
           <a:stretch>
@@ -12315,14 +11783,14 @@
       </p:pic>
       <p:pic>
         <p:nvPicPr>
-          <p:cNvPr id="239" name="Screen Shot 2015-06-08 at 6.37.47 PM.png" descr="Screen Shot 2015-06-08 at 6.37.47 PM.png"/>
+          <p:cNvPr id="233" name="Screen Shot 2015-06-08 at 6.37.47 PM.png" descr="Screen Shot 2015-06-08 at 6.37.47 PM.png"/>
           <p:cNvPicPr>
             <a:picLocks noChangeAspect="1"/>
           </p:cNvPicPr>
           <p:nvPr/>
         </p:nvPicPr>
         <p:blipFill>
-          <a:blip r:embed="rId22">
+          <a:blip r:embed="rId19">
             <a:extLst/>
           </a:blip>
           <a:stretch>
@@ -12344,14 +11812,14 @@
       </p:pic>
       <p:pic>
         <p:nvPicPr>
-          <p:cNvPr id="240" name="Screen Shot 2015-06-08 at 6.38.04 PM.png" descr="Screen Shot 2015-06-08 at 6.38.04 PM.png"/>
+          <p:cNvPr id="234" name="Screen Shot 2015-06-08 at 6.38.04 PM.png" descr="Screen Shot 2015-06-08 at 6.38.04 PM.png"/>
           <p:cNvPicPr>
             <a:picLocks noChangeAspect="1"/>
           </p:cNvPicPr>
           <p:nvPr/>
         </p:nvPicPr>
         <p:blipFill>
-          <a:blip r:embed="rId23">
+          <a:blip r:embed="rId20">
             <a:extLst/>
           </a:blip>
           <a:stretch>
@@ -12373,14 +11841,14 @@
       </p:pic>
       <p:pic>
         <p:nvPicPr>
-          <p:cNvPr id="241" name="Screen Shot 2015-06-08 at 6.38.19 PM.png" descr="Screen Shot 2015-06-08 at 6.38.19 PM.png"/>
+          <p:cNvPr id="235" name="Screen Shot 2015-06-08 at 6.38.19 PM.png" descr="Screen Shot 2015-06-08 at 6.38.19 PM.png"/>
           <p:cNvPicPr>
             <a:picLocks noChangeAspect="1"/>
           </p:cNvPicPr>
           <p:nvPr/>
         </p:nvPicPr>
         <p:blipFill>
-          <a:blip r:embed="rId24">
+          <a:blip r:embed="rId21">
             <a:extLst/>
           </a:blip>
           <a:stretch>
@@ -12402,14 +11870,14 @@
       </p:pic>
       <p:pic>
         <p:nvPicPr>
-          <p:cNvPr id="242" name="Screen Shot 2015-06-08 at 6.38.31 PM.png" descr="Screen Shot 2015-06-08 at 6.38.31 PM.png"/>
+          <p:cNvPr id="236" name="Screen Shot 2015-06-08 at 6.38.31 PM.png" descr="Screen Shot 2015-06-08 at 6.38.31 PM.png"/>
           <p:cNvPicPr>
             <a:picLocks noChangeAspect="1"/>
           </p:cNvPicPr>
           <p:nvPr/>
         </p:nvPicPr>
         <p:blipFill>
-          <a:blip r:embed="rId25">
+          <a:blip r:embed="rId22">
             <a:extLst/>
           </a:blip>
           <a:stretch>
@@ -12431,14 +11899,14 @@
       </p:pic>
       <p:pic>
         <p:nvPicPr>
-          <p:cNvPr id="243" name="Screen Shot 2015-06-08 at 6.38.39 PM.png" descr="Screen Shot 2015-06-08 at 6.38.39 PM.png"/>
+          <p:cNvPr id="237" name="Screen Shot 2015-06-08 at 6.38.39 PM.png" descr="Screen Shot 2015-06-08 at 6.38.39 PM.png"/>
           <p:cNvPicPr>
             <a:picLocks noChangeAspect="1"/>
           </p:cNvPicPr>
           <p:nvPr/>
         </p:nvPicPr>
         <p:blipFill>
-          <a:blip r:embed="rId26">
+          <a:blip r:embed="rId23">
             <a:extLst/>
           </a:blip>
           <a:stretch>
@@ -12460,14 +11928,14 @@
       </p:pic>
       <p:pic>
         <p:nvPicPr>
-          <p:cNvPr id="244" name="Screen Shot 2015-06-08 at 6.47.00 PM.png" descr="Screen Shot 2015-06-08 at 6.47.00 PM.png"/>
+          <p:cNvPr id="238" name="Screen Shot 2015-06-08 at 6.47.00 PM.png" descr="Screen Shot 2015-06-08 at 6.47.00 PM.png"/>
           <p:cNvPicPr>
             <a:picLocks noChangeAspect="1"/>
           </p:cNvPicPr>
           <p:nvPr/>
         </p:nvPicPr>
         <p:blipFill>
-          <a:blip r:embed="rId27">
+          <a:blip r:embed="rId24">
             <a:extLst/>
           </a:blip>
           <a:stretch>
@@ -12489,14 +11957,14 @@
       </p:pic>
       <p:pic>
         <p:nvPicPr>
-          <p:cNvPr id="245" name="Screen Shot 2015-06-08 at 6.49.56 PM.png" descr="Screen Shot 2015-06-08 at 6.49.56 PM.png"/>
+          <p:cNvPr id="239" name="Screen Shot 2015-06-08 at 6.49.56 PM.png" descr="Screen Shot 2015-06-08 at 6.49.56 PM.png"/>
           <p:cNvPicPr>
             <a:picLocks noChangeAspect="1"/>
           </p:cNvPicPr>
           <p:nvPr/>
         </p:nvPicPr>
         <p:blipFill>
-          <a:blip r:embed="rId28">
+          <a:blip r:embed="rId25">
             <a:extLst/>
           </a:blip>
           <a:srcRect l="0" t="12405" r="0" b="0"/>
@@ -12519,14 +11987,14 @@
       </p:pic>
       <p:pic>
         <p:nvPicPr>
-          <p:cNvPr id="246" name="Screen Shot 2015-06-08 at 6.52.55 PM.png" descr="Screen Shot 2015-06-08 at 6.52.55 PM.png"/>
+          <p:cNvPr id="240" name="Screen Shot 2015-06-08 at 6.52.55 PM.png" descr="Screen Shot 2015-06-08 at 6.52.55 PM.png"/>
           <p:cNvPicPr>
             <a:picLocks noChangeAspect="1"/>
           </p:cNvPicPr>
           <p:nvPr/>
         </p:nvPicPr>
         <p:blipFill>
-          <a:blip r:embed="rId29">
+          <a:blip r:embed="rId26">
             <a:extLst/>
           </a:blip>
           <a:stretch>
@@ -12548,14 +12016,14 @@
       </p:pic>
       <p:pic>
         <p:nvPicPr>
-          <p:cNvPr id="247" name="Screen Shot 2015-06-08 at 6.53.35 PM.png" descr="Screen Shot 2015-06-08 at 6.53.35 PM.png"/>
+          <p:cNvPr id="241" name="Screen Shot 2015-06-08 at 6.53.35 PM.png" descr="Screen Shot 2015-06-08 at 6.53.35 PM.png"/>
           <p:cNvPicPr>
             <a:picLocks noChangeAspect="1"/>
           </p:cNvPicPr>
           <p:nvPr/>
         </p:nvPicPr>
         <p:blipFill>
-          <a:blip r:embed="rId30">
+          <a:blip r:embed="rId27">
             <a:extLst/>
           </a:blip>
           <a:stretch>
@@ -12577,14 +12045,14 @@
       </p:pic>
       <p:pic>
         <p:nvPicPr>
-          <p:cNvPr id="248" name="Screen Shot 2015-06-08 at 6.16.03 PM.png" descr="Screen Shot 2015-06-08 at 6.16.03 PM.png"/>
+          <p:cNvPr id="242" name="Screen Shot 2015-06-08 at 6.16.03 PM.png" descr="Screen Shot 2015-06-08 at 6.16.03 PM.png"/>
           <p:cNvPicPr>
             <a:picLocks noChangeAspect="1"/>
           </p:cNvPicPr>
           <p:nvPr/>
         </p:nvPicPr>
         <p:blipFill>
-          <a:blip r:embed="rId31">
+          <a:blip r:embed="rId28">
             <a:extLst/>
           </a:blip>
           <a:stretch>
@@ -12606,14 +12074,14 @@
       </p:pic>
       <p:pic>
         <p:nvPicPr>
-          <p:cNvPr id="249" name="Screen Shot 2015-06-08 at 6.21.32 PM.png" descr="Screen Shot 2015-06-08 at 6.21.32 PM.png"/>
+          <p:cNvPr id="243" name="Screen Shot 2015-06-08 at 6.21.32 PM.png" descr="Screen Shot 2015-06-08 at 6.21.32 PM.png"/>
           <p:cNvPicPr>
             <a:picLocks noChangeAspect="1"/>
           </p:cNvPicPr>
           <p:nvPr/>
         </p:nvPicPr>
         <p:blipFill>
-          <a:blip r:embed="rId32">
+          <a:blip r:embed="rId29">
             <a:extLst/>
           </a:blip>
           <a:stretch>
@@ -12635,14 +12103,14 @@
       </p:pic>
       <p:pic>
         <p:nvPicPr>
-          <p:cNvPr id="250" name="Screen Shot 2018-07-29 at 10.42.23 AM.png" descr="Screen Shot 2018-07-29 at 10.42.23 AM.png"/>
+          <p:cNvPr id="244" name="Screen Shot 2018-07-29 at 10.42.23 AM.png" descr="Screen Shot 2018-07-29 at 10.42.23 AM.png"/>
           <p:cNvPicPr>
             <a:picLocks noChangeAspect="1"/>
           </p:cNvPicPr>
           <p:nvPr/>
         </p:nvPicPr>
         <p:blipFill>
-          <a:blip r:embed="rId33">
+          <a:blip r:embed="rId30">
             <a:extLst/>
           </a:blip>
           <a:stretch>
@@ -12664,14 +12132,14 @@
       </p:pic>
       <p:pic>
         <p:nvPicPr>
-          <p:cNvPr id="251" name="Screen Shot 2018-07-29 at 10.42.10 AM.png" descr="Screen Shot 2018-07-29 at 10.42.10 AM.png"/>
+          <p:cNvPr id="245" name="Screen Shot 2018-07-29 at 10.42.10 AM.png" descr="Screen Shot 2018-07-29 at 10.42.10 AM.png"/>
           <p:cNvPicPr>
             <a:picLocks noChangeAspect="1"/>
           </p:cNvPicPr>
           <p:nvPr/>
         </p:nvPicPr>
         <p:blipFill>
-          <a:blip r:embed="rId34">
+          <a:blip r:embed="rId31">
             <a:extLst/>
           </a:blip>
           <a:stretch>
@@ -12693,14 +12161,14 @@
       </p:pic>
       <p:pic>
         <p:nvPicPr>
-          <p:cNvPr id="252" name="Screen Shot 2015-06-08 at 7.31.32 PM.png" descr="Screen Shot 2015-06-08 at 7.31.32 PM.png"/>
+          <p:cNvPr id="246" name="Screen Shot 2015-06-08 at 7.31.32 PM.png" descr="Screen Shot 2015-06-08 at 7.31.32 PM.png"/>
           <p:cNvPicPr>
             <a:picLocks noChangeAspect="1"/>
           </p:cNvPicPr>
           <p:nvPr/>
         </p:nvPicPr>
         <p:blipFill>
-          <a:blip r:embed="rId35">
+          <a:blip r:embed="rId32">
             <a:extLst/>
           </a:blip>
           <a:stretch>
@@ -12720,92 +12188,387 @@
           </a:ln>
         </p:spPr>
       </p:pic>
+      <p:sp>
+        <p:nvSpPr>
+          <p:cNvPr id="247" name="Host it on shinyapps.io, a cloud based…"/>
+          <p:cNvSpPr txBox="1"/>
+          <p:nvPr/>
+        </p:nvSpPr>
+        <p:spPr>
+          <a:xfrm>
+            <a:off x="311398" y="7432175"/>
+            <a:ext cx="3401433" cy="2471341"/>
+          </a:xfrm>
+          <a:prstGeom prst="rect">
+            <a:avLst/>
+          </a:prstGeom>
+          <a:ln w="12700">
+            <a:miter lim="400000"/>
+          </a:ln>
+          <a:extLst>
+            <a:ext uri="{C572A759-6A51-4108-AA02-DFA0A04FC94B}">
+              <ma14:wrappingTextBoxFlag xmlns:ma14="http://schemas.microsoft.com/office/mac/drawingml/2011/main" val="1"/>
+            </a:ext>
+          </a:extLst>
+        </p:spPr>
+        <p:txBody>
+          <a:bodyPr lIns="54570" tIns="54570" rIns="54570" bIns="54570">
+            <a:spAutoFit/>
+          </a:bodyPr>
+          <a:lstStyle/>
+          <a:p>
+            <a:pPr marL="211666" indent="-211666">
+              <a:spcBef>
+                <a:spcPts val="0"/>
+              </a:spcBef>
+              <a:buSzPct val="100000"/>
+              <a:buAutoNum type="arabicPeriod" startAt="1"/>
+              <a:defRPr b="0">
+                <a:solidFill>
+                  <a:srgbClr val="000000"/>
+                </a:solidFill>
+              </a:defRPr>
+            </a:pPr>
+            <a:r>
+              <a:rPr b="1">
+                <a:solidFill>
+                  <a:srgbClr val="5489C4"/>
+                </a:solidFill>
+              </a:rPr>
+              <a:t>Host it on </a:t>
+            </a:r>
+            <a:r>
+              <a:rPr b="1" u="sng">
+                <a:solidFill>
+                  <a:srgbClr val="5489C4"/>
+                </a:solidFill>
+                <a:hlinkClick r:id="rId33" invalidUrl="" action="" tgtFrame="" tooltip="" history="1" highlightClick="0" endSnd="0"/>
+              </a:rPr>
+              <a:t>shinyapps.io</a:t>
+            </a:r>
+            <a:r>
+              <a:rPr sz="1100"/>
+              <a:t>, a cloud based </a:t>
+            </a:r>
+            <a:endParaRPr sz="1100"/>
+          </a:p>
+          <a:p>
+            <a:pPr>
+              <a:spcBef>
+                <a:spcPts val="500"/>
+              </a:spcBef>
+              <a:defRPr b="0">
+                <a:solidFill>
+                  <a:srgbClr val="000000"/>
+                </a:solidFill>
+              </a:defRPr>
+            </a:pPr>
+            <a:r>
+              <a:rPr sz="1100"/>
+              <a:t>service from RStudio.</a:t>
+            </a:r>
+            <a:r>
+              <a:rPr sz="1100"/>
+              <a:t> To do so:</a:t>
+            </a:r>
+            <a:endParaRPr sz="1100">
+              <a:latin typeface="Source Sans Pro Semibold"/>
+              <a:ea typeface="Source Sans Pro Semibold"/>
+              <a:cs typeface="Source Sans Pro Semibold"/>
+              <a:sym typeface="Source Sans Pro Semibold"/>
+            </a:endParaRPr>
+          </a:p>
+          <a:p>
+            <a:pPr lvl="1">
+              <a:spcBef>
+                <a:spcPts val="0"/>
+              </a:spcBef>
+              <a:defRPr b="0" sz="1100">
+                <a:solidFill>
+                  <a:srgbClr val="000000"/>
+                </a:solidFill>
+              </a:defRPr>
+            </a:pPr>
+            <a:r>
+              <a:t>Create a free or professional </a:t>
+            </a:r>
+          </a:p>
+          <a:p>
+            <a:pPr lvl="1">
+              <a:spcBef>
+                <a:spcPts val="500"/>
+              </a:spcBef>
+              <a:defRPr b="0" sz="1100">
+                <a:solidFill>
+                  <a:srgbClr val="000000"/>
+                </a:solidFill>
+              </a:defRPr>
+            </a:pPr>
+            <a:r>
+              <a:t>account at </a:t>
+            </a:r>
+            <a:r>
+              <a:rPr u="sng">
+                <a:hlinkClick r:id="rId33" invalidUrl="" action="" tgtFrame="" tooltip="" history="1" highlightClick="0" endSnd="0"/>
+              </a:rPr>
+              <a:t>http://shinyapps.io</a:t>
+            </a:r>
+          </a:p>
+          <a:p>
+            <a:pPr lvl="1">
+              <a:spcBef>
+                <a:spcPts val="1000"/>
+              </a:spcBef>
+              <a:defRPr b="0" sz="1100">
+                <a:solidFill>
+                  <a:srgbClr val="000000"/>
+                </a:solidFill>
+              </a:defRPr>
+            </a:pPr>
+            <a:r>
+              <a:t>Click the Publish icon in RStudio IDE, or run: </a:t>
+            </a:r>
+            <a:r>
+              <a:rPr b="1" sz="1000"/>
+              <a:t>rsconnect::deployApp(</a:t>
+            </a:r>
+            <a:r>
+              <a:rPr sz="1000"/>
+              <a:t>"&lt;path to directory&gt;"</a:t>
+            </a:r>
+            <a:r>
+              <a:rPr b="1" sz="1000"/>
+              <a:t>)</a:t>
+            </a:r>
+          </a:p>
+          <a:p>
+            <a:pPr marL="211709" indent="-211709">
+              <a:spcBef>
+                <a:spcPts val="0"/>
+              </a:spcBef>
+              <a:buClr>
+                <a:srgbClr val="000000"/>
+              </a:buClr>
+              <a:buSzPct val="100000"/>
+              <a:buAutoNum type="arabicPeriod" startAt="2"/>
+              <a:defRPr b="0">
+                <a:solidFill>
+                  <a:srgbClr val="000000"/>
+                </a:solidFill>
+              </a:defRPr>
+            </a:pPr>
+            <a:r>
+              <a:rPr b="1">
+                <a:solidFill>
+                  <a:srgbClr val="5589C5"/>
+                </a:solidFill>
+              </a:rPr>
+              <a:t>Purchase RStudio Connect</a:t>
+            </a:r>
+            <a:r>
+              <a:rPr sz="1100"/>
+              <a:t>, a </a:t>
+            </a:r>
+            <a:endParaRPr sz="1100"/>
+          </a:p>
+          <a:p>
+            <a:pPr>
+              <a:spcBef>
+                <a:spcPts val="0"/>
+              </a:spcBef>
+              <a:buClr>
+                <a:srgbClr val="000000"/>
+              </a:buClr>
+              <a:defRPr b="0">
+                <a:solidFill>
+                  <a:srgbClr val="000000"/>
+                </a:solidFill>
+              </a:defRPr>
+            </a:pPr>
+            <a:r>
+              <a:rPr sz="1100"/>
+              <a:t>publishing platform for R and Python.</a:t>
+            </a:r>
+            <a:endParaRPr sz="1100"/>
+          </a:p>
+          <a:p>
+            <a:pPr>
+              <a:spcBef>
+                <a:spcPts val="1000"/>
+              </a:spcBef>
+              <a:buClr>
+                <a:srgbClr val="000000"/>
+              </a:buClr>
+              <a:defRPr b="0">
+                <a:solidFill>
+                  <a:srgbClr val="000000"/>
+                </a:solidFill>
+              </a:defRPr>
+            </a:pPr>
+            <a:r>
+              <a:rPr sz="1100" u="sng">
+                <a:hlinkClick r:id="rId34" invalidUrl="" action="" tgtFrame="" tooltip="" history="1" highlightClick="0" endSnd="0"/>
+              </a:rPr>
+              <a:t>www.rstudio.com/products/connect/</a:t>
+            </a:r>
+          </a:p>
+          <a:p>
+            <a:pPr marL="211709" indent="-211709">
+              <a:spcBef>
+                <a:spcPts val="0"/>
+              </a:spcBef>
+              <a:buClr>
+                <a:srgbClr val="000000"/>
+              </a:buClr>
+              <a:buSzPct val="100000"/>
+              <a:buAutoNum type="arabicPeriod" startAt="3"/>
+              <a:defRPr b="0">
+                <a:solidFill>
+                  <a:srgbClr val="000000"/>
+                </a:solidFill>
+              </a:defRPr>
+            </a:pPr>
+            <a:r>
+              <a:rPr b="1">
+                <a:solidFill>
+                  <a:srgbClr val="5489C4"/>
+                </a:solidFill>
+              </a:rPr>
+              <a:t>Build your own Shiny Server</a:t>
+            </a:r>
+            <a:r>
+              <a:rPr sz="1100"/>
+              <a:t> </a:t>
+            </a:r>
+            <a:endParaRPr sz="1100"/>
+          </a:p>
+          <a:p>
+            <a:pPr>
+              <a:spcBef>
+                <a:spcPts val="0"/>
+              </a:spcBef>
+              <a:buClr>
+                <a:srgbClr val="000000"/>
+              </a:buClr>
+              <a:defRPr b="0">
+                <a:solidFill>
+                  <a:srgbClr val="000000"/>
+                </a:solidFill>
+              </a:defRPr>
+            </a:pPr>
+            <a:r>
+              <a:rPr sz="1100" u="sng">
+                <a:hlinkClick r:id="rId35" invalidUrl="" action="" tgtFrame="" tooltip="" history="1" highlightClick="0" endSnd="0"/>
+              </a:rPr>
+              <a:t>www.rstudio.com/products/shiny-server/</a:t>
+            </a:r>
+          </a:p>
+        </p:txBody>
+      </p:sp>
+      <p:sp>
+        <p:nvSpPr>
+          <p:cNvPr id="248" name="SHARE YOUR APP - in three ways:"/>
+          <p:cNvSpPr txBox="1"/>
+          <p:nvPr/>
+        </p:nvSpPr>
+        <p:spPr>
+          <a:xfrm>
+            <a:off x="382259" y="7217901"/>
+            <a:ext cx="2850532" cy="215901"/>
+          </a:xfrm>
+          <a:prstGeom prst="rect">
+            <a:avLst/>
+          </a:prstGeom>
+          <a:ln w="12700">
+            <a:miter lim="400000"/>
+          </a:ln>
+          <a:extLst>
+            <a:ext uri="{C572A759-6A51-4108-AA02-DFA0A04FC94B}">
+              <ma14:wrappingTextBoxFlag xmlns:ma14="http://schemas.microsoft.com/office/mac/drawingml/2011/main" val="1"/>
+            </a:ext>
+          </a:extLst>
+        </p:spPr>
+        <p:txBody>
+          <a:bodyPr lIns="12700" tIns="12700" rIns="12700" bIns="12700" anchor="ctr">
+            <a:spAutoFit/>
+          </a:bodyPr>
+          <a:lstStyle/>
+          <a:p>
+            <a:pPr lvl="1" indent="0"/>
+            <a:r>
+              <a:t>SHARE YOUR APP </a:t>
+            </a:r>
+            <a:r>
+              <a:rPr b="0"/>
+              <a:t>- in three ways:</a:t>
+            </a:r>
+          </a:p>
+        </p:txBody>
+      </p:sp>
+      <p:pic>
+        <p:nvPicPr>
+          <p:cNvPr id="249" name="Publish-Icon.png" descr="Publish-Icon.png"/>
+          <p:cNvPicPr>
+            <a:picLocks noChangeAspect="1"/>
+          </p:cNvPicPr>
+          <p:nvPr/>
+        </p:nvPicPr>
+        <p:blipFill>
+          <a:blip r:embed="rId36">
+            <a:extLst/>
+          </a:blip>
+          <a:stretch>
+            <a:fillRect/>
+          </a:stretch>
+        </p:blipFill>
+        <p:spPr>
+          <a:xfrm>
+            <a:off x="581922" y="7956507"/>
+            <a:ext cx="220737" cy="161801"/>
+          </a:xfrm>
+          <a:prstGeom prst="rect">
+            <a:avLst/>
+          </a:prstGeom>
+          <a:ln w="12700">
+            <a:miter lim="400000"/>
+          </a:ln>
+        </p:spPr>
+      </p:pic>
+      <p:pic>
+        <p:nvPicPr>
+          <p:cNvPr id="250" name="Publish-Icon.png" descr="Publish-Icon.png"/>
+          <p:cNvPicPr>
+            <a:picLocks noChangeAspect="1"/>
+          </p:cNvPicPr>
+          <p:nvPr/>
+        </p:nvPicPr>
+        <p:blipFill>
+          <a:blip r:embed="rId36">
+            <a:extLst/>
+          </a:blip>
+          <a:stretch>
+            <a:fillRect/>
+          </a:stretch>
+        </p:blipFill>
+        <p:spPr>
+          <a:xfrm>
+            <a:off x="581922" y="8378474"/>
+            <a:ext cx="220737" cy="161800"/>
+          </a:xfrm>
+          <a:prstGeom prst="rect">
+            <a:avLst/>
+          </a:prstGeom>
+          <a:ln w="12700">
+            <a:miter lim="400000"/>
+          </a:ln>
+        </p:spPr>
+      </p:pic>
     </p:spTree>
   </p:cSld>
   <p:clrMapOvr>
     <a:masterClrMapping/>
   </p:clrMapOvr>
   <p:transition xmlns:p14="http://schemas.microsoft.com/office/powerpoint/2010/main" spd="med" advClick="1"/>
-  <p:timing>
-    <p:tnLst>
-      <p:par>
-        <p:cTn id="1" nodeType="tmRoot" restart="never" dur="indefinite" fill="hold">
-          <p:childTnLst>
-            <p:seq concurrent="1" prevAc="none" nextAc="seek">
-              <p:cTn id="2" nodeType="mainSeq" dur="indefinite" fill="hold">
-                <p:childTnLst>
-                  <p:par>
-                    <p:cTn id="3" fill="hold">
-                      <p:stCondLst>
-                        <p:cond delay="indefinite"/>
-                        <p:cond evt="onBegin">
-                          <p:tn val="2"/>
-                        </p:cond>
-                      </p:stCondLst>
-                      <p:childTnLst>
-                        <p:par>
-                          <p:cTn id="4" fill="hold">
-                            <p:stCondLst>
-                              <p:cond delay="0"/>
-                            </p:stCondLst>
-                            <p:childTnLst>
-                              <p:par>
-                                <p:cTn id="5" presetClass="entr" nodeType="afterEffect" presetSubtype="0" presetID="1" grpId="1" fill="hold">
-                                  <p:stCondLst>
-                                    <p:cond delay="0"/>
-                                  </p:stCondLst>
-                                  <p:iterate type="el" backwards="0">
-                                    <p:tmAbs val="0"/>
-                                  </p:iterate>
-                                  <p:childTnLst>
-                                    <p:set>
-                                      <p:cBhvr>
-                                        <p:cTn id="6" fill="hold"/>
-                                        <p:tgtEl>
-                                          <p:spTgt spid="235"/>
-                                        </p:tgtEl>
-                                        <p:attrNameLst>
-                                          <p:attrName>style.visibility</p:attrName>
-                                        </p:attrNameLst>
-                                      </p:cBhvr>
-                                      <p:to>
-                                        <p:strVal val="visible"/>
-                                      </p:to>
-                                    </p:set>
-                                  </p:childTnLst>
-                                </p:cTn>
-                              </p:par>
-                            </p:childTnLst>
-                          </p:cTn>
-                        </p:par>
-                      </p:childTnLst>
-                    </p:cTn>
-                  </p:par>
-                </p:childTnLst>
-              </p:cTn>
-              <p:prevCondLst>
-                <p:cond evt="onPrev">
-                  <p:tgtEl>
-                    <p:sldTgt/>
-                  </p:tgtEl>
-                </p:cond>
-              </p:prevCondLst>
-              <p:nextCondLst>
-                <p:cond evt="onNext">
-                  <p:tgtEl>
-                    <p:sldTgt/>
-                  </p:tgtEl>
-                </p:cond>
-              </p:nextCondLst>
-            </p:seq>
-          </p:childTnLst>
-        </p:cTn>
-      </p:par>
-    </p:tnLst>
-    <p:bldLst>
-      <p:bldP build="whole" bldLvl="1" animBg="1" rev="0" advAuto="0" spid="235" grpId="1"/>
-    </p:bldLst>
-  </p:timing>
 </p:sld>
 </file>
 
@@ -12828,7 +12591,7 @@
       </p:grpSpPr>
       <p:grpSp>
         <p:nvGrpSpPr>
-          <p:cNvPr id="271" name="Group"/>
+          <p:cNvPr id="269" name="Group"/>
           <p:cNvGrpSpPr/>
           <p:nvPr/>
         </p:nvGrpSpPr>
@@ -12842,7 +12605,7 @@
         </p:grpSpPr>
         <p:grpSp>
           <p:nvGrpSpPr>
-            <p:cNvPr id="269" name="Group"/>
+            <p:cNvPr id="267" name="Group"/>
             <p:cNvGrpSpPr/>
             <p:nvPr/>
           </p:nvGrpSpPr>
@@ -12856,7 +12619,7 @@
           </p:grpSpPr>
           <p:sp>
             <p:nvSpPr>
-              <p:cNvPr id="254" name="Triangle"/>
+              <p:cNvPr id="252" name="Triangle"/>
               <p:cNvSpPr/>
               <p:nvPr/>
             </p:nvSpPr>
@@ -12904,7 +12667,7 @@
           </p:sp>
           <p:sp>
             <p:nvSpPr>
-              <p:cNvPr id="255" name="Circle"/>
+              <p:cNvPr id="253" name="Circle"/>
               <p:cNvSpPr/>
               <p:nvPr/>
             </p:nvSpPr>
@@ -12949,7 +12712,7 @@
           </p:sp>
           <p:sp>
             <p:nvSpPr>
-              <p:cNvPr id="256" name="Circle"/>
+              <p:cNvPr id="254" name="Circle"/>
               <p:cNvSpPr/>
               <p:nvPr/>
             </p:nvSpPr>
@@ -12996,7 +12759,7 @@
           </p:sp>
           <p:sp>
             <p:nvSpPr>
-              <p:cNvPr id="257" name="Triangle"/>
+              <p:cNvPr id="255" name="Triangle"/>
               <p:cNvSpPr/>
               <p:nvPr/>
             </p:nvSpPr>
@@ -13044,7 +12807,7 @@
           </p:sp>
           <p:sp>
             <p:nvSpPr>
-              <p:cNvPr id="258" name="Triangle"/>
+              <p:cNvPr id="256" name="Triangle"/>
               <p:cNvSpPr/>
               <p:nvPr/>
             </p:nvSpPr>
@@ -13092,7 +12855,7 @@
           </p:sp>
           <p:sp>
             <p:nvSpPr>
-              <p:cNvPr id="259" name="Circle"/>
+              <p:cNvPr id="257" name="Circle"/>
               <p:cNvSpPr/>
               <p:nvPr/>
             </p:nvSpPr>
@@ -13137,7 +12900,7 @@
           </p:sp>
           <p:sp>
             <p:nvSpPr>
-              <p:cNvPr id="260" name="Circle"/>
+              <p:cNvPr id="258" name="Circle"/>
               <p:cNvSpPr/>
               <p:nvPr/>
             </p:nvSpPr>
@@ -13182,7 +12945,7 @@
           </p:sp>
           <p:sp>
             <p:nvSpPr>
-              <p:cNvPr id="261" name="Triangle"/>
+              <p:cNvPr id="259" name="Triangle"/>
               <p:cNvSpPr/>
               <p:nvPr/>
             </p:nvSpPr>
@@ -13230,7 +12993,7 @@
           </p:sp>
           <p:sp>
             <p:nvSpPr>
-              <p:cNvPr id="262" name="Circle"/>
+              <p:cNvPr id="260" name="Circle"/>
               <p:cNvSpPr/>
               <p:nvPr/>
             </p:nvSpPr>
@@ -13275,7 +13038,7 @@
           </p:sp>
           <p:sp>
             <p:nvSpPr>
-              <p:cNvPr id="263" name="Triangle"/>
+              <p:cNvPr id="261" name="Triangle"/>
               <p:cNvSpPr/>
               <p:nvPr/>
             </p:nvSpPr>
@@ -13323,7 +13086,7 @@
           </p:sp>
           <p:sp>
             <p:nvSpPr>
-              <p:cNvPr id="264" name="Circle"/>
+              <p:cNvPr id="262" name="Circle"/>
               <p:cNvSpPr/>
               <p:nvPr/>
             </p:nvSpPr>
@@ -13368,7 +13131,7 @@
           </p:sp>
           <p:sp>
             <p:nvSpPr>
-              <p:cNvPr id="265" name="Triangle"/>
+              <p:cNvPr id="263" name="Triangle"/>
               <p:cNvSpPr/>
               <p:nvPr/>
             </p:nvSpPr>
@@ -13416,7 +13179,7 @@
           </p:sp>
           <p:sp>
             <p:nvSpPr>
-              <p:cNvPr id="266" name="Circle"/>
+              <p:cNvPr id="264" name="Circle"/>
               <p:cNvSpPr/>
               <p:nvPr/>
             </p:nvSpPr>
@@ -13461,7 +13224,7 @@
           </p:sp>
           <p:sp>
             <p:nvSpPr>
-              <p:cNvPr id="267" name="Triangle"/>
+              <p:cNvPr id="265" name="Triangle"/>
               <p:cNvSpPr/>
               <p:nvPr/>
             </p:nvSpPr>
@@ -13509,7 +13272,7 @@
           </p:sp>
           <p:sp>
             <p:nvSpPr>
-              <p:cNvPr id="268" name="Circle"/>
+              <p:cNvPr id="266" name="Circle"/>
               <p:cNvSpPr/>
               <p:nvPr/>
             </p:nvSpPr>
@@ -13555,7 +13318,7 @@
         </p:grpSp>
         <p:sp>
           <p:nvSpPr>
-            <p:cNvPr id="270" name="Rectangle"/>
+            <p:cNvPr id="268" name="Rectangle"/>
             <p:cNvSpPr/>
             <p:nvPr/>
           </p:nvSpPr>
@@ -13623,7 +13386,7 @@
       </p:grpSp>
       <p:sp>
         <p:nvSpPr>
-          <p:cNvPr id="272" name="wellPanel(dateInput(&quot;a&quot;, &quot;&quot;),…"/>
+          <p:cNvPr id="270" name="wellPanel(dateInput(&quot;a&quot;, &quot;&quot;),…"/>
           <p:cNvSpPr/>
           <p:nvPr/>
         </p:nvSpPr>
@@ -13726,7 +13489,7 @@
       </p:sp>
       <p:sp>
         <p:nvSpPr>
-          <p:cNvPr id="273" name="Reactivity"/>
+          <p:cNvPr id="271" name="Reactivity"/>
           <p:cNvSpPr txBox="1"/>
           <p:nvPr/>
         </p:nvSpPr>
@@ -13774,7 +13537,7 @@
       </p:sp>
       <p:sp>
         <p:nvSpPr>
-          <p:cNvPr id="274" name="Line"/>
+          <p:cNvPr id="272" name="Line"/>
           <p:cNvSpPr/>
           <p:nvPr/>
         </p:nvSpPr>
@@ -13815,7 +13578,7 @@
       </p:sp>
       <p:sp>
         <p:nvSpPr>
-          <p:cNvPr id="275" name="Line"/>
+          <p:cNvPr id="273" name="Line"/>
           <p:cNvSpPr/>
           <p:nvPr/>
         </p:nvSpPr>
@@ -13856,7 +13619,7 @@
       </p:sp>
       <p:sp>
         <p:nvSpPr>
-          <p:cNvPr id="276" name="Line"/>
+          <p:cNvPr id="274" name="Line"/>
           <p:cNvSpPr/>
           <p:nvPr/>
         </p:nvSpPr>
@@ -13897,7 +13660,7 @@
       </p:sp>
       <p:sp>
         <p:nvSpPr>
-          <p:cNvPr id="277" name="RStudio® is a trademark of RStudio, Inc.  •  CC BY SA RStudio •  info@rstudio.com  •  844-448-1212 • rstudio.com •  Learn more at shiny.rstudio.com  •  shiny  0.12.0  •  Updated: 2016-01"/>
+          <p:cNvPr id="275" name="RStudio® is a trademark of RStudio, Inc.  •  CC BY SA RStudio •  info@rstudio.com  •  844-448-1212 • rstudio.com •  Learn more at shiny.rstudio.com  •  shiny  0.12.0  •  Updated: 2016-01"/>
           <p:cNvSpPr txBox="1"/>
           <p:nvPr/>
         </p:nvSpPr>
@@ -13979,7 +13742,7 @@
       </p:sp>
       <p:sp>
         <p:nvSpPr>
-          <p:cNvPr id="278" name="Reactive values work together with reactive functions. Call a reactive value from within the arguments of one of these functions to avoid the error Operation not allowed without an active reactive context."/>
+          <p:cNvPr id="276" name="Reactive values work together with reactive functions. Call a reactive value from within the arguments of one of these functions to avoid the error Operation not allowed without an active reactive context."/>
           <p:cNvSpPr txBox="1"/>
           <p:nvPr/>
         </p:nvSpPr>
@@ -14062,7 +13825,7 @@
       </p:sp>
       <p:sp>
         <p:nvSpPr>
-          <p:cNvPr id="279" name="# example snippets…"/>
+          <p:cNvPr id="277" name="# example snippets…"/>
           <p:cNvSpPr/>
           <p:nvPr/>
         </p:nvSpPr>
@@ -14390,7 +14153,7 @@
       </p:sp>
       <p:sp>
         <p:nvSpPr>
-          <p:cNvPr id="280" name="library(shiny)…"/>
+          <p:cNvPr id="278" name="library(shiny)…"/>
           <p:cNvSpPr/>
           <p:nvPr/>
         </p:nvSpPr>
@@ -14750,7 +14513,7 @@
       </p:sp>
       <p:sp>
         <p:nvSpPr>
-          <p:cNvPr id="281" name="library(shiny)…"/>
+          <p:cNvPr id="279" name="library(shiny)…"/>
           <p:cNvSpPr/>
           <p:nvPr/>
         </p:nvSpPr>
@@ -15126,7 +14889,7 @@
       </p:sp>
       <p:sp>
         <p:nvSpPr>
-          <p:cNvPr id="282" name="library(shiny)…"/>
+          <p:cNvPr id="280" name="library(shiny)…"/>
           <p:cNvSpPr/>
           <p:nvPr/>
         </p:nvSpPr>
@@ -15491,7 +15254,7 @@
       </p:sp>
       <p:sp>
         <p:nvSpPr>
-          <p:cNvPr id="283" name="library(shiny)…"/>
+          <p:cNvPr id="281" name="library(shiny)…"/>
           <p:cNvSpPr/>
           <p:nvPr/>
         </p:nvSpPr>
@@ -15937,7 +15700,7 @@
       </p:sp>
       <p:sp>
         <p:nvSpPr>
-          <p:cNvPr id="284" name="ui &lt;- fluidPage(…"/>
+          <p:cNvPr id="282" name="ui &lt;- fluidPage(…"/>
           <p:cNvSpPr/>
           <p:nvPr/>
         </p:nvSpPr>
@@ -16299,7 +16062,7 @@
       </p:sp>
       <p:sp>
         <p:nvSpPr>
-          <p:cNvPr id="285" name="render*() functions…"/>
+          <p:cNvPr id="283" name="render*() functions…"/>
           <p:cNvSpPr txBox="1"/>
           <p:nvPr/>
         </p:nvSpPr>
@@ -16371,7 +16134,7 @@
       </p:sp>
       <p:sp>
         <p:nvSpPr>
-          <p:cNvPr id="286" name="observeEvent(eventExpr, handlerExpr, event.env, event.quoted, handler.env, handler.quoted, labe, suspended, priority, domain, autoDestroy, ignoreNULL)"/>
+          <p:cNvPr id="284" name="observeEvent(eventExpr, handlerExpr, event.env, event.quoted, handler.env, handler.quoted, labe, suspended, priority, domain, autoDestroy, ignoreNULL)"/>
           <p:cNvSpPr txBox="1"/>
           <p:nvPr/>
         </p:nvSpPr>
@@ -16500,7 +16263,7 @@
       </p:sp>
       <p:sp>
         <p:nvSpPr>
-          <p:cNvPr id="287" name="eventReactive(eventExpr, valueExpr, event.env, event.quoted, value.env, value.quoted, label, domain, ignoreNULL)"/>
+          <p:cNvPr id="285" name="eventReactive(eventExpr, valueExpr, event.env, event.quoted, value.env, value.quoted, label, domain, ignoreNULL)"/>
           <p:cNvSpPr txBox="1"/>
           <p:nvPr/>
         </p:nvSpPr>
@@ -16603,7 +16366,7 @@
       </p:sp>
       <p:sp>
         <p:nvSpPr>
-          <p:cNvPr id="288" name="*Input() functions…"/>
+          <p:cNvPr id="286" name="*Input() functions…"/>
           <p:cNvSpPr txBox="1"/>
           <p:nvPr/>
         </p:nvSpPr>
@@ -16720,7 +16483,7 @@
       </p:sp>
       <p:sp>
         <p:nvSpPr>
-          <p:cNvPr id="289" name="isolate(expr)"/>
+          <p:cNvPr id="287" name="isolate(expr)"/>
           <p:cNvSpPr txBox="1"/>
           <p:nvPr/>
         </p:nvSpPr>
@@ -16786,7 +16549,7 @@
       </p:sp>
       <p:sp>
         <p:nvSpPr>
-          <p:cNvPr id="290" name="reactive(x, env, quoted, label, domain)"/>
+          <p:cNvPr id="288" name="reactive(x, env, quoted, label, domain)"/>
           <p:cNvSpPr txBox="1"/>
           <p:nvPr/>
         </p:nvSpPr>
@@ -16885,7 +16648,7 @@
       </p:sp>
       <p:sp>
         <p:nvSpPr>
-          <p:cNvPr id="291" name="Each input function creates a reactive value stored as input$&lt;inputId&gt;…"/>
+          <p:cNvPr id="289" name="Each input function creates a reactive value stored as input$&lt;inputId&gt;…"/>
           <p:cNvSpPr txBox="1"/>
           <p:nvPr/>
         </p:nvSpPr>
@@ -16973,7 +16736,7 @@
       </p:sp>
       <p:sp>
         <p:nvSpPr>
-          <p:cNvPr id="292" name="Builds an object to display. Will rerun code in body to rebuild the object whenever a reactive value in the code changes.…"/>
+          <p:cNvPr id="290" name="Builds an object to display. Will rerun code in body to rebuild the object whenever a reactive value in the code changes.…"/>
           <p:cNvSpPr txBox="1"/>
           <p:nvPr/>
         </p:nvSpPr>
@@ -17078,7 +16841,7 @@
       </p:sp>
       <p:sp>
         <p:nvSpPr>
-          <p:cNvPr id="293" name="Runs a code block. Returns a non-reactive copy  of the results."/>
+          <p:cNvPr id="291" name="Runs a code block. Returns a non-reactive copy  of the results."/>
           <p:cNvSpPr txBox="1"/>
           <p:nvPr/>
         </p:nvSpPr>
@@ -17140,7 +16903,7 @@
       </p:sp>
       <p:sp>
         <p:nvSpPr>
-          <p:cNvPr id="294" name="Runs code in 2nd argument when reactive values in 1st argument change. See observe() for alternative."/>
+          <p:cNvPr id="292" name="Runs code in 2nd argument when reactive values in 1st argument change. See observe() for alternative."/>
           <p:cNvSpPr txBox="1"/>
           <p:nvPr/>
         </p:nvSpPr>
@@ -17202,7 +16965,7 @@
       </p:sp>
       <p:sp>
         <p:nvSpPr>
-          <p:cNvPr id="295" name="Creates a reactive expression that…"/>
+          <p:cNvPr id="293" name="Creates a reactive expression that…"/>
           <p:cNvSpPr txBox="1"/>
           <p:nvPr/>
         </p:nvSpPr>
@@ -17362,7 +17125,7 @@
       </p:sp>
       <p:sp>
         <p:nvSpPr>
-          <p:cNvPr id="296" name="Creates reactive expression with code in 2nd argument that only invalidates when reactive values in 1st argument change."/>
+          <p:cNvPr id="294" name="Creates reactive expression with code in 2nd argument that only invalidates when reactive values in 1st argument change."/>
           <p:cNvSpPr txBox="1"/>
           <p:nvPr/>
         </p:nvSpPr>
@@ -17419,7 +17182,7 @@
       </p:sp>
       <p:sp>
         <p:nvSpPr>
-          <p:cNvPr id="297" name="CREATE YOUR OWN REACTIVE VALUES"/>
+          <p:cNvPr id="295" name="CREATE YOUR OWN REACTIVE VALUES"/>
           <p:cNvSpPr txBox="1"/>
           <p:nvPr/>
         </p:nvSpPr>
@@ -17455,7 +17218,7 @@
       </p:sp>
       <p:sp>
         <p:nvSpPr>
-          <p:cNvPr id="298" name="PREVENT REACTIONS"/>
+          <p:cNvPr id="296" name="PREVENT REACTIONS"/>
           <p:cNvSpPr txBox="1"/>
           <p:nvPr/>
         </p:nvSpPr>
@@ -17491,7 +17254,7 @@
       </p:sp>
       <p:sp>
         <p:nvSpPr>
-          <p:cNvPr id="299" name="MODULARIZE REACTIONS"/>
+          <p:cNvPr id="297" name="MODULARIZE REACTIONS"/>
           <p:cNvSpPr txBox="1"/>
           <p:nvPr/>
         </p:nvSpPr>
@@ -17527,7 +17290,7 @@
       </p:sp>
       <p:sp>
         <p:nvSpPr>
-          <p:cNvPr id="300" name="RENDER REACTIVE OUTPUT"/>
+          <p:cNvPr id="298" name="RENDER REACTIVE OUTPUT"/>
           <p:cNvSpPr txBox="1"/>
           <p:nvPr/>
         </p:nvSpPr>
@@ -17563,7 +17326,7 @@
       </p:sp>
       <p:sp>
         <p:nvSpPr>
-          <p:cNvPr id="301" name="TRIGGER ARBITRARY CODE"/>
+          <p:cNvPr id="299" name="TRIGGER ARBITRARY CODE"/>
           <p:cNvSpPr txBox="1"/>
           <p:nvPr/>
         </p:nvSpPr>
@@ -17599,7 +17362,7 @@
       </p:sp>
       <p:sp>
         <p:nvSpPr>
-          <p:cNvPr id="302" name="DELAY REACTIONS"/>
+          <p:cNvPr id="300" name="DELAY REACTIONS"/>
           <p:cNvSpPr txBox="1"/>
           <p:nvPr/>
         </p:nvSpPr>
@@ -17635,7 +17398,7 @@
       </p:sp>
       <p:sp>
         <p:nvSpPr>
-          <p:cNvPr id="303" name="UI - An app’s UI is an HTML document."/>
+          <p:cNvPr id="301" name="UI - An app’s UI is an HTML document."/>
           <p:cNvSpPr txBox="1"/>
           <p:nvPr/>
         </p:nvSpPr>
@@ -17687,7 +17450,7 @@
       </p:sp>
       <p:sp>
         <p:nvSpPr>
-          <p:cNvPr id="304" name="Layouts"/>
+          <p:cNvPr id="302" name="Layouts"/>
           <p:cNvSpPr txBox="1"/>
           <p:nvPr/>
         </p:nvSpPr>
@@ -17735,7 +17498,7 @@
       </p:sp>
       <p:sp>
         <p:nvSpPr>
-          <p:cNvPr id="305" name="Line"/>
+          <p:cNvPr id="303" name="Line"/>
           <p:cNvSpPr/>
           <p:nvPr/>
         </p:nvSpPr>
@@ -17776,7 +17539,7 @@
       </p:sp>
       <p:sp>
         <p:nvSpPr>
-          <p:cNvPr id="306" name="Add static HTML elements with tags, a list of functions that parallel common HTML tags, e.g. tags$a(). Unnamed arguments will be passed into the tag; named arguments will become tag attributes."/>
+          <p:cNvPr id="304" name="Add static HTML elements with tags, a list of functions that parallel common HTML tags, e.g. tags$a(). Unnamed arguments will be passed into the tag; named arguments will become tag attributes."/>
           <p:cNvSpPr txBox="1"/>
           <p:nvPr/>
         </p:nvSpPr>
@@ -17869,7 +17632,7 @@
       </p:sp>
       <p:sp>
         <p:nvSpPr>
-          <p:cNvPr id="307" name="Use Shiny’s functions to assemble this HTML with R."/>
+          <p:cNvPr id="305" name="Use Shiny’s functions to assemble this HTML with R."/>
           <p:cNvSpPr txBox="1"/>
           <p:nvPr/>
         </p:nvSpPr>
@@ -17926,21 +17689,21 @@
       </p:sp>
       <p:grpSp>
         <p:nvGrpSpPr>
-          <p:cNvPr id="313" name="Group"/>
+          <p:cNvPr id="311" name="Group"/>
           <p:cNvGrpSpPr/>
           <p:nvPr/>
         </p:nvGrpSpPr>
         <p:grpSpPr>
           <a:xfrm>
-            <a:off x="7093866" y="3194661"/>
-            <a:ext cx="3291255" cy="2730501"/>
+            <a:off x="7093867" y="3194661"/>
+            <a:ext cx="3291254" cy="2730501"/>
             <a:chOff x="0" y="0"/>
             <a:chExt cx="3291253" cy="2730500"/>
           </a:xfrm>
         </p:grpSpPr>
         <p:sp>
           <p:nvSpPr>
-            <p:cNvPr id="308" name="tags$a…"/>
+            <p:cNvPr id="306" name="tags$a…"/>
             <p:cNvSpPr txBox="1"/>
             <p:nvPr/>
           </p:nvSpPr>
@@ -18778,7 +18541,7 @@
         </p:sp>
         <p:sp>
           <p:nvSpPr>
-            <p:cNvPr id="309" name="tags$data…"/>
+            <p:cNvPr id="307" name="tags$data…"/>
             <p:cNvSpPr txBox="1"/>
             <p:nvPr/>
           </p:nvSpPr>
@@ -19613,7 +19376,7 @@
         </p:sp>
         <p:sp>
           <p:nvSpPr>
-            <p:cNvPr id="310" name="tags$h6…"/>
+            <p:cNvPr id="308" name="tags$h6…"/>
             <p:cNvSpPr txBox="1"/>
             <p:nvPr/>
           </p:nvSpPr>
@@ -20445,7 +20208,7 @@
         </p:sp>
         <p:sp>
           <p:nvSpPr>
-            <p:cNvPr id="311" name="tags$nav…"/>
+            <p:cNvPr id="309" name="tags$nav…"/>
             <p:cNvSpPr txBox="1"/>
             <p:nvPr/>
           </p:nvSpPr>
@@ -21305,7 +21068,7 @@
         </p:sp>
         <p:sp>
           <p:nvSpPr>
-            <p:cNvPr id="312" name="tags$span…"/>
+            <p:cNvPr id="310" name="tags$span…"/>
             <p:cNvSpPr txBox="1"/>
             <p:nvPr/>
           </p:nvSpPr>
@@ -22138,7 +21901,7 @@
       </p:grpSp>
       <p:sp>
         <p:nvSpPr>
-          <p:cNvPr id="314" name="fluidPage(…"/>
+          <p:cNvPr id="312" name="fluidPage(…"/>
           <p:cNvSpPr/>
           <p:nvPr/>
         </p:nvSpPr>
@@ -22369,14 +22132,14 @@
       </p:sp>
       <p:sp>
         <p:nvSpPr>
-          <p:cNvPr id="315" name="Line"/>
+          <p:cNvPr id="313" name="Line"/>
           <p:cNvSpPr/>
           <p:nvPr/>
         </p:nvSpPr>
         <p:spPr>
           <a:xfrm>
             <a:off x="8463971" y="1167318"/>
-            <a:ext cx="1080307" cy="337527"/>
+            <a:ext cx="1080307" cy="337525"/>
           </a:xfrm>
           <a:custGeom>
             <a:avLst/>
@@ -22451,7 +22214,7 @@
       </p:sp>
       <p:sp>
         <p:nvSpPr>
-          <p:cNvPr id="316" name="Returns…"/>
+          <p:cNvPr id="314" name="Returns…"/>
           <p:cNvSpPr txBox="1"/>
           <p:nvPr/>
         </p:nvSpPr>
@@ -22525,7 +22288,7 @@
       </p:sp>
       <p:sp>
         <p:nvSpPr>
-          <p:cNvPr id="317" name="The most common tags have wrapper functions. You do not need to prefix their names with tags$"/>
+          <p:cNvPr id="315" name="The most common tags have wrapper functions. You do not need to prefix their names with tags$"/>
           <p:cNvSpPr txBox="1"/>
           <p:nvPr/>
         </p:nvSpPr>
@@ -22584,7 +22347,7 @@
       </p:sp>
       <p:sp>
         <p:nvSpPr>
-          <p:cNvPr id="318" name="To include a CSS file, use includeCSS(), or…"/>
+          <p:cNvPr id="316" name="To include a CSS file, use includeCSS(), or…"/>
           <p:cNvSpPr txBox="1"/>
           <p:nvPr/>
         </p:nvSpPr>
@@ -22693,7 +22456,7 @@
       </p:sp>
       <p:sp>
         <p:nvSpPr>
-          <p:cNvPr id="319" name="To include JavaScript, use includeScript() or…"/>
+          <p:cNvPr id="317" name="To include JavaScript, use includeScript() or…"/>
           <p:cNvSpPr txBox="1"/>
           <p:nvPr/>
         </p:nvSpPr>
@@ -22802,7 +22565,7 @@
       </p:sp>
       <p:sp>
         <p:nvSpPr>
-          <p:cNvPr id="320" name="tags$head(tags$link(rel = &quot;stylesheet&quot;,…"/>
+          <p:cNvPr id="318" name="tags$head(tags$link(rel = &quot;stylesheet&quot;,…"/>
           <p:cNvSpPr txBox="1"/>
           <p:nvPr/>
         </p:nvSpPr>
@@ -22902,7 +22665,7 @@
       </p:sp>
       <p:sp>
         <p:nvSpPr>
-          <p:cNvPr id="321" name="tags$head(tags$script(src = &quot;&lt;file name&gt;&quot;))"/>
+          <p:cNvPr id="319" name="tags$head(tags$script(src = &quot;&lt;file name&gt;&quot;))"/>
           <p:cNvSpPr txBox="1"/>
           <p:nvPr/>
         </p:nvSpPr>
@@ -22963,7 +22726,7 @@
       </p:sp>
       <p:sp>
         <p:nvSpPr>
-          <p:cNvPr id="322" name="To include an image…"/>
+          <p:cNvPr id="320" name="To include an image…"/>
           <p:cNvSpPr txBox="1"/>
           <p:nvPr/>
         </p:nvSpPr>
@@ -23074,7 +22837,7 @@
       </p:sp>
       <p:sp>
         <p:nvSpPr>
-          <p:cNvPr id="323" name="Combine multiple elements into a &quot;single element&quot; that has its own properties with a panel function, e.g."/>
+          <p:cNvPr id="321" name="Combine multiple elements into a &quot;single element&quot; that has its own properties with a panel function, e.g."/>
           <p:cNvSpPr txBox="1"/>
           <p:nvPr/>
         </p:nvSpPr>
@@ -23131,7 +22894,7 @@
       </p:sp>
       <p:grpSp>
         <p:nvGrpSpPr>
-          <p:cNvPr id="332" name="Group"/>
+          <p:cNvPr id="330" name="Group"/>
           <p:cNvGrpSpPr/>
           <p:nvPr/>
         </p:nvGrpSpPr>
@@ -23145,7 +22908,7 @@
         </p:grpSpPr>
         <p:sp>
           <p:nvSpPr>
-            <p:cNvPr id="324" name="fluidRow()"/>
+            <p:cNvPr id="322" name="fluidRow()"/>
             <p:cNvSpPr txBox="1"/>
             <p:nvPr/>
           </p:nvSpPr>
@@ -23199,7 +22962,7 @@
         </p:sp>
         <p:grpSp>
           <p:nvGrpSpPr>
-            <p:cNvPr id="331" name="Group"/>
+            <p:cNvPr id="329" name="Group"/>
             <p:cNvGrpSpPr/>
             <p:nvPr/>
           </p:nvGrpSpPr>
@@ -23213,7 +22976,7 @@
           </p:grpSpPr>
           <p:sp>
             <p:nvSpPr>
-              <p:cNvPr id="325" name="Rounded Rectangle"/>
+              <p:cNvPr id="323" name="Rounded Rectangle"/>
               <p:cNvSpPr/>
               <p:nvPr/>
             </p:nvSpPr>
@@ -23263,7 +23026,7 @@
           </p:sp>
           <p:sp>
             <p:nvSpPr>
-              <p:cNvPr id="326" name="Rounded Rectangle"/>
+              <p:cNvPr id="324" name="Rounded Rectangle"/>
               <p:cNvSpPr/>
               <p:nvPr/>
             </p:nvSpPr>
@@ -23310,7 +23073,7 @@
           </p:sp>
           <p:sp>
             <p:nvSpPr>
-              <p:cNvPr id="327" name="row"/>
+              <p:cNvPr id="325" name="row"/>
               <p:cNvSpPr/>
               <p:nvPr/>
             </p:nvSpPr>
@@ -23367,7 +23130,7 @@
           </p:sp>
           <p:sp>
             <p:nvSpPr>
-              <p:cNvPr id="328" name="column"/>
+              <p:cNvPr id="326" name="column"/>
               <p:cNvSpPr/>
               <p:nvPr/>
             </p:nvSpPr>
@@ -23424,7 +23187,7 @@
           </p:sp>
           <p:sp>
             <p:nvSpPr>
-              <p:cNvPr id="329" name="column"/>
+              <p:cNvPr id="327" name="column"/>
               <p:cNvSpPr/>
               <p:nvPr/>
             </p:nvSpPr>
@@ -23481,7 +23244,7 @@
           </p:sp>
           <p:sp>
             <p:nvSpPr>
-              <p:cNvPr id="330" name="col"/>
+              <p:cNvPr id="328" name="col"/>
               <p:cNvSpPr/>
               <p:nvPr/>
             </p:nvSpPr>
@@ -23540,7 +23303,7 @@
       </p:grpSp>
       <p:grpSp>
         <p:nvGrpSpPr>
-          <p:cNvPr id="342" name="Group"/>
+          <p:cNvPr id="340" name="Group"/>
           <p:cNvGrpSpPr/>
           <p:nvPr/>
         </p:nvGrpSpPr>
@@ -23554,7 +23317,7 @@
         </p:grpSpPr>
         <p:sp>
           <p:nvSpPr>
-            <p:cNvPr id="333" name="flowLayout()"/>
+            <p:cNvPr id="331" name="flowLayout()"/>
             <p:cNvSpPr txBox="1"/>
             <p:nvPr/>
           </p:nvSpPr>
@@ -23608,7 +23371,7 @@
         </p:sp>
         <p:grpSp>
           <p:nvGrpSpPr>
-            <p:cNvPr id="341" name="Group"/>
+            <p:cNvPr id="339" name="Group"/>
             <p:cNvGrpSpPr/>
             <p:nvPr/>
           </p:nvGrpSpPr>
@@ -23622,7 +23385,7 @@
           </p:grpSpPr>
           <p:sp>
             <p:nvSpPr>
-              <p:cNvPr id="334" name="Rounded Rectangle"/>
+              <p:cNvPr id="332" name="Rounded Rectangle"/>
               <p:cNvSpPr/>
               <p:nvPr/>
             </p:nvSpPr>
@@ -23674,7 +23437,7 @@
           </p:sp>
           <p:sp>
             <p:nvSpPr>
-              <p:cNvPr id="335" name="Rounded Rectangle"/>
+              <p:cNvPr id="333" name="Rounded Rectangle"/>
               <p:cNvSpPr/>
               <p:nvPr/>
             </p:nvSpPr>
@@ -23724,7 +23487,7 @@
           </p:sp>
           <p:sp>
             <p:nvSpPr>
-              <p:cNvPr id="336" name="object 1"/>
+              <p:cNvPr id="334" name="object 1"/>
               <p:cNvSpPr/>
               <p:nvPr/>
             </p:nvSpPr>
@@ -23781,7 +23544,7 @@
           </p:sp>
           <p:sp>
             <p:nvSpPr>
-              <p:cNvPr id="337" name="object 2"/>
+              <p:cNvPr id="335" name="object 2"/>
               <p:cNvSpPr/>
               <p:nvPr/>
             </p:nvSpPr>
@@ -23838,7 +23601,7 @@
           </p:sp>
           <p:sp>
             <p:nvSpPr>
-              <p:cNvPr id="338" name="object 3"/>
+              <p:cNvPr id="336" name="object 3"/>
               <p:cNvSpPr/>
               <p:nvPr/>
             </p:nvSpPr>
@@ -23900,7 +23663,7 @@
           </p:sp>
           <p:sp>
             <p:nvSpPr>
-              <p:cNvPr id="339" name="object 3"/>
+              <p:cNvPr id="337" name="object 3"/>
               <p:cNvSpPr/>
               <p:nvPr/>
             </p:nvSpPr>
@@ -23957,10 +23720,10 @@
           </p:sp>
           <p:cxnSp>
             <p:nvCxnSpPr>
-              <p:cNvPr id="340" name="Connection Line"/>
+              <p:cNvPr id="338" name="Connection Line"/>
               <p:cNvCxnSpPr>
-                <a:stCxn id="339" idx="0"/>
-                <a:endCxn id="338" idx="0"/>
+                <a:stCxn id="337" idx="0"/>
+                <a:endCxn id="336" idx="0"/>
               </p:cNvCxnSpPr>
               <p:nvPr/>
             </p:nvCxnSpPr>
@@ -23988,7 +23751,7 @@
       </p:grpSp>
       <p:grpSp>
         <p:nvGrpSpPr>
-          <p:cNvPr id="348" name="Group"/>
+          <p:cNvPr id="346" name="Group"/>
           <p:cNvGrpSpPr/>
           <p:nvPr/>
         </p:nvGrpSpPr>
@@ -24002,7 +23765,7 @@
         </p:grpSpPr>
         <p:sp>
           <p:nvSpPr>
-            <p:cNvPr id="343" name="splitLayout()"/>
+            <p:cNvPr id="341" name="splitLayout()"/>
             <p:cNvSpPr txBox="1"/>
             <p:nvPr/>
           </p:nvSpPr>
@@ -24056,7 +23819,7 @@
         </p:sp>
         <p:grpSp>
           <p:nvGrpSpPr>
-            <p:cNvPr id="347" name="Group"/>
+            <p:cNvPr id="345" name="Group"/>
             <p:cNvGrpSpPr/>
             <p:nvPr/>
           </p:nvGrpSpPr>
@@ -24070,7 +23833,7 @@
           </p:grpSpPr>
           <p:sp>
             <p:nvSpPr>
-              <p:cNvPr id="344" name="Rounded Rectangle"/>
+              <p:cNvPr id="342" name="Rounded Rectangle"/>
               <p:cNvSpPr/>
               <p:nvPr/>
             </p:nvSpPr>
@@ -24120,7 +23883,7 @@
           </p:sp>
           <p:sp>
             <p:nvSpPr>
-              <p:cNvPr id="345" name="object 1"/>
+              <p:cNvPr id="343" name="object 1"/>
               <p:cNvSpPr/>
               <p:nvPr/>
             </p:nvSpPr>
@@ -24177,7 +23940,7 @@
           </p:sp>
           <p:sp>
             <p:nvSpPr>
-              <p:cNvPr id="346" name="object 2"/>
+              <p:cNvPr id="344" name="object 2"/>
               <p:cNvSpPr/>
               <p:nvPr/>
             </p:nvSpPr>
@@ -24236,7 +23999,7 @@
       </p:grpSp>
       <p:sp>
         <p:nvSpPr>
-          <p:cNvPr id="349" name="Organize panels and elements into a layout with a layout function. Add elements as arguments of the…"/>
+          <p:cNvPr id="347" name="Organize panels and elements into a layout with a layout function. Add elements as arguments of the…"/>
           <p:cNvSpPr txBox="1"/>
           <p:nvPr/>
         </p:nvSpPr>
@@ -24320,7 +24083,7 @@
       </p:sp>
       <p:sp>
         <p:nvSpPr>
-          <p:cNvPr id="350" name="Layer tabPanels on top of each other, and navigate between them, with:"/>
+          <p:cNvPr id="348" name="Layer tabPanels on top of each other, and navigate between them, with:"/>
           <p:cNvSpPr txBox="1"/>
           <p:nvPr/>
         </p:nvSpPr>
@@ -24377,7 +24140,7 @@
       </p:sp>
       <p:sp>
         <p:nvSpPr>
-          <p:cNvPr id="351" name="Arrow"/>
+          <p:cNvPr id="349" name="Arrow"/>
           <p:cNvSpPr/>
           <p:nvPr/>
         </p:nvSpPr>
@@ -24425,7 +24188,7 @@
       </p:sp>
       <p:grpSp>
         <p:nvGrpSpPr>
-          <p:cNvPr id="357" name="Group"/>
+          <p:cNvPr id="355" name="Group"/>
           <p:cNvGrpSpPr/>
           <p:nvPr/>
         </p:nvGrpSpPr>
@@ -24439,7 +24202,7 @@
         </p:grpSpPr>
         <p:grpSp>
           <p:nvGrpSpPr>
-            <p:cNvPr id="355" name="Group"/>
+            <p:cNvPr id="353" name="Group"/>
             <p:cNvGrpSpPr/>
             <p:nvPr/>
           </p:nvGrpSpPr>
@@ -24453,7 +24216,7 @@
           </p:grpSpPr>
           <p:sp>
             <p:nvSpPr>
-              <p:cNvPr id="352" name="Rounded Rectangle"/>
+              <p:cNvPr id="350" name="Rounded Rectangle"/>
               <p:cNvSpPr/>
               <p:nvPr/>
             </p:nvSpPr>
@@ -24503,7 +24266,7 @@
           </p:sp>
           <p:sp>
             <p:nvSpPr>
-              <p:cNvPr id="353" name="side…"/>
+              <p:cNvPr id="351" name="side…"/>
               <p:cNvSpPr/>
               <p:nvPr/>
             </p:nvSpPr>
@@ -24576,7 +24339,7 @@
           </p:sp>
           <p:sp>
             <p:nvSpPr>
-              <p:cNvPr id="354" name="main…"/>
+              <p:cNvPr id="352" name="main…"/>
               <p:cNvSpPr/>
               <p:nvPr/>
             </p:nvSpPr>
@@ -24650,7 +24413,7 @@
         </p:grpSp>
         <p:sp>
           <p:nvSpPr>
-            <p:cNvPr id="356" name="sidebarLayout()"/>
+            <p:cNvPr id="354" name="sidebarLayout()"/>
             <p:cNvSpPr txBox="1"/>
             <p:nvPr/>
           </p:nvSpPr>
@@ -24705,7 +24468,7 @@
       </p:grpSp>
       <p:grpSp>
         <p:nvGrpSpPr>
-          <p:cNvPr id="363" name="Group"/>
+          <p:cNvPr id="361" name="Group"/>
           <p:cNvGrpSpPr/>
           <p:nvPr/>
         </p:nvGrpSpPr>
@@ -24719,7 +24482,7 @@
         </p:grpSpPr>
         <p:sp>
           <p:nvSpPr>
-            <p:cNvPr id="358" name="verticalLayout()"/>
+            <p:cNvPr id="356" name="verticalLayout()"/>
             <p:cNvSpPr txBox="1"/>
             <p:nvPr/>
           </p:nvSpPr>
@@ -24773,7 +24536,7 @@
         </p:sp>
         <p:sp>
           <p:nvSpPr>
-            <p:cNvPr id="359" name="Rounded Rectangle"/>
+            <p:cNvPr id="357" name="Rounded Rectangle"/>
             <p:cNvSpPr/>
             <p:nvPr/>
           </p:nvSpPr>
@@ -24823,7 +24586,7 @@
         </p:sp>
         <p:sp>
           <p:nvSpPr>
-            <p:cNvPr id="360" name="object 1"/>
+            <p:cNvPr id="358" name="object 1"/>
             <p:cNvSpPr/>
             <p:nvPr/>
           </p:nvSpPr>
@@ -24880,7 +24643,7 @@
         </p:sp>
         <p:sp>
           <p:nvSpPr>
-            <p:cNvPr id="361" name="object 2"/>
+            <p:cNvPr id="359" name="object 2"/>
             <p:cNvSpPr/>
             <p:nvPr/>
           </p:nvSpPr>
@@ -24937,7 +24700,7 @@
         </p:sp>
         <p:sp>
           <p:nvSpPr>
-            <p:cNvPr id="362" name="object 3"/>
+            <p:cNvPr id="360" name="object 3"/>
             <p:cNvSpPr/>
             <p:nvPr/>
           </p:nvSpPr>
@@ -24995,7 +24758,7 @@
       </p:grpSp>
       <p:sp>
         <p:nvSpPr>
-          <p:cNvPr id="364" name="ui &lt;- fluidPage(…"/>
+          <p:cNvPr id="362" name="ui &lt;- fluidPage(…"/>
           <p:cNvSpPr txBox="1"/>
           <p:nvPr/>
         </p:nvSpPr>
@@ -25204,7 +24967,7 @@
       </p:sp>
       <p:sp>
         <p:nvSpPr>
-          <p:cNvPr id="365" name="ui &lt;- fluidPage(…"/>
+          <p:cNvPr id="363" name="ui &lt;- fluidPage(…"/>
           <p:cNvSpPr txBox="1"/>
           <p:nvPr/>
         </p:nvSpPr>
@@ -25387,7 +25150,7 @@
       </p:sp>
       <p:sp>
         <p:nvSpPr>
-          <p:cNvPr id="366" name="ui &lt;- fluidPage(…"/>
+          <p:cNvPr id="364" name="ui &lt;- fluidPage(…"/>
           <p:cNvSpPr txBox="1"/>
           <p:nvPr/>
         </p:nvSpPr>
@@ -25549,7 +25312,7 @@
       </p:sp>
       <p:sp>
         <p:nvSpPr>
-          <p:cNvPr id="367" name="ui &lt;- fluidPage(…"/>
+          <p:cNvPr id="365" name="ui &lt;- fluidPage(…"/>
           <p:cNvSpPr txBox="1"/>
           <p:nvPr/>
         </p:nvSpPr>
@@ -25710,7 +25473,7 @@
       </p:sp>
       <p:sp>
         <p:nvSpPr>
-          <p:cNvPr id="368" name="ui &lt;- fluidPage(…"/>
+          <p:cNvPr id="366" name="ui &lt;- fluidPage(…"/>
           <p:cNvSpPr txBox="1"/>
           <p:nvPr/>
         </p:nvSpPr>
@@ -25893,7 +25656,7 @@
       </p:sp>
       <p:grpSp>
         <p:nvGrpSpPr>
-          <p:cNvPr id="373" name="Group"/>
+          <p:cNvPr id="371" name="Group"/>
           <p:cNvGrpSpPr/>
           <p:nvPr/>
         </p:nvGrpSpPr>
@@ -25901,19 +25664,19 @@
           <a:xfrm>
             <a:off x="12862964" y="7965490"/>
             <a:ext cx="409110" cy="446962"/>
-            <a:chOff x="0" y="112739"/>
+            <a:chOff x="0" y="0"/>
             <a:chExt cx="409108" cy="446960"/>
           </a:xfrm>
         </p:grpSpPr>
         <p:sp>
           <p:nvSpPr>
-            <p:cNvPr id="369" name="Shape"/>
+            <p:cNvPr id="367" name="Shape"/>
             <p:cNvSpPr/>
             <p:nvPr/>
           </p:nvSpPr>
           <p:spPr>
             <a:xfrm>
-              <a:off x="0" y="112739"/>
+              <a:off x="0" y="0"/>
               <a:ext cx="282876" cy="445006"/>
             </a:xfrm>
             <a:custGeom>
@@ -26003,13 +25766,13 @@
         </p:sp>
         <p:sp>
           <p:nvSpPr>
-            <p:cNvPr id="370" name="Shape"/>
+            <p:cNvPr id="368" name="Shape"/>
             <p:cNvSpPr/>
             <p:nvPr/>
           </p:nvSpPr>
           <p:spPr>
             <a:xfrm>
-              <a:off x="56062" y="225248"/>
+              <a:off x="56062" y="112508"/>
               <a:ext cx="211671" cy="334453"/>
             </a:xfrm>
             <a:custGeom>
@@ -26099,13 +25862,13 @@
         </p:sp>
         <p:sp>
           <p:nvSpPr>
-            <p:cNvPr id="371" name="Shape"/>
+            <p:cNvPr id="369" name="Shape"/>
             <p:cNvSpPr/>
             <p:nvPr/>
           </p:nvSpPr>
           <p:spPr>
             <a:xfrm>
-              <a:off x="126085" y="225248"/>
+              <a:off x="126085" y="112508"/>
               <a:ext cx="211671" cy="334453"/>
             </a:xfrm>
             <a:custGeom>
@@ -26195,13 +25958,13 @@
         </p:sp>
         <p:sp>
           <p:nvSpPr>
-            <p:cNvPr id="372" name="Shape"/>
+            <p:cNvPr id="370" name="Shape"/>
             <p:cNvSpPr/>
             <p:nvPr/>
           </p:nvSpPr>
           <p:spPr>
             <a:xfrm>
-              <a:off x="197439" y="225248"/>
+              <a:off x="197439" y="112508"/>
               <a:ext cx="211670" cy="334453"/>
             </a:xfrm>
             <a:custGeom>
@@ -26292,7 +26055,7 @@
       </p:grpSp>
       <p:sp>
         <p:nvSpPr>
-          <p:cNvPr id="374" name="ui &lt;- fluidPage( tabsetPanel(…"/>
+          <p:cNvPr id="372" name="ui &lt;- fluidPage( tabsetPanel(…"/>
           <p:cNvSpPr txBox="1"/>
           <p:nvPr/>
         </p:nvSpPr>
@@ -26446,7 +26209,7 @@
       </p:sp>
       <p:sp>
         <p:nvSpPr>
-          <p:cNvPr id="375" name="ui &lt;- fluidPage( navlistPanel(…"/>
+          <p:cNvPr id="373" name="ui &lt;- fluidPage( navlistPanel(…"/>
           <p:cNvSpPr txBox="1"/>
           <p:nvPr/>
         </p:nvSpPr>
@@ -26600,7 +26363,7 @@
       </p:sp>
       <p:sp>
         <p:nvSpPr>
-          <p:cNvPr id="376" name="ui &lt;- navbarPage(title = &quot;Page&quot;,…"/>
+          <p:cNvPr id="374" name="ui &lt;- navbarPage(title = &quot;Page&quot;,…"/>
           <p:cNvSpPr txBox="1"/>
           <p:nvPr/>
         </p:nvSpPr>
@@ -26754,7 +26517,7 @@
       </p:sp>
       <p:sp>
         <p:nvSpPr>
-          <p:cNvPr id="377" name="absolutePanel()…"/>
+          <p:cNvPr id="375" name="absolutePanel()…"/>
           <p:cNvSpPr txBox="1"/>
           <p:nvPr/>
         </p:nvSpPr>
@@ -27223,7 +26986,7 @@
       </p:sp>
       <p:pic>
         <p:nvPicPr>
-          <p:cNvPr id="378" name="Image" descr="Image"/>
+          <p:cNvPr id="376" name="Image" descr="Image"/>
           <p:cNvPicPr>
             <a:picLocks noChangeAspect="1"/>
           </p:cNvPicPr>
@@ -27252,7 +27015,7 @@
       </p:pic>
       <p:pic>
         <p:nvPicPr>
-          <p:cNvPr id="379" name="shiny-flow.png" descr="shiny-flow.png"/>
+          <p:cNvPr id="377" name="shiny-flow.png" descr="shiny-flow.png"/>
           <p:cNvPicPr>
             <a:picLocks noChangeAspect="1"/>
           </p:cNvPicPr>
@@ -27281,7 +27044,7 @@
       </p:pic>
       <p:pic>
         <p:nvPicPr>
-          <p:cNvPr id="380" name="Image" descr="Image"/>
+          <p:cNvPr id="378" name="Image" descr="Image"/>
           <p:cNvPicPr>
             <a:picLocks noChangeAspect="1"/>
           </p:cNvPicPr>
@@ -27311,7 +27074,7 @@
       </p:pic>
       <p:pic>
         <p:nvPicPr>
-          <p:cNvPr id="381" name="Image" descr="Image"/>
+          <p:cNvPr id="379" name="Image" descr="Image"/>
           <p:cNvPicPr>
             <a:picLocks noChangeAspect="1"/>
           </p:cNvPicPr>
@@ -27341,7 +27104,7 @@
       </p:pic>
       <p:pic>
         <p:nvPicPr>
-          <p:cNvPr id="382" name="Image" descr="Image"/>
+          <p:cNvPr id="380" name="Image" descr="Image"/>
           <p:cNvPicPr>
             <a:picLocks noChangeAspect="1"/>
           </p:cNvPicPr>
@@ -27371,7 +27134,7 @@
       </p:pic>
       <p:grpSp>
         <p:nvGrpSpPr>
-          <p:cNvPr id="385" name="Group"/>
+          <p:cNvPr id="383" name="Group"/>
           <p:cNvGrpSpPr/>
           <p:nvPr/>
         </p:nvGrpSpPr>
@@ -27385,7 +27148,7 @@
         </p:grpSpPr>
         <p:pic>
           <p:nvPicPr>
-            <p:cNvPr id="383" name="RStudio-Logo-Black-Letters.png" descr="RStudio-Logo-Black-Letters.png"/>
+            <p:cNvPr id="381" name="RStudio-Logo-Black-Letters.png" descr="RStudio-Logo-Black-Letters.png"/>
             <p:cNvPicPr>
               <a:picLocks noChangeAspect="1"/>
             </p:cNvPicPr>
@@ -27417,7 +27180,7 @@
         </p:pic>
         <p:sp>
           <p:nvSpPr>
-            <p:cNvPr id="384" name="IMAGES"/>
+            <p:cNvPr id="382" name="IMAGES"/>
             <p:cNvSpPr txBox="1"/>
             <p:nvPr/>
           </p:nvSpPr>
@@ -27472,7 +27235,7 @@
       </p:grpSp>
       <p:grpSp>
         <p:nvGrpSpPr>
-          <p:cNvPr id="389" name="Group"/>
+          <p:cNvPr id="387" name="Group"/>
           <p:cNvGrpSpPr/>
           <p:nvPr/>
         </p:nvGrpSpPr>
@@ -27486,7 +27249,7 @@
         </p:grpSpPr>
         <p:sp>
           <p:nvSpPr>
-            <p:cNvPr id="386" name="ui &lt;- fluidPage(…"/>
+            <p:cNvPr id="384" name="ui &lt;- fluidPage(…"/>
             <p:cNvSpPr/>
             <p:nvPr/>
           </p:nvSpPr>
@@ -27855,7 +27618,7 @@
         </p:sp>
         <p:pic>
           <p:nvPicPr>
-            <p:cNvPr id="387" name="Screen Shot 2015-06-10 at 9.31.46 AM.png" descr="Screen Shot 2015-06-10 at 9.31.46 AM.png"/>
+            <p:cNvPr id="385" name="Screen Shot 2015-06-10 at 9.31.46 AM.png" descr="Screen Shot 2015-06-10 at 9.31.46 AM.png"/>
             <p:cNvPicPr>
               <a:picLocks noChangeAspect="1"/>
             </p:cNvPicPr>
@@ -27889,7 +27652,7 @@
         </p:pic>
         <p:sp>
           <p:nvSpPr>
-            <p:cNvPr id="388" name="Arrow"/>
+            <p:cNvPr id="386" name="Arrow"/>
             <p:cNvSpPr/>
             <p:nvPr/>
           </p:nvSpPr>
@@ -27942,7 +27705,7 @@
       </p:grpSp>
       <p:pic>
         <p:nvPicPr>
-          <p:cNvPr id="390" name="Screen Shot 2015-06-10 at 4.17.52 PM.png" descr="Screen Shot 2015-06-10 at 4.17.52 PM.png"/>
+          <p:cNvPr id="388" name="Screen Shot 2015-06-10 at 4.17.52 PM.png" descr="Screen Shot 2015-06-10 at 4.17.52 PM.png"/>
           <p:cNvPicPr>
             <a:picLocks noChangeAspect="1"/>
           </p:cNvPicPr>
@@ -27971,7 +27734,7 @@
       </p:pic>
       <p:pic>
         <p:nvPicPr>
-          <p:cNvPr id="391" name="shiny.png" descr="shiny.png"/>
+          <p:cNvPr id="389" name="shiny.png" descr="shiny.png"/>
           <p:cNvPicPr>
             <a:picLocks noChangeAspect="1"/>
           </p:cNvPicPr>
@@ -28000,7 +27763,7 @@
       </p:pic>
       <p:sp>
         <p:nvSpPr>
-          <p:cNvPr id="392" name="Rectangle"/>
+          <p:cNvPr id="390" name="Rectangle"/>
           <p:cNvSpPr/>
           <p:nvPr/>
         </p:nvSpPr>
@@ -28048,7 +27811,7 @@
       </p:sp>
       <p:pic>
         <p:nvPicPr>
-          <p:cNvPr id="393" name="Screen Shot 2015-06-10 at 5.27.03 PM.png" descr="Screen Shot 2015-06-10 at 5.27.03 PM.png"/>
+          <p:cNvPr id="391" name="Screen Shot 2015-06-10 at 5.27.03 PM.png" descr="Screen Shot 2015-06-10 at 5.27.03 PM.png"/>
           <p:cNvPicPr>
             <a:picLocks noChangeAspect="1"/>
           </p:cNvPicPr>
@@ -28087,7 +27850,7 @@
       </p:pic>
       <p:pic>
         <p:nvPicPr>
-          <p:cNvPr id="394" name="Screen Shot 2015-06-10 at 5.27.26 PM.png" descr="Screen Shot 2015-06-10 at 5.27.26 PM.png"/>
+          <p:cNvPr id="392" name="Screen Shot 2015-06-10 at 5.27.26 PM.png" descr="Screen Shot 2015-06-10 at 5.27.26 PM.png"/>
           <p:cNvPicPr>
             <a:picLocks noChangeAspect="1"/>
           </p:cNvPicPr>
@@ -28116,7 +27879,7 @@
       </p:pic>
       <p:pic>
         <p:nvPicPr>
-          <p:cNvPr id="395" name="Screen Shot 2015-06-10 at 5.28.02 PM.png" descr="Screen Shot 2015-06-10 at 5.28.02 PM.png"/>
+          <p:cNvPr id="393" name="Screen Shot 2015-06-10 at 5.28.02 PM.png" descr="Screen Shot 2015-06-10 at 5.28.02 PM.png"/>
           <p:cNvPicPr>
             <a:picLocks noChangeAspect="0"/>
           </p:cNvPicPr>
@@ -28155,7 +27918,7 @@
       </p:pic>
       <p:pic>
         <p:nvPicPr>
-          <p:cNvPr id="396" name="Screen Shot 2015-06-10 at 5.28.02 PM.png" descr="Screen Shot 2015-06-10 at 5.28.02 PM.png"/>
+          <p:cNvPr id="394" name="Screen Shot 2015-06-10 at 5.28.02 PM.png" descr="Screen Shot 2015-06-10 at 5.28.02 PM.png"/>
           <p:cNvPicPr>
             <a:picLocks noChangeAspect="0"/>
           </p:cNvPicPr>
@@ -28174,6 +27937,542 @@
           <a:xfrm>
             <a:off x="13023712" y="9130280"/>
             <a:ext cx="265017" cy="354574"/>
+          </a:xfrm>
+          <a:prstGeom prst="rect">
+            <a:avLst/>
+          </a:prstGeom>
+          <a:ln w="12700">
+            <a:miter lim="400000"/>
+          </a:ln>
+        </p:spPr>
+      </p:pic>
+    </p:spTree>
+  </p:cSld>
+  <p:clrMapOvr>
+    <a:masterClrMapping/>
+  </p:clrMapOvr>
+  <p:transition xmlns:p14="http://schemas.microsoft.com/office/powerpoint/2010/main" spd="med" advClick="1"/>
+</p:sld>
+</file>
+
+<file path=ppt/slides/slide3.xml><?xml version="1.0" encoding="utf-8"?>
+<p:sld xmlns:a="http://schemas.openxmlformats.org/drawingml/2006/main" xmlns:r="http://schemas.openxmlformats.org/officeDocument/2006/relationships" xmlns:p="http://schemas.openxmlformats.org/presentationml/2006/main" xmlns:m="http://schemas.openxmlformats.org/officeDocument/2006/math" xmlns:a14="http://schemas.microsoft.com/office/drawing/2010/main" show="0" showMasterSp="1" showMasterPhAnim="1">
+  <p:cSld>
+    <p:spTree>
+      <p:nvGrpSpPr>
+        <p:cNvPr id="1" name=""/>
+        <p:cNvGrpSpPr/>
+        <p:nvPr/>
+      </p:nvGrpSpPr>
+      <p:grpSpPr>
+        <a:xfrm>
+          <a:off x="0" y="0"/>
+          <a:ext cx="0" cy="0"/>
+          <a:chOff x="0" y="0"/>
+          <a:chExt cx="0" cy="0"/>
+        </a:xfrm>
+      </p:grpSpPr>
+      <p:pic>
+        <p:nvPicPr>
+          <p:cNvPr id="396" name="Screen Shot 2019-08-07 at 11.55.00 AM.png" descr="Screen Shot 2019-08-07 at 11.55.00 AM.png"/>
+          <p:cNvPicPr>
+            <a:picLocks noChangeAspect="1"/>
+          </p:cNvPicPr>
+          <p:nvPr/>
+        </p:nvPicPr>
+        <p:blipFill>
+          <a:blip r:embed="rId2">
+            <a:extLst/>
+          </a:blip>
+          <a:stretch>
+            <a:fillRect/>
+          </a:stretch>
+        </p:blipFill>
+        <p:spPr>
+          <a:xfrm>
+            <a:off x="5296321" y="8640287"/>
+            <a:ext cx="483155" cy="338209"/>
+          </a:xfrm>
+          <a:prstGeom prst="rect">
+            <a:avLst/>
+          </a:prstGeom>
+          <a:ln w="12700">
+            <a:miter lim="400000"/>
+          </a:ln>
+        </p:spPr>
+      </p:pic>
+      <p:sp>
+        <p:nvSpPr>
+          <p:cNvPr id="397" name="Build or purchase your own Shiny Server…"/>
+          <p:cNvSpPr txBox="1"/>
+          <p:nvPr/>
+        </p:nvSpPr>
+        <p:spPr>
+          <a:xfrm>
+            <a:off x="397463" y="9457707"/>
+            <a:ext cx="2835556" cy="496492"/>
+          </a:xfrm>
+          <a:prstGeom prst="rect">
+            <a:avLst/>
+          </a:prstGeom>
+          <a:ln w="12700">
+            <a:miter lim="400000"/>
+          </a:ln>
+          <a:extLst>
+            <a:ext uri="{C572A759-6A51-4108-AA02-DFA0A04FC94B}">
+              <ma14:wrappingTextBoxFlag xmlns:ma14="http://schemas.microsoft.com/office/mac/drawingml/2011/main" val="1"/>
+            </a:ext>
+          </a:extLst>
+        </p:spPr>
+        <p:txBody>
+          <a:bodyPr lIns="54570" tIns="54570" rIns="54570" bIns="54570" anchor="ctr">
+            <a:spAutoFit/>
+          </a:bodyPr>
+          <a:lstStyle/>
+          <a:p>
+            <a:pPr algn="r">
+              <a:lnSpc>
+                <a:spcPct val="90000"/>
+              </a:lnSpc>
+              <a:spcBef>
+                <a:spcPts val="300"/>
+              </a:spcBef>
+              <a:buClr>
+                <a:schemeClr val="accent4">
+                  <a:hueOff val="384618"/>
+                  <a:satOff val="3869"/>
+                  <a:lumOff val="5802"/>
+                </a:schemeClr>
+              </a:buClr>
+              <a:defRPr b="0">
+                <a:solidFill>
+                  <a:schemeClr val="accent1">
+                    <a:satOff val="22051"/>
+                    <a:lumOff val="15940"/>
+                  </a:schemeClr>
+                </a:solidFill>
+                <a:latin typeface="+mj-lt"/>
+                <a:ea typeface="+mj-ea"/>
+                <a:cs typeface="+mj-cs"/>
+                <a:sym typeface="Source Sans Pro Light"/>
+              </a:defRPr>
+            </a:pPr>
+            <a:r>
+              <a:rPr b="1">
+                <a:latin typeface="+mn-lt"/>
+                <a:ea typeface="+mn-ea"/>
+                <a:cs typeface="+mn-cs"/>
+                <a:sym typeface="Source Sans Pro"/>
+              </a:rPr>
+              <a:t>Build or purchase your own Shiny Server</a:t>
+            </a:r>
+            <a:r>
+              <a:t> </a:t>
+            </a:r>
+          </a:p>
+          <a:p>
+            <a:pPr algn="r">
+              <a:lnSpc>
+                <a:spcPct val="90000"/>
+              </a:lnSpc>
+              <a:spcBef>
+                <a:spcPts val="300"/>
+              </a:spcBef>
+              <a:buClr>
+                <a:schemeClr val="accent4">
+                  <a:hueOff val="384618"/>
+                  <a:satOff val="3869"/>
+                  <a:lumOff val="5802"/>
+                </a:schemeClr>
+              </a:buClr>
+              <a:defRPr b="0" sz="1100">
+                <a:solidFill>
+                  <a:srgbClr val="000000"/>
+                </a:solidFill>
+                <a:latin typeface="+mj-lt"/>
+                <a:ea typeface="+mj-ea"/>
+                <a:cs typeface="+mj-cs"/>
+                <a:sym typeface="Source Sans Pro Light"/>
+              </a:defRPr>
+            </a:pPr>
+            <a:r>
+              <a:t>at </a:t>
+            </a:r>
+            <a:r>
+              <a:rPr u="sng">
+                <a:hlinkClick r:id="rId3" invalidUrl="" action="" tgtFrame="" tooltip="" history="1" highlightClick="0" endSnd="0"/>
+              </a:rPr>
+              <a:t>www.rstudio.com/products/shiny-server/</a:t>
+            </a:r>
+          </a:p>
+        </p:txBody>
+      </p:sp>
+      <p:sp>
+        <p:nvSpPr>
+          <p:cNvPr id="398" name="The easiest way to share your app is to host it on shinyapps.io, a cloud based service from RStudio"/>
+          <p:cNvSpPr txBox="1"/>
+          <p:nvPr/>
+        </p:nvSpPr>
+        <p:spPr>
+          <a:xfrm>
+            <a:off x="1174331" y="7464042"/>
+            <a:ext cx="2247446" cy="642541"/>
+          </a:xfrm>
+          <a:prstGeom prst="rect">
+            <a:avLst/>
+          </a:prstGeom>
+          <a:ln w="12700">
+            <a:miter lim="400000"/>
+          </a:ln>
+          <a:extLst>
+            <a:ext uri="{C572A759-6A51-4108-AA02-DFA0A04FC94B}">
+              <ma14:wrappingTextBoxFlag xmlns:ma14="http://schemas.microsoft.com/office/mac/drawingml/2011/main" val="1"/>
+            </a:ext>
+          </a:extLst>
+        </p:spPr>
+        <p:txBody>
+          <a:bodyPr lIns="54570" tIns="54570" rIns="54570" bIns="54570" anchor="ctr">
+            <a:spAutoFit/>
+          </a:bodyPr>
+          <a:lstStyle>
+            <a:lvl1pPr>
+              <a:lnSpc>
+                <a:spcPct val="90000"/>
+              </a:lnSpc>
+              <a:spcBef>
+                <a:spcPts val="300"/>
+              </a:spcBef>
+              <a:buClr>
+                <a:schemeClr val="accent4">
+                  <a:hueOff val="384618"/>
+                  <a:satOff val="3869"/>
+                  <a:lumOff val="5802"/>
+                </a:schemeClr>
+              </a:buClr>
+              <a:defRPr b="0">
+                <a:solidFill>
+                  <a:srgbClr val="000000"/>
+                </a:solidFill>
+              </a:defRPr>
+            </a:lvl1pPr>
+          </a:lstStyle>
+          <a:p>
+            <a:pPr/>
+            <a:r>
+              <a:t>The easiest way to share your app is to host it on shinyapps.io, a cloud based service from RStudio</a:t>
+            </a:r>
+          </a:p>
+        </p:txBody>
+      </p:sp>
+      <p:sp>
+        <p:nvSpPr>
+          <p:cNvPr id="399" name="1. Create a free or professional account at…"/>
+          <p:cNvSpPr txBox="1"/>
+          <p:nvPr/>
+        </p:nvSpPr>
+        <p:spPr>
+          <a:xfrm>
+            <a:off x="311398" y="8225925"/>
+            <a:ext cx="3337933" cy="1214041"/>
+          </a:xfrm>
+          <a:prstGeom prst="rect">
+            <a:avLst/>
+          </a:prstGeom>
+          <a:ln w="12700">
+            <a:miter lim="400000"/>
+          </a:ln>
+          <a:extLst>
+            <a:ext uri="{C572A759-6A51-4108-AA02-DFA0A04FC94B}">
+              <ma14:wrappingTextBoxFlag xmlns:ma14="http://schemas.microsoft.com/office/mac/drawingml/2011/main" val="1"/>
+            </a:ext>
+          </a:extLst>
+        </p:spPr>
+        <p:txBody>
+          <a:bodyPr lIns="54570" tIns="54570" rIns="54570" bIns="54570" anchor="ctr">
+            <a:spAutoFit/>
+          </a:bodyPr>
+          <a:lstStyle/>
+          <a:p>
+            <a:pPr>
+              <a:spcBef>
+                <a:spcPts val="0"/>
+              </a:spcBef>
+              <a:buClr>
+                <a:srgbClr val="000000"/>
+              </a:buClr>
+              <a:defRPr b="0">
+                <a:solidFill>
+                  <a:srgbClr val="000000"/>
+                </a:solidFill>
+              </a:defRPr>
+            </a:pPr>
+            <a:r>
+              <a:rPr>
+                <a:latin typeface="Source Sans Pro Semibold"/>
+                <a:ea typeface="Source Sans Pro Semibold"/>
+                <a:cs typeface="Source Sans Pro Semibold"/>
+                <a:sym typeface="Source Sans Pro Semibold"/>
+              </a:rPr>
+              <a:t>1. </a:t>
+            </a:r>
+            <a:r>
+              <a:t>Create a free or professional account at</a:t>
+            </a:r>
+          </a:p>
+          <a:p>
+            <a:pPr>
+              <a:spcBef>
+                <a:spcPts val="1200"/>
+              </a:spcBef>
+              <a:buClr>
+                <a:srgbClr val="000000"/>
+              </a:buClr>
+              <a:defRPr b="0">
+                <a:solidFill>
+                  <a:srgbClr val="000000"/>
+                </a:solidFill>
+                <a:latin typeface="+mj-lt"/>
+                <a:ea typeface="+mj-ea"/>
+                <a:cs typeface="+mj-cs"/>
+                <a:sym typeface="Source Sans Pro Light"/>
+              </a:defRPr>
+            </a:pPr>
+            <a:r>
+              <a:rPr b="1">
+                <a:latin typeface="+mn-lt"/>
+                <a:ea typeface="+mn-ea"/>
+                <a:cs typeface="+mn-cs"/>
+                <a:sym typeface="Source Sans Pro"/>
+              </a:rPr>
+              <a:t> </a:t>
+            </a:r>
+            <a:r>
+              <a:rPr b="1" u="sng">
+                <a:latin typeface="+mn-lt"/>
+                <a:ea typeface="+mn-ea"/>
+                <a:cs typeface="+mn-cs"/>
+                <a:sym typeface="Source Sans Pro"/>
+                <a:hlinkClick r:id="rId4" invalidUrl="" action="" tgtFrame="" tooltip="" history="1" highlightClick="0" endSnd="0"/>
+              </a:rPr>
+              <a:t>http://shinyapps.io</a:t>
+            </a:r>
+          </a:p>
+          <a:p>
+            <a:pPr>
+              <a:spcBef>
+                <a:spcPts val="0"/>
+              </a:spcBef>
+              <a:buClr>
+                <a:srgbClr val="000000"/>
+              </a:buClr>
+              <a:defRPr b="0">
+                <a:solidFill>
+                  <a:srgbClr val="000000"/>
+                </a:solidFill>
+              </a:defRPr>
+            </a:pPr>
+            <a:r>
+              <a:rPr>
+                <a:latin typeface="Source Sans Pro Semibold"/>
+                <a:ea typeface="Source Sans Pro Semibold"/>
+                <a:cs typeface="Source Sans Pro Semibold"/>
+                <a:sym typeface="Source Sans Pro Semibold"/>
+              </a:rPr>
+              <a:t>2. </a:t>
+            </a:r>
+            <a:r>
+              <a:t>Click the </a:t>
+            </a:r>
+            <a:r>
+              <a:rPr b="1"/>
+              <a:t>Publish</a:t>
+            </a:r>
+            <a:r>
+              <a:t> icon in the RStudio IDE</a:t>
+            </a:r>
+          </a:p>
+          <a:p>
+            <a:pPr>
+              <a:spcBef>
+                <a:spcPts val="0"/>
+              </a:spcBef>
+              <a:buClr>
+                <a:srgbClr val="000000"/>
+              </a:buClr>
+              <a:defRPr b="0">
+                <a:solidFill>
+                  <a:srgbClr val="000000"/>
+                </a:solidFill>
+              </a:defRPr>
+            </a:pPr>
+            <a:r>
+              <a:t>or run:</a:t>
+            </a:r>
+          </a:p>
+          <a:p>
+            <a:pPr>
+              <a:spcBef>
+                <a:spcPts val="300"/>
+              </a:spcBef>
+              <a:buClr>
+                <a:srgbClr val="000000"/>
+              </a:buClr>
+              <a:defRPr b="0">
+                <a:solidFill>
+                  <a:srgbClr val="000000"/>
+                </a:solidFill>
+                <a:latin typeface="+mj-lt"/>
+                <a:ea typeface="+mj-ea"/>
+                <a:cs typeface="+mj-cs"/>
+                <a:sym typeface="Source Sans Pro Light"/>
+              </a:defRPr>
+            </a:pPr>
+            <a:r>
+              <a:rPr b="1">
+                <a:latin typeface="+mn-lt"/>
+                <a:ea typeface="+mn-ea"/>
+                <a:cs typeface="+mn-cs"/>
+                <a:sym typeface="Source Sans Pro"/>
+              </a:rPr>
+              <a:t>rsconnect::deployApp(</a:t>
+            </a:r>
+            <a:r>
+              <a:rPr>
+                <a:latin typeface="+mn-lt"/>
+                <a:ea typeface="+mn-ea"/>
+                <a:cs typeface="+mn-cs"/>
+                <a:sym typeface="Source Sans Pro"/>
+              </a:rPr>
+              <a:t>"&lt;path to directory&gt;"</a:t>
+            </a:r>
+            <a:r>
+              <a:rPr b="1">
+                <a:latin typeface="+mn-lt"/>
+                <a:ea typeface="+mn-ea"/>
+                <a:cs typeface="+mn-cs"/>
+                <a:sym typeface="Source Sans Pro"/>
+              </a:rPr>
+              <a:t>)</a:t>
+            </a:r>
+          </a:p>
+        </p:txBody>
+      </p:sp>
+      <p:pic>
+        <p:nvPicPr>
+          <p:cNvPr id="400" name="Shiny-cheatsheet-2.pdf" descr="Shiny-cheatsheet-2.pdf"/>
+          <p:cNvPicPr>
+            <a:picLocks noChangeAspect="1"/>
+          </p:cNvPicPr>
+          <p:nvPr/>
+        </p:nvPicPr>
+        <p:blipFill>
+          <a:blip r:embed="rId5">
+            <a:extLst/>
+          </a:blip>
+          <a:srcRect l="0" t="58276" r="0" b="0"/>
+          <a:stretch>
+            <a:fillRect/>
+          </a:stretch>
+        </p:blipFill>
+        <p:spPr>
+          <a:xfrm>
+            <a:off x="344110" y="7478034"/>
+            <a:ext cx="884268" cy="647797"/>
+          </a:xfrm>
+          <a:prstGeom prst="rect">
+            <a:avLst/>
+          </a:prstGeom>
+          <a:ln w="12700">
+            <a:miter lim="400000"/>
+          </a:ln>
+        </p:spPr>
+      </p:pic>
+      <p:sp>
+        <p:nvSpPr>
+          <p:cNvPr id="401" name="SHARE YOUR APP"/>
+          <p:cNvSpPr txBox="1"/>
+          <p:nvPr/>
+        </p:nvSpPr>
+        <p:spPr>
+          <a:xfrm>
+            <a:off x="382259" y="7217901"/>
+            <a:ext cx="1196036" cy="215901"/>
+          </a:xfrm>
+          <a:prstGeom prst="rect">
+            <a:avLst/>
+          </a:prstGeom>
+          <a:ln w="12700">
+            <a:miter lim="400000"/>
+          </a:ln>
+          <a:extLst>
+            <a:ext uri="{C572A759-6A51-4108-AA02-DFA0A04FC94B}">
+              <ma14:wrappingTextBoxFlag xmlns:ma14="http://schemas.microsoft.com/office/mac/drawingml/2011/main" val="1"/>
+            </a:ext>
+          </a:extLst>
+        </p:spPr>
+        <p:txBody>
+          <a:bodyPr wrap="none" lIns="12700" tIns="12700" rIns="12700" bIns="12700" anchor="ctr">
+            <a:spAutoFit/>
+          </a:bodyPr>
+          <a:lstStyle/>
+          <a:p>
+            <a:pPr lvl="1" indent="0"/>
+            <a:r>
+              <a:t>SHARE YOUR APP</a:t>
+            </a:r>
+          </a:p>
+        </p:txBody>
+      </p:sp>
+      <p:pic>
+        <p:nvPicPr>
+          <p:cNvPr id="402" name="shinyapps.pdf" descr="shinyapps.pdf"/>
+          <p:cNvPicPr>
+            <a:picLocks noChangeAspect="1"/>
+          </p:cNvPicPr>
+          <p:nvPr/>
+        </p:nvPicPr>
+        <p:blipFill>
+          <a:blip r:embed="rId6">
+            <a:extLst/>
+          </a:blip>
+          <a:srcRect l="17885" t="5894" r="14963" b="24080"/>
+          <a:stretch>
+            <a:fillRect/>
+          </a:stretch>
+        </p:blipFill>
+        <p:spPr>
+          <a:xfrm>
+            <a:off x="479257" y="7535962"/>
+            <a:ext cx="627063" cy="446852"/>
+          </a:xfrm>
+          <a:prstGeom prst="rect">
+            <a:avLst/>
+          </a:prstGeom>
+          <a:ln w="12700">
+            <a:miter lim="400000"/>
+          </a:ln>
+        </p:spPr>
+      </p:pic>
+      <p:pic>
+        <p:nvPicPr>
+          <p:cNvPr id="403" name="Publish-Icon.png" descr="Publish-Icon.png"/>
+          <p:cNvPicPr>
+            <a:picLocks noChangeAspect="1"/>
+          </p:cNvPicPr>
+          <p:nvPr/>
+        </p:nvPicPr>
+        <p:blipFill>
+          <a:blip r:embed="rId7">
+            <a:extLst/>
+          </a:blip>
+          <a:stretch>
+            <a:fillRect/>
+          </a:stretch>
+        </p:blipFill>
+        <p:spPr>
+          <a:xfrm>
+            <a:off x="758504" y="676734"/>
+            <a:ext cx="677341" cy="496492"/>
           </a:xfrm>
           <a:prstGeom prst="rect">
             <a:avLst/>
